--- a/week04/Functions.pptx
+++ b/week04/Functions.pptx
@@ -8,42 +8,43 @@
     <p:sldMasterId id="2147483707" r:id="rId4"/>
   </p:sldMasterIdLst>
   <p:notesMasterIdLst>
-    <p:notesMasterId r:id="rId28"/>
+    <p:notesMasterId r:id="rId29"/>
   </p:notesMasterIdLst>
   <p:sldIdLst>
     <p:sldId id="280" r:id="rId5"/>
     <p:sldId id="257" r:id="rId6"/>
-    <p:sldId id="258" r:id="rId7"/>
-    <p:sldId id="259" r:id="rId8"/>
-    <p:sldId id="260" r:id="rId9"/>
-    <p:sldId id="261" r:id="rId10"/>
-    <p:sldId id="262" r:id="rId11"/>
-    <p:sldId id="263" r:id="rId12"/>
-    <p:sldId id="264" r:id="rId13"/>
-    <p:sldId id="265" r:id="rId14"/>
-    <p:sldId id="266" r:id="rId15"/>
-    <p:sldId id="267" r:id="rId16"/>
-    <p:sldId id="268" r:id="rId17"/>
-    <p:sldId id="269" r:id="rId18"/>
-    <p:sldId id="270" r:id="rId19"/>
-    <p:sldId id="271" r:id="rId20"/>
-    <p:sldId id="272" r:id="rId21"/>
-    <p:sldId id="273" r:id="rId22"/>
-    <p:sldId id="274" r:id="rId23"/>
-    <p:sldId id="275" r:id="rId24"/>
-    <p:sldId id="276" r:id="rId25"/>
-    <p:sldId id="277" r:id="rId26"/>
-    <p:sldId id="279" r:id="rId27"/>
+    <p:sldId id="281" r:id="rId7"/>
+    <p:sldId id="258" r:id="rId8"/>
+    <p:sldId id="259" r:id="rId9"/>
+    <p:sldId id="260" r:id="rId10"/>
+    <p:sldId id="261" r:id="rId11"/>
+    <p:sldId id="262" r:id="rId12"/>
+    <p:sldId id="263" r:id="rId13"/>
+    <p:sldId id="264" r:id="rId14"/>
+    <p:sldId id="265" r:id="rId15"/>
+    <p:sldId id="266" r:id="rId16"/>
+    <p:sldId id="267" r:id="rId17"/>
+    <p:sldId id="268" r:id="rId18"/>
+    <p:sldId id="269" r:id="rId19"/>
+    <p:sldId id="270" r:id="rId20"/>
+    <p:sldId id="271" r:id="rId21"/>
+    <p:sldId id="272" r:id="rId22"/>
+    <p:sldId id="273" r:id="rId23"/>
+    <p:sldId id="274" r:id="rId24"/>
+    <p:sldId id="275" r:id="rId25"/>
+    <p:sldId id="276" r:id="rId26"/>
+    <p:sldId id="277" r:id="rId27"/>
+    <p:sldId id="279" r:id="rId28"/>
   </p:sldIdLst>
   <p:sldSz cx="16256000" cy="9144000"/>
   <p:notesSz cx="6858000" cy="9144000"/>
   <p:embeddedFontLst>
     <p:embeddedFont>
-      <p:font typeface="Cabin" panose="020B0604020202020204" charset="0"/>
-      <p:regular r:id="rId29"/>
-      <p:bold r:id="rId30"/>
-      <p:italic r:id="rId31"/>
-      <p:boldItalic r:id="rId32"/>
+      <p:font typeface="Cabin" charset="0"/>
+      <p:regular r:id="rId30"/>
+      <p:bold r:id="rId31"/>
+      <p:italic r:id="rId32"/>
+      <p:boldItalic r:id="rId33"/>
     </p:embeddedFont>
   </p:embeddedFontLst>
   <p:defaultTextStyle>
@@ -411,6 +412,11 @@
         </p:txBody>
       </p:sp>
     </p:spTree>
+    <p:extLst>
+      <p:ext uri="{BB962C8B-B14F-4D97-AF65-F5344CB8AC3E}">
+        <p14:creationId xmlns:p14="http://schemas.microsoft.com/office/powerpoint/2010/main" val="1283603218"/>
+      </p:ext>
+    </p:extLst>
   </p:cSld>
   <p:clrMap bg1="lt1" tx1="dk1" bg2="dk2" tx2="lt2" accent1="accent1" accent2="accent2" accent3="accent3" accent4="accent4" accent5="accent5" accent6="accent6" hlink="hlink" folHlink="folHlink"/>
   <p:notesStyle>
@@ -618,6 +624,111 @@
   <p:cSld>
     <p:spTree>
       <p:nvGrpSpPr>
+        <p:cNvPr id="1" name="Shape 299"/>
+        <p:cNvGrpSpPr/>
+        <p:nvPr/>
+      </p:nvGrpSpPr>
+      <p:grpSpPr>
+        <a:xfrm>
+          <a:off x="0" y="0"/>
+          <a:ext cx="0" cy="0"/>
+          <a:chOff x="0" y="0"/>
+          <a:chExt cx="0" cy="0"/>
+        </a:xfrm>
+      </p:grpSpPr>
+      <p:sp>
+        <p:nvSpPr>
+          <p:cNvPr id="300" name="Shape 300"/>
+          <p:cNvSpPr txBox="1">
+            <a:spLocks noGrp="1"/>
+          </p:cNvSpPr>
+          <p:nvPr>
+            <p:ph type="body" idx="1"/>
+          </p:nvPr>
+        </p:nvSpPr>
+        <p:spPr>
+          <a:xfrm>
+            <a:off x="685800" y="4343400"/>
+            <a:ext cx="5486399" cy="4114800"/>
+          </a:xfrm>
+          <a:prstGeom prst="rect">
+            <a:avLst/>
+          </a:prstGeom>
+          <a:noFill/>
+          <a:ln>
+            <a:noFill/>
+          </a:ln>
+        </p:spPr>
+        <p:txBody>
+          <a:bodyPr lIns="91425" tIns="91425" rIns="91425" bIns="91425" anchor="ctr" anchorCtr="0">
+            <a:noAutofit/>
+          </a:bodyPr>
+          <a:lstStyle/>
+          <a:p>
+            <a:pPr lvl="0">
+              <a:spcBef>
+                <a:spcPts val="0"/>
+              </a:spcBef>
+              <a:buNone/>
+            </a:pPr>
+            <a:endParaRPr/>
+          </a:p>
+        </p:txBody>
+      </p:sp>
+      <p:sp>
+        <p:nvSpPr>
+          <p:cNvPr id="301" name="Shape 301"/>
+          <p:cNvSpPr>
+            <a:spLocks noGrp="1" noRot="1" noChangeAspect="1"/>
+          </p:cNvSpPr>
+          <p:nvPr>
+            <p:ph type="sldImg" idx="2"/>
+          </p:nvPr>
+        </p:nvSpPr>
+        <p:spPr>
+          <a:xfrm>
+            <a:off x="381000" y="685800"/>
+            <a:ext cx="6096000" cy="3429000"/>
+          </a:xfrm>
+          <a:custGeom>
+            <a:avLst/>
+            <a:gdLst/>
+            <a:ahLst/>
+            <a:cxnLst/>
+            <a:rect l="0" t="0" r="0" b="0"/>
+            <a:pathLst>
+              <a:path w="120000" h="120000" extrusionOk="0">
+                <a:moveTo>
+                  <a:pt x="0" y="0"/>
+                </a:moveTo>
+                <a:lnTo>
+                  <a:pt x="120000" y="0"/>
+                </a:lnTo>
+                <a:lnTo>
+                  <a:pt x="120000" y="120000"/>
+                </a:lnTo>
+                <a:lnTo>
+                  <a:pt x="0" y="120000"/>
+                </a:lnTo>
+                <a:close/>
+              </a:path>
+            </a:pathLst>
+          </a:custGeom>
+        </p:spPr>
+      </p:sp>
+    </p:spTree>
+  </p:cSld>
+  <p:clrMapOvr>
+    <a:masterClrMapping/>
+  </p:clrMapOvr>
+</p:notes>
+</file>
+
+<file path=ppt/notesSlides/notesSlide11.xml><?xml version="1.0" encoding="utf-8"?>
+<p:notes xmlns:a="http://schemas.openxmlformats.org/drawingml/2006/main" xmlns:r="http://schemas.openxmlformats.org/officeDocument/2006/relationships" xmlns:p="http://schemas.openxmlformats.org/presentationml/2006/main" showMasterSp="0" showMasterPhAnim="0">
+  <p:cSld>
+    <p:spTree>
+      <p:nvGrpSpPr>
         <p:cNvPr id="1" name="Shape 306"/>
         <p:cNvGrpSpPr/>
         <p:nvPr/>
@@ -718,7 +829,7 @@
 </p:notes>
 </file>
 
-<file path=ppt/notesSlides/notesSlide11.xml><?xml version="1.0" encoding="utf-8"?>
+<file path=ppt/notesSlides/notesSlide12.xml><?xml version="1.0" encoding="utf-8"?>
 <p:notes xmlns:a="http://schemas.openxmlformats.org/drawingml/2006/main" xmlns:r="http://schemas.openxmlformats.org/officeDocument/2006/relationships" xmlns:p="http://schemas.openxmlformats.org/presentationml/2006/main" showMasterSp="0" showMasterPhAnim="0">
   <p:cSld>
     <p:spTree>
@@ -823,7 +934,7 @@
 </p:notes>
 </file>
 
-<file path=ppt/notesSlides/notesSlide12.xml><?xml version="1.0" encoding="utf-8"?>
+<file path=ppt/notesSlides/notesSlide13.xml><?xml version="1.0" encoding="utf-8"?>
 <p:notes xmlns:a="http://schemas.openxmlformats.org/drawingml/2006/main" xmlns:r="http://schemas.openxmlformats.org/officeDocument/2006/relationships" xmlns:p="http://schemas.openxmlformats.org/presentationml/2006/main" showMasterSp="0" showMasterPhAnim="0">
   <p:cSld>
     <p:spTree>
@@ -928,7 +1039,7 @@
 </p:notes>
 </file>
 
-<file path=ppt/notesSlides/notesSlide13.xml><?xml version="1.0" encoding="utf-8"?>
+<file path=ppt/notesSlides/notesSlide14.xml><?xml version="1.0" encoding="utf-8"?>
 <p:notes xmlns:a="http://schemas.openxmlformats.org/drawingml/2006/main" xmlns:r="http://schemas.openxmlformats.org/officeDocument/2006/relationships" xmlns:p="http://schemas.openxmlformats.org/presentationml/2006/main" showMasterSp="0" showMasterPhAnim="0">
   <p:cSld>
     <p:spTree>
@@ -1033,7 +1144,7 @@
 </p:notes>
 </file>
 
-<file path=ppt/notesSlides/notesSlide14.xml><?xml version="1.0" encoding="utf-8"?>
+<file path=ppt/notesSlides/notesSlide15.xml><?xml version="1.0" encoding="utf-8"?>
 <p:notes xmlns:a="http://schemas.openxmlformats.org/drawingml/2006/main" xmlns:r="http://schemas.openxmlformats.org/officeDocument/2006/relationships" xmlns:p="http://schemas.openxmlformats.org/presentationml/2006/main" showMasterSp="0" showMasterPhAnim="0">
   <p:cSld>
     <p:spTree>
@@ -1138,7 +1249,7 @@
 </p:notes>
 </file>
 
-<file path=ppt/notesSlides/notesSlide15.xml><?xml version="1.0" encoding="utf-8"?>
+<file path=ppt/notesSlides/notesSlide16.xml><?xml version="1.0" encoding="utf-8"?>
 <p:notes xmlns:a="http://schemas.openxmlformats.org/drawingml/2006/main" xmlns:r="http://schemas.openxmlformats.org/officeDocument/2006/relationships" xmlns:p="http://schemas.openxmlformats.org/presentationml/2006/main" showMasterSp="0" showMasterPhAnim="0">
   <p:cSld>
     <p:spTree>
@@ -1243,7 +1354,7 @@
 </p:notes>
 </file>
 
-<file path=ppt/notesSlides/notesSlide16.xml><?xml version="1.0" encoding="utf-8"?>
+<file path=ppt/notesSlides/notesSlide17.xml><?xml version="1.0" encoding="utf-8"?>
 <p:notes xmlns:a="http://schemas.openxmlformats.org/drawingml/2006/main" xmlns:r="http://schemas.openxmlformats.org/officeDocument/2006/relationships" xmlns:p="http://schemas.openxmlformats.org/presentationml/2006/main" showMasterSp="0" showMasterPhAnim="0">
   <p:cSld>
     <p:spTree>
@@ -1348,7 +1459,7 @@
 </p:notes>
 </file>
 
-<file path=ppt/notesSlides/notesSlide17.xml><?xml version="1.0" encoding="utf-8"?>
+<file path=ppt/notesSlides/notesSlide18.xml><?xml version="1.0" encoding="utf-8"?>
 <p:notes xmlns:a="http://schemas.openxmlformats.org/drawingml/2006/main" xmlns:r="http://schemas.openxmlformats.org/officeDocument/2006/relationships" xmlns:p="http://schemas.openxmlformats.org/presentationml/2006/main" showMasterSp="0" showMasterPhAnim="0">
   <p:cSld>
     <p:spTree>
@@ -1453,7 +1564,7 @@
 </p:notes>
 </file>
 
-<file path=ppt/notesSlides/notesSlide18.xml><?xml version="1.0" encoding="utf-8"?>
+<file path=ppt/notesSlides/notesSlide19.xml><?xml version="1.0" encoding="utf-8"?>
 <p:notes xmlns:a="http://schemas.openxmlformats.org/drawingml/2006/main" xmlns:r="http://schemas.openxmlformats.org/officeDocument/2006/relationships" xmlns:p="http://schemas.openxmlformats.org/presentationml/2006/main" showMasterSp="0" showMasterPhAnim="0">
   <p:cSld>
     <p:spTree>
@@ -1558,7 +1669,112 @@
 </p:notes>
 </file>
 
-<file path=ppt/notesSlides/notesSlide19.xml><?xml version="1.0" encoding="utf-8"?>
+<file path=ppt/notesSlides/notesSlide2.xml><?xml version="1.0" encoding="utf-8"?>
+<p:notes xmlns:a="http://schemas.openxmlformats.org/drawingml/2006/main" xmlns:r="http://schemas.openxmlformats.org/officeDocument/2006/relationships" xmlns:p="http://schemas.openxmlformats.org/presentationml/2006/main" showMasterSp="0" showMasterPhAnim="0">
+  <p:cSld>
+    <p:spTree>
+      <p:nvGrpSpPr>
+        <p:cNvPr id="1" name="Shape 209"/>
+        <p:cNvGrpSpPr/>
+        <p:nvPr/>
+      </p:nvGrpSpPr>
+      <p:grpSpPr>
+        <a:xfrm>
+          <a:off x="0" y="0"/>
+          <a:ext cx="0" cy="0"/>
+          <a:chOff x="0" y="0"/>
+          <a:chExt cx="0" cy="0"/>
+        </a:xfrm>
+      </p:grpSpPr>
+      <p:sp>
+        <p:nvSpPr>
+          <p:cNvPr id="210" name="Shape 210"/>
+          <p:cNvSpPr txBox="1">
+            <a:spLocks noGrp="1"/>
+          </p:cNvSpPr>
+          <p:nvPr>
+            <p:ph type="body" idx="1"/>
+          </p:nvPr>
+        </p:nvSpPr>
+        <p:spPr>
+          <a:xfrm>
+            <a:off x="685800" y="4343400"/>
+            <a:ext cx="5486399" cy="4114800"/>
+          </a:xfrm>
+          <a:prstGeom prst="rect">
+            <a:avLst/>
+          </a:prstGeom>
+          <a:noFill/>
+          <a:ln>
+            <a:noFill/>
+          </a:ln>
+        </p:spPr>
+        <p:txBody>
+          <a:bodyPr lIns="91425" tIns="91425" rIns="91425" bIns="91425" anchor="ctr" anchorCtr="0">
+            <a:noAutofit/>
+          </a:bodyPr>
+          <a:lstStyle/>
+          <a:p>
+            <a:pPr lvl="0">
+              <a:spcBef>
+                <a:spcPts val="0"/>
+              </a:spcBef>
+              <a:buNone/>
+            </a:pPr>
+            <a:endParaRPr/>
+          </a:p>
+        </p:txBody>
+      </p:sp>
+      <p:sp>
+        <p:nvSpPr>
+          <p:cNvPr id="211" name="Shape 211"/>
+          <p:cNvSpPr>
+            <a:spLocks noGrp="1" noRot="1" noChangeAspect="1"/>
+          </p:cNvSpPr>
+          <p:nvPr>
+            <p:ph type="sldImg" idx="2"/>
+          </p:nvPr>
+        </p:nvSpPr>
+        <p:spPr>
+          <a:xfrm>
+            <a:off x="381000" y="685800"/>
+            <a:ext cx="6096000" cy="3429000"/>
+          </a:xfrm>
+          <a:custGeom>
+            <a:avLst/>
+            <a:gdLst/>
+            <a:ahLst/>
+            <a:cxnLst/>
+            <a:rect l="0" t="0" r="0" b="0"/>
+            <a:pathLst>
+              <a:path w="120000" h="120000" extrusionOk="0">
+                <a:moveTo>
+                  <a:pt x="0" y="0"/>
+                </a:moveTo>
+                <a:lnTo>
+                  <a:pt x="120000" y="0"/>
+                </a:lnTo>
+                <a:lnTo>
+                  <a:pt x="120000" y="120000"/>
+                </a:lnTo>
+                <a:lnTo>
+                  <a:pt x="0" y="120000"/>
+                </a:lnTo>
+                <a:close/>
+              </a:path>
+            </a:pathLst>
+          </a:custGeom>
+        </p:spPr>
+      </p:sp>
+    </p:spTree>
+  </p:cSld>
+  <p:clrMapOvr>
+    <a:masterClrMapping/>
+  </p:clrMapOvr>
+</p:notes>
+</file>
+
+<file path=ppt/notesSlides/notesSlide20.xml><?xml version="1.0" encoding="utf-8"?>
 <p:notes xmlns:a="http://schemas.openxmlformats.org/drawingml/2006/main" xmlns:r="http://schemas.openxmlformats.org/officeDocument/2006/relationships" xmlns:p="http://schemas.openxmlformats.org/presentationml/2006/main" showMasterSp="0" showMasterPhAnim="0">
   <p:cSld>
     <p:spTree>
@@ -1663,112 +1879,7 @@
 </p:notes>
 </file>
 
-<file path=ppt/notesSlides/notesSlide2.xml><?xml version="1.0" encoding="utf-8"?>
-<p:notes xmlns:a="http://schemas.openxmlformats.org/drawingml/2006/main" xmlns:r="http://schemas.openxmlformats.org/officeDocument/2006/relationships" xmlns:p="http://schemas.openxmlformats.org/presentationml/2006/main" showMasterSp="0" showMasterPhAnim="0">
-  <p:cSld>
-    <p:spTree>
-      <p:nvGrpSpPr>
-        <p:cNvPr id="1" name="Shape 232"/>
-        <p:cNvGrpSpPr/>
-        <p:nvPr/>
-      </p:nvGrpSpPr>
-      <p:grpSpPr>
-        <a:xfrm>
-          <a:off x="0" y="0"/>
-          <a:ext cx="0" cy="0"/>
-          <a:chOff x="0" y="0"/>
-          <a:chExt cx="0" cy="0"/>
-        </a:xfrm>
-      </p:grpSpPr>
-      <p:sp>
-        <p:nvSpPr>
-          <p:cNvPr id="233" name="Shape 233"/>
-          <p:cNvSpPr txBox="1">
-            <a:spLocks noGrp="1"/>
-          </p:cNvSpPr>
-          <p:nvPr>
-            <p:ph type="body" idx="1"/>
-          </p:nvPr>
-        </p:nvSpPr>
-        <p:spPr>
-          <a:xfrm>
-            <a:off x="685800" y="4343400"/>
-            <a:ext cx="5486399" cy="4114800"/>
-          </a:xfrm>
-          <a:prstGeom prst="rect">
-            <a:avLst/>
-          </a:prstGeom>
-          <a:noFill/>
-          <a:ln>
-            <a:noFill/>
-          </a:ln>
-        </p:spPr>
-        <p:txBody>
-          <a:bodyPr lIns="91425" tIns="91425" rIns="91425" bIns="91425" anchor="ctr" anchorCtr="0">
-            <a:noAutofit/>
-          </a:bodyPr>
-          <a:lstStyle/>
-          <a:p>
-            <a:pPr lvl="0">
-              <a:spcBef>
-                <a:spcPts val="0"/>
-              </a:spcBef>
-              <a:buNone/>
-            </a:pPr>
-            <a:endParaRPr/>
-          </a:p>
-        </p:txBody>
-      </p:sp>
-      <p:sp>
-        <p:nvSpPr>
-          <p:cNvPr id="234" name="Shape 234"/>
-          <p:cNvSpPr>
-            <a:spLocks noGrp="1" noRot="1" noChangeAspect="1"/>
-          </p:cNvSpPr>
-          <p:nvPr>
-            <p:ph type="sldImg" idx="2"/>
-          </p:nvPr>
-        </p:nvSpPr>
-        <p:spPr>
-          <a:xfrm>
-            <a:off x="381000" y="685800"/>
-            <a:ext cx="6096000" cy="3429000"/>
-          </a:xfrm>
-          <a:custGeom>
-            <a:avLst/>
-            <a:gdLst/>
-            <a:ahLst/>
-            <a:cxnLst/>
-            <a:rect l="0" t="0" r="0" b="0"/>
-            <a:pathLst>
-              <a:path w="120000" h="120000" extrusionOk="0">
-                <a:moveTo>
-                  <a:pt x="0" y="0"/>
-                </a:moveTo>
-                <a:lnTo>
-                  <a:pt x="120000" y="0"/>
-                </a:lnTo>
-                <a:lnTo>
-                  <a:pt x="120000" y="120000"/>
-                </a:lnTo>
-                <a:lnTo>
-                  <a:pt x="0" y="120000"/>
-                </a:lnTo>
-                <a:close/>
-              </a:path>
-            </a:pathLst>
-          </a:custGeom>
-        </p:spPr>
-      </p:sp>
-    </p:spTree>
-  </p:cSld>
-  <p:clrMapOvr>
-    <a:masterClrMapping/>
-  </p:clrMapOvr>
-</p:notes>
-</file>
-
-<file path=ppt/notesSlides/notesSlide20.xml><?xml version="1.0" encoding="utf-8"?>
+<file path=ppt/notesSlides/notesSlide21.xml><?xml version="1.0" encoding="utf-8"?>
 <p:notes xmlns:a="http://schemas.openxmlformats.org/drawingml/2006/main" xmlns:r="http://schemas.openxmlformats.org/officeDocument/2006/relationships" xmlns:p="http://schemas.openxmlformats.org/presentationml/2006/main" showMasterSp="0" showMasterPhAnim="0">
   <p:cSld>
     <p:spTree>
@@ -1873,7 +1984,7 @@
 </p:notes>
 </file>
 
-<file path=ppt/notesSlides/notesSlide21.xml><?xml version="1.0" encoding="utf-8"?>
+<file path=ppt/notesSlides/notesSlide22.xml><?xml version="1.0" encoding="utf-8"?>
 <p:notes xmlns:a="http://schemas.openxmlformats.org/drawingml/2006/main" xmlns:r="http://schemas.openxmlformats.org/officeDocument/2006/relationships" xmlns:p="http://schemas.openxmlformats.org/presentationml/2006/main" showMasterSp="0" showMasterPhAnim="0">
   <p:cSld>
     <p:spTree>
@@ -1978,7 +2089,7 @@
 </p:notes>
 </file>
 
-<file path=ppt/notesSlides/notesSlide22.xml><?xml version="1.0" encoding="utf-8"?>
+<file path=ppt/notesSlides/notesSlide23.xml><?xml version="1.0" encoding="utf-8"?>
 <p:notes xmlns:a="http://schemas.openxmlformats.org/drawingml/2006/main" xmlns:r="http://schemas.openxmlformats.org/officeDocument/2006/relationships" xmlns:p="http://schemas.openxmlformats.org/presentationml/2006/main" showMasterSp="0" showMasterPhAnim="0">
   <p:cSld>
     <p:spTree>
@@ -2088,6 +2199,111 @@
   <p:cSld>
     <p:spTree>
       <p:nvGrpSpPr>
+        <p:cNvPr id="1" name="Shape 232"/>
+        <p:cNvGrpSpPr/>
+        <p:nvPr/>
+      </p:nvGrpSpPr>
+      <p:grpSpPr>
+        <a:xfrm>
+          <a:off x="0" y="0"/>
+          <a:ext cx="0" cy="0"/>
+          <a:chOff x="0" y="0"/>
+          <a:chExt cx="0" cy="0"/>
+        </a:xfrm>
+      </p:grpSpPr>
+      <p:sp>
+        <p:nvSpPr>
+          <p:cNvPr id="233" name="Shape 233"/>
+          <p:cNvSpPr txBox="1">
+            <a:spLocks noGrp="1"/>
+          </p:cNvSpPr>
+          <p:nvPr>
+            <p:ph type="body" idx="1"/>
+          </p:nvPr>
+        </p:nvSpPr>
+        <p:spPr>
+          <a:xfrm>
+            <a:off x="685800" y="4343400"/>
+            <a:ext cx="5486399" cy="4114800"/>
+          </a:xfrm>
+          <a:prstGeom prst="rect">
+            <a:avLst/>
+          </a:prstGeom>
+          <a:noFill/>
+          <a:ln>
+            <a:noFill/>
+          </a:ln>
+        </p:spPr>
+        <p:txBody>
+          <a:bodyPr lIns="91425" tIns="91425" rIns="91425" bIns="91425" anchor="ctr" anchorCtr="0">
+            <a:noAutofit/>
+          </a:bodyPr>
+          <a:lstStyle/>
+          <a:p>
+            <a:pPr lvl="0">
+              <a:spcBef>
+                <a:spcPts val="0"/>
+              </a:spcBef>
+              <a:buNone/>
+            </a:pPr>
+            <a:endParaRPr/>
+          </a:p>
+        </p:txBody>
+      </p:sp>
+      <p:sp>
+        <p:nvSpPr>
+          <p:cNvPr id="234" name="Shape 234"/>
+          <p:cNvSpPr>
+            <a:spLocks noGrp="1" noRot="1" noChangeAspect="1"/>
+          </p:cNvSpPr>
+          <p:nvPr>
+            <p:ph type="sldImg" idx="2"/>
+          </p:nvPr>
+        </p:nvSpPr>
+        <p:spPr>
+          <a:xfrm>
+            <a:off x="381000" y="685800"/>
+            <a:ext cx="6096000" cy="3429000"/>
+          </a:xfrm>
+          <a:custGeom>
+            <a:avLst/>
+            <a:gdLst/>
+            <a:ahLst/>
+            <a:cxnLst/>
+            <a:rect l="0" t="0" r="0" b="0"/>
+            <a:pathLst>
+              <a:path w="120000" h="120000" extrusionOk="0">
+                <a:moveTo>
+                  <a:pt x="0" y="0"/>
+                </a:moveTo>
+                <a:lnTo>
+                  <a:pt x="120000" y="0"/>
+                </a:lnTo>
+                <a:lnTo>
+                  <a:pt x="120000" y="120000"/>
+                </a:lnTo>
+                <a:lnTo>
+                  <a:pt x="0" y="120000"/>
+                </a:lnTo>
+                <a:close/>
+              </a:path>
+            </a:pathLst>
+          </a:custGeom>
+        </p:spPr>
+      </p:sp>
+    </p:spTree>
+  </p:cSld>
+  <p:clrMapOvr>
+    <a:masterClrMapping/>
+  </p:clrMapOvr>
+</p:notes>
+</file>
+
+<file path=ppt/notesSlides/notesSlide4.xml><?xml version="1.0" encoding="utf-8"?>
+<p:notes xmlns:a="http://schemas.openxmlformats.org/drawingml/2006/main" xmlns:r="http://schemas.openxmlformats.org/officeDocument/2006/relationships" xmlns:p="http://schemas.openxmlformats.org/presentationml/2006/main" showMasterSp="0" showMasterPhAnim="0">
+  <p:cSld>
+    <p:spTree>
+      <p:nvGrpSpPr>
         <p:cNvPr id="1" name="Shape 238"/>
         <p:cNvGrpSpPr/>
         <p:nvPr/>
@@ -2188,7 +2404,7 @@
 </p:notes>
 </file>
 
-<file path=ppt/notesSlides/notesSlide4.xml><?xml version="1.0" encoding="utf-8"?>
+<file path=ppt/notesSlides/notesSlide5.xml><?xml version="1.0" encoding="utf-8"?>
 <p:notes xmlns:a="http://schemas.openxmlformats.org/drawingml/2006/main" xmlns:r="http://schemas.openxmlformats.org/officeDocument/2006/relationships" xmlns:p="http://schemas.openxmlformats.org/presentationml/2006/main" showMasterSp="0" showMasterPhAnim="0">
   <p:cSld>
     <p:spTree>
@@ -2293,7 +2509,7 @@
 </p:notes>
 </file>
 
-<file path=ppt/notesSlides/notesSlide5.xml><?xml version="1.0" encoding="utf-8"?>
+<file path=ppt/notesSlides/notesSlide6.xml><?xml version="1.0" encoding="utf-8"?>
 <p:notes xmlns:a="http://schemas.openxmlformats.org/drawingml/2006/main" xmlns:r="http://schemas.openxmlformats.org/officeDocument/2006/relationships" xmlns:p="http://schemas.openxmlformats.org/presentationml/2006/main" showMasterSp="0" showMasterPhAnim="0">
   <p:cSld>
     <p:spTree>
@@ -2398,7 +2614,7 @@
 </p:notes>
 </file>
 
-<file path=ppt/notesSlides/notesSlide6.xml><?xml version="1.0" encoding="utf-8"?>
+<file path=ppt/notesSlides/notesSlide7.xml><?xml version="1.0" encoding="utf-8"?>
 <p:notes xmlns:a="http://schemas.openxmlformats.org/drawingml/2006/main" xmlns:r="http://schemas.openxmlformats.org/officeDocument/2006/relationships" xmlns:p="http://schemas.openxmlformats.org/presentationml/2006/main" showMasterSp="0" showMasterPhAnim="0">
   <p:cSld>
     <p:spTree>
@@ -2503,7 +2719,7 @@
 </p:notes>
 </file>
 
-<file path=ppt/notesSlides/notesSlide7.xml><?xml version="1.0" encoding="utf-8"?>
+<file path=ppt/notesSlides/notesSlide8.xml><?xml version="1.0" encoding="utf-8"?>
 <p:notes xmlns:a="http://schemas.openxmlformats.org/drawingml/2006/main" xmlns:r="http://schemas.openxmlformats.org/officeDocument/2006/relationships" xmlns:p="http://schemas.openxmlformats.org/presentationml/2006/main" showMasterSp="0" showMasterPhAnim="0">
   <p:cSld>
     <p:spTree>
@@ -2608,7 +2824,7 @@
 </p:notes>
 </file>
 
-<file path=ppt/notesSlides/notesSlide8.xml><?xml version="1.0" encoding="utf-8"?>
+<file path=ppt/notesSlides/notesSlide9.xml><?xml version="1.0" encoding="utf-8"?>
 <p:notes xmlns:a="http://schemas.openxmlformats.org/drawingml/2006/main" xmlns:r="http://schemas.openxmlformats.org/officeDocument/2006/relationships" xmlns:p="http://schemas.openxmlformats.org/presentationml/2006/main" showMasterSp="0" showMasterPhAnim="0">
   <p:cSld>
     <p:spTree>
@@ -2667,111 +2883,6 @@
       <p:sp>
         <p:nvSpPr>
           <p:cNvPr id="294" name="Shape 294"/>
-          <p:cNvSpPr>
-            <a:spLocks noGrp="1" noRot="1" noChangeAspect="1"/>
-          </p:cNvSpPr>
-          <p:nvPr>
-            <p:ph type="sldImg" idx="2"/>
-          </p:nvPr>
-        </p:nvSpPr>
-        <p:spPr>
-          <a:xfrm>
-            <a:off x="381000" y="685800"/>
-            <a:ext cx="6096000" cy="3429000"/>
-          </a:xfrm>
-          <a:custGeom>
-            <a:avLst/>
-            <a:gdLst/>
-            <a:ahLst/>
-            <a:cxnLst/>
-            <a:rect l="0" t="0" r="0" b="0"/>
-            <a:pathLst>
-              <a:path w="120000" h="120000" extrusionOk="0">
-                <a:moveTo>
-                  <a:pt x="0" y="0"/>
-                </a:moveTo>
-                <a:lnTo>
-                  <a:pt x="120000" y="0"/>
-                </a:lnTo>
-                <a:lnTo>
-                  <a:pt x="120000" y="120000"/>
-                </a:lnTo>
-                <a:lnTo>
-                  <a:pt x="0" y="120000"/>
-                </a:lnTo>
-                <a:close/>
-              </a:path>
-            </a:pathLst>
-          </a:custGeom>
-        </p:spPr>
-      </p:sp>
-    </p:spTree>
-  </p:cSld>
-  <p:clrMapOvr>
-    <a:masterClrMapping/>
-  </p:clrMapOvr>
-</p:notes>
-</file>
-
-<file path=ppt/notesSlides/notesSlide9.xml><?xml version="1.0" encoding="utf-8"?>
-<p:notes xmlns:a="http://schemas.openxmlformats.org/drawingml/2006/main" xmlns:r="http://schemas.openxmlformats.org/officeDocument/2006/relationships" xmlns:p="http://schemas.openxmlformats.org/presentationml/2006/main" showMasterSp="0" showMasterPhAnim="0">
-  <p:cSld>
-    <p:spTree>
-      <p:nvGrpSpPr>
-        <p:cNvPr id="1" name="Shape 299"/>
-        <p:cNvGrpSpPr/>
-        <p:nvPr/>
-      </p:nvGrpSpPr>
-      <p:grpSpPr>
-        <a:xfrm>
-          <a:off x="0" y="0"/>
-          <a:ext cx="0" cy="0"/>
-          <a:chOff x="0" y="0"/>
-          <a:chExt cx="0" cy="0"/>
-        </a:xfrm>
-      </p:grpSpPr>
-      <p:sp>
-        <p:nvSpPr>
-          <p:cNvPr id="300" name="Shape 300"/>
-          <p:cNvSpPr txBox="1">
-            <a:spLocks noGrp="1"/>
-          </p:cNvSpPr>
-          <p:nvPr>
-            <p:ph type="body" idx="1"/>
-          </p:nvPr>
-        </p:nvSpPr>
-        <p:spPr>
-          <a:xfrm>
-            <a:off x="685800" y="4343400"/>
-            <a:ext cx="5486399" cy="4114800"/>
-          </a:xfrm>
-          <a:prstGeom prst="rect">
-            <a:avLst/>
-          </a:prstGeom>
-          <a:noFill/>
-          <a:ln>
-            <a:noFill/>
-          </a:ln>
-        </p:spPr>
-        <p:txBody>
-          <a:bodyPr lIns="91425" tIns="91425" rIns="91425" bIns="91425" anchor="ctr" anchorCtr="0">
-            <a:noAutofit/>
-          </a:bodyPr>
-          <a:lstStyle/>
-          <a:p>
-            <a:pPr lvl="0">
-              <a:spcBef>
-                <a:spcPts val="0"/>
-              </a:spcBef>
-              <a:buNone/>
-            </a:pPr>
-            <a:endParaRPr/>
-          </a:p>
-        </p:txBody>
-      </p:sp>
-      <p:sp>
-        <p:nvSpPr>
-          <p:cNvPr id="301" name="Shape 301"/>
           <p:cNvSpPr>
             <a:spLocks noGrp="1" noRot="1" noChangeAspect="1"/>
           </p:cNvSpPr>
@@ -17277,6 +17388,14 @@
 <file path=ppt/slides/slide1.xml><?xml version="1.0" encoding="utf-8"?>
 <p:sld xmlns:a="http://schemas.openxmlformats.org/drawingml/2006/main" xmlns:r="http://schemas.openxmlformats.org/officeDocument/2006/relationships" xmlns:p="http://schemas.openxmlformats.org/presentationml/2006/main">
   <p:cSld>
+    <p:bg>
+      <p:bgPr>
+        <a:solidFill>
+          <a:schemeClr val="bg1"/>
+        </a:solidFill>
+        <a:effectLst/>
+      </p:bgPr>
+    </p:bg>
     <p:spTree>
       <p:nvGrpSpPr>
         <p:cNvPr id="1" name=""/>
@@ -17299,25 +17418,6 @@
           </p:cNvSpPr>
           <p:nvPr>
             <p:ph type="title"/>
-          </p:nvPr>
-        </p:nvSpPr>
-        <p:spPr/>
-        <p:txBody>
-          <a:bodyPr/>
-          <a:lstStyle/>
-          <a:p>
-            <a:endParaRPr lang="ru-RU"/>
-          </a:p>
-        </p:txBody>
-      </p:sp>
-      <p:sp>
-        <p:nvSpPr>
-          <p:cNvPr id="3" name="Текст 2"/>
-          <p:cNvSpPr>
-            <a:spLocks noGrp="1"/>
-          </p:cNvSpPr>
-          <p:nvPr>
-            <p:ph type="body" idx="1"/>
           </p:nvPr>
         </p:nvSpPr>
         <p:spPr/>
@@ -17470,9 +17570,9 @@
               <a:buNone/>
             </a:pPr>
             <a:r>
-              <a:rPr lang="en-US" sz="7600" smtClean="0">
-                <a:solidFill>
-                  <a:srgbClr val="FF00FF"/>
+              <a:rPr lang="en-US" sz="7600" dirty="0" err="1" smtClean="0">
+                <a:solidFill>
+                  <a:schemeClr val="bg2"/>
                 </a:solidFill>
                 <a:latin typeface="Cabin"/>
                 <a:ea typeface="Cabin"/>
@@ -17483,7 +17583,7 @@
             </a:r>
             <a:endParaRPr lang="en-US" sz="7600" dirty="0">
               <a:solidFill>
-                <a:srgbClr val="FF00FF"/>
+                <a:schemeClr val="bg2"/>
               </a:solidFill>
               <a:latin typeface="Cabin"/>
               <a:ea typeface="Cabin"/>
@@ -17507,6 +17607,1265 @@
 </file>
 
 <file path=ppt/slides/slide10.xml><?xml version="1.0" encoding="utf-8"?>
+<p:sld xmlns:a="http://schemas.openxmlformats.org/drawingml/2006/main" xmlns:r="http://schemas.openxmlformats.org/officeDocument/2006/relationships" xmlns:p="http://schemas.openxmlformats.org/presentationml/2006/main">
+  <p:cSld>
+    <p:spTree>
+      <p:nvGrpSpPr>
+        <p:cNvPr id="1" name="Shape 295"/>
+        <p:cNvGrpSpPr/>
+        <p:nvPr/>
+      </p:nvGrpSpPr>
+      <p:grpSpPr>
+        <a:xfrm>
+          <a:off x="0" y="0"/>
+          <a:ext cx="0" cy="0"/>
+          <a:chOff x="0" y="0"/>
+          <a:chExt cx="0" cy="0"/>
+        </a:xfrm>
+      </p:grpSpPr>
+      <p:sp>
+        <p:nvSpPr>
+          <p:cNvPr id="296" name="Shape 296"/>
+          <p:cNvSpPr txBox="1">
+            <a:spLocks noGrp="1"/>
+          </p:cNvSpPr>
+          <p:nvPr>
+            <p:ph type="title"/>
+          </p:nvPr>
+        </p:nvSpPr>
+        <p:spPr>
+          <a:xfrm>
+            <a:off x="1155700" y="546100"/>
+            <a:ext cx="6372000" cy="2298600"/>
+          </a:xfrm>
+          <a:prstGeom prst="rect">
+            <a:avLst/>
+          </a:prstGeom>
+          <a:noFill/>
+          <a:ln>
+            <a:noFill/>
+          </a:ln>
+        </p:spPr>
+        <p:txBody>
+          <a:bodyPr lIns="38100" tIns="38100" rIns="38100" bIns="38100" anchor="ctr" anchorCtr="0">
+            <a:noAutofit/>
+          </a:bodyPr>
+          <a:lstStyle/>
+          <a:p>
+            <a:pPr marL="0" marR="0" lvl="0" indent="0" algn="ctr" rtl="0">
+              <a:lnSpc>
+                <a:spcPct val="100000"/>
+              </a:lnSpc>
+              <a:spcBef>
+                <a:spcPts val="0"/>
+              </a:spcBef>
+              <a:spcAft>
+                <a:spcPts val="0"/>
+              </a:spcAft>
+              <a:buClr>
+                <a:srgbClr val="FFFF00"/>
+              </a:buClr>
+              <a:buSzPct val="25000"/>
+              <a:buFont typeface="Cabin"/>
+              <a:buNone/>
+            </a:pPr>
+            <a:r>
+              <a:rPr lang="en-US" sz="5600">
+                <a:solidFill>
+                  <a:srgbClr val="FFFF00"/>
+                </a:solidFill>
+                <a:latin typeface="Cabin"/>
+                <a:ea typeface="Cabin"/>
+                <a:cs typeface="Cabin"/>
+                <a:sym typeface="Cabin"/>
+              </a:rPr>
+              <a:t>Преобразование строк</a:t>
+            </a:r>
+          </a:p>
+        </p:txBody>
+      </p:sp>
+      <p:sp>
+        <p:nvSpPr>
+          <p:cNvPr id="297" name="Shape 297"/>
+          <p:cNvSpPr txBox="1">
+            <a:spLocks noGrp="1"/>
+          </p:cNvSpPr>
+          <p:nvPr>
+            <p:ph type="body" idx="1"/>
+          </p:nvPr>
+        </p:nvSpPr>
+        <p:spPr>
+          <a:xfrm>
+            <a:off x="850900" y="2603500"/>
+            <a:ext cx="6159600" cy="5702399"/>
+          </a:xfrm>
+          <a:prstGeom prst="rect">
+            <a:avLst/>
+          </a:prstGeom>
+          <a:noFill/>
+          <a:ln>
+            <a:noFill/>
+          </a:ln>
+        </p:spPr>
+        <p:txBody>
+          <a:bodyPr lIns="38100" tIns="38100" rIns="38100" bIns="38100" anchor="ctr" anchorCtr="0">
+            <a:noAutofit/>
+          </a:bodyPr>
+          <a:lstStyle/>
+          <a:p>
+            <a:pPr marL="749300" marR="0" lvl="0" indent="-371094" algn="l" rtl="0">
+              <a:lnSpc>
+                <a:spcPct val="100000"/>
+              </a:lnSpc>
+              <a:spcBef>
+                <a:spcPts val="0"/>
+              </a:spcBef>
+              <a:spcAft>
+                <a:spcPts val="0"/>
+              </a:spcAft>
+              <a:buClr>
+                <a:schemeClr val="lt1"/>
+              </a:buClr>
+              <a:buSzPct val="100000"/>
+              <a:buFont typeface="Cabin"/>
+              <a:buChar char="•"/>
+            </a:pPr>
+            <a:r>
+              <a:rPr lang="en-US" sz="3600">
+                <a:solidFill>
+                  <a:schemeClr val="lt1"/>
+                </a:solidFill>
+                <a:latin typeface="Cabin"/>
+                <a:ea typeface="Cabin"/>
+                <a:cs typeface="Cabin"/>
+                <a:sym typeface="Cabin"/>
+              </a:rPr>
+              <a:t>Функции</a:t>
+            </a:r>
+            <a:r>
+              <a:rPr lang="en-US" sz="3600" b="0" i="0" u="none" strike="noStrike" cap="none">
+                <a:solidFill>
+                  <a:schemeClr val="lt1"/>
+                </a:solidFill>
+                <a:latin typeface="Cabin"/>
+                <a:ea typeface="Cabin"/>
+                <a:cs typeface="Cabin"/>
+                <a:sym typeface="Cabin"/>
+              </a:rPr>
+              <a:t> </a:t>
+            </a:r>
+            <a:r>
+              <a:rPr lang="en-US" sz="3600" b="0" i="0" u="none" strike="noStrike" cap="none">
+                <a:solidFill>
+                  <a:srgbClr val="FFFF00"/>
+                </a:solidFill>
+                <a:latin typeface="Cabin"/>
+                <a:ea typeface="Cabin"/>
+                <a:cs typeface="Cabin"/>
+                <a:sym typeface="Cabin"/>
+              </a:rPr>
+              <a:t>int()</a:t>
+            </a:r>
+            <a:r>
+              <a:rPr lang="en-US" sz="3600" b="0" i="0" u="none" strike="noStrike" cap="none">
+                <a:solidFill>
+                  <a:schemeClr val="lt1"/>
+                </a:solidFill>
+                <a:latin typeface="Cabin"/>
+                <a:ea typeface="Cabin"/>
+                <a:cs typeface="Cabin"/>
+                <a:sym typeface="Cabin"/>
+              </a:rPr>
+              <a:t> </a:t>
+            </a:r>
+            <a:r>
+              <a:rPr lang="en-US" sz="3600">
+                <a:solidFill>
+                  <a:schemeClr val="lt1"/>
+                </a:solidFill>
+                <a:latin typeface="Cabin"/>
+                <a:ea typeface="Cabin"/>
+                <a:cs typeface="Cabin"/>
+                <a:sym typeface="Cabin"/>
+              </a:rPr>
+              <a:t>и</a:t>
+            </a:r>
+            <a:r>
+              <a:rPr lang="en-US" sz="3600" b="0" i="0" u="none" strike="noStrike" cap="none">
+                <a:solidFill>
+                  <a:schemeClr val="lt1"/>
+                </a:solidFill>
+                <a:latin typeface="Cabin"/>
+                <a:ea typeface="Cabin"/>
+                <a:cs typeface="Cabin"/>
+                <a:sym typeface="Cabin"/>
+              </a:rPr>
+              <a:t> </a:t>
+            </a:r>
+            <a:r>
+              <a:rPr lang="en-US" sz="3600" b="0" i="0" u="none" strike="noStrike" cap="none">
+                <a:solidFill>
+                  <a:srgbClr val="FFFF00"/>
+                </a:solidFill>
+                <a:latin typeface="Cabin"/>
+                <a:ea typeface="Cabin"/>
+                <a:cs typeface="Cabin"/>
+                <a:sym typeface="Cabin"/>
+              </a:rPr>
+              <a:t>float()</a:t>
+            </a:r>
+            <a:r>
+              <a:rPr lang="en-US" sz="3600" b="0" i="0" u="none" strike="noStrike" cap="none">
+                <a:solidFill>
+                  <a:schemeClr val="lt1"/>
+                </a:solidFill>
+                <a:latin typeface="Cabin"/>
+                <a:ea typeface="Cabin"/>
+                <a:cs typeface="Cabin"/>
+                <a:sym typeface="Cabin"/>
+              </a:rPr>
+              <a:t> </a:t>
+            </a:r>
+            <a:r>
+              <a:rPr lang="en-US" sz="3600">
+                <a:solidFill>
+                  <a:schemeClr val="lt1"/>
+                </a:solidFill>
+                <a:latin typeface="Cabin"/>
+                <a:ea typeface="Cabin"/>
+                <a:cs typeface="Cabin"/>
+                <a:sym typeface="Cabin"/>
+              </a:rPr>
+              <a:t>можно также использовать для преобразования строк в числа</a:t>
+            </a:r>
+          </a:p>
+          <a:p>
+            <a:pPr marL="749300" marR="0" lvl="0" indent="-371094" algn="l" rtl="0">
+              <a:lnSpc>
+                <a:spcPct val="100000"/>
+              </a:lnSpc>
+              <a:spcBef>
+                <a:spcPts val="3500"/>
+              </a:spcBef>
+              <a:spcAft>
+                <a:spcPts val="0"/>
+              </a:spcAft>
+              <a:buClr>
+                <a:schemeClr val="lt1"/>
+              </a:buClr>
+              <a:buSzPct val="100000"/>
+              <a:buFont typeface="Cabin"/>
+              <a:buChar char="•"/>
+            </a:pPr>
+            <a:r>
+              <a:rPr lang="en-US" sz="3600">
+                <a:solidFill>
+                  <a:schemeClr val="lt1"/>
+                </a:solidFill>
+                <a:latin typeface="Cabin"/>
+                <a:ea typeface="Cabin"/>
+                <a:cs typeface="Cabin"/>
+                <a:sym typeface="Cabin"/>
+              </a:rPr>
+              <a:t>Если строка не содержит числовых значений, появится</a:t>
+            </a:r>
+            <a:r>
+              <a:rPr lang="en-US" sz="3600" b="0" i="0" u="none" strike="noStrike" cap="none">
+                <a:solidFill>
+                  <a:schemeClr val="lt1"/>
+                </a:solidFill>
+                <a:latin typeface="Cabin"/>
+                <a:ea typeface="Cabin"/>
+                <a:cs typeface="Cabin"/>
+                <a:sym typeface="Cabin"/>
+              </a:rPr>
+              <a:t> </a:t>
+            </a:r>
+            <a:r>
+              <a:rPr lang="en-US" sz="3600">
+                <a:solidFill>
+                  <a:srgbClr val="FF0000"/>
+                </a:solidFill>
+                <a:latin typeface="Cabin"/>
+                <a:ea typeface="Cabin"/>
+                <a:cs typeface="Cabin"/>
+                <a:sym typeface="Cabin"/>
+              </a:rPr>
+              <a:t>ошибка</a:t>
+            </a:r>
+          </a:p>
+        </p:txBody>
+      </p:sp>
+      <p:sp>
+        <p:nvSpPr>
+          <p:cNvPr id="298" name="Shape 298"/>
+          <p:cNvSpPr txBox="1"/>
+          <p:nvPr/>
+        </p:nvSpPr>
+        <p:spPr>
+          <a:xfrm>
+            <a:off x="8642850" y="730250"/>
+            <a:ext cx="6939899" cy="7658100"/>
+          </a:xfrm>
+          <a:prstGeom prst="rect">
+            <a:avLst/>
+          </a:prstGeom>
+          <a:noFill/>
+          <a:ln>
+            <a:noFill/>
+          </a:ln>
+        </p:spPr>
+        <p:txBody>
+          <a:bodyPr lIns="0" tIns="0" rIns="0" bIns="0" anchor="ctr" anchorCtr="0">
+            <a:noAutofit/>
+          </a:bodyPr>
+          <a:lstStyle/>
+          <a:p>
+            <a:pPr marL="0" marR="0" lvl="0" indent="0" algn="l" rtl="0">
+              <a:lnSpc>
+                <a:spcPct val="100000"/>
+              </a:lnSpc>
+              <a:spcBef>
+                <a:spcPts val="0"/>
+              </a:spcBef>
+              <a:spcAft>
+                <a:spcPts val="0"/>
+              </a:spcAft>
+              <a:buClr>
+                <a:schemeClr val="lt1"/>
+              </a:buClr>
+              <a:buSzPct val="25000"/>
+              <a:buFont typeface="Cabin"/>
+              <a:buNone/>
+            </a:pPr>
+            <a:r>
+              <a:rPr lang="en-US" sz="2400" b="0" i="0" u="none" strike="noStrike" cap="none">
+                <a:solidFill>
+                  <a:schemeClr val="lt1"/>
+                </a:solidFill>
+                <a:latin typeface="Courier New"/>
+                <a:ea typeface="Courier New"/>
+                <a:cs typeface="Courier New"/>
+                <a:sym typeface="Courier New"/>
+              </a:rPr>
+              <a:t>&gt;&gt;&gt; </a:t>
+            </a:r>
+            <a:r>
+              <a:rPr lang="en-US" sz="2400" b="0" i="0" u="none" strike="noStrike" cap="none">
+                <a:solidFill>
+                  <a:srgbClr val="00FF00"/>
+                </a:solidFill>
+                <a:latin typeface="Courier New"/>
+                <a:ea typeface="Courier New"/>
+                <a:cs typeface="Courier New"/>
+                <a:sym typeface="Courier New"/>
+              </a:rPr>
+              <a:t>sval</a:t>
+            </a:r>
+            <a:r>
+              <a:rPr lang="en-US" sz="2400" b="0" i="0" u="none" strike="noStrike" cap="none">
+                <a:solidFill>
+                  <a:schemeClr val="lt1"/>
+                </a:solidFill>
+                <a:latin typeface="Courier New"/>
+                <a:ea typeface="Courier New"/>
+                <a:cs typeface="Courier New"/>
+                <a:sym typeface="Courier New"/>
+              </a:rPr>
+              <a:t> = '123'</a:t>
+            </a:r>
+          </a:p>
+          <a:p>
+            <a:pPr marL="0" marR="0" lvl="0" indent="0" algn="l" rtl="0">
+              <a:lnSpc>
+                <a:spcPct val="100000"/>
+              </a:lnSpc>
+              <a:spcBef>
+                <a:spcPts val="0"/>
+              </a:spcBef>
+              <a:spcAft>
+                <a:spcPts val="0"/>
+              </a:spcAft>
+              <a:buClr>
+                <a:schemeClr val="lt1"/>
+              </a:buClr>
+              <a:buSzPct val="25000"/>
+              <a:buFont typeface="Cabin"/>
+              <a:buNone/>
+            </a:pPr>
+            <a:r>
+              <a:rPr lang="en-US" sz="2400" b="0" i="0" u="none" strike="noStrike" cap="none">
+                <a:solidFill>
+                  <a:schemeClr val="lt1"/>
+                </a:solidFill>
+                <a:latin typeface="Courier New"/>
+                <a:ea typeface="Courier New"/>
+                <a:cs typeface="Courier New"/>
+                <a:sym typeface="Courier New"/>
+              </a:rPr>
+              <a:t>&gt;&gt;&gt; </a:t>
+            </a:r>
+            <a:r>
+              <a:rPr lang="en-US" sz="2400" b="0" i="0" u="none" strike="noStrike" cap="none">
+                <a:solidFill>
+                  <a:srgbClr val="FF00FF"/>
+                </a:solidFill>
+                <a:latin typeface="Courier New"/>
+                <a:ea typeface="Courier New"/>
+                <a:cs typeface="Courier New"/>
+                <a:sym typeface="Courier New"/>
+              </a:rPr>
+              <a:t>type</a:t>
+            </a:r>
+            <a:r>
+              <a:rPr lang="en-US" sz="2400" b="0" i="0" u="none" strike="noStrike" cap="none">
+                <a:solidFill>
+                  <a:schemeClr val="lt1"/>
+                </a:solidFill>
+                <a:latin typeface="Courier New"/>
+                <a:ea typeface="Courier New"/>
+                <a:cs typeface="Courier New"/>
+                <a:sym typeface="Courier New"/>
+              </a:rPr>
+              <a:t>(</a:t>
+            </a:r>
+            <a:r>
+              <a:rPr lang="en-US" sz="2400" b="0" i="0" u="none" strike="noStrike" cap="none">
+                <a:solidFill>
+                  <a:srgbClr val="00FF00"/>
+                </a:solidFill>
+                <a:latin typeface="Courier New"/>
+                <a:ea typeface="Courier New"/>
+                <a:cs typeface="Courier New"/>
+                <a:sym typeface="Courier New"/>
+              </a:rPr>
+              <a:t>sval</a:t>
+            </a:r>
+            <a:r>
+              <a:rPr lang="en-US" sz="2400" b="0" i="0" u="none" strike="noStrike" cap="none">
+                <a:solidFill>
+                  <a:schemeClr val="lt1"/>
+                </a:solidFill>
+                <a:latin typeface="Courier New"/>
+                <a:ea typeface="Courier New"/>
+                <a:cs typeface="Courier New"/>
+                <a:sym typeface="Courier New"/>
+              </a:rPr>
+              <a:t>)</a:t>
+            </a:r>
+          </a:p>
+          <a:p>
+            <a:pPr marL="0" marR="0" lvl="0" indent="0" algn="l" rtl="0">
+              <a:lnSpc>
+                <a:spcPct val="100000"/>
+              </a:lnSpc>
+              <a:spcBef>
+                <a:spcPts val="0"/>
+              </a:spcBef>
+              <a:spcAft>
+                <a:spcPts val="0"/>
+              </a:spcAft>
+              <a:buClr>
+                <a:schemeClr val="lt1"/>
+              </a:buClr>
+              <a:buSzPct val="25000"/>
+              <a:buFont typeface="Cabin"/>
+              <a:buNone/>
+            </a:pPr>
+            <a:r>
+              <a:rPr lang="en-US" sz="2400" b="0" i="0" u="none" strike="noStrike" cap="none">
+                <a:solidFill>
+                  <a:schemeClr val="lt1"/>
+                </a:solidFill>
+                <a:latin typeface="Courier New"/>
+                <a:ea typeface="Courier New"/>
+                <a:cs typeface="Courier New"/>
+                <a:sym typeface="Courier New"/>
+              </a:rPr>
+              <a:t>&lt;type 'str'&gt;</a:t>
+            </a:r>
+          </a:p>
+          <a:p>
+            <a:pPr marL="0" marR="0" lvl="0" indent="0" algn="l" rtl="0">
+              <a:lnSpc>
+                <a:spcPct val="100000"/>
+              </a:lnSpc>
+              <a:spcBef>
+                <a:spcPts val="0"/>
+              </a:spcBef>
+              <a:spcAft>
+                <a:spcPts val="0"/>
+              </a:spcAft>
+              <a:buClr>
+                <a:schemeClr val="lt1"/>
+              </a:buClr>
+              <a:buSzPct val="25000"/>
+              <a:buFont typeface="Cabin"/>
+              <a:buNone/>
+            </a:pPr>
+            <a:r>
+              <a:rPr lang="en-US" sz="2400" b="0" i="0" u="none" strike="noStrike" cap="none">
+                <a:solidFill>
+                  <a:schemeClr val="lt1"/>
+                </a:solidFill>
+                <a:latin typeface="Courier New"/>
+                <a:ea typeface="Courier New"/>
+                <a:cs typeface="Courier New"/>
+                <a:sym typeface="Courier New"/>
+              </a:rPr>
+              <a:t>&gt;&gt;&gt; </a:t>
+            </a:r>
+            <a:r>
+              <a:rPr lang="en-US" sz="2400" b="0" i="0" u="none" strike="noStrike" cap="none">
+                <a:solidFill>
+                  <a:srgbClr val="FFFF00"/>
+                </a:solidFill>
+                <a:latin typeface="Courier New"/>
+                <a:ea typeface="Courier New"/>
+                <a:cs typeface="Courier New"/>
+                <a:sym typeface="Courier New"/>
+              </a:rPr>
+              <a:t>print</a:t>
+            </a:r>
+            <a:r>
+              <a:rPr lang="en-US" sz="2400" b="0" i="0" u="none" strike="noStrike" cap="none">
+                <a:solidFill>
+                  <a:schemeClr val="lt1"/>
+                </a:solidFill>
+                <a:latin typeface="Courier New"/>
+                <a:ea typeface="Courier New"/>
+                <a:cs typeface="Courier New"/>
+                <a:sym typeface="Courier New"/>
+              </a:rPr>
+              <a:t> </a:t>
+            </a:r>
+            <a:r>
+              <a:rPr lang="en-US" sz="2400" b="0" i="0" u="none" strike="noStrike" cap="none">
+                <a:solidFill>
+                  <a:srgbClr val="00FF00"/>
+                </a:solidFill>
+                <a:latin typeface="Courier New"/>
+                <a:ea typeface="Courier New"/>
+                <a:cs typeface="Courier New"/>
+                <a:sym typeface="Courier New"/>
+              </a:rPr>
+              <a:t>sval</a:t>
+            </a:r>
+            <a:r>
+              <a:rPr lang="en-US" sz="2400" b="0" i="0" u="none" strike="noStrike" cap="none">
+                <a:solidFill>
+                  <a:schemeClr val="lt1"/>
+                </a:solidFill>
+                <a:latin typeface="Courier New"/>
+                <a:ea typeface="Courier New"/>
+                <a:cs typeface="Courier New"/>
+                <a:sym typeface="Courier New"/>
+              </a:rPr>
+              <a:t> </a:t>
+            </a:r>
+            <a:r>
+              <a:rPr lang="en-US" sz="2400" b="0" i="0" u="none" strike="noStrike" cap="none">
+                <a:solidFill>
+                  <a:srgbClr val="00FFFF"/>
+                </a:solidFill>
+                <a:latin typeface="Courier New"/>
+                <a:ea typeface="Courier New"/>
+                <a:cs typeface="Courier New"/>
+                <a:sym typeface="Courier New"/>
+              </a:rPr>
+              <a:t>+</a:t>
+            </a:r>
+            <a:r>
+              <a:rPr lang="en-US" sz="2400" b="0" i="0" u="none" strike="noStrike" cap="none">
+                <a:solidFill>
+                  <a:schemeClr val="lt1"/>
+                </a:solidFill>
+                <a:latin typeface="Courier New"/>
+                <a:ea typeface="Courier New"/>
+                <a:cs typeface="Courier New"/>
+                <a:sym typeface="Courier New"/>
+              </a:rPr>
+              <a:t> 1</a:t>
+            </a:r>
+          </a:p>
+          <a:p>
+            <a:pPr marL="0" marR="0" lvl="0" indent="0" algn="l" rtl="0">
+              <a:lnSpc>
+                <a:spcPct val="100000"/>
+              </a:lnSpc>
+              <a:spcBef>
+                <a:spcPts val="0"/>
+              </a:spcBef>
+              <a:spcAft>
+                <a:spcPts val="0"/>
+              </a:spcAft>
+              <a:buClr>
+                <a:srgbClr val="FF0000"/>
+              </a:buClr>
+              <a:buSzPct val="25000"/>
+              <a:buFont typeface="Cabin"/>
+              <a:buNone/>
+            </a:pPr>
+            <a:r>
+              <a:rPr lang="en-US" sz="2400" b="0" i="0" u="none" strike="noStrike" cap="none">
+                <a:solidFill>
+                  <a:srgbClr val="FF0000"/>
+                </a:solidFill>
+                <a:latin typeface="Courier New"/>
+                <a:ea typeface="Courier New"/>
+                <a:cs typeface="Courier New"/>
+                <a:sym typeface="Courier New"/>
+              </a:rPr>
+              <a:t>Traceback (most recent call last):</a:t>
+            </a:r>
+          </a:p>
+          <a:p>
+            <a:pPr marL="0" marR="0" lvl="0" indent="0" algn="l" rtl="0">
+              <a:lnSpc>
+                <a:spcPct val="100000"/>
+              </a:lnSpc>
+              <a:spcBef>
+                <a:spcPts val="0"/>
+              </a:spcBef>
+              <a:spcAft>
+                <a:spcPts val="0"/>
+              </a:spcAft>
+              <a:buClr>
+                <a:srgbClr val="FF0000"/>
+              </a:buClr>
+              <a:buSzPct val="25000"/>
+              <a:buFont typeface="Cabin"/>
+              <a:buNone/>
+            </a:pPr>
+            <a:r>
+              <a:rPr lang="en-US" sz="2400" b="0" i="0" u="none" strike="noStrike" cap="none">
+                <a:solidFill>
+                  <a:srgbClr val="FF0000"/>
+                </a:solidFill>
+                <a:latin typeface="Courier New"/>
+                <a:ea typeface="Courier New"/>
+                <a:cs typeface="Courier New"/>
+                <a:sym typeface="Courier New"/>
+              </a:rPr>
+              <a:t>  File "&lt;stdin&gt;", line 1, in &lt;module&gt;</a:t>
+            </a:r>
+          </a:p>
+          <a:p>
+            <a:pPr marL="0" marR="0" lvl="0" indent="0" algn="l" rtl="0">
+              <a:lnSpc>
+                <a:spcPct val="100000"/>
+              </a:lnSpc>
+              <a:spcBef>
+                <a:spcPts val="0"/>
+              </a:spcBef>
+              <a:spcAft>
+                <a:spcPts val="0"/>
+              </a:spcAft>
+              <a:buClr>
+                <a:srgbClr val="FF0000"/>
+              </a:buClr>
+              <a:buSzPct val="25000"/>
+              <a:buFont typeface="Cabin"/>
+              <a:buNone/>
+            </a:pPr>
+            <a:r>
+              <a:rPr lang="en-US" sz="2400" b="0" i="0" u="none" strike="noStrike" cap="none">
+                <a:solidFill>
+                  <a:srgbClr val="FF0000"/>
+                </a:solidFill>
+                <a:latin typeface="Courier New"/>
+                <a:ea typeface="Courier New"/>
+                <a:cs typeface="Courier New"/>
+                <a:sym typeface="Courier New"/>
+              </a:rPr>
+              <a:t>TypeError: cannot concatenate 'str' and 'int'</a:t>
+            </a:r>
+          </a:p>
+          <a:p>
+            <a:pPr marL="0" marR="0" lvl="0" indent="0" algn="l" rtl="0">
+              <a:lnSpc>
+                <a:spcPct val="100000"/>
+              </a:lnSpc>
+              <a:spcBef>
+                <a:spcPts val="0"/>
+              </a:spcBef>
+              <a:spcAft>
+                <a:spcPts val="0"/>
+              </a:spcAft>
+              <a:buClr>
+                <a:schemeClr val="lt1"/>
+              </a:buClr>
+              <a:buSzPct val="25000"/>
+              <a:buFont typeface="Cabin"/>
+              <a:buNone/>
+            </a:pPr>
+            <a:r>
+              <a:rPr lang="en-US" sz="2400" b="0" i="0" u="none" strike="noStrike" cap="none">
+                <a:solidFill>
+                  <a:schemeClr val="lt1"/>
+                </a:solidFill>
+                <a:latin typeface="Courier New"/>
+                <a:ea typeface="Courier New"/>
+                <a:cs typeface="Courier New"/>
+                <a:sym typeface="Courier New"/>
+              </a:rPr>
+              <a:t>&gt;&gt;&gt; </a:t>
+            </a:r>
+            <a:r>
+              <a:rPr lang="en-US" sz="2400" b="0" i="0" u="none" strike="noStrike" cap="none">
+                <a:solidFill>
+                  <a:srgbClr val="00FF00"/>
+                </a:solidFill>
+                <a:latin typeface="Courier New"/>
+                <a:ea typeface="Courier New"/>
+                <a:cs typeface="Courier New"/>
+                <a:sym typeface="Courier New"/>
+              </a:rPr>
+              <a:t>ival</a:t>
+            </a:r>
+            <a:r>
+              <a:rPr lang="en-US" sz="2400" b="0" i="0" u="none" strike="noStrike" cap="none">
+                <a:solidFill>
+                  <a:schemeClr val="lt1"/>
+                </a:solidFill>
+                <a:latin typeface="Courier New"/>
+                <a:ea typeface="Courier New"/>
+                <a:cs typeface="Courier New"/>
+                <a:sym typeface="Courier New"/>
+              </a:rPr>
+              <a:t> = </a:t>
+            </a:r>
+            <a:r>
+              <a:rPr lang="en-US" sz="2400" b="0" i="0" u="none" strike="noStrike" cap="none">
+                <a:solidFill>
+                  <a:srgbClr val="FF00FF"/>
+                </a:solidFill>
+                <a:latin typeface="Courier New"/>
+                <a:ea typeface="Courier New"/>
+                <a:cs typeface="Courier New"/>
+                <a:sym typeface="Courier New"/>
+              </a:rPr>
+              <a:t>int</a:t>
+            </a:r>
+            <a:r>
+              <a:rPr lang="en-US" sz="2400" b="0" i="0" u="none" strike="noStrike" cap="none">
+                <a:solidFill>
+                  <a:schemeClr val="lt1"/>
+                </a:solidFill>
+                <a:latin typeface="Courier New"/>
+                <a:ea typeface="Courier New"/>
+                <a:cs typeface="Courier New"/>
+                <a:sym typeface="Courier New"/>
+              </a:rPr>
+              <a:t>(</a:t>
+            </a:r>
+            <a:r>
+              <a:rPr lang="en-US" sz="2400" b="0" i="0" u="none" strike="noStrike" cap="none">
+                <a:solidFill>
+                  <a:srgbClr val="00FF00"/>
+                </a:solidFill>
+                <a:latin typeface="Courier New"/>
+                <a:ea typeface="Courier New"/>
+                <a:cs typeface="Courier New"/>
+                <a:sym typeface="Courier New"/>
+              </a:rPr>
+              <a:t>sval</a:t>
+            </a:r>
+            <a:r>
+              <a:rPr lang="en-US" sz="2400" b="0" i="0" u="none" strike="noStrike" cap="none">
+                <a:solidFill>
+                  <a:schemeClr val="lt1"/>
+                </a:solidFill>
+                <a:latin typeface="Courier New"/>
+                <a:ea typeface="Courier New"/>
+                <a:cs typeface="Courier New"/>
+                <a:sym typeface="Courier New"/>
+              </a:rPr>
+              <a:t>)</a:t>
+            </a:r>
+          </a:p>
+          <a:p>
+            <a:pPr marL="0" marR="0" lvl="0" indent="0" algn="l" rtl="0">
+              <a:lnSpc>
+                <a:spcPct val="100000"/>
+              </a:lnSpc>
+              <a:spcBef>
+                <a:spcPts val="0"/>
+              </a:spcBef>
+              <a:spcAft>
+                <a:spcPts val="0"/>
+              </a:spcAft>
+              <a:buClr>
+                <a:schemeClr val="lt1"/>
+              </a:buClr>
+              <a:buSzPct val="25000"/>
+              <a:buFont typeface="Cabin"/>
+              <a:buNone/>
+            </a:pPr>
+            <a:r>
+              <a:rPr lang="en-US" sz="2400" b="0" i="0" u="none" strike="noStrike" cap="none">
+                <a:solidFill>
+                  <a:schemeClr val="lt1"/>
+                </a:solidFill>
+                <a:latin typeface="Courier New"/>
+                <a:ea typeface="Courier New"/>
+                <a:cs typeface="Courier New"/>
+                <a:sym typeface="Courier New"/>
+              </a:rPr>
+              <a:t>&gt;&gt;&gt; </a:t>
+            </a:r>
+            <a:r>
+              <a:rPr lang="en-US" sz="2400" b="0" i="0" u="none" strike="noStrike" cap="none">
+                <a:solidFill>
+                  <a:srgbClr val="FF00FF"/>
+                </a:solidFill>
+                <a:latin typeface="Courier New"/>
+                <a:ea typeface="Courier New"/>
+                <a:cs typeface="Courier New"/>
+                <a:sym typeface="Courier New"/>
+              </a:rPr>
+              <a:t>type</a:t>
+            </a:r>
+            <a:r>
+              <a:rPr lang="en-US" sz="2400" b="0" i="0" u="none" strike="noStrike" cap="none">
+                <a:solidFill>
+                  <a:schemeClr val="lt1"/>
+                </a:solidFill>
+                <a:latin typeface="Courier New"/>
+                <a:ea typeface="Courier New"/>
+                <a:cs typeface="Courier New"/>
+                <a:sym typeface="Courier New"/>
+              </a:rPr>
+              <a:t>(</a:t>
+            </a:r>
+            <a:r>
+              <a:rPr lang="en-US" sz="2400" b="0" i="0" u="none" strike="noStrike" cap="none">
+                <a:solidFill>
+                  <a:srgbClr val="00FF00"/>
+                </a:solidFill>
+                <a:latin typeface="Courier New"/>
+                <a:ea typeface="Courier New"/>
+                <a:cs typeface="Courier New"/>
+                <a:sym typeface="Courier New"/>
+              </a:rPr>
+              <a:t>ival</a:t>
+            </a:r>
+            <a:r>
+              <a:rPr lang="en-US" sz="2400" b="0" i="0" u="none" strike="noStrike" cap="none">
+                <a:solidFill>
+                  <a:schemeClr val="lt1"/>
+                </a:solidFill>
+                <a:latin typeface="Courier New"/>
+                <a:ea typeface="Courier New"/>
+                <a:cs typeface="Courier New"/>
+                <a:sym typeface="Courier New"/>
+              </a:rPr>
+              <a:t>)</a:t>
+            </a:r>
+          </a:p>
+          <a:p>
+            <a:pPr marL="0" marR="0" lvl="0" indent="0" algn="l" rtl="0">
+              <a:lnSpc>
+                <a:spcPct val="100000"/>
+              </a:lnSpc>
+              <a:spcBef>
+                <a:spcPts val="0"/>
+              </a:spcBef>
+              <a:spcAft>
+                <a:spcPts val="0"/>
+              </a:spcAft>
+              <a:buClr>
+                <a:schemeClr val="lt1"/>
+              </a:buClr>
+              <a:buSzPct val="25000"/>
+              <a:buFont typeface="Cabin"/>
+              <a:buNone/>
+            </a:pPr>
+            <a:r>
+              <a:rPr lang="en-US" sz="2400" b="0" i="0" u="none" strike="noStrike" cap="none">
+                <a:solidFill>
+                  <a:schemeClr val="lt1"/>
+                </a:solidFill>
+                <a:latin typeface="Courier New"/>
+                <a:ea typeface="Courier New"/>
+                <a:cs typeface="Courier New"/>
+                <a:sym typeface="Courier New"/>
+              </a:rPr>
+              <a:t>&lt;type 'int'&gt;</a:t>
+            </a:r>
+          </a:p>
+          <a:p>
+            <a:pPr marL="0" marR="0" lvl="0" indent="0" algn="l" rtl="0">
+              <a:lnSpc>
+                <a:spcPct val="100000"/>
+              </a:lnSpc>
+              <a:spcBef>
+                <a:spcPts val="0"/>
+              </a:spcBef>
+              <a:spcAft>
+                <a:spcPts val="0"/>
+              </a:spcAft>
+              <a:buClr>
+                <a:schemeClr val="lt1"/>
+              </a:buClr>
+              <a:buSzPct val="25000"/>
+              <a:buFont typeface="Cabin"/>
+              <a:buNone/>
+            </a:pPr>
+            <a:r>
+              <a:rPr lang="en-US" sz="2400" b="0" i="0" u="none" strike="noStrike" cap="none">
+                <a:solidFill>
+                  <a:schemeClr val="lt1"/>
+                </a:solidFill>
+                <a:latin typeface="Courier New"/>
+                <a:ea typeface="Courier New"/>
+                <a:cs typeface="Courier New"/>
+                <a:sym typeface="Courier New"/>
+              </a:rPr>
+              <a:t>&gt;&gt;&gt; </a:t>
+            </a:r>
+            <a:r>
+              <a:rPr lang="en-US" sz="2400" b="0" i="0" u="none" strike="noStrike" cap="none">
+                <a:solidFill>
+                  <a:srgbClr val="FFFF00"/>
+                </a:solidFill>
+                <a:latin typeface="Courier New"/>
+                <a:ea typeface="Courier New"/>
+                <a:cs typeface="Courier New"/>
+                <a:sym typeface="Courier New"/>
+              </a:rPr>
+              <a:t>print</a:t>
+            </a:r>
+            <a:r>
+              <a:rPr lang="en-US" sz="2400" b="0" i="0" u="none" strike="noStrike" cap="none">
+                <a:solidFill>
+                  <a:schemeClr val="lt1"/>
+                </a:solidFill>
+                <a:latin typeface="Courier New"/>
+                <a:ea typeface="Courier New"/>
+                <a:cs typeface="Courier New"/>
+                <a:sym typeface="Courier New"/>
+              </a:rPr>
+              <a:t> </a:t>
+            </a:r>
+            <a:r>
+              <a:rPr lang="en-US" sz="2400" b="0" i="0" u="none" strike="noStrike" cap="none">
+                <a:solidFill>
+                  <a:srgbClr val="00FF00"/>
+                </a:solidFill>
+                <a:latin typeface="Courier New"/>
+                <a:ea typeface="Courier New"/>
+                <a:cs typeface="Courier New"/>
+                <a:sym typeface="Courier New"/>
+              </a:rPr>
+              <a:t>ival</a:t>
+            </a:r>
+            <a:r>
+              <a:rPr lang="en-US" sz="2400" b="0" i="0" u="none" strike="noStrike" cap="none">
+                <a:solidFill>
+                  <a:schemeClr val="lt1"/>
+                </a:solidFill>
+                <a:latin typeface="Courier New"/>
+                <a:ea typeface="Courier New"/>
+                <a:cs typeface="Courier New"/>
+                <a:sym typeface="Courier New"/>
+              </a:rPr>
+              <a:t> + 1</a:t>
+            </a:r>
+          </a:p>
+          <a:p>
+            <a:pPr marL="0" marR="0" lvl="0" indent="0" algn="l" rtl="0">
+              <a:lnSpc>
+                <a:spcPct val="100000"/>
+              </a:lnSpc>
+              <a:spcBef>
+                <a:spcPts val="0"/>
+              </a:spcBef>
+              <a:spcAft>
+                <a:spcPts val="0"/>
+              </a:spcAft>
+              <a:buClr>
+                <a:schemeClr val="lt1"/>
+              </a:buClr>
+              <a:buSzPct val="25000"/>
+              <a:buFont typeface="Cabin"/>
+              <a:buNone/>
+            </a:pPr>
+            <a:r>
+              <a:rPr lang="en-US" sz="2400" b="0" i="0" u="none" strike="noStrike" cap="none">
+                <a:solidFill>
+                  <a:schemeClr val="lt1"/>
+                </a:solidFill>
+                <a:latin typeface="Courier New"/>
+                <a:ea typeface="Courier New"/>
+                <a:cs typeface="Courier New"/>
+                <a:sym typeface="Courier New"/>
+              </a:rPr>
+              <a:t>124</a:t>
+            </a:r>
+          </a:p>
+          <a:p>
+            <a:pPr marL="0" marR="0" lvl="0" indent="0" algn="l" rtl="0">
+              <a:lnSpc>
+                <a:spcPct val="100000"/>
+              </a:lnSpc>
+              <a:spcBef>
+                <a:spcPts val="0"/>
+              </a:spcBef>
+              <a:spcAft>
+                <a:spcPts val="0"/>
+              </a:spcAft>
+              <a:buClr>
+                <a:schemeClr val="lt1"/>
+              </a:buClr>
+              <a:buSzPct val="25000"/>
+              <a:buFont typeface="Cabin"/>
+              <a:buNone/>
+            </a:pPr>
+            <a:r>
+              <a:rPr lang="en-US" sz="2400" b="0" i="0" u="none" strike="noStrike" cap="none">
+                <a:solidFill>
+                  <a:schemeClr val="lt1"/>
+                </a:solidFill>
+                <a:latin typeface="Courier New"/>
+                <a:ea typeface="Courier New"/>
+                <a:cs typeface="Courier New"/>
+                <a:sym typeface="Courier New"/>
+              </a:rPr>
+              <a:t>&gt;&gt;&gt; </a:t>
+            </a:r>
+            <a:r>
+              <a:rPr lang="en-US" sz="2400" b="0" i="0" u="none" strike="noStrike" cap="none">
+                <a:solidFill>
+                  <a:srgbClr val="00FF00"/>
+                </a:solidFill>
+                <a:latin typeface="Courier New"/>
+                <a:ea typeface="Courier New"/>
+                <a:cs typeface="Courier New"/>
+                <a:sym typeface="Courier New"/>
+              </a:rPr>
+              <a:t>nsv</a:t>
+            </a:r>
+            <a:r>
+              <a:rPr lang="en-US" sz="2400" b="0" i="0" u="none" strike="noStrike" cap="none">
+                <a:solidFill>
+                  <a:schemeClr val="lt1"/>
+                </a:solidFill>
+                <a:latin typeface="Courier New"/>
+                <a:ea typeface="Courier New"/>
+                <a:cs typeface="Courier New"/>
+                <a:sym typeface="Courier New"/>
+              </a:rPr>
+              <a:t> = 'hello bob'</a:t>
+            </a:r>
+          </a:p>
+          <a:p>
+            <a:pPr marL="0" marR="0" lvl="0" indent="0" algn="l" rtl="0">
+              <a:lnSpc>
+                <a:spcPct val="100000"/>
+              </a:lnSpc>
+              <a:spcBef>
+                <a:spcPts val="0"/>
+              </a:spcBef>
+              <a:spcAft>
+                <a:spcPts val="0"/>
+              </a:spcAft>
+              <a:buClr>
+                <a:schemeClr val="lt1"/>
+              </a:buClr>
+              <a:buSzPct val="25000"/>
+              <a:buFont typeface="Cabin"/>
+              <a:buNone/>
+            </a:pPr>
+            <a:r>
+              <a:rPr lang="en-US" sz="2400" b="0" i="0" u="none" strike="noStrike" cap="none">
+                <a:solidFill>
+                  <a:schemeClr val="lt1"/>
+                </a:solidFill>
+                <a:latin typeface="Courier New"/>
+                <a:ea typeface="Courier New"/>
+                <a:cs typeface="Courier New"/>
+                <a:sym typeface="Courier New"/>
+              </a:rPr>
+              <a:t>&gt;&gt;&gt; </a:t>
+            </a:r>
+            <a:r>
+              <a:rPr lang="en-US" sz="2400" b="0" i="0" u="none" strike="noStrike" cap="none">
+                <a:solidFill>
+                  <a:srgbClr val="00FF00"/>
+                </a:solidFill>
+                <a:latin typeface="Courier New"/>
+                <a:ea typeface="Courier New"/>
+                <a:cs typeface="Courier New"/>
+                <a:sym typeface="Courier New"/>
+              </a:rPr>
+              <a:t>niv</a:t>
+            </a:r>
+            <a:r>
+              <a:rPr lang="en-US" sz="2400" b="0" i="0" u="none" strike="noStrike" cap="none">
+                <a:solidFill>
+                  <a:schemeClr val="lt1"/>
+                </a:solidFill>
+                <a:latin typeface="Courier New"/>
+                <a:ea typeface="Courier New"/>
+                <a:cs typeface="Courier New"/>
+                <a:sym typeface="Courier New"/>
+              </a:rPr>
+              <a:t> = </a:t>
+            </a:r>
+            <a:r>
+              <a:rPr lang="en-US" sz="2400" b="0" i="0" u="none" strike="noStrike" cap="none">
+                <a:solidFill>
+                  <a:srgbClr val="FF00FF"/>
+                </a:solidFill>
+                <a:latin typeface="Courier New"/>
+                <a:ea typeface="Courier New"/>
+                <a:cs typeface="Courier New"/>
+                <a:sym typeface="Courier New"/>
+              </a:rPr>
+              <a:t>int</a:t>
+            </a:r>
+            <a:r>
+              <a:rPr lang="en-US" sz="2400" b="0" i="0" u="none" strike="noStrike" cap="none">
+                <a:solidFill>
+                  <a:schemeClr val="lt1"/>
+                </a:solidFill>
+                <a:latin typeface="Courier New"/>
+                <a:ea typeface="Courier New"/>
+                <a:cs typeface="Courier New"/>
+                <a:sym typeface="Courier New"/>
+              </a:rPr>
+              <a:t>(</a:t>
+            </a:r>
+            <a:r>
+              <a:rPr lang="en-US" sz="2400" b="0" i="0" u="none" strike="noStrike" cap="none">
+                <a:solidFill>
+                  <a:srgbClr val="00FF00"/>
+                </a:solidFill>
+                <a:latin typeface="Courier New"/>
+                <a:ea typeface="Courier New"/>
+                <a:cs typeface="Courier New"/>
+                <a:sym typeface="Courier New"/>
+              </a:rPr>
+              <a:t>nsv</a:t>
+            </a:r>
+            <a:r>
+              <a:rPr lang="en-US" sz="2400" b="0" i="0" u="none" strike="noStrike" cap="none">
+                <a:solidFill>
+                  <a:schemeClr val="lt1"/>
+                </a:solidFill>
+                <a:latin typeface="Courier New"/>
+                <a:ea typeface="Courier New"/>
+                <a:cs typeface="Courier New"/>
+                <a:sym typeface="Courier New"/>
+              </a:rPr>
+              <a:t>)</a:t>
+            </a:r>
+          </a:p>
+          <a:p>
+            <a:pPr marL="0" marR="0" lvl="0" indent="0" algn="l" rtl="0">
+              <a:lnSpc>
+                <a:spcPct val="100000"/>
+              </a:lnSpc>
+              <a:spcBef>
+                <a:spcPts val="0"/>
+              </a:spcBef>
+              <a:spcAft>
+                <a:spcPts val="0"/>
+              </a:spcAft>
+              <a:buClr>
+                <a:srgbClr val="FF0000"/>
+              </a:buClr>
+              <a:buSzPct val="25000"/>
+              <a:buFont typeface="Cabin"/>
+              <a:buNone/>
+            </a:pPr>
+            <a:r>
+              <a:rPr lang="en-US" sz="2400" b="0" i="0" u="none" strike="noStrike" cap="none">
+                <a:solidFill>
+                  <a:srgbClr val="FF0000"/>
+                </a:solidFill>
+                <a:latin typeface="Courier New"/>
+                <a:ea typeface="Courier New"/>
+                <a:cs typeface="Courier New"/>
+                <a:sym typeface="Courier New"/>
+              </a:rPr>
+              <a:t>Traceback (most recent call last):</a:t>
+            </a:r>
+          </a:p>
+          <a:p>
+            <a:pPr marL="0" marR="0" lvl="0" indent="0" algn="l" rtl="0">
+              <a:lnSpc>
+                <a:spcPct val="100000"/>
+              </a:lnSpc>
+              <a:spcBef>
+                <a:spcPts val="0"/>
+              </a:spcBef>
+              <a:spcAft>
+                <a:spcPts val="0"/>
+              </a:spcAft>
+              <a:buClr>
+                <a:srgbClr val="FF0000"/>
+              </a:buClr>
+              <a:buSzPct val="25000"/>
+              <a:buFont typeface="Cabin"/>
+              <a:buNone/>
+            </a:pPr>
+            <a:r>
+              <a:rPr lang="en-US" sz="2400" b="0" i="0" u="none" strike="noStrike" cap="none">
+                <a:solidFill>
+                  <a:srgbClr val="FF0000"/>
+                </a:solidFill>
+                <a:latin typeface="Courier New"/>
+                <a:ea typeface="Courier New"/>
+                <a:cs typeface="Courier New"/>
+                <a:sym typeface="Courier New"/>
+              </a:rPr>
+              <a:t>  File "&lt;stdin&gt;", line 1, in &lt;module&gt;</a:t>
+            </a:r>
+          </a:p>
+          <a:p>
+            <a:pPr marL="0" marR="0" lvl="0" indent="0" algn="l" rtl="0">
+              <a:lnSpc>
+                <a:spcPct val="100000"/>
+              </a:lnSpc>
+              <a:spcBef>
+                <a:spcPts val="0"/>
+              </a:spcBef>
+              <a:spcAft>
+                <a:spcPts val="0"/>
+              </a:spcAft>
+              <a:buClr>
+                <a:srgbClr val="FF0000"/>
+              </a:buClr>
+              <a:buSzPct val="25000"/>
+              <a:buFont typeface="Cabin"/>
+              <a:buNone/>
+            </a:pPr>
+            <a:r>
+              <a:rPr lang="en-US" sz="2400" b="0" i="0" u="none" strike="noStrike" cap="none">
+                <a:solidFill>
+                  <a:srgbClr val="FF0000"/>
+                </a:solidFill>
+                <a:latin typeface="Courier New"/>
+                <a:ea typeface="Courier New"/>
+                <a:cs typeface="Courier New"/>
+                <a:sym typeface="Courier New"/>
+              </a:rPr>
+              <a:t>ValueError: invalid literal for int() </a:t>
+            </a:r>
+          </a:p>
+        </p:txBody>
+      </p:sp>
+    </p:spTree>
+  </p:cSld>
+  <p:clrMapOvr>
+    <a:masterClrMapping/>
+  </p:clrMapOvr>
+</p:sld>
+</file>
+
+<file path=ppt/slides/slide11.xml><?xml version="1.0" encoding="utf-8"?>
 <p:sld xmlns:a="http://schemas.openxmlformats.org/drawingml/2006/main" xmlns:r="http://schemas.openxmlformats.org/officeDocument/2006/relationships" xmlns:p="http://schemas.openxmlformats.org/presentationml/2006/main">
   <p:cSld>
     <p:spTree>
@@ -18070,7 +19429,7 @@
 </p:sld>
 </file>
 
-<file path=ppt/slides/slide11.xml><?xml version="1.0" encoding="utf-8"?>
+<file path=ppt/slides/slide12.xml><?xml version="1.0" encoding="utf-8"?>
 <p:sld xmlns:a="http://schemas.openxmlformats.org/drawingml/2006/main" xmlns:r="http://schemas.openxmlformats.org/officeDocument/2006/relationships" xmlns:p="http://schemas.openxmlformats.org/presentationml/2006/main">
   <p:cSld>
     <p:spTree>
@@ -18957,7 +20316,7 @@
 </p:sld>
 </file>
 
-<file path=ppt/slides/slide12.xml><?xml version="1.0" encoding="utf-8"?>
+<file path=ppt/slides/slide13.xml><?xml version="1.0" encoding="utf-8"?>
 <p:sld xmlns:a="http://schemas.openxmlformats.org/drawingml/2006/main" xmlns:r="http://schemas.openxmlformats.org/officeDocument/2006/relationships" xmlns:p="http://schemas.openxmlformats.org/presentationml/2006/main">
   <p:cSld>
     <p:spTree>
@@ -19279,7 +20638,7 @@
 </p:sld>
 </file>
 
-<file path=ppt/slides/slide13.xml><?xml version="1.0" encoding="utf-8"?>
+<file path=ppt/slides/slide14.xml><?xml version="1.0" encoding="utf-8"?>
 <p:sld xmlns:a="http://schemas.openxmlformats.org/drawingml/2006/main" xmlns:r="http://schemas.openxmlformats.org/officeDocument/2006/relationships" xmlns:p="http://schemas.openxmlformats.org/presentationml/2006/main">
   <p:cSld>
     <p:spTree>
@@ -20090,7 +21449,7 @@
 </p:sld>
 </file>
 
-<file path=ppt/slides/slide14.xml><?xml version="1.0" encoding="utf-8"?>
+<file path=ppt/slides/slide15.xml><?xml version="1.0" encoding="utf-8"?>
 <p:sld xmlns:a="http://schemas.openxmlformats.org/drawingml/2006/main" xmlns:r="http://schemas.openxmlformats.org/officeDocument/2006/relationships" xmlns:p="http://schemas.openxmlformats.org/presentationml/2006/main">
   <p:cSld>
     <p:spTree>
@@ -20655,7 +22014,7 @@
 </p:sld>
 </file>
 
-<file path=ppt/slides/slide15.xml><?xml version="1.0" encoding="utf-8"?>
+<file path=ppt/slides/slide16.xml><?xml version="1.0" encoding="utf-8"?>
 <p:sld xmlns:a="http://schemas.openxmlformats.org/drawingml/2006/main" xmlns:r="http://schemas.openxmlformats.org/officeDocument/2006/relationships" xmlns:p="http://schemas.openxmlformats.org/presentationml/2006/main">
   <p:cSld>
     <p:spTree>
@@ -21708,7 +23067,7 @@
 </p:sld>
 </file>
 
-<file path=ppt/slides/slide16.xml><?xml version="1.0" encoding="utf-8"?>
+<file path=ppt/slides/slide17.xml><?xml version="1.0" encoding="utf-8"?>
 <p:sld xmlns:a="http://schemas.openxmlformats.org/drawingml/2006/main" xmlns:r="http://schemas.openxmlformats.org/officeDocument/2006/relationships" xmlns:p="http://schemas.openxmlformats.org/presentationml/2006/main">
   <p:cSld>
     <p:spTree>
@@ -22399,7 +23758,7 @@
 </p:sld>
 </file>
 
-<file path=ppt/slides/slide17.xml><?xml version="1.0" encoding="utf-8"?>
+<file path=ppt/slides/slide18.xml><?xml version="1.0" encoding="utf-8"?>
 <p:sld xmlns:a="http://schemas.openxmlformats.org/drawingml/2006/main" xmlns:r="http://schemas.openxmlformats.org/officeDocument/2006/relationships" xmlns:p="http://schemas.openxmlformats.org/presentationml/2006/main">
   <p:cSld>
     <p:spTree>
@@ -23845,7 +25204,7 @@
 </p:sld>
 </file>
 
-<file path=ppt/slides/slide18.xml><?xml version="1.0" encoding="utf-8"?>
+<file path=ppt/slides/slide19.xml><?xml version="1.0" encoding="utf-8"?>
 <p:sld xmlns:a="http://schemas.openxmlformats.org/drawingml/2006/main" xmlns:r="http://schemas.openxmlformats.org/officeDocument/2006/relationships" xmlns:p="http://schemas.openxmlformats.org/presentationml/2006/main">
   <p:cSld>
     <p:spTree>
@@ -25094,7 +26453,1543 @@
 </p:sld>
 </file>
 
-<file path=ppt/slides/slide19.xml><?xml version="1.0" encoding="utf-8"?>
+<file path=ppt/slides/slide2.xml><?xml version="1.0" encoding="utf-8"?>
+<p:sld xmlns:a="http://schemas.openxmlformats.org/drawingml/2006/main" xmlns:r="http://schemas.openxmlformats.org/officeDocument/2006/relationships" xmlns:p="http://schemas.openxmlformats.org/presentationml/2006/main">
+  <p:cSld>
+    <p:bg>
+      <p:bgPr>
+        <a:solidFill>
+          <a:schemeClr val="bg1"/>
+        </a:solidFill>
+        <a:effectLst/>
+      </p:bgPr>
+    </p:bg>
+    <p:spTree>
+      <p:nvGrpSpPr>
+        <p:cNvPr id="1" name="Shape 212"/>
+        <p:cNvGrpSpPr/>
+        <p:nvPr/>
+      </p:nvGrpSpPr>
+      <p:grpSpPr>
+        <a:xfrm>
+          <a:off x="0" y="0"/>
+          <a:ext cx="0" cy="0"/>
+          <a:chOff x="0" y="0"/>
+          <a:chExt cx="0" cy="0"/>
+        </a:xfrm>
+      </p:grpSpPr>
+      <p:sp>
+        <p:nvSpPr>
+          <p:cNvPr id="213" name="Shape 213"/>
+          <p:cNvSpPr txBox="1">
+            <a:spLocks noGrp="1"/>
+          </p:cNvSpPr>
+          <p:nvPr>
+            <p:ph type="title"/>
+          </p:nvPr>
+        </p:nvSpPr>
+        <p:spPr>
+          <a:xfrm>
+            <a:off x="1155700" y="241300"/>
+            <a:ext cx="13931900" cy="2298699"/>
+          </a:xfrm>
+          <a:prstGeom prst="rect">
+            <a:avLst/>
+          </a:prstGeom>
+          <a:noFill/>
+          <a:ln>
+            <a:noFill/>
+          </a:ln>
+        </p:spPr>
+        <p:txBody>
+          <a:bodyPr lIns="38100" tIns="38100" rIns="38100" bIns="38100" anchor="ctr" anchorCtr="0">
+            <a:noAutofit/>
+          </a:bodyPr>
+          <a:lstStyle/>
+          <a:p>
+            <a:pPr marL="0" marR="0" lvl="0" indent="0" algn="ctr" rtl="0">
+              <a:lnSpc>
+                <a:spcPct val="100000"/>
+              </a:lnSpc>
+              <a:spcBef>
+                <a:spcPts val="0"/>
+              </a:spcBef>
+              <a:spcAft>
+                <a:spcPts val="0"/>
+              </a:spcAft>
+              <a:buClr>
+                <a:schemeClr val="lt1"/>
+              </a:buClr>
+              <a:buSzPct val="25000"/>
+              <a:buFont typeface="Cabin"/>
+              <a:buNone/>
+            </a:pPr>
+            <a:r>
+              <a:rPr lang="ru-RU" sz="6600" dirty="0" smtClean="0">
+                <a:solidFill>
+                  <a:schemeClr val="bg2"/>
+                </a:solidFill>
+                <a:latin typeface="Cabin"/>
+                <a:ea typeface="Cabin"/>
+                <a:cs typeface="Cabin"/>
+                <a:sym typeface="Cabin"/>
+              </a:rPr>
+              <a:t>Повторяемые команды</a:t>
+            </a:r>
+            <a:endParaRPr lang="en-US" sz="6600" dirty="0">
+              <a:solidFill>
+                <a:schemeClr val="bg2"/>
+              </a:solidFill>
+              <a:latin typeface="Cabin"/>
+              <a:ea typeface="Cabin"/>
+              <a:cs typeface="Cabin"/>
+              <a:sym typeface="Cabin"/>
+            </a:endParaRPr>
+          </a:p>
+        </p:txBody>
+      </p:sp>
+      <p:sp>
+        <p:nvSpPr>
+          <p:cNvPr id="214" name="Shape 214"/>
+          <p:cNvSpPr txBox="1"/>
+          <p:nvPr/>
+        </p:nvSpPr>
+        <p:spPr>
+          <a:xfrm>
+            <a:off x="13380500" y="2940150"/>
+            <a:ext cx="3162300" cy="3746499"/>
+          </a:xfrm>
+          <a:prstGeom prst="rect">
+            <a:avLst/>
+          </a:prstGeom>
+          <a:noFill/>
+          <a:ln>
+            <a:noFill/>
+          </a:ln>
+        </p:spPr>
+        <p:txBody>
+          <a:bodyPr lIns="0" tIns="0" rIns="0" bIns="0" anchor="ctr" anchorCtr="0">
+            <a:noAutofit/>
+          </a:bodyPr>
+          <a:lstStyle/>
+          <a:p>
+            <a:pPr marL="0" marR="0" lvl="0" indent="0" algn="l" rtl="0">
+              <a:lnSpc>
+                <a:spcPct val="100000"/>
+              </a:lnSpc>
+              <a:spcBef>
+                <a:spcPts val="0"/>
+              </a:spcBef>
+              <a:spcAft>
+                <a:spcPts val="0"/>
+              </a:spcAft>
+              <a:buClr>
+                <a:schemeClr val="lt1"/>
+              </a:buClr>
+              <a:buSzPct val="25000"/>
+              <a:buFont typeface="Cabin"/>
+              <a:buNone/>
+            </a:pPr>
+            <a:r>
+              <a:rPr lang="en-US" sz="3600" dirty="0" err="1">
+                <a:solidFill>
+                  <a:schemeClr val="bg2"/>
+                </a:solidFill>
+                <a:latin typeface="Cabin"/>
+                <a:ea typeface="Cabin"/>
+                <a:cs typeface="Cabin"/>
+                <a:sym typeface="Cabin"/>
+              </a:rPr>
+              <a:t>Результат</a:t>
+            </a:r>
+            <a:r>
+              <a:rPr lang="en-US" sz="3600" b="0" i="0" u="none" strike="noStrike" cap="none" dirty="0">
+                <a:solidFill>
+                  <a:schemeClr val="lt1"/>
+                </a:solidFill>
+                <a:latin typeface="Cabin"/>
+                <a:ea typeface="Cabin"/>
+                <a:cs typeface="Cabin"/>
+                <a:sym typeface="Cabin"/>
+              </a:rPr>
+              <a:t>:</a:t>
+            </a:r>
+          </a:p>
+          <a:p>
+            <a:pPr marL="0" marR="0" lvl="0" indent="0" algn="ctr" rtl="0">
+              <a:lnSpc>
+                <a:spcPct val="100000"/>
+              </a:lnSpc>
+              <a:spcBef>
+                <a:spcPts val="0"/>
+              </a:spcBef>
+              <a:spcAft>
+                <a:spcPts val="0"/>
+              </a:spcAft>
+              <a:buNone/>
+            </a:pPr>
+            <a:endParaRPr sz="3600" b="0" i="0" u="none" strike="noStrike" cap="none" dirty="0">
+              <a:solidFill>
+                <a:srgbClr val="FF00FF"/>
+              </a:solidFill>
+              <a:latin typeface="Cabin"/>
+              <a:ea typeface="Cabin"/>
+              <a:cs typeface="Cabin"/>
+              <a:sym typeface="Cabin"/>
+            </a:endParaRPr>
+          </a:p>
+          <a:p>
+            <a:pPr marL="0" marR="0" lvl="0" indent="0" algn="l" rtl="0">
+              <a:lnSpc>
+                <a:spcPct val="100000"/>
+              </a:lnSpc>
+              <a:spcBef>
+                <a:spcPts val="0"/>
+              </a:spcBef>
+              <a:spcAft>
+                <a:spcPts val="0"/>
+              </a:spcAft>
+              <a:buClr>
+                <a:srgbClr val="FF00FF"/>
+              </a:buClr>
+              <a:buSzPct val="25000"/>
+              <a:buFont typeface="Cabin"/>
+              <a:buNone/>
+            </a:pPr>
+            <a:r>
+              <a:rPr lang="en-US" sz="3600" b="0" i="0" u="none" strike="noStrike" cap="none" dirty="0">
+                <a:solidFill>
+                  <a:srgbClr val="FF00FF"/>
+                </a:solidFill>
+                <a:latin typeface="Cabin"/>
+                <a:ea typeface="Cabin"/>
+                <a:cs typeface="Cabin"/>
+                <a:sym typeface="Cabin"/>
+              </a:rPr>
+              <a:t>Hello</a:t>
+            </a:r>
+          </a:p>
+          <a:p>
+            <a:pPr marL="0" marR="0" lvl="0" indent="0" algn="l" rtl="0">
+              <a:lnSpc>
+                <a:spcPct val="100000"/>
+              </a:lnSpc>
+              <a:spcBef>
+                <a:spcPts val="0"/>
+              </a:spcBef>
+              <a:spcAft>
+                <a:spcPts val="0"/>
+              </a:spcAft>
+              <a:buClr>
+                <a:srgbClr val="FF00FF"/>
+              </a:buClr>
+              <a:buSzPct val="25000"/>
+              <a:buFont typeface="Cabin"/>
+              <a:buNone/>
+            </a:pPr>
+            <a:r>
+              <a:rPr lang="en-US" sz="3600" b="0" i="0" u="none" strike="noStrike" cap="none" dirty="0">
+                <a:solidFill>
+                  <a:srgbClr val="FF00FF"/>
+                </a:solidFill>
+                <a:latin typeface="Cabin"/>
+                <a:ea typeface="Cabin"/>
+                <a:cs typeface="Cabin"/>
+                <a:sym typeface="Cabin"/>
+              </a:rPr>
+              <a:t>Fun</a:t>
+            </a:r>
+          </a:p>
+          <a:p>
+            <a:pPr marL="0" marR="0" lvl="0" indent="0" algn="l" rtl="0">
+              <a:lnSpc>
+                <a:spcPct val="100000"/>
+              </a:lnSpc>
+              <a:spcBef>
+                <a:spcPts val="0"/>
+              </a:spcBef>
+              <a:spcAft>
+                <a:spcPts val="0"/>
+              </a:spcAft>
+              <a:buClr>
+                <a:srgbClr val="FF7F00"/>
+              </a:buClr>
+              <a:buSzPct val="25000"/>
+              <a:buFont typeface="Cabin"/>
+              <a:buNone/>
+            </a:pPr>
+            <a:r>
+              <a:rPr lang="en-US" sz="3600" b="0" i="0" u="none" strike="noStrike" cap="none" dirty="0">
+                <a:solidFill>
+                  <a:srgbClr val="FF7F00"/>
+                </a:solidFill>
+                <a:latin typeface="Cabin"/>
+                <a:ea typeface="Cabin"/>
+                <a:cs typeface="Cabin"/>
+                <a:sym typeface="Cabin"/>
+              </a:rPr>
+              <a:t>Zip</a:t>
+            </a:r>
+          </a:p>
+          <a:p>
+            <a:pPr marL="0" marR="0" lvl="0" indent="0" algn="l" rtl="0">
+              <a:lnSpc>
+                <a:spcPct val="100000"/>
+              </a:lnSpc>
+              <a:spcBef>
+                <a:spcPts val="0"/>
+              </a:spcBef>
+              <a:spcAft>
+                <a:spcPts val="0"/>
+              </a:spcAft>
+              <a:buClr>
+                <a:srgbClr val="FF0000"/>
+              </a:buClr>
+              <a:buSzPct val="25000"/>
+              <a:buFont typeface="Cabin"/>
+              <a:buNone/>
+            </a:pPr>
+            <a:r>
+              <a:rPr lang="en-US" sz="3600" b="0" i="0" u="none" strike="noStrike" cap="none" dirty="0">
+                <a:solidFill>
+                  <a:srgbClr val="FF0000"/>
+                </a:solidFill>
+                <a:latin typeface="Cabin"/>
+                <a:ea typeface="Cabin"/>
+                <a:cs typeface="Cabin"/>
+                <a:sym typeface="Cabin"/>
+              </a:rPr>
+              <a:t>Hello</a:t>
+            </a:r>
+          </a:p>
+          <a:p>
+            <a:pPr marL="0" marR="0" lvl="0" indent="0" algn="l" rtl="0">
+              <a:lnSpc>
+                <a:spcPct val="100000"/>
+              </a:lnSpc>
+              <a:spcBef>
+                <a:spcPts val="0"/>
+              </a:spcBef>
+              <a:spcAft>
+                <a:spcPts val="0"/>
+              </a:spcAft>
+              <a:buClr>
+                <a:srgbClr val="FF0000"/>
+              </a:buClr>
+              <a:buSzPct val="25000"/>
+              <a:buFont typeface="Cabin"/>
+              <a:buNone/>
+            </a:pPr>
+            <a:r>
+              <a:rPr lang="en-US" sz="3600" b="0" i="0" u="none" strike="noStrike" cap="none" dirty="0">
+                <a:solidFill>
+                  <a:srgbClr val="FF0000"/>
+                </a:solidFill>
+                <a:latin typeface="Cabin"/>
+                <a:ea typeface="Cabin"/>
+                <a:cs typeface="Cabin"/>
+                <a:sym typeface="Cabin"/>
+              </a:rPr>
+              <a:t>Fun</a:t>
+            </a:r>
+          </a:p>
+        </p:txBody>
+      </p:sp>
+      <p:sp>
+        <p:nvSpPr>
+          <p:cNvPr id="215" name="Shape 215"/>
+          <p:cNvSpPr txBox="1"/>
+          <p:nvPr/>
+        </p:nvSpPr>
+        <p:spPr>
+          <a:xfrm>
+            <a:off x="7899400" y="2529444"/>
+            <a:ext cx="3930650" cy="4242830"/>
+          </a:xfrm>
+          <a:prstGeom prst="rect">
+            <a:avLst/>
+          </a:prstGeom>
+          <a:noFill/>
+          <a:ln>
+            <a:noFill/>
+          </a:ln>
+        </p:spPr>
+        <p:txBody>
+          <a:bodyPr lIns="0" tIns="0" rIns="0" bIns="0" anchor="ctr" anchorCtr="0">
+            <a:noAutofit/>
+          </a:bodyPr>
+          <a:lstStyle/>
+          <a:p>
+            <a:pPr marL="0" marR="0" lvl="0" indent="0" algn="l" rtl="0">
+              <a:lnSpc>
+                <a:spcPct val="100000"/>
+              </a:lnSpc>
+              <a:spcBef>
+                <a:spcPts val="0"/>
+              </a:spcBef>
+              <a:spcAft>
+                <a:spcPts val="0"/>
+              </a:spcAft>
+              <a:buClr>
+                <a:schemeClr val="lt1"/>
+              </a:buClr>
+              <a:buSzPct val="25000"/>
+              <a:buFont typeface="Cabin"/>
+              <a:buNone/>
+            </a:pPr>
+            <a:r>
+              <a:rPr lang="en-US" sz="3600" dirty="0" err="1">
+                <a:solidFill>
+                  <a:schemeClr val="bg2"/>
+                </a:solidFill>
+                <a:latin typeface="Cabin"/>
+                <a:ea typeface="Cabin"/>
+                <a:cs typeface="Cabin"/>
+                <a:sym typeface="Cabin"/>
+              </a:rPr>
+              <a:t>Программа</a:t>
+            </a:r>
+            <a:r>
+              <a:rPr lang="en-US" sz="3600" b="0" i="0" u="none" strike="noStrike" cap="none" dirty="0">
+                <a:solidFill>
+                  <a:schemeClr val="lt1"/>
+                </a:solidFill>
+                <a:latin typeface="Cabin"/>
+                <a:ea typeface="Cabin"/>
+                <a:cs typeface="Cabin"/>
+                <a:sym typeface="Cabin"/>
+              </a:rPr>
+              <a:t>:</a:t>
+            </a:r>
+          </a:p>
+          <a:p>
+            <a:pPr marL="0" marR="0" lvl="0" indent="0" algn="ctr" rtl="0">
+              <a:lnSpc>
+                <a:spcPct val="100000"/>
+              </a:lnSpc>
+              <a:spcBef>
+                <a:spcPts val="0"/>
+              </a:spcBef>
+              <a:spcAft>
+                <a:spcPts val="0"/>
+              </a:spcAft>
+              <a:buNone/>
+            </a:pPr>
+            <a:endParaRPr sz="3600" b="0" i="0" u="none" strike="noStrike" cap="none" dirty="0">
+              <a:solidFill>
+                <a:srgbClr val="FF7F00"/>
+              </a:solidFill>
+              <a:latin typeface="Cabin"/>
+              <a:ea typeface="Cabin"/>
+              <a:cs typeface="Cabin"/>
+              <a:sym typeface="Cabin"/>
+            </a:endParaRPr>
+          </a:p>
+          <a:p>
+            <a:pPr marL="0" marR="0" lvl="0" indent="0" algn="l" rtl="0">
+              <a:lnSpc>
+                <a:spcPct val="100000"/>
+              </a:lnSpc>
+              <a:spcBef>
+                <a:spcPts val="0"/>
+              </a:spcBef>
+              <a:spcAft>
+                <a:spcPts val="0"/>
+              </a:spcAft>
+              <a:buClr>
+                <a:srgbClr val="FFFF00"/>
+              </a:buClr>
+              <a:buSzPct val="25000"/>
+              <a:buFont typeface="Courier New"/>
+              <a:buNone/>
+            </a:pPr>
+            <a:r>
+              <a:rPr lang="en-US" sz="2500" b="0" i="0" u="none" strike="noStrike" cap="none" dirty="0" smtClean="0">
+                <a:solidFill>
+                  <a:schemeClr val="bg2"/>
+                </a:solidFill>
+                <a:latin typeface="Courier New"/>
+                <a:ea typeface="Courier New"/>
+                <a:cs typeface="Courier New"/>
+                <a:sym typeface="Courier New"/>
+              </a:rPr>
+              <a:t>print </a:t>
+            </a:r>
+            <a:r>
+              <a:rPr lang="en-US" sz="2500" b="0" i="0" u="none" strike="noStrike" cap="none" dirty="0" smtClean="0">
+                <a:solidFill>
+                  <a:srgbClr val="FF7F00"/>
+                </a:solidFill>
+                <a:latin typeface="Courier New"/>
+                <a:ea typeface="Courier New"/>
+                <a:cs typeface="Courier New"/>
+                <a:sym typeface="Courier New"/>
+              </a:rPr>
+              <a:t>('Hello’)</a:t>
+            </a:r>
+            <a:endParaRPr lang="en-US" sz="2500" b="0" i="0" u="none" strike="noStrike" cap="none" dirty="0">
+              <a:solidFill>
+                <a:srgbClr val="FF7F00"/>
+              </a:solidFill>
+              <a:latin typeface="Courier New"/>
+              <a:ea typeface="Courier New"/>
+              <a:cs typeface="Courier New"/>
+              <a:sym typeface="Courier New"/>
+            </a:endParaRPr>
+          </a:p>
+          <a:p>
+            <a:pPr marL="0" marR="0" lvl="0" indent="0" algn="l" rtl="0">
+              <a:lnSpc>
+                <a:spcPct val="100000"/>
+              </a:lnSpc>
+              <a:spcBef>
+                <a:spcPts val="0"/>
+              </a:spcBef>
+              <a:spcAft>
+                <a:spcPts val="0"/>
+              </a:spcAft>
+              <a:buClr>
+                <a:srgbClr val="FF7F00"/>
+              </a:buClr>
+              <a:buSzPct val="25000"/>
+              <a:buFont typeface="Courier New"/>
+              <a:buNone/>
+            </a:pPr>
+            <a:r>
+              <a:rPr lang="en-US" sz="2500" b="0" i="0" u="none" strike="noStrike" cap="none" dirty="0" smtClean="0">
+                <a:solidFill>
+                  <a:schemeClr val="bg2"/>
+                </a:solidFill>
+                <a:latin typeface="Courier New"/>
+                <a:ea typeface="Courier New"/>
+                <a:cs typeface="Courier New"/>
+                <a:sym typeface="Courier New"/>
+              </a:rPr>
+              <a:t>print </a:t>
+            </a:r>
+            <a:r>
+              <a:rPr lang="en-US" sz="2500" b="0" i="0" u="none" strike="noStrike" cap="none" dirty="0" smtClean="0">
+                <a:solidFill>
+                  <a:srgbClr val="FF7F00"/>
+                </a:solidFill>
+                <a:latin typeface="Courier New"/>
+                <a:ea typeface="Courier New"/>
+                <a:cs typeface="Courier New"/>
+                <a:sym typeface="Courier New"/>
+              </a:rPr>
+              <a:t>('Fun</a:t>
+            </a:r>
+            <a:r>
+              <a:rPr lang="en-US" sz="2500" b="0" i="0" u="none" strike="noStrike" cap="none" dirty="0" smtClean="0">
+                <a:solidFill>
+                  <a:srgbClr val="FF7F00"/>
+                </a:solidFill>
+                <a:latin typeface="Courier New"/>
+                <a:ea typeface="Courier New"/>
+                <a:cs typeface="Courier New"/>
+                <a:sym typeface="Courier New"/>
+              </a:rPr>
+              <a:t>’)</a:t>
+            </a:r>
+            <a:endParaRPr lang="en-US" sz="2500" b="0" i="0" u="none" strike="noStrike" cap="none" dirty="0">
+              <a:solidFill>
+                <a:schemeClr val="bg2"/>
+              </a:solidFill>
+              <a:latin typeface="Courier New"/>
+              <a:ea typeface="Courier New"/>
+              <a:cs typeface="Courier New"/>
+              <a:sym typeface="Courier New"/>
+            </a:endParaRPr>
+          </a:p>
+          <a:p>
+            <a:pPr marL="0" marR="0" lvl="0" indent="0" algn="l" rtl="0">
+              <a:lnSpc>
+                <a:spcPct val="100000"/>
+              </a:lnSpc>
+              <a:spcBef>
+                <a:spcPts val="0"/>
+              </a:spcBef>
+              <a:spcAft>
+                <a:spcPts val="0"/>
+              </a:spcAft>
+              <a:buClr>
+                <a:srgbClr val="FFFF00"/>
+              </a:buClr>
+              <a:buSzPct val="25000"/>
+              <a:buFont typeface="Courier New"/>
+              <a:buNone/>
+            </a:pPr>
+            <a:r>
+              <a:rPr lang="en-US" sz="2500" b="0" i="0" u="none" strike="noStrike" cap="none" dirty="0" smtClean="0">
+                <a:solidFill>
+                  <a:schemeClr val="bg2"/>
+                </a:solidFill>
+                <a:latin typeface="Courier New"/>
+                <a:ea typeface="Courier New"/>
+                <a:cs typeface="Courier New"/>
+                <a:sym typeface="Courier New"/>
+              </a:rPr>
+              <a:t>print </a:t>
+            </a:r>
+            <a:r>
+              <a:rPr lang="en-US" sz="2500" b="0" i="0" u="none" strike="noStrike" cap="none" dirty="0" smtClean="0">
+                <a:solidFill>
+                  <a:srgbClr val="FF7F00"/>
+                </a:solidFill>
+                <a:latin typeface="Courier New"/>
+                <a:ea typeface="Courier New"/>
+                <a:cs typeface="Courier New"/>
+                <a:sym typeface="Courier New"/>
+              </a:rPr>
+              <a:t>('Zip’)</a:t>
+            </a:r>
+            <a:endParaRPr lang="en-US" sz="2500" b="0" i="0" u="none" strike="noStrike" cap="none" dirty="0">
+              <a:solidFill>
+                <a:srgbClr val="FF7F00"/>
+              </a:solidFill>
+              <a:latin typeface="Courier New"/>
+              <a:ea typeface="Courier New"/>
+              <a:cs typeface="Courier New"/>
+              <a:sym typeface="Courier New"/>
+            </a:endParaRPr>
+          </a:p>
+          <a:p>
+            <a:pPr lvl="0">
+              <a:buClr>
+                <a:srgbClr val="FFFF00"/>
+              </a:buClr>
+              <a:buSzPct val="25000"/>
+            </a:pPr>
+            <a:r>
+              <a:rPr lang="en-US" sz="2500" dirty="0">
+                <a:solidFill>
+                  <a:schemeClr val="bg2"/>
+                </a:solidFill>
+                <a:latin typeface="Courier New"/>
+                <a:ea typeface="Courier New"/>
+                <a:cs typeface="Courier New"/>
+                <a:sym typeface="Courier New"/>
+              </a:rPr>
+              <a:t>print </a:t>
+            </a:r>
+            <a:r>
+              <a:rPr lang="en-US" sz="2500" dirty="0">
+                <a:solidFill>
+                  <a:srgbClr val="FF7F00"/>
+                </a:solidFill>
+                <a:latin typeface="Courier New"/>
+                <a:ea typeface="Courier New"/>
+                <a:cs typeface="Courier New"/>
+                <a:sym typeface="Courier New"/>
+              </a:rPr>
+              <a:t>('Hello’)</a:t>
+            </a:r>
+          </a:p>
+          <a:p>
+            <a:pPr lvl="0">
+              <a:buClr>
+                <a:srgbClr val="FF7F00"/>
+              </a:buClr>
+              <a:buSzPct val="25000"/>
+            </a:pPr>
+            <a:r>
+              <a:rPr lang="en-US" sz="2500" dirty="0">
+                <a:solidFill>
+                  <a:schemeClr val="bg2"/>
+                </a:solidFill>
+                <a:latin typeface="Courier New"/>
+                <a:ea typeface="Courier New"/>
+                <a:cs typeface="Courier New"/>
+                <a:sym typeface="Courier New"/>
+              </a:rPr>
+              <a:t>print </a:t>
+            </a:r>
+            <a:r>
+              <a:rPr lang="en-US" sz="2500" dirty="0">
+                <a:solidFill>
+                  <a:srgbClr val="FF7F00"/>
+                </a:solidFill>
+                <a:latin typeface="Courier New"/>
+                <a:ea typeface="Courier New"/>
+                <a:cs typeface="Courier New"/>
+                <a:sym typeface="Courier New"/>
+              </a:rPr>
+              <a:t>('Fun’)</a:t>
+            </a:r>
+            <a:endParaRPr lang="en-US" sz="2500" dirty="0">
+              <a:solidFill>
+                <a:schemeClr val="bg2"/>
+              </a:solidFill>
+              <a:latin typeface="Courier New"/>
+              <a:ea typeface="Courier New"/>
+              <a:cs typeface="Courier New"/>
+              <a:sym typeface="Courier New"/>
+            </a:endParaRPr>
+          </a:p>
+        </p:txBody>
+      </p:sp>
+      <p:sp>
+        <p:nvSpPr>
+          <p:cNvPr id="216" name="Shape 216"/>
+          <p:cNvSpPr txBox="1"/>
+          <p:nvPr/>
+        </p:nvSpPr>
+        <p:spPr>
+          <a:xfrm>
+            <a:off x="762000" y="2730500"/>
+            <a:ext cx="2743199" cy="596900"/>
+          </a:xfrm>
+          <a:prstGeom prst="rect">
+            <a:avLst/>
+          </a:prstGeom>
+          <a:solidFill>
+            <a:srgbClr val="0000FF"/>
+          </a:solidFill>
+          <a:ln w="9525" cap="flat" cmpd="sng">
+            <a:solidFill>
+              <a:srgbClr val="0000FF"/>
+            </a:solidFill>
+            <a:prstDash val="solid"/>
+            <a:round/>
+            <a:headEnd type="none" w="med" len="med"/>
+            <a:tailEnd type="none" w="med" len="med"/>
+          </a:ln>
+        </p:spPr>
+        <p:txBody>
+          <a:bodyPr lIns="0" tIns="0" rIns="0" bIns="0" anchor="ctr" anchorCtr="0">
+            <a:noAutofit/>
+          </a:bodyPr>
+          <a:lstStyle/>
+          <a:p>
+            <a:pPr marL="0" marR="0" lvl="0" indent="0" algn="ctr" rtl="0">
+              <a:lnSpc>
+                <a:spcPct val="100000"/>
+              </a:lnSpc>
+              <a:spcBef>
+                <a:spcPts val="0"/>
+              </a:spcBef>
+              <a:spcAft>
+                <a:spcPts val="0"/>
+              </a:spcAft>
+              <a:buClr>
+                <a:srgbClr val="FFFF00"/>
+              </a:buClr>
+              <a:buSzPct val="25000"/>
+              <a:buFont typeface="Cabin"/>
+              <a:buNone/>
+            </a:pPr>
+            <a:r>
+              <a:rPr lang="en-US" sz="3500" b="0" i="0" u="none" strike="noStrike" cap="none">
+                <a:solidFill>
+                  <a:srgbClr val="FFFF00"/>
+                </a:solidFill>
+                <a:latin typeface="Cabin"/>
+                <a:ea typeface="Cabin"/>
+                <a:cs typeface="Cabin"/>
+                <a:sym typeface="Cabin"/>
+              </a:rPr>
+              <a:t>def</a:t>
+            </a:r>
+          </a:p>
+        </p:txBody>
+      </p:sp>
+      <p:cxnSp>
+        <p:nvCxnSpPr>
+          <p:cNvPr id="217" name="Shape 217"/>
+          <p:cNvCxnSpPr/>
+          <p:nvPr/>
+        </p:nvCxnSpPr>
+        <p:spPr>
+          <a:xfrm rot="10800000">
+            <a:off x="2114550" y="3313111"/>
+            <a:ext cx="6349" cy="1849436"/>
+          </a:xfrm>
+          <a:prstGeom prst="straightConnector1">
+            <a:avLst/>
+          </a:prstGeom>
+          <a:noFill/>
+          <a:ln w="76200" cap="rnd" cmpd="sng">
+            <a:solidFill>
+              <a:srgbClr val="0000FF"/>
+            </a:solidFill>
+            <a:prstDash val="solid"/>
+            <a:miter/>
+            <a:headEnd type="stealth" w="med" len="med"/>
+            <a:tailEnd type="none" w="med" len="med"/>
+          </a:ln>
+        </p:spPr>
+      </p:cxnSp>
+      <p:cxnSp>
+        <p:nvCxnSpPr>
+          <p:cNvPr id="218" name="Shape 218"/>
+          <p:cNvCxnSpPr/>
+          <p:nvPr/>
+        </p:nvCxnSpPr>
+        <p:spPr>
+          <a:xfrm flipH="1">
+            <a:off x="10399402" y="4650859"/>
+            <a:ext cx="2853460" cy="189786"/>
+          </a:xfrm>
+          <a:prstGeom prst="straightConnector1">
+            <a:avLst/>
+          </a:prstGeom>
+          <a:noFill/>
+          <a:ln w="50800" cap="rnd" cmpd="sng">
+            <a:solidFill>
+              <a:srgbClr val="FF00FF"/>
+            </a:solidFill>
+            <a:prstDash val="solid"/>
+            <a:miter/>
+            <a:headEnd type="stealth" w="med" len="med"/>
+            <a:tailEnd type="none" w="med" len="med"/>
+          </a:ln>
+        </p:spPr>
+      </p:cxnSp>
+      <p:cxnSp>
+        <p:nvCxnSpPr>
+          <p:cNvPr id="219" name="Shape 219"/>
+          <p:cNvCxnSpPr/>
+          <p:nvPr/>
+        </p:nvCxnSpPr>
+        <p:spPr>
+          <a:xfrm flipH="1" flipV="1">
+            <a:off x="10717810" y="5557549"/>
+            <a:ext cx="2535052" cy="332612"/>
+          </a:xfrm>
+          <a:prstGeom prst="straightConnector1">
+            <a:avLst/>
+          </a:prstGeom>
+          <a:noFill/>
+          <a:ln w="50800" cap="rnd" cmpd="sng">
+            <a:solidFill>
+              <a:srgbClr val="FF0000"/>
+            </a:solidFill>
+            <a:prstDash val="solid"/>
+            <a:miter/>
+            <a:headEnd type="stealth" w="med" len="med"/>
+            <a:tailEnd type="none" w="med" len="med"/>
+          </a:ln>
+        </p:spPr>
+      </p:cxnSp>
+      <p:sp>
+        <p:nvSpPr>
+          <p:cNvPr id="220" name="Shape 220"/>
+          <p:cNvSpPr txBox="1"/>
+          <p:nvPr/>
+        </p:nvSpPr>
+        <p:spPr>
+          <a:xfrm>
+            <a:off x="4381500" y="3644900"/>
+            <a:ext cx="2743199" cy="597000"/>
+          </a:xfrm>
+          <a:prstGeom prst="rect">
+            <a:avLst/>
+          </a:prstGeom>
+          <a:solidFill>
+            <a:srgbClr val="0000FF"/>
+          </a:solidFill>
+          <a:ln w="9525" cap="flat" cmpd="sng">
+            <a:solidFill>
+              <a:srgbClr val="0000FF"/>
+            </a:solidFill>
+            <a:prstDash val="solid"/>
+            <a:round/>
+            <a:headEnd type="none" w="med" len="med"/>
+            <a:tailEnd type="none" w="med" len="med"/>
+          </a:ln>
+        </p:spPr>
+        <p:txBody>
+          <a:bodyPr lIns="0" tIns="0" rIns="0" bIns="0" anchor="ctr" anchorCtr="0">
+            <a:noAutofit/>
+          </a:bodyPr>
+          <a:lstStyle/>
+          <a:p>
+            <a:pPr marL="0" marR="0" lvl="0" indent="0" algn="ctr" rtl="0">
+              <a:lnSpc>
+                <a:spcPct val="100000"/>
+              </a:lnSpc>
+              <a:spcBef>
+                <a:spcPts val="0"/>
+              </a:spcBef>
+              <a:spcAft>
+                <a:spcPts val="0"/>
+              </a:spcAft>
+              <a:buClr>
+                <a:schemeClr val="lt1"/>
+              </a:buClr>
+              <a:buSzPct val="25000"/>
+              <a:buFont typeface="Cabin"/>
+              <a:buNone/>
+            </a:pPr>
+            <a:r>
+              <a:rPr lang="en-US" sz="3500" b="0" i="0" u="none" strike="noStrike" cap="none" dirty="0">
+                <a:solidFill>
+                  <a:schemeClr val="lt1"/>
+                </a:solidFill>
+                <a:latin typeface="Cabin"/>
+                <a:ea typeface="Cabin"/>
+                <a:cs typeface="Cabin"/>
+                <a:sym typeface="Cabin"/>
+              </a:rPr>
+              <a:t>  </a:t>
+            </a:r>
+            <a:r>
+              <a:rPr lang="en-US" sz="3500" b="0" i="0" u="none" strike="noStrike" cap="none" dirty="0">
+                <a:solidFill>
+                  <a:srgbClr val="FFFF00"/>
+                </a:solidFill>
+                <a:latin typeface="Cabin"/>
+                <a:ea typeface="Cabin"/>
+                <a:cs typeface="Cabin"/>
+                <a:sym typeface="Cabin"/>
+              </a:rPr>
+              <a:t>print</a:t>
+            </a:r>
+            <a:r>
+              <a:rPr lang="en-US" sz="3500" b="0" i="0" u="none" strike="noStrike" cap="none" dirty="0">
+                <a:solidFill>
+                  <a:schemeClr val="lt1"/>
+                </a:solidFill>
+                <a:latin typeface="Cabin"/>
+                <a:ea typeface="Cabin"/>
+                <a:cs typeface="Cabin"/>
+                <a:sym typeface="Cabin"/>
+              </a:rPr>
+              <a:t> </a:t>
+            </a:r>
+            <a:r>
+              <a:rPr lang="en-US" sz="3500" b="0" i="0" u="none" strike="noStrike" cap="none" dirty="0" smtClean="0">
+                <a:solidFill>
+                  <a:schemeClr val="lt1"/>
+                </a:solidFill>
+                <a:latin typeface="Cabin"/>
+                <a:ea typeface="Cabin"/>
+                <a:cs typeface="Cabin"/>
+                <a:sym typeface="Cabin"/>
+              </a:rPr>
+              <a:t> ('Hello‘)</a:t>
+            </a:r>
+            <a:endParaRPr lang="en-US" sz="3500" b="0" i="0" u="none" strike="noStrike" cap="none" dirty="0">
+              <a:solidFill>
+                <a:schemeClr val="lt1"/>
+              </a:solidFill>
+              <a:latin typeface="Cabin"/>
+              <a:ea typeface="Cabin"/>
+              <a:cs typeface="Cabin"/>
+              <a:sym typeface="Cabin"/>
+            </a:endParaRPr>
+          </a:p>
+        </p:txBody>
+      </p:sp>
+      <p:sp>
+        <p:nvSpPr>
+          <p:cNvPr id="221" name="Shape 221"/>
+          <p:cNvSpPr txBox="1"/>
+          <p:nvPr/>
+        </p:nvSpPr>
+        <p:spPr>
+          <a:xfrm>
+            <a:off x="4381500" y="4216400"/>
+            <a:ext cx="2743199" cy="597000"/>
+          </a:xfrm>
+          <a:prstGeom prst="rect">
+            <a:avLst/>
+          </a:prstGeom>
+          <a:solidFill>
+            <a:srgbClr val="0000FF"/>
+          </a:solidFill>
+          <a:ln w="9525" cap="flat" cmpd="sng">
+            <a:solidFill>
+              <a:srgbClr val="0000FF"/>
+            </a:solidFill>
+            <a:prstDash val="solid"/>
+            <a:round/>
+            <a:headEnd type="none" w="med" len="med"/>
+            <a:tailEnd type="none" w="med" len="med"/>
+          </a:ln>
+        </p:spPr>
+        <p:txBody>
+          <a:bodyPr lIns="0" tIns="0" rIns="0" bIns="0" anchor="ctr" anchorCtr="0">
+            <a:noAutofit/>
+          </a:bodyPr>
+          <a:lstStyle/>
+          <a:p>
+            <a:pPr marL="0" marR="0" lvl="0" indent="0" algn="ctr" rtl="0">
+              <a:lnSpc>
+                <a:spcPct val="100000"/>
+              </a:lnSpc>
+              <a:spcBef>
+                <a:spcPts val="0"/>
+              </a:spcBef>
+              <a:spcAft>
+                <a:spcPts val="0"/>
+              </a:spcAft>
+              <a:buClr>
+                <a:srgbClr val="FFFF00"/>
+              </a:buClr>
+              <a:buSzPct val="25000"/>
+              <a:buFont typeface="Cabin"/>
+              <a:buNone/>
+            </a:pPr>
+            <a:r>
+              <a:rPr lang="en-US" sz="3500" b="0" i="0" u="none" strike="noStrike" cap="none" dirty="0">
+                <a:solidFill>
+                  <a:srgbClr val="FFFF00"/>
+                </a:solidFill>
+                <a:latin typeface="Cabin"/>
+                <a:ea typeface="Cabin"/>
+                <a:cs typeface="Cabin"/>
+                <a:sym typeface="Cabin"/>
+              </a:rPr>
+              <a:t>print</a:t>
+            </a:r>
+            <a:r>
+              <a:rPr lang="en-US" sz="3500" b="0" i="0" u="none" strike="noStrike" cap="none" dirty="0">
+                <a:solidFill>
+                  <a:schemeClr val="lt1"/>
+                </a:solidFill>
+                <a:latin typeface="Cabin"/>
+                <a:ea typeface="Cabin"/>
+                <a:cs typeface="Cabin"/>
+                <a:sym typeface="Cabin"/>
+              </a:rPr>
+              <a:t> </a:t>
+            </a:r>
+            <a:r>
+              <a:rPr lang="en-US" sz="3500" b="0" i="0" u="none" strike="noStrike" cap="none" dirty="0" smtClean="0">
+                <a:solidFill>
+                  <a:schemeClr val="lt1"/>
+                </a:solidFill>
+                <a:latin typeface="Cabin"/>
+                <a:ea typeface="Cabin"/>
+                <a:cs typeface="Cabin"/>
+                <a:sym typeface="Cabin"/>
+              </a:rPr>
+              <a:t> ('Fun‘)</a:t>
+            </a:r>
+            <a:endParaRPr lang="en-US" sz="3500" b="0" i="0" u="none" strike="noStrike" cap="none" dirty="0">
+              <a:solidFill>
+                <a:schemeClr val="lt1"/>
+              </a:solidFill>
+              <a:latin typeface="Cabin"/>
+              <a:ea typeface="Cabin"/>
+              <a:cs typeface="Cabin"/>
+              <a:sym typeface="Cabin"/>
+            </a:endParaRPr>
+          </a:p>
+        </p:txBody>
+      </p:sp>
+      <p:sp>
+        <p:nvSpPr>
+          <p:cNvPr id="222" name="Shape 222"/>
+          <p:cNvSpPr txBox="1"/>
+          <p:nvPr/>
+        </p:nvSpPr>
+        <p:spPr>
+          <a:xfrm>
+            <a:off x="762000" y="5092700"/>
+            <a:ext cx="2743199" cy="596900"/>
+          </a:xfrm>
+          <a:prstGeom prst="rect">
+            <a:avLst/>
+          </a:prstGeom>
+          <a:solidFill>
+            <a:srgbClr val="0000FF"/>
+          </a:solidFill>
+          <a:ln w="9525" cap="flat" cmpd="sng">
+            <a:solidFill>
+              <a:srgbClr val="0000FF"/>
+            </a:solidFill>
+            <a:prstDash val="solid"/>
+            <a:round/>
+            <a:headEnd type="none" w="med" len="med"/>
+            <a:tailEnd type="none" w="med" len="med"/>
+          </a:ln>
+        </p:spPr>
+        <p:txBody>
+          <a:bodyPr lIns="0" tIns="0" rIns="0" bIns="0" anchor="ctr" anchorCtr="0">
+            <a:noAutofit/>
+          </a:bodyPr>
+          <a:lstStyle/>
+          <a:p>
+            <a:pPr marL="0" marR="0" lvl="0" indent="0" algn="ctr" rtl="0">
+              <a:lnSpc>
+                <a:spcPct val="100000"/>
+              </a:lnSpc>
+              <a:spcBef>
+                <a:spcPts val="0"/>
+              </a:spcBef>
+              <a:spcAft>
+                <a:spcPts val="0"/>
+              </a:spcAft>
+              <a:buClr>
+                <a:schemeClr val="lt1"/>
+              </a:buClr>
+              <a:buSzPct val="25000"/>
+              <a:buFont typeface="Cabin"/>
+              <a:buNone/>
+            </a:pPr>
+            <a:r>
+              <a:rPr lang="en-US" sz="3500" b="0" i="0" u="none" strike="noStrike" cap="none">
+                <a:solidFill>
+                  <a:schemeClr val="lt1"/>
+                </a:solidFill>
+                <a:latin typeface="Cabin"/>
+                <a:ea typeface="Cabin"/>
+                <a:cs typeface="Cabin"/>
+                <a:sym typeface="Cabin"/>
+              </a:rPr>
+              <a:t>hello()</a:t>
+            </a:r>
+          </a:p>
+        </p:txBody>
+      </p:sp>
+      <p:cxnSp>
+        <p:nvCxnSpPr>
+          <p:cNvPr id="223" name="Shape 223"/>
+          <p:cNvCxnSpPr/>
+          <p:nvPr/>
+        </p:nvCxnSpPr>
+        <p:spPr>
+          <a:xfrm rot="10800000">
+            <a:off x="2114549" y="5713411"/>
+            <a:ext cx="14287" cy="566736"/>
+          </a:xfrm>
+          <a:prstGeom prst="straightConnector1">
+            <a:avLst/>
+          </a:prstGeom>
+          <a:noFill/>
+          <a:ln w="76200" cap="rnd" cmpd="sng">
+            <a:solidFill>
+              <a:srgbClr val="0000FF"/>
+            </a:solidFill>
+            <a:prstDash val="solid"/>
+            <a:miter/>
+            <a:headEnd type="stealth" w="med" len="med"/>
+            <a:tailEnd type="none" w="med" len="med"/>
+          </a:ln>
+        </p:spPr>
+      </p:cxnSp>
+      <p:sp>
+        <p:nvSpPr>
+          <p:cNvPr id="224" name="Shape 224"/>
+          <p:cNvSpPr txBox="1"/>
+          <p:nvPr/>
+        </p:nvSpPr>
+        <p:spPr>
+          <a:xfrm>
+            <a:off x="762000" y="6223000"/>
+            <a:ext cx="2743199" cy="596900"/>
+          </a:xfrm>
+          <a:prstGeom prst="rect">
+            <a:avLst/>
+          </a:prstGeom>
+          <a:solidFill>
+            <a:srgbClr val="0000FF"/>
+          </a:solidFill>
+          <a:ln w="9525" cap="flat" cmpd="sng">
+            <a:solidFill>
+              <a:srgbClr val="0000FF"/>
+            </a:solidFill>
+            <a:prstDash val="solid"/>
+            <a:round/>
+            <a:headEnd type="none" w="med" len="med"/>
+            <a:tailEnd type="none" w="med" len="med"/>
+          </a:ln>
+        </p:spPr>
+        <p:txBody>
+          <a:bodyPr lIns="0" tIns="0" rIns="0" bIns="0" anchor="ctr" anchorCtr="0">
+            <a:noAutofit/>
+          </a:bodyPr>
+          <a:lstStyle/>
+          <a:p>
+            <a:pPr marL="0" marR="0" lvl="0" indent="0" algn="ctr" rtl="0">
+              <a:lnSpc>
+                <a:spcPct val="100000"/>
+              </a:lnSpc>
+              <a:spcBef>
+                <a:spcPts val="0"/>
+              </a:spcBef>
+              <a:spcAft>
+                <a:spcPts val="0"/>
+              </a:spcAft>
+              <a:buClr>
+                <a:srgbClr val="FFFF00"/>
+              </a:buClr>
+              <a:buSzPct val="25000"/>
+              <a:buFont typeface="Cabin"/>
+              <a:buNone/>
+            </a:pPr>
+            <a:r>
+              <a:rPr lang="en-US" sz="3500" b="0" i="0" u="none" strike="noStrike" cap="none" dirty="0">
+                <a:solidFill>
+                  <a:srgbClr val="FFFF00"/>
+                </a:solidFill>
+                <a:latin typeface="Cabin"/>
+                <a:ea typeface="Cabin"/>
+                <a:cs typeface="Cabin"/>
+                <a:sym typeface="Cabin"/>
+              </a:rPr>
+              <a:t>print</a:t>
+            </a:r>
+            <a:r>
+              <a:rPr lang="en-US" sz="3500" b="0" i="0" u="none" strike="noStrike" cap="none" dirty="0">
+                <a:solidFill>
+                  <a:schemeClr val="lt1"/>
+                </a:solidFill>
+                <a:latin typeface="Cabin"/>
+                <a:ea typeface="Cabin"/>
+                <a:cs typeface="Cabin"/>
+                <a:sym typeface="Cabin"/>
+              </a:rPr>
+              <a:t> </a:t>
+            </a:r>
+            <a:r>
+              <a:rPr lang="en-US" sz="3500" b="0" i="0" u="none" strike="noStrike" cap="none" dirty="0" smtClean="0">
+                <a:solidFill>
+                  <a:schemeClr val="lt1"/>
+                </a:solidFill>
+                <a:latin typeface="Cabin"/>
+                <a:ea typeface="Cabin"/>
+                <a:cs typeface="Cabin"/>
+                <a:sym typeface="Cabin"/>
+              </a:rPr>
+              <a:t> (</a:t>
+            </a:r>
+            <a:r>
+              <a:rPr lang="en-US" sz="3500" b="0" i="0" u="none" strike="noStrike" cap="none" dirty="0" smtClean="0">
+                <a:solidFill>
+                  <a:schemeClr val="lt1"/>
+                </a:solidFill>
+                <a:latin typeface="Arial"/>
+                <a:ea typeface="Arial"/>
+                <a:cs typeface="Arial"/>
+                <a:sym typeface="Arial"/>
+              </a:rPr>
+              <a:t>“</a:t>
+            </a:r>
+            <a:r>
+              <a:rPr lang="en-US" sz="3500" b="0" i="0" u="none" strike="noStrike" cap="none" dirty="0">
+                <a:solidFill>
+                  <a:schemeClr val="lt1"/>
+                </a:solidFill>
+                <a:latin typeface="Cabin"/>
+                <a:ea typeface="Cabin"/>
+                <a:cs typeface="Cabin"/>
+                <a:sym typeface="Cabin"/>
+              </a:rPr>
+              <a:t>Zip</a:t>
+            </a:r>
+            <a:r>
+              <a:rPr lang="en-US" sz="3500" b="0" i="0" u="none" strike="noStrike" cap="none" dirty="0" smtClean="0">
+                <a:solidFill>
+                  <a:schemeClr val="lt1"/>
+                </a:solidFill>
+                <a:latin typeface="Arial"/>
+                <a:ea typeface="Arial"/>
+                <a:cs typeface="Arial"/>
+                <a:sym typeface="Arial"/>
+              </a:rPr>
+              <a:t>”)</a:t>
+            </a:r>
+            <a:endParaRPr lang="en-US" sz="3500" b="0" i="0" u="none" strike="noStrike" cap="none" dirty="0">
+              <a:solidFill>
+                <a:schemeClr val="lt1"/>
+              </a:solidFill>
+              <a:latin typeface="Arial"/>
+              <a:ea typeface="Arial"/>
+              <a:cs typeface="Arial"/>
+              <a:sym typeface="Arial"/>
+            </a:endParaRPr>
+          </a:p>
+        </p:txBody>
+      </p:sp>
+      <p:cxnSp>
+        <p:nvCxnSpPr>
+          <p:cNvPr id="225" name="Shape 225"/>
+          <p:cNvCxnSpPr/>
+          <p:nvPr/>
+        </p:nvCxnSpPr>
+        <p:spPr>
+          <a:xfrm flipH="1">
+            <a:off x="3527425" y="3790950"/>
+            <a:ext cx="809624" cy="1322386"/>
+          </a:xfrm>
+          <a:prstGeom prst="straightConnector1">
+            <a:avLst/>
+          </a:prstGeom>
+          <a:noFill/>
+          <a:ln w="76200" cap="rnd" cmpd="sng">
+            <a:solidFill>
+              <a:srgbClr val="0000FF"/>
+            </a:solidFill>
+            <a:prstDash val="solid"/>
+            <a:miter/>
+            <a:headEnd type="stealth" w="med" len="med"/>
+            <a:tailEnd type="none" w="med" len="med"/>
+          </a:ln>
+        </p:spPr>
+      </p:cxnSp>
+      <p:cxnSp>
+        <p:nvCxnSpPr>
+          <p:cNvPr id="226" name="Shape 226"/>
+          <p:cNvCxnSpPr/>
+          <p:nvPr/>
+        </p:nvCxnSpPr>
+        <p:spPr>
+          <a:xfrm rot="10800000" flipH="1">
+            <a:off x="3559175" y="4832350"/>
+            <a:ext cx="2100261" cy="893762"/>
+          </a:xfrm>
+          <a:prstGeom prst="straightConnector1">
+            <a:avLst/>
+          </a:prstGeom>
+          <a:noFill/>
+          <a:ln w="76200" cap="rnd" cmpd="sng">
+            <a:solidFill>
+              <a:srgbClr val="0000FF"/>
+            </a:solidFill>
+            <a:prstDash val="solid"/>
+            <a:miter/>
+            <a:headEnd type="stealth" w="med" len="med"/>
+            <a:tailEnd type="none" w="med" len="med"/>
+          </a:ln>
+        </p:spPr>
+      </p:cxnSp>
+      <p:cxnSp>
+        <p:nvCxnSpPr>
+          <p:cNvPr id="227" name="Shape 227"/>
+          <p:cNvCxnSpPr/>
+          <p:nvPr/>
+        </p:nvCxnSpPr>
+        <p:spPr>
+          <a:xfrm rot="10800000">
+            <a:off x="3675061" y="3030537"/>
+            <a:ext cx="1074737" cy="577850"/>
+          </a:xfrm>
+          <a:prstGeom prst="straightConnector1">
+            <a:avLst/>
+          </a:prstGeom>
+          <a:noFill/>
+          <a:ln w="76200" cap="rnd" cmpd="sng">
+            <a:solidFill>
+              <a:srgbClr val="0000FF"/>
+            </a:solidFill>
+            <a:prstDash val="solid"/>
+            <a:miter/>
+            <a:headEnd type="stealth" w="med" len="med"/>
+            <a:tailEnd type="none" w="med" len="med"/>
+          </a:ln>
+        </p:spPr>
+      </p:cxnSp>
+      <p:sp>
+        <p:nvSpPr>
+          <p:cNvPr id="228" name="Shape 228"/>
+          <p:cNvSpPr txBox="1"/>
+          <p:nvPr/>
+        </p:nvSpPr>
+        <p:spPr>
+          <a:xfrm>
+            <a:off x="3869200" y="8109650"/>
+            <a:ext cx="10648499" cy="622199"/>
+          </a:xfrm>
+          <a:prstGeom prst="rect">
+            <a:avLst/>
+          </a:prstGeom>
+          <a:noFill/>
+          <a:ln>
+            <a:noFill/>
+          </a:ln>
+        </p:spPr>
+        <p:txBody>
+          <a:bodyPr lIns="0" tIns="0" rIns="0" bIns="0" anchor="ctr" anchorCtr="0">
+            <a:noAutofit/>
+          </a:bodyPr>
+          <a:lstStyle/>
+          <a:p>
+            <a:pPr marL="0" marR="0" lvl="0" indent="0" algn="ctr" rtl="0">
+              <a:lnSpc>
+                <a:spcPct val="100000"/>
+              </a:lnSpc>
+              <a:spcBef>
+                <a:spcPts val="0"/>
+              </a:spcBef>
+              <a:spcAft>
+                <a:spcPts val="0"/>
+              </a:spcAft>
+              <a:buClr>
+                <a:schemeClr val="lt1"/>
+              </a:buClr>
+              <a:buSzPct val="25000"/>
+              <a:buFont typeface="Cabin"/>
+              <a:buNone/>
+            </a:pPr>
+            <a:r>
+              <a:rPr lang="en-US" sz="3600">
+                <a:solidFill>
+                  <a:schemeClr val="lt1"/>
+                </a:solidFill>
+                <a:latin typeface="Cabin"/>
+                <a:ea typeface="Cabin"/>
+                <a:cs typeface="Cabin"/>
+                <a:sym typeface="Cabin"/>
+              </a:rPr>
+              <a:t>Многократно используемые части кода мы называем “функциями”</a:t>
+            </a:r>
+          </a:p>
+        </p:txBody>
+      </p:sp>
+      <p:sp>
+        <p:nvSpPr>
+          <p:cNvPr id="229" name="Shape 229"/>
+          <p:cNvSpPr txBox="1"/>
+          <p:nvPr/>
+        </p:nvSpPr>
+        <p:spPr>
+          <a:xfrm>
+            <a:off x="5038725" y="2997200"/>
+            <a:ext cx="1409700" cy="622299"/>
+          </a:xfrm>
+          <a:prstGeom prst="rect">
+            <a:avLst/>
+          </a:prstGeom>
+          <a:noFill/>
+          <a:ln>
+            <a:noFill/>
+          </a:ln>
+        </p:spPr>
+        <p:txBody>
+          <a:bodyPr lIns="0" tIns="0" rIns="0" bIns="0" anchor="ctr" anchorCtr="0">
+            <a:noAutofit/>
+          </a:bodyPr>
+          <a:lstStyle/>
+          <a:p>
+            <a:pPr marL="0" marR="0" lvl="0" indent="0" algn="ctr" rtl="0">
+              <a:lnSpc>
+                <a:spcPct val="100000"/>
+              </a:lnSpc>
+              <a:spcBef>
+                <a:spcPts val="0"/>
+              </a:spcBef>
+              <a:spcAft>
+                <a:spcPts val="0"/>
+              </a:spcAft>
+              <a:buClr>
+                <a:schemeClr val="lt1"/>
+              </a:buClr>
+              <a:buSzPct val="25000"/>
+              <a:buFont typeface="Cabin"/>
+              <a:buNone/>
+            </a:pPr>
+            <a:r>
+              <a:rPr lang="en-US" sz="3600" b="0" i="0" u="none" strike="noStrike" cap="none">
+                <a:solidFill>
+                  <a:schemeClr val="lt1"/>
+                </a:solidFill>
+                <a:latin typeface="Cabin"/>
+                <a:ea typeface="Cabin"/>
+                <a:cs typeface="Cabin"/>
+                <a:sym typeface="Cabin"/>
+              </a:rPr>
+              <a:t>hello():</a:t>
+            </a:r>
+          </a:p>
+        </p:txBody>
+      </p:sp>
+      <p:sp>
+        <p:nvSpPr>
+          <p:cNvPr id="230" name="Shape 230"/>
+          <p:cNvSpPr txBox="1"/>
+          <p:nvPr/>
+        </p:nvSpPr>
+        <p:spPr>
+          <a:xfrm>
+            <a:off x="762000" y="7302500"/>
+            <a:ext cx="2743199" cy="596900"/>
+          </a:xfrm>
+          <a:prstGeom prst="rect">
+            <a:avLst/>
+          </a:prstGeom>
+          <a:solidFill>
+            <a:srgbClr val="0000FF"/>
+          </a:solidFill>
+          <a:ln>
+            <a:noFill/>
+          </a:ln>
+        </p:spPr>
+        <p:txBody>
+          <a:bodyPr lIns="0" tIns="0" rIns="0" bIns="0" anchor="ctr" anchorCtr="0">
+            <a:noAutofit/>
+          </a:bodyPr>
+          <a:lstStyle/>
+          <a:p>
+            <a:pPr marL="0" marR="0" lvl="0" indent="0" algn="ctr" rtl="0">
+              <a:lnSpc>
+                <a:spcPct val="100000"/>
+              </a:lnSpc>
+              <a:spcBef>
+                <a:spcPts val="0"/>
+              </a:spcBef>
+              <a:spcAft>
+                <a:spcPts val="0"/>
+              </a:spcAft>
+              <a:buClr>
+                <a:schemeClr val="lt1"/>
+              </a:buClr>
+              <a:buSzPct val="25000"/>
+              <a:buFont typeface="Cabin"/>
+              <a:buNone/>
+            </a:pPr>
+            <a:r>
+              <a:rPr lang="en-US" sz="3500" b="0" i="0" u="none" strike="noStrike" cap="none">
+                <a:solidFill>
+                  <a:schemeClr val="lt1"/>
+                </a:solidFill>
+                <a:latin typeface="Cabin"/>
+                <a:ea typeface="Cabin"/>
+                <a:cs typeface="Cabin"/>
+                <a:sym typeface="Cabin"/>
+              </a:rPr>
+              <a:t>hello()</a:t>
+            </a:r>
+          </a:p>
+        </p:txBody>
+      </p:sp>
+      <p:cxnSp>
+        <p:nvCxnSpPr>
+          <p:cNvPr id="231" name="Shape 231"/>
+          <p:cNvCxnSpPr/>
+          <p:nvPr/>
+        </p:nvCxnSpPr>
+        <p:spPr>
+          <a:xfrm rot="10800000">
+            <a:off x="2114549" y="6729412"/>
+            <a:ext cx="14287" cy="566736"/>
+          </a:xfrm>
+          <a:prstGeom prst="straightConnector1">
+            <a:avLst/>
+          </a:prstGeom>
+          <a:noFill/>
+          <a:ln w="76200" cap="rnd" cmpd="sng">
+            <a:solidFill>
+              <a:srgbClr val="0000FF"/>
+            </a:solidFill>
+            <a:prstDash val="solid"/>
+            <a:miter/>
+            <a:headEnd type="stealth" w="med" len="med"/>
+            <a:tailEnd type="none" w="med" len="med"/>
+          </a:ln>
+        </p:spPr>
+      </p:cxnSp>
+    </p:spTree>
+  </p:cSld>
+  <p:clrMapOvr>
+    <a:masterClrMapping/>
+  </p:clrMapOvr>
+</p:sld>
+</file>
+
+<file path=ppt/slides/slide20.xml><?xml version="1.0" encoding="utf-8"?>
 <p:sld xmlns:a="http://schemas.openxmlformats.org/drawingml/2006/main" xmlns:r="http://schemas.openxmlformats.org/officeDocument/2006/relationships" xmlns:p="http://schemas.openxmlformats.org/presentationml/2006/main">
   <p:cSld>
     <p:spTree>
@@ -25847,9 +28742,1556 @@
 </p:sld>
 </file>
 
-<file path=ppt/slides/slide2.xml><?xml version="1.0" encoding="utf-8"?>
+<file path=ppt/slides/slide21.xml><?xml version="1.0" encoding="utf-8"?>
 <p:sld xmlns:a="http://schemas.openxmlformats.org/drawingml/2006/main" xmlns:r="http://schemas.openxmlformats.org/officeDocument/2006/relationships" xmlns:p="http://schemas.openxmlformats.org/presentationml/2006/main">
   <p:cSld>
+    <p:spTree>
+      <p:nvGrpSpPr>
+        <p:cNvPr id="1" name="Shape 385"/>
+        <p:cNvGrpSpPr/>
+        <p:nvPr/>
+      </p:nvGrpSpPr>
+      <p:grpSpPr>
+        <a:xfrm>
+          <a:off x="0" y="0"/>
+          <a:ext cx="0" cy="0"/>
+          <a:chOff x="0" y="0"/>
+          <a:chExt cx="0" cy="0"/>
+        </a:xfrm>
+      </p:grpSpPr>
+      <p:sp>
+        <p:nvSpPr>
+          <p:cNvPr id="386" name="Shape 386"/>
+          <p:cNvSpPr txBox="1">
+            <a:spLocks noGrp="1"/>
+          </p:cNvSpPr>
+          <p:nvPr>
+            <p:ph type="title"/>
+          </p:nvPr>
+        </p:nvSpPr>
+        <p:spPr>
+          <a:xfrm>
+            <a:off x="1155700" y="241300"/>
+            <a:ext cx="13931900" cy="2298699"/>
+          </a:xfrm>
+          <a:prstGeom prst="rect">
+            <a:avLst/>
+          </a:prstGeom>
+          <a:noFill/>
+          <a:ln>
+            <a:noFill/>
+          </a:ln>
+        </p:spPr>
+        <p:txBody>
+          <a:bodyPr lIns="38100" tIns="38100" rIns="38100" bIns="38100" anchor="ctr" anchorCtr="0">
+            <a:noAutofit/>
+          </a:bodyPr>
+          <a:lstStyle/>
+          <a:p>
+            <a:pPr marL="0" marR="0" lvl="0" indent="0" algn="ctr" rtl="0">
+              <a:lnSpc>
+                <a:spcPct val="100000"/>
+              </a:lnSpc>
+              <a:spcBef>
+                <a:spcPts val="0"/>
+              </a:spcBef>
+              <a:spcAft>
+                <a:spcPts val="0"/>
+              </a:spcAft>
+              <a:buClr>
+                <a:srgbClr val="9A9A9A"/>
+              </a:buClr>
+              <a:buSzPct val="25000"/>
+              <a:buFont typeface="Cabin"/>
+              <a:buNone/>
+            </a:pPr>
+            <a:r>
+              <a:rPr lang="en-US" sz="7600">
+                <a:solidFill>
+                  <a:srgbClr val="FFFFFF"/>
+                </a:solidFill>
+                <a:latin typeface="Cabin"/>
+                <a:ea typeface="Cabin"/>
+                <a:cs typeface="Cabin"/>
+                <a:sym typeface="Cabin"/>
+              </a:rPr>
+              <a:t>Функции типа</a:t>
+            </a:r>
+            <a:r>
+              <a:rPr lang="en-US" sz="7600">
+                <a:solidFill>
+                  <a:srgbClr val="9A9A9A"/>
+                </a:solidFill>
+                <a:latin typeface="Cabin"/>
+                <a:ea typeface="Cabin"/>
+                <a:cs typeface="Cabin"/>
+                <a:sym typeface="Cabin"/>
+              </a:rPr>
+              <a:t> v</a:t>
+            </a:r>
+            <a:r>
+              <a:rPr lang="en-US" sz="7600" b="0" i="0" u="none" strike="noStrike" cap="none">
+                <a:solidFill>
+                  <a:srgbClr val="9A9A9A"/>
+                </a:solidFill>
+                <a:latin typeface="Cabin"/>
+                <a:ea typeface="Cabin"/>
+                <a:cs typeface="Cabin"/>
+                <a:sym typeface="Cabin"/>
+              </a:rPr>
+              <a:t>oid</a:t>
+            </a:r>
+            <a:r>
+              <a:rPr lang="en-US" sz="7600" b="0" i="0" u="none" strike="noStrike" cap="none">
+                <a:solidFill>
+                  <a:schemeClr val="lt1"/>
+                </a:solidFill>
+                <a:latin typeface="Cabin"/>
+                <a:ea typeface="Cabin"/>
+                <a:cs typeface="Cabin"/>
+                <a:sym typeface="Cabin"/>
+              </a:rPr>
+              <a:t> (</a:t>
+            </a:r>
+            <a:r>
+              <a:rPr lang="en-US" sz="7600">
+                <a:solidFill>
+                  <a:schemeClr val="lt1"/>
+                </a:solidFill>
+                <a:latin typeface="Cabin"/>
+                <a:ea typeface="Cabin"/>
+                <a:cs typeface="Cabin"/>
+                <a:sym typeface="Cabin"/>
+              </a:rPr>
+              <a:t>нерезультативные</a:t>
+            </a:r>
+            <a:r>
+              <a:rPr lang="en-US" sz="7600" b="0" i="0" u="none" strike="noStrike" cap="none">
+                <a:solidFill>
+                  <a:schemeClr val="lt1"/>
+                </a:solidFill>
+                <a:latin typeface="Cabin"/>
+                <a:ea typeface="Cabin"/>
+                <a:cs typeface="Cabin"/>
+                <a:sym typeface="Cabin"/>
+              </a:rPr>
+              <a:t>)</a:t>
+            </a:r>
+          </a:p>
+        </p:txBody>
+      </p:sp>
+      <p:sp>
+        <p:nvSpPr>
+          <p:cNvPr id="387" name="Shape 387"/>
+          <p:cNvSpPr txBox="1">
+            <a:spLocks noGrp="1"/>
+          </p:cNvSpPr>
+          <p:nvPr>
+            <p:ph type="body" idx="1"/>
+          </p:nvPr>
+        </p:nvSpPr>
+        <p:spPr>
+          <a:xfrm>
+            <a:off x="1155700" y="2603500"/>
+            <a:ext cx="13931900" cy="5702299"/>
+          </a:xfrm>
+          <a:prstGeom prst="rect">
+            <a:avLst/>
+          </a:prstGeom>
+          <a:noFill/>
+          <a:ln>
+            <a:noFill/>
+          </a:ln>
+        </p:spPr>
+        <p:txBody>
+          <a:bodyPr lIns="38100" tIns="38100" rIns="38100" bIns="38100" anchor="ctr" anchorCtr="0">
+            <a:noAutofit/>
+          </a:bodyPr>
+          <a:lstStyle/>
+          <a:p>
+            <a:pPr marL="749300" marR="0" lvl="0" indent="-533400" algn="l" rtl="0">
+              <a:lnSpc>
+                <a:spcPct val="100000"/>
+              </a:lnSpc>
+              <a:spcBef>
+                <a:spcPts val="0"/>
+              </a:spcBef>
+              <a:spcAft>
+                <a:spcPts val="0"/>
+              </a:spcAft>
+              <a:buClr>
+                <a:schemeClr val="lt1"/>
+              </a:buClr>
+              <a:buSzPct val="171000"/>
+              <a:buFont typeface="Cabin"/>
+              <a:buChar char="•"/>
+            </a:pPr>
+            <a:r>
+              <a:rPr lang="en-US" sz="3600">
+                <a:solidFill>
+                  <a:schemeClr val="lt1"/>
+                </a:solidFill>
+                <a:latin typeface="Cabin"/>
+                <a:ea typeface="Cabin"/>
+                <a:cs typeface="Cabin"/>
+                <a:sym typeface="Cabin"/>
+              </a:rPr>
+              <a:t>Если функция не производит результат</a:t>
+            </a:r>
+            <a:r>
+              <a:rPr lang="en-US" sz="3600" b="0" i="0" u="none" strike="noStrike" cap="none">
+                <a:solidFill>
+                  <a:schemeClr val="lt1"/>
+                </a:solidFill>
+                <a:latin typeface="Cabin"/>
+                <a:ea typeface="Cabin"/>
+                <a:cs typeface="Cabin"/>
+                <a:sym typeface="Cabin"/>
+              </a:rPr>
+              <a:t>, </a:t>
+            </a:r>
+            <a:r>
+              <a:rPr lang="en-US" sz="3600">
+                <a:solidFill>
+                  <a:schemeClr val="lt1"/>
+                </a:solidFill>
+                <a:latin typeface="Cabin"/>
+                <a:ea typeface="Cabin"/>
+                <a:cs typeface="Cabin"/>
+                <a:sym typeface="Cabin"/>
+              </a:rPr>
+              <a:t>ее называют функцией типа </a:t>
+            </a:r>
+            <a:r>
+              <a:rPr lang="en-US" sz="3600" b="0" i="0" u="none" strike="noStrike" cap="none">
+                <a:solidFill>
+                  <a:srgbClr val="9A9A9A"/>
+                </a:solidFill>
+                <a:latin typeface="Cabin"/>
+                <a:ea typeface="Cabin"/>
+                <a:cs typeface="Cabin"/>
+                <a:sym typeface="Cabin"/>
+              </a:rPr>
+              <a:t>void</a:t>
+            </a:r>
+          </a:p>
+          <a:p>
+            <a:pPr marL="749300" marR="0" lvl="0" indent="-533400" algn="l" rtl="0">
+              <a:lnSpc>
+                <a:spcPct val="100000"/>
+              </a:lnSpc>
+              <a:spcBef>
+                <a:spcPts val="0"/>
+              </a:spcBef>
+              <a:spcAft>
+                <a:spcPts val="0"/>
+              </a:spcAft>
+              <a:buClr>
+                <a:schemeClr val="lt1"/>
+              </a:buClr>
+              <a:buSzPct val="171000"/>
+              <a:buFont typeface="Cabin"/>
+              <a:buChar char="•"/>
+            </a:pPr>
+            <a:r>
+              <a:rPr lang="en-US" sz="3600">
+                <a:solidFill>
+                  <a:schemeClr val="lt1"/>
+                </a:solidFill>
+                <a:latin typeface="Cabin"/>
+                <a:ea typeface="Cabin"/>
+                <a:cs typeface="Cabin"/>
+                <a:sym typeface="Cabin"/>
+              </a:rPr>
+              <a:t>Функции, производящие результат, являются “</a:t>
+            </a:r>
+            <a:r>
+              <a:rPr lang="en-US" sz="3600">
+                <a:solidFill>
+                  <a:srgbClr val="FFFFFF"/>
+                </a:solidFill>
+                <a:latin typeface="Cabin"/>
+                <a:ea typeface="Cabin"/>
+                <a:cs typeface="Cabin"/>
+                <a:sym typeface="Cabin"/>
+              </a:rPr>
+              <a:t>результативными”</a:t>
+            </a:r>
+          </a:p>
+          <a:p>
+            <a:pPr marL="749300" marR="0" lvl="0" indent="-533400" algn="l" rtl="0">
+              <a:lnSpc>
+                <a:spcPct val="100000"/>
+              </a:lnSpc>
+              <a:spcBef>
+                <a:spcPts val="0"/>
+              </a:spcBef>
+              <a:spcAft>
+                <a:spcPts val="0"/>
+              </a:spcAft>
+              <a:buClr>
+                <a:schemeClr val="lt1"/>
+              </a:buClr>
+              <a:buSzPct val="171000"/>
+              <a:buFont typeface="Cabin"/>
+              <a:buChar char="•"/>
+            </a:pPr>
+            <a:r>
+              <a:rPr lang="en-US" sz="3600">
+                <a:solidFill>
+                  <a:srgbClr val="FFFFFF"/>
+                </a:solidFill>
+                <a:latin typeface="Cabin"/>
+                <a:ea typeface="Cabin"/>
+                <a:cs typeface="Cabin"/>
+                <a:sym typeface="Cabin"/>
+              </a:rPr>
+              <a:t>Функции типа </a:t>
+            </a:r>
+            <a:r>
+              <a:rPr lang="en-US" sz="3600">
+                <a:solidFill>
+                  <a:srgbClr val="9A9A9A"/>
+                </a:solidFill>
+                <a:latin typeface="Cabin"/>
+                <a:ea typeface="Cabin"/>
+                <a:cs typeface="Cabin"/>
+                <a:sym typeface="Cabin"/>
+              </a:rPr>
+              <a:t>v</a:t>
+            </a:r>
+            <a:r>
+              <a:rPr lang="en-US" sz="3600" b="0" i="0" u="none" strike="noStrike" cap="none">
+                <a:solidFill>
+                  <a:srgbClr val="9A9A9A"/>
+                </a:solidFill>
+                <a:latin typeface="Cabin"/>
+                <a:ea typeface="Cabin"/>
+                <a:cs typeface="Cabin"/>
+                <a:sym typeface="Cabin"/>
+              </a:rPr>
+              <a:t>oid</a:t>
+            </a:r>
+            <a:r>
+              <a:rPr lang="en-US" sz="3600" b="0" i="0" u="none" strike="noStrike" cap="none">
+                <a:solidFill>
+                  <a:schemeClr val="lt1"/>
+                </a:solidFill>
+                <a:latin typeface="Cabin"/>
+                <a:ea typeface="Cabin"/>
+                <a:cs typeface="Cabin"/>
+                <a:sym typeface="Cabin"/>
+              </a:rPr>
+              <a:t> </a:t>
+            </a:r>
+            <a:r>
+              <a:rPr lang="en-US" sz="3600">
+                <a:solidFill>
+                  <a:schemeClr val="lt1"/>
+                </a:solidFill>
+                <a:latin typeface="Cabin"/>
+                <a:ea typeface="Cabin"/>
+                <a:cs typeface="Cabin"/>
+                <a:sym typeface="Cabin"/>
+              </a:rPr>
+              <a:t>являются “нерезультативными”</a:t>
+            </a:r>
+          </a:p>
+        </p:txBody>
+      </p:sp>
+    </p:spTree>
+  </p:cSld>
+  <p:clrMapOvr>
+    <a:masterClrMapping/>
+  </p:clrMapOvr>
+</p:sld>
+</file>
+
+<file path=ppt/slides/slide22.xml><?xml version="1.0" encoding="utf-8"?>
+<p:sld xmlns:a="http://schemas.openxmlformats.org/drawingml/2006/main" xmlns:r="http://schemas.openxmlformats.org/officeDocument/2006/relationships" xmlns:p="http://schemas.openxmlformats.org/presentationml/2006/main">
+  <p:cSld>
+    <p:spTree>
+      <p:nvGrpSpPr>
+        <p:cNvPr id="1" name="Shape 391"/>
+        <p:cNvGrpSpPr/>
+        <p:nvPr/>
+      </p:nvGrpSpPr>
+      <p:grpSpPr>
+        <a:xfrm>
+          <a:off x="0" y="0"/>
+          <a:ext cx="0" cy="0"/>
+          <a:chOff x="0" y="0"/>
+          <a:chExt cx="0" cy="0"/>
+        </a:xfrm>
+      </p:grpSpPr>
+      <p:sp>
+        <p:nvSpPr>
+          <p:cNvPr id="392" name="Shape 392"/>
+          <p:cNvSpPr txBox="1">
+            <a:spLocks noGrp="1"/>
+          </p:cNvSpPr>
+          <p:nvPr>
+            <p:ph type="title"/>
+          </p:nvPr>
+        </p:nvSpPr>
+        <p:spPr>
+          <a:xfrm>
+            <a:off x="1155700" y="241300"/>
+            <a:ext cx="13931900" cy="2298699"/>
+          </a:xfrm>
+          <a:prstGeom prst="rect">
+            <a:avLst/>
+          </a:prstGeom>
+          <a:noFill/>
+          <a:ln>
+            <a:noFill/>
+          </a:ln>
+        </p:spPr>
+        <p:txBody>
+          <a:bodyPr lIns="38100" tIns="38100" rIns="38100" bIns="38100" anchor="ctr" anchorCtr="0">
+            <a:noAutofit/>
+          </a:bodyPr>
+          <a:lstStyle/>
+          <a:p>
+            <a:pPr marL="0" marR="0" lvl="0" indent="0" algn="ctr" rtl="0">
+              <a:lnSpc>
+                <a:spcPct val="100000"/>
+              </a:lnSpc>
+              <a:spcBef>
+                <a:spcPts val="0"/>
+              </a:spcBef>
+              <a:spcAft>
+                <a:spcPts val="0"/>
+              </a:spcAft>
+              <a:buClr>
+                <a:srgbClr val="00FF00"/>
+              </a:buClr>
+              <a:buSzPct val="25000"/>
+              <a:buFont typeface="Cabin"/>
+              <a:buNone/>
+            </a:pPr>
+            <a:r>
+              <a:rPr lang="en-US" sz="7600">
+                <a:solidFill>
+                  <a:srgbClr val="00FF00"/>
+                </a:solidFill>
+                <a:latin typeface="Cabin"/>
+                <a:ea typeface="Cabin"/>
+                <a:cs typeface="Cabin"/>
+                <a:sym typeface="Cabin"/>
+              </a:rPr>
+              <a:t>Использовать функцию или нет</a:t>
+            </a:r>
+            <a:r>
+              <a:rPr lang="en-US" sz="7600" b="0" i="0" u="none" strike="noStrike" cap="none">
+                <a:solidFill>
+                  <a:srgbClr val="00FF00"/>
+                </a:solidFill>
+                <a:latin typeface="Cabin"/>
+                <a:ea typeface="Cabin"/>
+                <a:cs typeface="Cabin"/>
+                <a:sym typeface="Cabin"/>
+              </a:rPr>
+              <a:t>...</a:t>
+            </a:r>
+          </a:p>
+        </p:txBody>
+      </p:sp>
+      <p:sp>
+        <p:nvSpPr>
+          <p:cNvPr id="393" name="Shape 393"/>
+          <p:cNvSpPr txBox="1">
+            <a:spLocks noGrp="1"/>
+          </p:cNvSpPr>
+          <p:nvPr>
+            <p:ph type="body" idx="1"/>
+          </p:nvPr>
+        </p:nvSpPr>
+        <p:spPr>
+          <a:xfrm>
+            <a:off x="1155700" y="2603500"/>
+            <a:ext cx="13931900" cy="5702299"/>
+          </a:xfrm>
+          <a:prstGeom prst="rect">
+            <a:avLst/>
+          </a:prstGeom>
+          <a:noFill/>
+          <a:ln>
+            <a:noFill/>
+          </a:ln>
+        </p:spPr>
+        <p:txBody>
+          <a:bodyPr lIns="38100" tIns="38100" rIns="38100" bIns="38100" anchor="ctr" anchorCtr="0">
+            <a:noAutofit/>
+          </a:bodyPr>
+          <a:lstStyle/>
+          <a:p>
+            <a:pPr marL="749300" marR="0" lvl="0" indent="-345694" algn="l" rtl="0">
+              <a:lnSpc>
+                <a:spcPct val="100000"/>
+              </a:lnSpc>
+              <a:spcBef>
+                <a:spcPts val="0"/>
+              </a:spcBef>
+              <a:spcAft>
+                <a:spcPts val="0"/>
+              </a:spcAft>
+              <a:buClr>
+                <a:schemeClr val="lt1"/>
+              </a:buClr>
+              <a:buSzPct val="100000"/>
+              <a:buFont typeface="Cabin"/>
+              <a:buChar char="•"/>
+            </a:pPr>
+            <a:r>
+              <a:rPr lang="en-US" sz="3200">
+                <a:solidFill>
+                  <a:schemeClr val="lt1"/>
+                </a:solidFill>
+                <a:latin typeface="Cabin"/>
+                <a:ea typeface="Cabin"/>
+                <a:cs typeface="Cabin"/>
+                <a:sym typeface="Cabin"/>
+              </a:rPr>
+              <a:t>Разделите код по</a:t>
+            </a:r>
+            <a:r>
+              <a:rPr lang="en-US" sz="3200" b="0" i="0" u="none" strike="noStrike" cap="none">
+                <a:solidFill>
+                  <a:schemeClr val="lt1"/>
+                </a:solidFill>
+                <a:latin typeface="Cabin"/>
+                <a:ea typeface="Cabin"/>
+                <a:cs typeface="Cabin"/>
+                <a:sym typeface="Cabin"/>
+              </a:rPr>
+              <a:t> </a:t>
+            </a:r>
+            <a:r>
+              <a:rPr lang="en-US" sz="3200" b="0" i="0" u="none" strike="noStrike" cap="none">
+                <a:solidFill>
+                  <a:schemeClr val="lt1"/>
+                </a:solidFill>
+                <a:latin typeface="Arial"/>
+                <a:ea typeface="Arial"/>
+                <a:cs typeface="Arial"/>
+                <a:sym typeface="Arial"/>
+              </a:rPr>
+              <a:t>“абзацам”</a:t>
+            </a:r>
+            <a:r>
+              <a:rPr lang="en-US" sz="3200" b="0" i="0" u="none" strike="noStrike" cap="none">
+                <a:solidFill>
+                  <a:schemeClr val="lt1"/>
+                </a:solidFill>
+                <a:latin typeface="Cabin"/>
+                <a:ea typeface="Cabin"/>
+                <a:cs typeface="Cabin"/>
+                <a:sym typeface="Cabin"/>
+              </a:rPr>
+              <a:t> - </a:t>
+            </a:r>
+            <a:r>
+              <a:rPr lang="en-US" sz="3200">
+                <a:solidFill>
+                  <a:schemeClr val="lt1"/>
+                </a:solidFill>
+                <a:latin typeface="Cabin"/>
+                <a:ea typeface="Cabin"/>
+                <a:cs typeface="Cabin"/>
+                <a:sym typeface="Cabin"/>
+              </a:rPr>
+              <a:t>закончите определенную мысль и </a:t>
+            </a:r>
+            <a:r>
+              <a:rPr lang="en-US" sz="3200" b="0" i="0" u="none" strike="noStrike" cap="none">
+                <a:solidFill>
+                  <a:schemeClr val="lt1"/>
+                </a:solidFill>
+                <a:latin typeface="Arial"/>
+                <a:ea typeface="Arial"/>
+                <a:cs typeface="Arial"/>
+                <a:sym typeface="Arial"/>
+              </a:rPr>
+              <a:t>“</a:t>
+            </a:r>
+            <a:r>
+              <a:rPr lang="en-US" sz="3200">
+                <a:solidFill>
+                  <a:schemeClr val="lt1"/>
+                </a:solidFill>
+                <a:latin typeface="Cabin"/>
+                <a:ea typeface="Cabin"/>
+                <a:cs typeface="Cabin"/>
+                <a:sym typeface="Cabin"/>
+              </a:rPr>
+              <a:t>назовите ее</a:t>
+            </a:r>
+            <a:r>
+              <a:rPr lang="en-US" sz="3200" b="0" i="0" u="none" strike="noStrike" cap="none">
+                <a:solidFill>
+                  <a:schemeClr val="lt1"/>
+                </a:solidFill>
+                <a:latin typeface="Arial"/>
+                <a:ea typeface="Arial"/>
+                <a:cs typeface="Arial"/>
+                <a:sym typeface="Arial"/>
+              </a:rPr>
+              <a:t>”</a:t>
+            </a:r>
+          </a:p>
+          <a:p>
+            <a:pPr marL="749300" marR="0" lvl="0" indent="-345694" algn="l" rtl="0">
+              <a:lnSpc>
+                <a:spcPct val="100000"/>
+              </a:lnSpc>
+              <a:spcBef>
+                <a:spcPts val="3500"/>
+              </a:spcBef>
+              <a:spcAft>
+                <a:spcPts val="0"/>
+              </a:spcAft>
+              <a:buClr>
+                <a:schemeClr val="lt1"/>
+              </a:buClr>
+              <a:buSzPct val="100000"/>
+              <a:buFont typeface="Cabin"/>
+              <a:buChar char="•"/>
+            </a:pPr>
+            <a:r>
+              <a:rPr lang="en-US" sz="3200">
+                <a:solidFill>
+                  <a:schemeClr val="lt1"/>
+                </a:solidFill>
+                <a:latin typeface="Cabin"/>
+                <a:ea typeface="Cabin"/>
+                <a:cs typeface="Cabin"/>
+                <a:sym typeface="Cabin"/>
+              </a:rPr>
+              <a:t>Избегайте повторов </a:t>
+            </a:r>
+            <a:r>
+              <a:rPr lang="en-US" sz="3200" b="0" i="0" u="none" strike="noStrike" cap="none">
+                <a:solidFill>
+                  <a:schemeClr val="lt1"/>
+                </a:solidFill>
+                <a:latin typeface="Cabin"/>
+                <a:ea typeface="Cabin"/>
+                <a:cs typeface="Cabin"/>
+                <a:sym typeface="Cabin"/>
+              </a:rPr>
+              <a:t>- создайте рабо</a:t>
+            </a:r>
+            <a:r>
+              <a:rPr lang="en-US" sz="3200">
+                <a:solidFill>
+                  <a:schemeClr val="lt1"/>
+                </a:solidFill>
+                <a:latin typeface="Cabin"/>
+                <a:ea typeface="Cabin"/>
+                <a:cs typeface="Cabin"/>
+                <a:sym typeface="Cabin"/>
+              </a:rPr>
+              <a:t>чий код один раз и многократно используйте его</a:t>
+            </a:r>
+          </a:p>
+          <a:p>
+            <a:pPr marL="749300" marR="0" lvl="0" indent="-345694" algn="l" rtl="0">
+              <a:lnSpc>
+                <a:spcPct val="100000"/>
+              </a:lnSpc>
+              <a:spcBef>
+                <a:spcPts val="3500"/>
+              </a:spcBef>
+              <a:spcAft>
+                <a:spcPts val="0"/>
+              </a:spcAft>
+              <a:buClr>
+                <a:schemeClr val="lt1"/>
+              </a:buClr>
+              <a:buSzPct val="100000"/>
+              <a:buFont typeface="Cabin"/>
+              <a:buChar char="•"/>
+            </a:pPr>
+            <a:r>
+              <a:rPr lang="en-US" sz="3200">
+                <a:solidFill>
+                  <a:schemeClr val="lt1"/>
+                </a:solidFill>
+                <a:latin typeface="Cabin"/>
+                <a:ea typeface="Cabin"/>
+                <a:cs typeface="Cabin"/>
+                <a:sym typeface="Cabin"/>
+              </a:rPr>
+              <a:t>Если какая-то часть кода стала слишком длинной или сложной, разбейте ее на логические секции и поместите эти секции в функции</a:t>
+            </a:r>
+          </a:p>
+          <a:p>
+            <a:pPr marL="749300" marR="0" lvl="0" indent="-345694" algn="l" rtl="0">
+              <a:lnSpc>
+                <a:spcPct val="100000"/>
+              </a:lnSpc>
+              <a:spcBef>
+                <a:spcPts val="3500"/>
+              </a:spcBef>
+              <a:spcAft>
+                <a:spcPts val="0"/>
+              </a:spcAft>
+              <a:buClr>
+                <a:schemeClr val="lt1"/>
+              </a:buClr>
+              <a:buSzPct val="100000"/>
+              <a:buFont typeface="Cabin"/>
+              <a:buChar char="•"/>
+            </a:pPr>
+            <a:r>
+              <a:rPr lang="en-US" sz="3200">
+                <a:solidFill>
+                  <a:schemeClr val="lt1"/>
+                </a:solidFill>
+                <a:latin typeface="Cabin"/>
+                <a:ea typeface="Cabin"/>
+                <a:cs typeface="Cabin"/>
+                <a:sym typeface="Cabin"/>
+              </a:rPr>
+              <a:t>Создайте библиотеку наиболее употребляемых кодов. При желании поделитесь этой библиотекой с друзьями</a:t>
+            </a:r>
+            <a:r>
+              <a:rPr lang="en-US" sz="3200" b="0" i="0" u="none" strike="noStrike" cap="none">
+                <a:solidFill>
+                  <a:schemeClr val="lt1"/>
+                </a:solidFill>
+                <a:latin typeface="Cabin"/>
+                <a:ea typeface="Cabin"/>
+                <a:cs typeface="Cabin"/>
+                <a:sym typeface="Cabin"/>
+              </a:rPr>
+              <a:t>...</a:t>
+            </a:r>
+          </a:p>
+        </p:txBody>
+      </p:sp>
+    </p:spTree>
+  </p:cSld>
+  <p:clrMapOvr>
+    <a:masterClrMapping/>
+  </p:clrMapOvr>
+</p:sld>
+</file>
+
+<file path=ppt/slides/slide23.xml><?xml version="1.0" encoding="utf-8"?>
+<p:sld xmlns:a="http://schemas.openxmlformats.org/drawingml/2006/main" xmlns:r="http://schemas.openxmlformats.org/officeDocument/2006/relationships" xmlns:p="http://schemas.openxmlformats.org/presentationml/2006/main">
+  <p:cSld>
+    <p:spTree>
+      <p:nvGrpSpPr>
+        <p:cNvPr id="1" name="Shape 397"/>
+        <p:cNvGrpSpPr/>
+        <p:nvPr/>
+      </p:nvGrpSpPr>
+      <p:grpSpPr>
+        <a:xfrm>
+          <a:off x="0" y="0"/>
+          <a:ext cx="0" cy="0"/>
+          <a:chOff x="0" y="0"/>
+          <a:chExt cx="0" cy="0"/>
+        </a:xfrm>
+      </p:grpSpPr>
+      <p:sp>
+        <p:nvSpPr>
+          <p:cNvPr id="398" name="Shape 398"/>
+          <p:cNvSpPr txBox="1"/>
+          <p:nvPr/>
+        </p:nvSpPr>
+        <p:spPr>
+          <a:xfrm>
+            <a:off x="749300" y="342900"/>
+            <a:ext cx="3692400" cy="660300"/>
+          </a:xfrm>
+          <a:prstGeom prst="rect">
+            <a:avLst/>
+          </a:prstGeom>
+          <a:noFill/>
+          <a:ln>
+            <a:noFill/>
+          </a:ln>
+        </p:spPr>
+        <p:txBody>
+          <a:bodyPr lIns="0" tIns="0" rIns="0" bIns="0" anchor="ctr" anchorCtr="0">
+            <a:noAutofit/>
+          </a:bodyPr>
+          <a:lstStyle/>
+          <a:p>
+            <a:pPr marL="0" marR="0" lvl="0" indent="0" algn="ctr" rtl="0">
+              <a:lnSpc>
+                <a:spcPct val="100000"/>
+              </a:lnSpc>
+              <a:spcBef>
+                <a:spcPts val="0"/>
+              </a:spcBef>
+              <a:spcAft>
+                <a:spcPts val="0"/>
+              </a:spcAft>
+              <a:buClr>
+                <a:srgbClr val="00FF00"/>
+              </a:buClr>
+              <a:buSzPct val="25000"/>
+              <a:buFont typeface="Cabin"/>
+              <a:buNone/>
+            </a:pPr>
+            <a:r>
+              <a:rPr lang="en-US" sz="3800">
+                <a:solidFill>
+                  <a:srgbClr val="00FF00"/>
+                </a:solidFill>
+                <a:latin typeface="Cabin"/>
+                <a:ea typeface="Cabin"/>
+                <a:cs typeface="Cabin"/>
+                <a:sym typeface="Cabin"/>
+              </a:rPr>
+              <a:t>Упражнение</a:t>
+            </a:r>
+          </a:p>
+        </p:txBody>
+      </p:sp>
+      <p:sp>
+        <p:nvSpPr>
+          <p:cNvPr id="399" name="Shape 399"/>
+          <p:cNvSpPr txBox="1"/>
+          <p:nvPr/>
+        </p:nvSpPr>
+        <p:spPr>
+          <a:xfrm>
+            <a:off x="3136900" y="2133600"/>
+            <a:ext cx="10706100" cy="4013200"/>
+          </a:xfrm>
+          <a:prstGeom prst="rect">
+            <a:avLst/>
+          </a:prstGeom>
+          <a:noFill/>
+          <a:ln>
+            <a:noFill/>
+          </a:ln>
+        </p:spPr>
+        <p:txBody>
+          <a:bodyPr lIns="0" tIns="0" rIns="0" bIns="0" anchor="ctr" anchorCtr="0">
+            <a:noAutofit/>
+          </a:bodyPr>
+          <a:lstStyle/>
+          <a:p>
+            <a:pPr marL="0" marR="0" lvl="0" indent="0" algn="l" rtl="0">
+              <a:lnSpc>
+                <a:spcPct val="100000"/>
+              </a:lnSpc>
+              <a:spcBef>
+                <a:spcPts val="0"/>
+              </a:spcBef>
+              <a:spcAft>
+                <a:spcPts val="0"/>
+              </a:spcAft>
+              <a:buClr>
+                <a:schemeClr val="lt1"/>
+              </a:buClr>
+              <a:buSzPct val="25000"/>
+              <a:buFont typeface="Cabin"/>
+              <a:buNone/>
+            </a:pPr>
+            <a:r>
+              <a:rPr lang="en-US" sz="3400">
+                <a:solidFill>
+                  <a:schemeClr val="lt1"/>
+                </a:solidFill>
+                <a:latin typeface="Cabin"/>
+                <a:ea typeface="Cabin"/>
+                <a:cs typeface="Cabin"/>
+                <a:sym typeface="Cabin"/>
+              </a:rPr>
+              <a:t>Измените код расчета заработной платы с учетом того, что ставка за сверхурочные часы в полтора раза выше обычной ставки, и создайте функцию под названием </a:t>
+            </a:r>
+            <a:r>
+              <a:rPr lang="en-US" sz="3400" b="0" i="0" u="none" strike="noStrike" cap="none">
+                <a:solidFill>
+                  <a:srgbClr val="00FF00"/>
+                </a:solidFill>
+                <a:latin typeface="Cabin"/>
+                <a:ea typeface="Cabin"/>
+                <a:cs typeface="Cabin"/>
+                <a:sym typeface="Cabin"/>
+              </a:rPr>
+              <a:t>computepay</a:t>
+            </a:r>
+            <a:r>
+              <a:rPr lang="en-US" sz="3400">
+                <a:solidFill>
+                  <a:srgbClr val="00FF00"/>
+                </a:solidFill>
+                <a:latin typeface="Cabin"/>
+                <a:ea typeface="Cabin"/>
+                <a:cs typeface="Cabin"/>
+                <a:sym typeface="Cabin"/>
+              </a:rPr>
+              <a:t>, </a:t>
+            </a:r>
+            <a:r>
+              <a:rPr lang="en-US" sz="3400">
+                <a:solidFill>
+                  <a:schemeClr val="lt1"/>
+                </a:solidFill>
+                <a:latin typeface="Cabin"/>
+                <a:ea typeface="Cabin"/>
+                <a:cs typeface="Cabin"/>
+                <a:sym typeface="Cabin"/>
+              </a:rPr>
+              <a:t>которая принимает два параметра</a:t>
+            </a:r>
+            <a:r>
+              <a:rPr lang="en-US" sz="3400" b="0" i="0" u="none" strike="noStrike" cap="none">
+                <a:solidFill>
+                  <a:schemeClr val="lt1"/>
+                </a:solidFill>
+                <a:latin typeface="Cabin"/>
+                <a:ea typeface="Cabin"/>
+                <a:cs typeface="Cabin"/>
+                <a:sym typeface="Cabin"/>
+              </a:rPr>
+              <a:t> (</a:t>
+            </a:r>
+            <a:r>
+              <a:rPr lang="en-US" sz="3400">
+                <a:solidFill>
+                  <a:schemeClr val="lt1"/>
+                </a:solidFill>
+                <a:latin typeface="Cabin"/>
+                <a:ea typeface="Cabin"/>
+                <a:cs typeface="Cabin"/>
+                <a:sym typeface="Cabin"/>
+              </a:rPr>
+              <a:t>часы</a:t>
+            </a:r>
+            <a:r>
+              <a:rPr lang="en-US" sz="3400" b="0" i="0" u="none" strike="noStrike" cap="none">
+                <a:solidFill>
+                  <a:schemeClr val="lt1"/>
+                </a:solidFill>
+                <a:latin typeface="Cabin"/>
+                <a:ea typeface="Cabin"/>
+                <a:cs typeface="Cabin"/>
+                <a:sym typeface="Cabin"/>
+              </a:rPr>
+              <a:t> </a:t>
+            </a:r>
+            <a:r>
+              <a:rPr lang="en-US" sz="3400">
+                <a:solidFill>
+                  <a:schemeClr val="lt1"/>
+                </a:solidFill>
+                <a:latin typeface="Cabin"/>
+                <a:ea typeface="Cabin"/>
+                <a:cs typeface="Cabin"/>
+                <a:sym typeface="Cabin"/>
+              </a:rPr>
+              <a:t>и</a:t>
+            </a:r>
+            <a:r>
+              <a:rPr lang="en-US" sz="3400" b="0" i="0" u="none" strike="noStrike" cap="none">
+                <a:solidFill>
+                  <a:schemeClr val="lt1"/>
+                </a:solidFill>
+                <a:latin typeface="Cabin"/>
+                <a:ea typeface="Cabin"/>
+                <a:cs typeface="Cabin"/>
+                <a:sym typeface="Cabin"/>
+              </a:rPr>
+              <a:t> </a:t>
+            </a:r>
+            <a:r>
+              <a:rPr lang="en-US" sz="3400">
+                <a:solidFill>
+                  <a:schemeClr val="lt1"/>
+                </a:solidFill>
+                <a:latin typeface="Cabin"/>
+                <a:ea typeface="Cabin"/>
+                <a:cs typeface="Cabin"/>
+                <a:sym typeface="Cabin"/>
+              </a:rPr>
+              <a:t>ставка</a:t>
+            </a:r>
+            <a:r>
+              <a:rPr lang="en-US" sz="3400" b="0" i="0" u="none" strike="noStrike" cap="none">
+                <a:solidFill>
+                  <a:schemeClr val="lt1"/>
+                </a:solidFill>
+                <a:latin typeface="Cabin"/>
+                <a:ea typeface="Cabin"/>
+                <a:cs typeface="Cabin"/>
+                <a:sym typeface="Cabin"/>
+              </a:rPr>
+              <a:t>).</a:t>
+            </a:r>
+          </a:p>
+          <a:p>
+            <a:pPr marL="0" marR="0" lvl="0" indent="0" algn="l" rtl="0">
+              <a:lnSpc>
+                <a:spcPct val="100000"/>
+              </a:lnSpc>
+              <a:spcBef>
+                <a:spcPts val="0"/>
+              </a:spcBef>
+              <a:spcAft>
+                <a:spcPts val="0"/>
+              </a:spcAft>
+              <a:buClr>
+                <a:schemeClr val="lt1"/>
+              </a:buClr>
+              <a:buFont typeface="Cabin"/>
+              <a:buNone/>
+            </a:pPr>
+            <a:endParaRPr sz="3400">
+              <a:solidFill>
+                <a:schemeClr val="lt1"/>
+              </a:solidFill>
+              <a:latin typeface="Cabin"/>
+              <a:ea typeface="Cabin"/>
+              <a:cs typeface="Cabin"/>
+              <a:sym typeface="Cabin"/>
+            </a:endParaRPr>
+          </a:p>
+          <a:p>
+            <a:pPr lvl="0" rtl="0">
+              <a:spcBef>
+                <a:spcPts val="0"/>
+              </a:spcBef>
+              <a:buClr>
+                <a:schemeClr val="lt1"/>
+              </a:buClr>
+              <a:buSzPct val="25000"/>
+              <a:buFont typeface="Cabin"/>
+              <a:buNone/>
+            </a:pPr>
+            <a:r>
+              <a:rPr lang="en-US" sz="3400">
+                <a:solidFill>
+                  <a:schemeClr val="lt1"/>
+                </a:solidFill>
+                <a:latin typeface="Cabin"/>
+                <a:ea typeface="Cabin"/>
+                <a:cs typeface="Cabin"/>
+                <a:sym typeface="Cabin"/>
+              </a:rPr>
+              <a:t>Введите часы: </a:t>
+            </a:r>
+            <a:r>
+              <a:rPr lang="en-US" sz="3400">
+                <a:solidFill>
+                  <a:srgbClr val="FFFF00"/>
+                </a:solidFill>
+                <a:latin typeface="Cabin"/>
+                <a:ea typeface="Cabin"/>
+                <a:cs typeface="Cabin"/>
+                <a:sym typeface="Cabin"/>
+              </a:rPr>
+              <a:t>45</a:t>
+            </a:r>
+          </a:p>
+          <a:p>
+            <a:pPr lvl="0" rtl="0">
+              <a:spcBef>
+                <a:spcPts val="0"/>
+              </a:spcBef>
+              <a:buClr>
+                <a:schemeClr val="lt1"/>
+              </a:buClr>
+              <a:buSzPct val="25000"/>
+              <a:buFont typeface="Cabin"/>
+              <a:buNone/>
+            </a:pPr>
+            <a:r>
+              <a:rPr lang="en-US" sz="3400">
+                <a:solidFill>
+                  <a:schemeClr val="lt1"/>
+                </a:solidFill>
+                <a:latin typeface="Cabin"/>
+                <a:ea typeface="Cabin"/>
+                <a:cs typeface="Cabin"/>
+                <a:sym typeface="Cabin"/>
+              </a:rPr>
+              <a:t>Введите ставку: </a:t>
+            </a:r>
+            <a:r>
+              <a:rPr lang="en-US" sz="3400">
+                <a:solidFill>
+                  <a:srgbClr val="FFFF00"/>
+                </a:solidFill>
+                <a:latin typeface="Cabin"/>
+                <a:ea typeface="Cabin"/>
+                <a:cs typeface="Cabin"/>
+                <a:sym typeface="Cabin"/>
+              </a:rPr>
+              <a:t>10</a:t>
+            </a:r>
+            <a:r>
+              <a:rPr lang="en-US" sz="3400">
+                <a:solidFill>
+                  <a:schemeClr val="lt1"/>
+                </a:solidFill>
+                <a:latin typeface="Cabin"/>
+                <a:ea typeface="Cabin"/>
+                <a:cs typeface="Cabin"/>
+                <a:sym typeface="Cabin"/>
+              </a:rPr>
+              <a:t> </a:t>
+            </a:r>
+          </a:p>
+          <a:p>
+            <a:pPr lvl="0" rtl="0">
+              <a:spcBef>
+                <a:spcPts val="0"/>
+              </a:spcBef>
+              <a:buClr>
+                <a:schemeClr val="lt1"/>
+              </a:buClr>
+              <a:buSzPct val="25000"/>
+              <a:buFont typeface="Cabin"/>
+              <a:buNone/>
+            </a:pPr>
+            <a:r>
+              <a:rPr lang="en-US" sz="3400">
+                <a:solidFill>
+                  <a:schemeClr val="lt1"/>
+                </a:solidFill>
+                <a:latin typeface="Cabin"/>
+                <a:ea typeface="Cabin"/>
+                <a:cs typeface="Cabin"/>
+                <a:sym typeface="Cabin"/>
+              </a:rPr>
+              <a:t>Зарплата: 475.0</a:t>
+            </a:r>
+          </a:p>
+        </p:txBody>
+      </p:sp>
+      <p:sp>
+        <p:nvSpPr>
+          <p:cNvPr id="400" name="Shape 400"/>
+          <p:cNvSpPr txBox="1"/>
+          <p:nvPr/>
+        </p:nvSpPr>
+        <p:spPr>
+          <a:xfrm>
+            <a:off x="9896475" y="6731000"/>
+            <a:ext cx="4565650" cy="660400"/>
+          </a:xfrm>
+          <a:prstGeom prst="rect">
+            <a:avLst/>
+          </a:prstGeom>
+          <a:noFill/>
+          <a:ln>
+            <a:noFill/>
+          </a:ln>
+        </p:spPr>
+        <p:txBody>
+          <a:bodyPr lIns="0" tIns="0" rIns="0" bIns="0" anchor="ctr" anchorCtr="0">
+            <a:noAutofit/>
+          </a:bodyPr>
+          <a:lstStyle/>
+          <a:p>
+            <a:pPr marL="0" marR="0" lvl="0" indent="0" algn="ctr" rtl="0">
+              <a:lnSpc>
+                <a:spcPct val="100000"/>
+              </a:lnSpc>
+              <a:spcBef>
+                <a:spcPts val="0"/>
+              </a:spcBef>
+              <a:spcAft>
+                <a:spcPts val="0"/>
+              </a:spcAft>
+              <a:buClr>
+                <a:schemeClr val="lt1"/>
+              </a:buClr>
+              <a:buSzPct val="25000"/>
+              <a:buFont typeface="Cabin"/>
+              <a:buNone/>
+            </a:pPr>
+            <a:r>
+              <a:rPr lang="en-US" sz="3800" b="0" i="0" u="none" strike="noStrike" cap="none">
+                <a:solidFill>
+                  <a:schemeClr val="lt1"/>
+                </a:solidFill>
+                <a:latin typeface="Cabin"/>
+                <a:ea typeface="Cabin"/>
+                <a:cs typeface="Cabin"/>
+                <a:sym typeface="Cabin"/>
+              </a:rPr>
+              <a:t>475 = 40 * 10 + 5 * 15</a:t>
+            </a:r>
+          </a:p>
+        </p:txBody>
+      </p:sp>
+    </p:spTree>
+  </p:cSld>
+  <p:clrMapOvr>
+    <a:masterClrMapping/>
+  </p:clrMapOvr>
+</p:sld>
+</file>
+
+<file path=ppt/slides/slide24.xml><?xml version="1.0" encoding="utf-8"?>
+<p:sld xmlns:a="http://schemas.openxmlformats.org/drawingml/2006/main" xmlns:r="http://schemas.openxmlformats.org/officeDocument/2006/relationships" xmlns:p="http://schemas.openxmlformats.org/presentationml/2006/main" show="0">
+  <p:cSld>
+    <p:spTree>
+      <p:nvGrpSpPr>
+        <p:cNvPr id="1" name="Shape 410"/>
+        <p:cNvGrpSpPr/>
+        <p:nvPr/>
+      </p:nvGrpSpPr>
+      <p:grpSpPr>
+        <a:xfrm>
+          <a:off x="0" y="0"/>
+          <a:ext cx="0" cy="0"/>
+          <a:chOff x="0" y="0"/>
+          <a:chExt cx="0" cy="0"/>
+        </a:xfrm>
+      </p:grpSpPr>
+      <p:pic>
+        <p:nvPicPr>
+          <p:cNvPr id="411" name="Shape 411"/>
+          <p:cNvPicPr preferRelativeResize="0"/>
+          <p:nvPr/>
+        </p:nvPicPr>
+        <p:blipFill rotWithShape="1">
+          <a:blip r:embed="rId3">
+            <a:alphaModFix/>
+          </a:blip>
+          <a:srcRect/>
+          <a:stretch/>
+        </p:blipFill>
+        <p:spPr>
+          <a:xfrm>
+            <a:off x="437900" y="134650"/>
+            <a:ext cx="1024800" cy="1024800"/>
+          </a:xfrm>
+          <a:prstGeom prst="rect">
+            <a:avLst/>
+          </a:prstGeom>
+          <a:noFill/>
+          <a:ln>
+            <a:noFill/>
+          </a:ln>
+        </p:spPr>
+      </p:pic>
+      <p:pic>
+        <p:nvPicPr>
+          <p:cNvPr id="412" name="Shape 412"/>
+          <p:cNvPicPr preferRelativeResize="0"/>
+          <p:nvPr/>
+        </p:nvPicPr>
+        <p:blipFill rotWithShape="1">
+          <a:blip r:embed="rId4">
+            <a:alphaModFix/>
+          </a:blip>
+          <a:srcRect/>
+          <a:stretch/>
+        </p:blipFill>
+        <p:spPr>
+          <a:xfrm>
+            <a:off x="13897687" y="312850"/>
+            <a:ext cx="1968599" cy="668400"/>
+          </a:xfrm>
+          <a:prstGeom prst="rect">
+            <a:avLst/>
+          </a:prstGeom>
+          <a:noFill/>
+          <a:ln>
+            <a:noFill/>
+          </a:ln>
+        </p:spPr>
+      </p:pic>
+      <p:sp>
+        <p:nvSpPr>
+          <p:cNvPr id="413" name="Shape 413"/>
+          <p:cNvSpPr txBox="1"/>
+          <p:nvPr/>
+        </p:nvSpPr>
+        <p:spPr>
+          <a:xfrm>
+            <a:off x="8704400" y="1512200"/>
+            <a:ext cx="6797699" cy="7082699"/>
+          </a:xfrm>
+          <a:prstGeom prst="rect">
+            <a:avLst/>
+          </a:prstGeom>
+          <a:noFill/>
+          <a:ln>
+            <a:noFill/>
+          </a:ln>
+        </p:spPr>
+        <p:txBody>
+          <a:bodyPr lIns="91425" tIns="91425" rIns="91425" bIns="91425" anchor="t" anchorCtr="0">
+            <a:noAutofit/>
+          </a:bodyPr>
+          <a:lstStyle/>
+          <a:p>
+            <a:pPr lvl="0" rtl="0">
+              <a:spcBef>
+                <a:spcPts val="0"/>
+              </a:spcBef>
+              <a:buNone/>
+            </a:pPr>
+            <a:r>
+              <a:rPr lang="en-US" sz="1800">
+                <a:solidFill>
+                  <a:srgbClr val="FFFFFF"/>
+                </a:solidFill>
+              </a:rPr>
+              <a:t>...</a:t>
+            </a:r>
+          </a:p>
+        </p:txBody>
+      </p:sp>
+      <p:sp>
+        <p:nvSpPr>
+          <p:cNvPr id="414" name="Shape 414"/>
+          <p:cNvSpPr txBox="1"/>
+          <p:nvPr/>
+        </p:nvSpPr>
+        <p:spPr>
+          <a:xfrm>
+            <a:off x="1206100" y="1381725"/>
+            <a:ext cx="6797699" cy="7082699"/>
+          </a:xfrm>
+          <a:prstGeom prst="rect">
+            <a:avLst/>
+          </a:prstGeom>
+          <a:noFill/>
+          <a:ln>
+            <a:noFill/>
+          </a:ln>
+        </p:spPr>
+        <p:txBody>
+          <a:bodyPr lIns="91425" tIns="91425" rIns="91425" bIns="91425" anchor="t" anchorCtr="0">
+            <a:noAutofit/>
+          </a:bodyPr>
+          <a:lstStyle/>
+          <a:p>
+            <a:pPr lvl="0" rtl="0">
+              <a:spcBef>
+                <a:spcPts val="0"/>
+              </a:spcBef>
+              <a:buNone/>
+            </a:pPr>
+            <a:r>
+              <a:rPr lang="en-US" sz="1800">
+                <a:solidFill>
+                  <a:srgbClr val="FFFFFF"/>
+                </a:solidFill>
+              </a:rPr>
+              <a:t>Данная презентация охраняется авторским правом “Copyright 2010-  Charles R. Severance (</a:t>
+            </a:r>
+            <a:r>
+              <a:rPr lang="en-US" sz="1800" u="sng">
+                <a:solidFill>
+                  <a:srgbClr val="009999"/>
+                </a:solidFill>
+                <a:hlinkClick r:id="rId5"/>
+              </a:rPr>
+              <a:t>www.dr-chuck.com</a:t>
+            </a:r>
+            <a:r>
+              <a:rPr lang="en-US" sz="1800">
+                <a:solidFill>
+                  <a:srgbClr val="FFFFFF"/>
+                </a:solidFill>
+              </a:rPr>
+              <a:t>) University of Michigan School of Information” </a:t>
+            </a:r>
+            <a:r>
+              <a:rPr lang="en-US" sz="1800" u="sng">
+                <a:solidFill>
+                  <a:srgbClr val="009999"/>
+                </a:solidFill>
+                <a:hlinkClick r:id="rId6"/>
+              </a:rPr>
+              <a:t>open.umich.edu</a:t>
+            </a:r>
+            <a:r>
+              <a:rPr lang="en-US" sz="1800">
+                <a:solidFill>
+                  <a:srgbClr val="FFFFFF"/>
+                </a:solidFill>
+              </a:rPr>
+              <a:t> и доступна на условиях лицензии 4.0 “С указанием авторства”.  В соответствии с требованием лицензии “С указанием авторства" данный слайд должен присутствовать во всех копиях этого документа. При внесении каких-либо изменений в данный документ вы можете указать свое имя и организацию в список соавторов на этой странице для последующих публикаций.</a:t>
+            </a:r>
+          </a:p>
+          <a:p>
+            <a:pPr lvl="0" rtl="0">
+              <a:spcBef>
+                <a:spcPts val="0"/>
+              </a:spcBef>
+              <a:buNone/>
+            </a:pPr>
+            <a:endParaRPr sz="1800">
+              <a:solidFill>
+                <a:srgbClr val="FFFFFF"/>
+              </a:solidFill>
+            </a:endParaRPr>
+          </a:p>
+          <a:p>
+            <a:pPr lvl="0" rtl="0">
+              <a:spcBef>
+                <a:spcPts val="0"/>
+              </a:spcBef>
+              <a:buNone/>
+            </a:pPr>
+            <a:r>
+              <a:rPr lang="en-US" sz="1800">
+                <a:solidFill>
+                  <a:srgbClr val="FFFFFF"/>
+                </a:solidFill>
+              </a:rPr>
+              <a:t>Первоначальная разработка: Чарльз Северанс, Школа информации Мичиганского университета </a:t>
+            </a:r>
+          </a:p>
+          <a:p>
+            <a:pPr lvl="0" rtl="0">
+              <a:spcBef>
+                <a:spcPts val="0"/>
+              </a:spcBef>
+              <a:buNone/>
+            </a:pPr>
+            <a:endParaRPr sz="1800">
+              <a:solidFill>
+                <a:srgbClr val="FFFFFF"/>
+              </a:solidFill>
+            </a:endParaRPr>
+          </a:p>
+          <a:p>
+            <a:pPr lvl="0" rtl="0">
+              <a:spcBef>
+                <a:spcPts val="0"/>
+              </a:spcBef>
+              <a:buNone/>
+            </a:pPr>
+            <a:r>
+              <a:rPr lang="en-US" sz="1800">
+                <a:solidFill>
+                  <a:schemeClr val="lt1"/>
+                </a:solidFill>
+              </a:rPr>
+              <a:t>Здесь впишите дополнительных авторов и переводчиков...</a:t>
+            </a:r>
+          </a:p>
+          <a:p>
+            <a:pPr lvl="0" rtl="0">
+              <a:spcBef>
+                <a:spcPts val="0"/>
+              </a:spcBef>
+              <a:buNone/>
+            </a:pPr>
+            <a:endParaRPr sz="1800">
+              <a:solidFill>
+                <a:srgbClr val="FFFFFF"/>
+              </a:solidFill>
+            </a:endParaRPr>
+          </a:p>
+          <a:p>
+            <a:pPr lvl="0" rtl="0">
+              <a:spcBef>
+                <a:spcPts val="0"/>
+              </a:spcBef>
+              <a:buClr>
+                <a:srgbClr val="000000"/>
+              </a:buClr>
+              <a:buFont typeface="Arial"/>
+              <a:buNone/>
+            </a:pPr>
+            <a:endParaRPr sz="1800">
+              <a:solidFill>
+                <a:srgbClr val="FFFFFF"/>
+              </a:solidFill>
+            </a:endParaRPr>
+          </a:p>
+          <a:p>
+            <a:pPr lvl="0" rtl="0">
+              <a:spcBef>
+                <a:spcPts val="0"/>
+              </a:spcBef>
+              <a:buNone/>
+            </a:pPr>
+            <a:endParaRPr sz="1800">
+              <a:solidFill>
+                <a:srgbClr val="FFFFFF"/>
+              </a:solidFill>
+            </a:endParaRPr>
+          </a:p>
+        </p:txBody>
+      </p:sp>
+      <p:sp>
+        <p:nvSpPr>
+          <p:cNvPr id="415" name="Shape 415"/>
+          <p:cNvSpPr txBox="1"/>
+          <p:nvPr/>
+        </p:nvSpPr>
+        <p:spPr>
+          <a:xfrm>
+            <a:off x="1155700" y="241300"/>
+            <a:ext cx="13932000" cy="811500"/>
+          </a:xfrm>
+          <a:prstGeom prst="rect">
+            <a:avLst/>
+          </a:prstGeom>
+          <a:noFill/>
+          <a:ln>
+            <a:noFill/>
+          </a:ln>
+        </p:spPr>
+        <p:txBody>
+          <a:bodyPr lIns="91425" tIns="91425" rIns="91425" bIns="91425" anchor="ctr" anchorCtr="0">
+            <a:noAutofit/>
+          </a:bodyPr>
+          <a:lstStyle/>
+          <a:p>
+            <a:pPr lvl="0" algn="ctr" rtl="0">
+              <a:spcBef>
+                <a:spcPts val="0"/>
+              </a:spcBef>
+              <a:buNone/>
+            </a:pPr>
+            <a:r>
+              <a:rPr lang="en-US" sz="3600">
+                <a:solidFill>
+                  <a:srgbClr val="00FF00"/>
+                </a:solidFill>
+              </a:rPr>
+              <a:t>Благодарность / Содействие</a:t>
+            </a:r>
+          </a:p>
+        </p:txBody>
+      </p:sp>
+    </p:spTree>
+  </p:cSld>
+  <p:clrMapOvr>
+    <a:masterClrMapping/>
+  </p:clrMapOvr>
+  <mc:AlternateContent xmlns:mc="http://schemas.openxmlformats.org/markup-compatibility/2006" xmlns:p14="http://schemas.microsoft.com/office/powerpoint/2010/main">
+    <mc:Choice Requires="p14">
+      <p:transition spd="slow" p14:dur="2000"/>
+    </mc:Choice>
+    <mc:Fallback xmlns="">
+      <p:transition spd="slow"/>
+    </mc:Fallback>
+  </mc:AlternateContent>
+</p:sld>
+</file>
+
+<file path=ppt/slides/slide3.xml><?xml version="1.0" encoding="utf-8"?>
+<p:sld xmlns:a="http://schemas.openxmlformats.org/drawingml/2006/main" xmlns:r="http://schemas.openxmlformats.org/officeDocument/2006/relationships" xmlns:p="http://schemas.openxmlformats.org/presentationml/2006/main">
+  <p:cSld>
+    <p:bg>
+      <p:bgPr>
+        <a:solidFill>
+          <a:schemeClr val="bg1"/>
+        </a:solidFill>
+        <a:effectLst/>
+      </p:bgPr>
+    </p:bg>
     <p:spTree>
       <p:nvGrpSpPr>
         <p:cNvPr id="1" name="Shape 212"/>
@@ -25911,9 +30353,9 @@
               <a:buNone/>
             </a:pPr>
             <a:r>
-              <a:rPr lang="en-US" sz="6600">
-                <a:solidFill>
-                  <a:schemeClr val="lt1"/>
+              <a:rPr lang="en-US" sz="6600" dirty="0" err="1">
+                <a:solidFill>
+                  <a:schemeClr val="bg2"/>
                 </a:solidFill>
                 <a:latin typeface="Cabin"/>
                 <a:ea typeface="Cabin"/>
@@ -25923,9 +30365,9 @@
               <a:t>Сохраненные</a:t>
             </a:r>
             <a:r>
-              <a:rPr lang="en-US" sz="6600" b="0" i="0" u="none" strike="noStrike" cap="none">
-                <a:solidFill>
-                  <a:schemeClr val="lt1"/>
+              <a:rPr lang="en-US" sz="6600" b="0" i="0" u="none" strike="noStrike" cap="none" dirty="0">
+                <a:solidFill>
+                  <a:schemeClr val="bg2"/>
                 </a:solidFill>
                 <a:latin typeface="Cabin"/>
                 <a:ea typeface="Cabin"/>
@@ -25935,21 +30377,57 @@
               <a:t> (</a:t>
             </a:r>
             <a:r>
-              <a:rPr lang="en-US" sz="6600">
-                <a:solidFill>
-                  <a:schemeClr val="lt1"/>
-                </a:solidFill>
-                <a:latin typeface="Cabin"/>
-                <a:ea typeface="Cabin"/>
-                <a:cs typeface="Cabin"/>
-                <a:sym typeface="Cabin"/>
-              </a:rPr>
-              <a:t>и многократно используемые</a:t>
-            </a:r>
-            <a:r>
-              <a:rPr lang="en-US" sz="6600" b="0" i="0" u="none" strike="noStrike" cap="none">
-                <a:solidFill>
-                  <a:schemeClr val="lt1"/>
+              <a:rPr lang="en-US" sz="6600" dirty="0">
+                <a:solidFill>
+                  <a:schemeClr val="bg2"/>
+                </a:solidFill>
+                <a:latin typeface="Cabin"/>
+                <a:ea typeface="Cabin"/>
+                <a:cs typeface="Cabin"/>
+                <a:sym typeface="Cabin"/>
+              </a:rPr>
+              <a:t>и </a:t>
+            </a:r>
+            <a:r>
+              <a:rPr lang="en-US" sz="6600" dirty="0" err="1">
+                <a:solidFill>
+                  <a:schemeClr val="bg2"/>
+                </a:solidFill>
+                <a:latin typeface="Cabin"/>
+                <a:ea typeface="Cabin"/>
+                <a:cs typeface="Cabin"/>
+                <a:sym typeface="Cabin"/>
+              </a:rPr>
+              <a:t>многократно</a:t>
+            </a:r>
+            <a:r>
+              <a:rPr lang="en-US" sz="6600" dirty="0">
+                <a:solidFill>
+                  <a:schemeClr val="bg2"/>
+                </a:solidFill>
+                <a:latin typeface="Cabin"/>
+                <a:ea typeface="Cabin"/>
+                <a:cs typeface="Cabin"/>
+                <a:sym typeface="Cabin"/>
+              </a:rPr>
+              <a:t> </a:t>
+            </a:r>
+            <a:r>
+              <a:rPr lang="en-US" sz="6600" dirty="0" err="1">
+                <a:solidFill>
+                  <a:schemeClr val="bg2"/>
+                </a:solidFill>
+                <a:latin typeface="Cabin"/>
+                <a:ea typeface="Cabin"/>
+                <a:cs typeface="Cabin"/>
+                <a:sym typeface="Cabin"/>
+              </a:rPr>
+              <a:t>используемые</a:t>
+            </a:r>
+            <a:r>
+              <a:rPr lang="en-US" sz="6600" b="0" i="0" u="none" strike="noStrike" cap="none" dirty="0">
+                <a:solidFill>
+                  <a:schemeClr val="bg2"/>
                 </a:solidFill>
                 <a:latin typeface="Cabin"/>
                 <a:ea typeface="Cabin"/>
@@ -25959,17 +30437,26 @@
               <a:t>) </a:t>
             </a:r>
             <a:r>
-              <a:rPr lang="en-US" sz="6600">
-                <a:solidFill>
-                  <a:schemeClr val="lt1"/>
-                </a:solidFill>
-                <a:latin typeface="Cabin"/>
-                <a:ea typeface="Cabin"/>
-                <a:cs typeface="Cabin"/>
-                <a:sym typeface="Cabin"/>
-              </a:rPr>
-              <a:t>шаги</a:t>
-            </a:r>
+              <a:rPr lang="ru-RU" sz="6600" dirty="0" smtClean="0">
+                <a:solidFill>
+                  <a:schemeClr val="bg2"/>
+                </a:solidFill>
+                <a:latin typeface="Cabin"/>
+                <a:ea typeface="Cabin"/>
+                <a:cs typeface="Cabin"/>
+                <a:sym typeface="Cabin"/>
+              </a:rPr>
+              <a:t>команды</a:t>
+            </a:r>
+            <a:endParaRPr lang="en-US" sz="6600" dirty="0">
+              <a:solidFill>
+                <a:schemeClr val="bg2"/>
+              </a:solidFill>
+              <a:latin typeface="Cabin"/>
+              <a:ea typeface="Cabin"/>
+              <a:cs typeface="Cabin"/>
+              <a:sym typeface="Cabin"/>
+            </a:endParaRPr>
           </a:p>
         </p:txBody>
       </p:sp>
@@ -26016,7 +30503,7 @@
               <a:buNone/>
             </a:pPr>
             <a:r>
-              <a:rPr lang="en-US" sz="3600">
+              <a:rPr lang="en-US" sz="3600" dirty="0" err="1">
                 <a:solidFill>
                   <a:schemeClr val="lt1"/>
                 </a:solidFill>
@@ -26028,7 +30515,7 @@
               <a:t>Результат</a:t>
             </a:r>
             <a:r>
-              <a:rPr lang="en-US" sz="3600" b="0" i="0" u="none" strike="noStrike" cap="none">
+              <a:rPr lang="en-US" sz="3600" b="0" i="0" u="none" strike="noStrike" cap="none" dirty="0">
                 <a:solidFill>
                   <a:schemeClr val="lt1"/>
                 </a:solidFill>
@@ -26053,7 +30540,7 @@
               </a:spcAft>
               <a:buNone/>
             </a:pPr>
-            <a:endParaRPr sz="3600" b="0" i="0" u="none" strike="noStrike" cap="none">
+            <a:endParaRPr sz="3600" b="0" i="0" u="none" strike="noStrike" cap="none" dirty="0">
               <a:solidFill>
                 <a:srgbClr val="FF00FF"/>
               </a:solidFill>
@@ -26082,7 +30569,7 @@
               <a:buNone/>
             </a:pPr>
             <a:r>
-              <a:rPr lang="en-US" sz="3600" b="0" i="0" u="none" strike="noStrike" cap="none">
+              <a:rPr lang="en-US" sz="3600" b="0" i="0" u="none" strike="noStrike" cap="none" dirty="0">
                 <a:solidFill>
                   <a:srgbClr val="FF00FF"/>
                 </a:solidFill>
@@ -26113,7 +30600,7 @@
               <a:buNone/>
             </a:pPr>
             <a:r>
-              <a:rPr lang="en-US" sz="3600" b="0" i="0" u="none" strike="noStrike" cap="none">
+              <a:rPr lang="en-US" sz="3600" b="0" i="0" u="none" strike="noStrike" cap="none" dirty="0">
                 <a:solidFill>
                   <a:srgbClr val="FF00FF"/>
                 </a:solidFill>
@@ -26144,7 +30631,7 @@
               <a:buNone/>
             </a:pPr>
             <a:r>
-              <a:rPr lang="en-US" sz="3600" b="0" i="0" u="none" strike="noStrike" cap="none">
+              <a:rPr lang="en-US" sz="3600" b="0" i="0" u="none" strike="noStrike" cap="none" dirty="0">
                 <a:solidFill>
                   <a:srgbClr val="FF7F00"/>
                 </a:solidFill>
@@ -26175,7 +30662,7 @@
               <a:buNone/>
             </a:pPr>
             <a:r>
-              <a:rPr lang="en-US" sz="3600" b="0" i="0" u="none" strike="noStrike" cap="none">
+              <a:rPr lang="en-US" sz="3600" b="0" i="0" u="none" strike="noStrike" cap="none" dirty="0">
                 <a:solidFill>
                   <a:srgbClr val="FF0000"/>
                 </a:solidFill>
@@ -26206,7 +30693,7 @@
               <a:buNone/>
             </a:pPr>
             <a:r>
-              <a:rPr lang="en-US" sz="3600" b="0" i="0" u="none" strike="noStrike" cap="none">
+              <a:rPr lang="en-US" sz="3600" b="0" i="0" u="none" strike="noStrike" cap="none" dirty="0">
                 <a:solidFill>
                   <a:srgbClr val="FF0000"/>
                 </a:solidFill>
@@ -26229,7 +30716,7 @@
         <p:spPr>
           <a:xfrm>
             <a:off x="7899400" y="2971800"/>
-            <a:ext cx="3270250" cy="3800474"/>
+            <a:ext cx="3930650" cy="3800474"/>
           </a:xfrm>
           <a:prstGeom prst="rect">
             <a:avLst/>
@@ -26263,9 +30750,9 @@
               <a:buNone/>
             </a:pPr>
             <a:r>
-              <a:rPr lang="en-US" sz="3600">
-                <a:solidFill>
-                  <a:schemeClr val="lt1"/>
+              <a:rPr lang="en-US" sz="3600" dirty="0" err="1">
+                <a:solidFill>
+                  <a:schemeClr val="bg2"/>
                 </a:solidFill>
                 <a:latin typeface="Cabin"/>
                 <a:ea typeface="Cabin"/>
@@ -26275,7 +30762,7 @@
               <a:t>Программа</a:t>
             </a:r>
             <a:r>
-              <a:rPr lang="en-US" sz="3600" b="0" i="0" u="none" strike="noStrike" cap="none">
+              <a:rPr lang="en-US" sz="3600" b="0" i="0" u="none" strike="noStrike" cap="none" dirty="0">
                 <a:solidFill>
                   <a:schemeClr val="lt1"/>
                 </a:solidFill>
@@ -26300,7 +30787,7 @@
               </a:spcAft>
               <a:buNone/>
             </a:pPr>
-            <a:endParaRPr sz="3600" b="0" i="0" u="none" strike="noStrike" cap="none">
+            <a:endParaRPr sz="3600" b="0" i="0" u="none" strike="noStrike" cap="none" dirty="0">
               <a:solidFill>
                 <a:srgbClr val="FF7F00"/>
               </a:solidFill>
@@ -26329,9 +30816,9 @@
               <a:buNone/>
             </a:pPr>
             <a:r>
-              <a:rPr lang="en-US" sz="2500" b="0" i="0" u="none" strike="noStrike" cap="none">
-                <a:solidFill>
-                  <a:srgbClr val="FFFF00"/>
+              <a:rPr lang="en-US" sz="2500" b="0" i="0" u="none" strike="noStrike" cap="none" dirty="0" err="1">
+                <a:solidFill>
+                  <a:schemeClr val="bg2"/>
                 </a:solidFill>
                 <a:latin typeface="Courier New"/>
                 <a:ea typeface="Courier New"/>
@@ -26341,7 +30828,7 @@
               <a:t>def</a:t>
             </a:r>
             <a:r>
-              <a:rPr lang="en-US" sz="2500" b="0" i="0" u="none" strike="noStrike" cap="none">
+              <a:rPr lang="en-US" sz="2500" b="0" i="0" u="none" strike="noStrike" cap="none" dirty="0">
                 <a:solidFill>
                   <a:srgbClr val="FF7F00"/>
                 </a:solidFill>
@@ -26372,7 +30859,7 @@
               <a:buNone/>
             </a:pPr>
             <a:r>
-              <a:rPr lang="en-US" sz="2500" b="0" i="0" u="none" strike="noStrike" cap="none">
+              <a:rPr lang="en-US" sz="2500" b="0" i="0" u="none" strike="noStrike" cap="none" dirty="0">
                 <a:solidFill>
                   <a:srgbClr val="FF7F00"/>
                 </a:solidFill>
@@ -26384,19 +30871,19 @@
               <a:t>    </a:t>
             </a:r>
             <a:r>
-              <a:rPr lang="en-US" sz="2500" b="0" i="0" u="none" strike="noStrike" cap="none">
-                <a:solidFill>
-                  <a:srgbClr val="FFFF00"/>
-                </a:solidFill>
-                <a:latin typeface="Courier New"/>
-                <a:ea typeface="Courier New"/>
-                <a:cs typeface="Courier New"/>
-                <a:sym typeface="Courier New"/>
-              </a:rPr>
-              <a:t>print</a:t>
-            </a:r>
-            <a:r>
-              <a:rPr lang="en-US" sz="2500" b="0" i="0" u="none" strike="noStrike" cap="none">
+              <a:rPr lang="en-US" sz="2500" b="0" i="0" u="none" strike="noStrike" cap="none" dirty="0">
+                <a:solidFill>
+                  <a:schemeClr val="bg2"/>
+                </a:solidFill>
+                <a:latin typeface="Courier New"/>
+                <a:ea typeface="Courier New"/>
+                <a:cs typeface="Courier New"/>
+                <a:sym typeface="Courier New"/>
+              </a:rPr>
+              <a:t>print </a:t>
+            </a:r>
+            <a:r>
+              <a:rPr lang="en-US" sz="2500" b="0" i="0" u="none" strike="noStrike" cap="none" dirty="0" smtClean="0">
                 <a:solidFill>
                   <a:srgbClr val="FF7F00"/>
                 </a:solidFill>
@@ -26405,8 +30892,17 @@
                 <a:cs typeface="Courier New"/>
                 <a:sym typeface="Courier New"/>
               </a:rPr>
-              <a:t> 'Hello’</a:t>
-            </a:r>
+              <a:t>('Hello’)</a:t>
+            </a:r>
+            <a:endParaRPr lang="en-US" sz="2500" b="0" i="0" u="none" strike="noStrike" cap="none" dirty="0">
+              <a:solidFill>
+                <a:srgbClr val="FF7F00"/>
+              </a:solidFill>
+              <a:latin typeface="Courier New"/>
+              <a:ea typeface="Courier New"/>
+              <a:cs typeface="Courier New"/>
+              <a:sym typeface="Courier New"/>
+            </a:endParaRPr>
           </a:p>
           <a:p>
             <a:pPr marL="0" marR="0" lvl="0" indent="0" algn="l" rtl="0">
@@ -26427,7 +30923,7 @@
               <a:buNone/>
             </a:pPr>
             <a:r>
-              <a:rPr lang="en-US" sz="2500" b="0" i="0" u="none" strike="noStrike" cap="none">
+              <a:rPr lang="en-US" sz="2500" b="0" i="0" u="none" strike="noStrike" cap="none" dirty="0">
                 <a:solidFill>
                   <a:srgbClr val="FF7F00"/>
                 </a:solidFill>
@@ -26439,19 +30935,19 @@
               <a:t>    </a:t>
             </a:r>
             <a:r>
-              <a:rPr lang="en-US" sz="2500" b="0" i="0" u="none" strike="noStrike" cap="none">
-                <a:solidFill>
-                  <a:srgbClr val="FFFF00"/>
-                </a:solidFill>
-                <a:latin typeface="Courier New"/>
-                <a:ea typeface="Courier New"/>
-                <a:cs typeface="Courier New"/>
-                <a:sym typeface="Courier New"/>
-              </a:rPr>
-              <a:t>print</a:t>
-            </a:r>
-            <a:r>
-              <a:rPr lang="en-US" sz="2500" b="0" i="0" u="none" strike="noStrike" cap="none">
+              <a:rPr lang="en-US" sz="2500" b="0" i="0" u="none" strike="noStrike" cap="none" dirty="0">
+                <a:solidFill>
+                  <a:schemeClr val="bg2"/>
+                </a:solidFill>
+                <a:latin typeface="Courier New"/>
+                <a:ea typeface="Courier New"/>
+                <a:cs typeface="Courier New"/>
+                <a:sym typeface="Courier New"/>
+              </a:rPr>
+              <a:t>print </a:t>
+            </a:r>
+            <a:r>
+              <a:rPr lang="en-US" sz="2500" b="0" i="0" u="none" strike="noStrike" cap="none" dirty="0" smtClean="0">
                 <a:solidFill>
                   <a:srgbClr val="FF7F00"/>
                 </a:solidFill>
@@ -26460,8 +30956,17 @@
                 <a:cs typeface="Courier New"/>
                 <a:sym typeface="Courier New"/>
               </a:rPr>
-              <a:t> 'Fun’</a:t>
-            </a:r>
+              <a:t>('Fun’)</a:t>
+            </a:r>
+            <a:endParaRPr lang="en-US" sz="2500" b="0" i="0" u="none" strike="noStrike" cap="none" dirty="0">
+              <a:solidFill>
+                <a:srgbClr val="FF7F00"/>
+              </a:solidFill>
+              <a:latin typeface="Courier New"/>
+              <a:ea typeface="Courier New"/>
+              <a:cs typeface="Courier New"/>
+              <a:sym typeface="Courier New"/>
+            </a:endParaRPr>
           </a:p>
           <a:p>
             <a:pPr marL="0" marR="0" lvl="0" indent="0" algn="l" rtl="0">
@@ -26482,9 +30987,9 @@
               <a:buNone/>
             </a:pPr>
             <a:r>
-              <a:rPr lang="en-US" sz="2500" b="0" i="0" u="none" strike="noStrike" cap="none">
-                <a:solidFill>
-                  <a:srgbClr val="FF7F00"/>
+              <a:rPr lang="en-US" sz="2500" b="0" i="0" u="none" strike="noStrike" cap="none" dirty="0">
+                <a:solidFill>
+                  <a:schemeClr val="bg2"/>
                 </a:solidFill>
                 <a:latin typeface="Courier New"/>
                 <a:ea typeface="Courier New"/>
@@ -26513,7 +31018,7 @@
               <a:buNone/>
             </a:pPr>
             <a:r>
-              <a:rPr lang="en-US" sz="2500" b="0" i="0" u="none" strike="noStrike" cap="none">
+              <a:rPr lang="en-US" sz="2500" b="0" i="0" u="none" strike="noStrike" cap="none" dirty="0">
                 <a:solidFill>
                   <a:srgbClr val="FF7F00"/>
                 </a:solidFill>
@@ -26544,19 +31049,19 @@
               <a:buNone/>
             </a:pPr>
             <a:r>
-              <a:rPr lang="en-US" sz="2500" b="0" i="0" u="none" strike="noStrike" cap="none">
-                <a:solidFill>
-                  <a:srgbClr val="FFFF00"/>
-                </a:solidFill>
-                <a:latin typeface="Courier New"/>
-                <a:ea typeface="Courier New"/>
-                <a:cs typeface="Courier New"/>
-                <a:sym typeface="Courier New"/>
-              </a:rPr>
-              <a:t>print</a:t>
-            </a:r>
-            <a:r>
-              <a:rPr lang="en-US" sz="2500" b="0" i="0" u="none" strike="noStrike" cap="none">
+              <a:rPr lang="en-US" sz="2500" b="0" i="0" u="none" strike="noStrike" cap="none" dirty="0">
+                <a:solidFill>
+                  <a:schemeClr val="bg2"/>
+                </a:solidFill>
+                <a:latin typeface="Courier New"/>
+                <a:ea typeface="Courier New"/>
+                <a:cs typeface="Courier New"/>
+                <a:sym typeface="Courier New"/>
+              </a:rPr>
+              <a:t>print </a:t>
+            </a:r>
+            <a:r>
+              <a:rPr lang="en-US" sz="2500" b="0" i="0" u="none" strike="noStrike" cap="none" dirty="0" smtClean="0">
                 <a:solidFill>
                   <a:srgbClr val="FF7F00"/>
                 </a:solidFill>
@@ -26565,8 +31070,17 @@
                 <a:cs typeface="Courier New"/>
                 <a:sym typeface="Courier New"/>
               </a:rPr>
-              <a:t> 'Zip’</a:t>
-            </a:r>
+              <a:t>('Zip’)</a:t>
+            </a:r>
+            <a:endParaRPr lang="en-US" sz="2500" b="0" i="0" u="none" strike="noStrike" cap="none" dirty="0">
+              <a:solidFill>
+                <a:srgbClr val="FF7F00"/>
+              </a:solidFill>
+              <a:latin typeface="Courier New"/>
+              <a:ea typeface="Courier New"/>
+              <a:cs typeface="Courier New"/>
+              <a:sym typeface="Courier New"/>
+            </a:endParaRPr>
           </a:p>
           <a:p>
             <a:pPr marL="0" marR="0" lvl="0" indent="0" algn="l" rtl="0">
@@ -26587,7 +31101,7 @@
               <a:buNone/>
             </a:pPr>
             <a:r>
-              <a:rPr lang="en-US" sz="2500" b="0" i="0" u="none" strike="noStrike" cap="none">
+              <a:rPr lang="en-US" sz="2500" b="0" i="0" u="none" strike="noStrike" cap="none" dirty="0">
                 <a:solidFill>
                   <a:srgbClr val="FF7F00"/>
                 </a:solidFill>
@@ -26795,7 +31309,7 @@
               <a:buNone/>
             </a:pPr>
             <a:r>
-              <a:rPr lang="en-US" sz="3500" b="0" i="0" u="none" strike="noStrike" cap="none">
+              <a:rPr lang="en-US" sz="3500" b="0" i="0" u="none" strike="noStrike" cap="none" dirty="0">
                 <a:solidFill>
                   <a:schemeClr val="lt1"/>
                 </a:solidFill>
@@ -26807,7 +31321,7 @@
               <a:t>  </a:t>
             </a:r>
             <a:r>
-              <a:rPr lang="en-US" sz="3500" b="0" i="0" u="none" strike="noStrike" cap="none">
+              <a:rPr lang="en-US" sz="3500" b="0" i="0" u="none" strike="noStrike" cap="none" dirty="0">
                 <a:solidFill>
                   <a:srgbClr val="FFFF00"/>
                 </a:solidFill>
@@ -26819,17 +31333,38 @@
               <a:t>print</a:t>
             </a:r>
             <a:r>
-              <a:rPr lang="en-US" sz="3500" b="0" i="0" u="none" strike="noStrike" cap="none">
-                <a:solidFill>
-                  <a:schemeClr val="lt1"/>
-                </a:solidFill>
-                <a:latin typeface="Cabin"/>
-                <a:ea typeface="Cabin"/>
-                <a:cs typeface="Cabin"/>
-                <a:sym typeface="Cabin"/>
-              </a:rPr>
-              <a:t> 'Hello'</a:t>
-            </a:r>
+              <a:rPr lang="en-US" sz="3500" b="0" i="0" u="none" strike="noStrike" cap="none" dirty="0">
+                <a:solidFill>
+                  <a:schemeClr val="lt1"/>
+                </a:solidFill>
+                <a:latin typeface="Cabin"/>
+                <a:ea typeface="Cabin"/>
+                <a:cs typeface="Cabin"/>
+                <a:sym typeface="Cabin"/>
+              </a:rPr>
+              <a:t> </a:t>
+            </a:r>
+            <a:r>
+              <a:rPr lang="en-US" sz="3500" b="0" i="0" u="none" strike="noStrike" cap="none" dirty="0" smtClean="0">
+                <a:solidFill>
+                  <a:schemeClr val="lt1"/>
+                </a:solidFill>
+                <a:latin typeface="Cabin"/>
+                <a:ea typeface="Cabin"/>
+                <a:cs typeface="Cabin"/>
+                <a:sym typeface="Cabin"/>
+              </a:rPr>
+              <a:t> ('Hello‘)</a:t>
+            </a:r>
+            <a:endParaRPr lang="en-US" sz="3500" b="0" i="0" u="none" strike="noStrike" cap="none" dirty="0">
+              <a:solidFill>
+                <a:schemeClr val="lt1"/>
+              </a:solidFill>
+              <a:latin typeface="Cabin"/>
+              <a:ea typeface="Cabin"/>
+              <a:cs typeface="Cabin"/>
+              <a:sym typeface="Cabin"/>
+            </a:endParaRPr>
           </a:p>
         </p:txBody>
       </p:sp>
@@ -26884,7 +31419,7 @@
               <a:buNone/>
             </a:pPr>
             <a:r>
-              <a:rPr lang="en-US" sz="3500" b="0" i="0" u="none" strike="noStrike" cap="none">
+              <a:rPr lang="en-US" sz="3500" b="0" i="0" u="none" strike="noStrike" cap="none" dirty="0">
                 <a:solidFill>
                   <a:srgbClr val="FFFF00"/>
                 </a:solidFill>
@@ -26896,17 +31431,38 @@
               <a:t>print</a:t>
             </a:r>
             <a:r>
-              <a:rPr lang="en-US" sz="3500" b="0" i="0" u="none" strike="noStrike" cap="none">
-                <a:solidFill>
-                  <a:schemeClr val="lt1"/>
-                </a:solidFill>
-                <a:latin typeface="Cabin"/>
-                <a:ea typeface="Cabin"/>
-                <a:cs typeface="Cabin"/>
-                <a:sym typeface="Cabin"/>
-              </a:rPr>
-              <a:t> 'Fun'</a:t>
-            </a:r>
+              <a:rPr lang="en-US" sz="3500" b="0" i="0" u="none" strike="noStrike" cap="none" dirty="0">
+                <a:solidFill>
+                  <a:schemeClr val="lt1"/>
+                </a:solidFill>
+                <a:latin typeface="Cabin"/>
+                <a:ea typeface="Cabin"/>
+                <a:cs typeface="Cabin"/>
+                <a:sym typeface="Cabin"/>
+              </a:rPr>
+              <a:t> </a:t>
+            </a:r>
+            <a:r>
+              <a:rPr lang="en-US" sz="3500" b="0" i="0" u="none" strike="noStrike" cap="none" dirty="0" smtClean="0">
+                <a:solidFill>
+                  <a:schemeClr val="lt1"/>
+                </a:solidFill>
+                <a:latin typeface="Cabin"/>
+                <a:ea typeface="Cabin"/>
+                <a:cs typeface="Cabin"/>
+                <a:sym typeface="Cabin"/>
+              </a:rPr>
+              <a:t> ('Fun‘)</a:t>
+            </a:r>
+            <a:endParaRPr lang="en-US" sz="3500" b="0" i="0" u="none" strike="noStrike" cap="none" dirty="0">
+              <a:solidFill>
+                <a:schemeClr val="lt1"/>
+              </a:solidFill>
+              <a:latin typeface="Cabin"/>
+              <a:ea typeface="Cabin"/>
+              <a:cs typeface="Cabin"/>
+              <a:sym typeface="Cabin"/>
+            </a:endParaRPr>
           </a:p>
         </p:txBody>
       </p:sp>
@@ -27052,7 +31608,7 @@
               <a:buNone/>
             </a:pPr>
             <a:r>
-              <a:rPr lang="en-US" sz="3500" b="0" i="0" u="none" strike="noStrike" cap="none">
+              <a:rPr lang="en-US" sz="3500" b="0" i="0" u="none" strike="noStrike" cap="none" dirty="0">
                 <a:solidFill>
                   <a:srgbClr val="FFFF00"/>
                 </a:solidFill>
@@ -27064,7 +31620,7 @@
               <a:t>print</a:t>
             </a:r>
             <a:r>
-              <a:rPr lang="en-US" sz="3500" b="0" i="0" u="none" strike="noStrike" cap="none">
+              <a:rPr lang="en-US" sz="3500" b="0" i="0" u="none" strike="noStrike" cap="none" dirty="0">
                 <a:solidFill>
                   <a:schemeClr val="lt1"/>
                 </a:solidFill>
@@ -27076,7 +31632,19 @@
               <a:t> </a:t>
             </a:r>
             <a:r>
-              <a:rPr lang="en-US" sz="3500" b="0" i="0" u="none" strike="noStrike" cap="none">
+              <a:rPr lang="en-US" sz="3500" b="0" i="0" u="none" strike="noStrike" cap="none" dirty="0" smtClean="0">
+                <a:solidFill>
+                  <a:schemeClr val="lt1"/>
+                </a:solidFill>
+                <a:latin typeface="Cabin"/>
+                <a:ea typeface="Cabin"/>
+                <a:cs typeface="Cabin"/>
+                <a:sym typeface="Cabin"/>
+              </a:rPr>
+              <a:t> (</a:t>
+            </a:r>
+            <a:r>
+              <a:rPr lang="en-US" sz="3500" b="0" i="0" u="none" strike="noStrike" cap="none" dirty="0" smtClean="0">
                 <a:solidFill>
                   <a:schemeClr val="lt1"/>
                 </a:solidFill>
@@ -27088,7 +31656,7 @@
               <a:t>“</a:t>
             </a:r>
             <a:r>
-              <a:rPr lang="en-US" sz="3500" b="0" i="0" u="none" strike="noStrike" cap="none">
+              <a:rPr lang="en-US" sz="3500" b="0" i="0" u="none" strike="noStrike" cap="none" dirty="0">
                 <a:solidFill>
                   <a:schemeClr val="lt1"/>
                 </a:solidFill>
@@ -27100,7 +31668,7 @@
               <a:t>Zip</a:t>
             </a:r>
             <a:r>
-              <a:rPr lang="en-US" sz="3500" b="0" i="0" u="none" strike="noStrike" cap="none">
+              <a:rPr lang="en-US" sz="3500" b="0" i="0" u="none" strike="noStrike" cap="none" dirty="0" smtClean="0">
                 <a:solidFill>
                   <a:schemeClr val="lt1"/>
                 </a:solidFill>
@@ -27109,8 +31677,17 @@
                 <a:cs typeface="Arial"/>
                 <a:sym typeface="Arial"/>
               </a:rPr>
-              <a:t>”</a:t>
-            </a:r>
+              <a:t>”)</a:t>
+            </a:r>
+            <a:endParaRPr lang="en-US" sz="3500" b="0" i="0" u="none" strike="noStrike" cap="none" dirty="0">
+              <a:solidFill>
+                <a:schemeClr val="lt1"/>
+              </a:solidFill>
+              <a:latin typeface="Arial"/>
+              <a:ea typeface="Arial"/>
+              <a:cs typeface="Arial"/>
+              <a:sym typeface="Arial"/>
+            </a:endParaRPr>
           </a:p>
         </p:txBody>
       </p:sp>
@@ -27392,6 +31969,11 @@
         </p:spPr>
       </p:cxnSp>
     </p:spTree>
+    <p:extLst>
+      <p:ext uri="{BB962C8B-B14F-4D97-AF65-F5344CB8AC3E}">
+        <p14:creationId xmlns:p14="http://schemas.microsoft.com/office/powerpoint/2010/main" val="3242986977"/>
+      </p:ext>
+    </p:extLst>
   </p:cSld>
   <p:clrMapOvr>
     <a:masterClrMapping/>
@@ -27399,1546 +31981,7 @@
 </p:sld>
 </file>
 
-<file path=ppt/slides/slide20.xml><?xml version="1.0" encoding="utf-8"?>
-<p:sld xmlns:a="http://schemas.openxmlformats.org/drawingml/2006/main" xmlns:r="http://schemas.openxmlformats.org/officeDocument/2006/relationships" xmlns:p="http://schemas.openxmlformats.org/presentationml/2006/main">
-  <p:cSld>
-    <p:spTree>
-      <p:nvGrpSpPr>
-        <p:cNvPr id="1" name="Shape 385"/>
-        <p:cNvGrpSpPr/>
-        <p:nvPr/>
-      </p:nvGrpSpPr>
-      <p:grpSpPr>
-        <a:xfrm>
-          <a:off x="0" y="0"/>
-          <a:ext cx="0" cy="0"/>
-          <a:chOff x="0" y="0"/>
-          <a:chExt cx="0" cy="0"/>
-        </a:xfrm>
-      </p:grpSpPr>
-      <p:sp>
-        <p:nvSpPr>
-          <p:cNvPr id="386" name="Shape 386"/>
-          <p:cNvSpPr txBox="1">
-            <a:spLocks noGrp="1"/>
-          </p:cNvSpPr>
-          <p:nvPr>
-            <p:ph type="title"/>
-          </p:nvPr>
-        </p:nvSpPr>
-        <p:spPr>
-          <a:xfrm>
-            <a:off x="1155700" y="241300"/>
-            <a:ext cx="13931900" cy="2298699"/>
-          </a:xfrm>
-          <a:prstGeom prst="rect">
-            <a:avLst/>
-          </a:prstGeom>
-          <a:noFill/>
-          <a:ln>
-            <a:noFill/>
-          </a:ln>
-        </p:spPr>
-        <p:txBody>
-          <a:bodyPr lIns="38100" tIns="38100" rIns="38100" bIns="38100" anchor="ctr" anchorCtr="0">
-            <a:noAutofit/>
-          </a:bodyPr>
-          <a:lstStyle/>
-          <a:p>
-            <a:pPr marL="0" marR="0" lvl="0" indent="0" algn="ctr" rtl="0">
-              <a:lnSpc>
-                <a:spcPct val="100000"/>
-              </a:lnSpc>
-              <a:spcBef>
-                <a:spcPts val="0"/>
-              </a:spcBef>
-              <a:spcAft>
-                <a:spcPts val="0"/>
-              </a:spcAft>
-              <a:buClr>
-                <a:srgbClr val="9A9A9A"/>
-              </a:buClr>
-              <a:buSzPct val="25000"/>
-              <a:buFont typeface="Cabin"/>
-              <a:buNone/>
-            </a:pPr>
-            <a:r>
-              <a:rPr lang="en-US" sz="7600">
-                <a:solidFill>
-                  <a:srgbClr val="FFFFFF"/>
-                </a:solidFill>
-                <a:latin typeface="Cabin"/>
-                <a:ea typeface="Cabin"/>
-                <a:cs typeface="Cabin"/>
-                <a:sym typeface="Cabin"/>
-              </a:rPr>
-              <a:t>Функции типа</a:t>
-            </a:r>
-            <a:r>
-              <a:rPr lang="en-US" sz="7600">
-                <a:solidFill>
-                  <a:srgbClr val="9A9A9A"/>
-                </a:solidFill>
-                <a:latin typeface="Cabin"/>
-                <a:ea typeface="Cabin"/>
-                <a:cs typeface="Cabin"/>
-                <a:sym typeface="Cabin"/>
-              </a:rPr>
-              <a:t> v</a:t>
-            </a:r>
-            <a:r>
-              <a:rPr lang="en-US" sz="7600" b="0" i="0" u="none" strike="noStrike" cap="none">
-                <a:solidFill>
-                  <a:srgbClr val="9A9A9A"/>
-                </a:solidFill>
-                <a:latin typeface="Cabin"/>
-                <a:ea typeface="Cabin"/>
-                <a:cs typeface="Cabin"/>
-                <a:sym typeface="Cabin"/>
-              </a:rPr>
-              <a:t>oid</a:t>
-            </a:r>
-            <a:r>
-              <a:rPr lang="en-US" sz="7600" b="0" i="0" u="none" strike="noStrike" cap="none">
-                <a:solidFill>
-                  <a:schemeClr val="lt1"/>
-                </a:solidFill>
-                <a:latin typeface="Cabin"/>
-                <a:ea typeface="Cabin"/>
-                <a:cs typeface="Cabin"/>
-                <a:sym typeface="Cabin"/>
-              </a:rPr>
-              <a:t> (</a:t>
-            </a:r>
-            <a:r>
-              <a:rPr lang="en-US" sz="7600">
-                <a:solidFill>
-                  <a:schemeClr val="lt1"/>
-                </a:solidFill>
-                <a:latin typeface="Cabin"/>
-                <a:ea typeface="Cabin"/>
-                <a:cs typeface="Cabin"/>
-                <a:sym typeface="Cabin"/>
-              </a:rPr>
-              <a:t>нерезультативные</a:t>
-            </a:r>
-            <a:r>
-              <a:rPr lang="en-US" sz="7600" b="0" i="0" u="none" strike="noStrike" cap="none">
-                <a:solidFill>
-                  <a:schemeClr val="lt1"/>
-                </a:solidFill>
-                <a:latin typeface="Cabin"/>
-                <a:ea typeface="Cabin"/>
-                <a:cs typeface="Cabin"/>
-                <a:sym typeface="Cabin"/>
-              </a:rPr>
-              <a:t>)</a:t>
-            </a:r>
-          </a:p>
-        </p:txBody>
-      </p:sp>
-      <p:sp>
-        <p:nvSpPr>
-          <p:cNvPr id="387" name="Shape 387"/>
-          <p:cNvSpPr txBox="1">
-            <a:spLocks noGrp="1"/>
-          </p:cNvSpPr>
-          <p:nvPr>
-            <p:ph type="body" idx="1"/>
-          </p:nvPr>
-        </p:nvSpPr>
-        <p:spPr>
-          <a:xfrm>
-            <a:off x="1155700" y="2603500"/>
-            <a:ext cx="13931900" cy="5702299"/>
-          </a:xfrm>
-          <a:prstGeom prst="rect">
-            <a:avLst/>
-          </a:prstGeom>
-          <a:noFill/>
-          <a:ln>
-            <a:noFill/>
-          </a:ln>
-        </p:spPr>
-        <p:txBody>
-          <a:bodyPr lIns="38100" tIns="38100" rIns="38100" bIns="38100" anchor="ctr" anchorCtr="0">
-            <a:noAutofit/>
-          </a:bodyPr>
-          <a:lstStyle/>
-          <a:p>
-            <a:pPr marL="749300" marR="0" lvl="0" indent="-533400" algn="l" rtl="0">
-              <a:lnSpc>
-                <a:spcPct val="100000"/>
-              </a:lnSpc>
-              <a:spcBef>
-                <a:spcPts val="0"/>
-              </a:spcBef>
-              <a:spcAft>
-                <a:spcPts val="0"/>
-              </a:spcAft>
-              <a:buClr>
-                <a:schemeClr val="lt1"/>
-              </a:buClr>
-              <a:buSzPct val="171000"/>
-              <a:buFont typeface="Cabin"/>
-              <a:buChar char="•"/>
-            </a:pPr>
-            <a:r>
-              <a:rPr lang="en-US" sz="3600">
-                <a:solidFill>
-                  <a:schemeClr val="lt1"/>
-                </a:solidFill>
-                <a:latin typeface="Cabin"/>
-                <a:ea typeface="Cabin"/>
-                <a:cs typeface="Cabin"/>
-                <a:sym typeface="Cabin"/>
-              </a:rPr>
-              <a:t>Если функция не производит результат</a:t>
-            </a:r>
-            <a:r>
-              <a:rPr lang="en-US" sz="3600" b="0" i="0" u="none" strike="noStrike" cap="none">
-                <a:solidFill>
-                  <a:schemeClr val="lt1"/>
-                </a:solidFill>
-                <a:latin typeface="Cabin"/>
-                <a:ea typeface="Cabin"/>
-                <a:cs typeface="Cabin"/>
-                <a:sym typeface="Cabin"/>
-              </a:rPr>
-              <a:t>, </a:t>
-            </a:r>
-            <a:r>
-              <a:rPr lang="en-US" sz="3600">
-                <a:solidFill>
-                  <a:schemeClr val="lt1"/>
-                </a:solidFill>
-                <a:latin typeface="Cabin"/>
-                <a:ea typeface="Cabin"/>
-                <a:cs typeface="Cabin"/>
-                <a:sym typeface="Cabin"/>
-              </a:rPr>
-              <a:t>ее называют функцией типа </a:t>
-            </a:r>
-            <a:r>
-              <a:rPr lang="en-US" sz="3600" b="0" i="0" u="none" strike="noStrike" cap="none">
-                <a:solidFill>
-                  <a:srgbClr val="9A9A9A"/>
-                </a:solidFill>
-                <a:latin typeface="Cabin"/>
-                <a:ea typeface="Cabin"/>
-                <a:cs typeface="Cabin"/>
-                <a:sym typeface="Cabin"/>
-              </a:rPr>
-              <a:t>void</a:t>
-            </a:r>
-          </a:p>
-          <a:p>
-            <a:pPr marL="749300" marR="0" lvl="0" indent="-533400" algn="l" rtl="0">
-              <a:lnSpc>
-                <a:spcPct val="100000"/>
-              </a:lnSpc>
-              <a:spcBef>
-                <a:spcPts val="0"/>
-              </a:spcBef>
-              <a:spcAft>
-                <a:spcPts val="0"/>
-              </a:spcAft>
-              <a:buClr>
-                <a:schemeClr val="lt1"/>
-              </a:buClr>
-              <a:buSzPct val="171000"/>
-              <a:buFont typeface="Cabin"/>
-              <a:buChar char="•"/>
-            </a:pPr>
-            <a:r>
-              <a:rPr lang="en-US" sz="3600">
-                <a:solidFill>
-                  <a:schemeClr val="lt1"/>
-                </a:solidFill>
-                <a:latin typeface="Cabin"/>
-                <a:ea typeface="Cabin"/>
-                <a:cs typeface="Cabin"/>
-                <a:sym typeface="Cabin"/>
-              </a:rPr>
-              <a:t>Функции, производящие результат, являются “</a:t>
-            </a:r>
-            <a:r>
-              <a:rPr lang="en-US" sz="3600">
-                <a:solidFill>
-                  <a:srgbClr val="FFFFFF"/>
-                </a:solidFill>
-                <a:latin typeface="Cabin"/>
-                <a:ea typeface="Cabin"/>
-                <a:cs typeface="Cabin"/>
-                <a:sym typeface="Cabin"/>
-              </a:rPr>
-              <a:t>результативными”</a:t>
-            </a:r>
-          </a:p>
-          <a:p>
-            <a:pPr marL="749300" marR="0" lvl="0" indent="-533400" algn="l" rtl="0">
-              <a:lnSpc>
-                <a:spcPct val="100000"/>
-              </a:lnSpc>
-              <a:spcBef>
-                <a:spcPts val="0"/>
-              </a:spcBef>
-              <a:spcAft>
-                <a:spcPts val="0"/>
-              </a:spcAft>
-              <a:buClr>
-                <a:schemeClr val="lt1"/>
-              </a:buClr>
-              <a:buSzPct val="171000"/>
-              <a:buFont typeface="Cabin"/>
-              <a:buChar char="•"/>
-            </a:pPr>
-            <a:r>
-              <a:rPr lang="en-US" sz="3600">
-                <a:solidFill>
-                  <a:srgbClr val="FFFFFF"/>
-                </a:solidFill>
-                <a:latin typeface="Cabin"/>
-                <a:ea typeface="Cabin"/>
-                <a:cs typeface="Cabin"/>
-                <a:sym typeface="Cabin"/>
-              </a:rPr>
-              <a:t>Функции типа </a:t>
-            </a:r>
-            <a:r>
-              <a:rPr lang="en-US" sz="3600">
-                <a:solidFill>
-                  <a:srgbClr val="9A9A9A"/>
-                </a:solidFill>
-                <a:latin typeface="Cabin"/>
-                <a:ea typeface="Cabin"/>
-                <a:cs typeface="Cabin"/>
-                <a:sym typeface="Cabin"/>
-              </a:rPr>
-              <a:t>v</a:t>
-            </a:r>
-            <a:r>
-              <a:rPr lang="en-US" sz="3600" b="0" i="0" u="none" strike="noStrike" cap="none">
-                <a:solidFill>
-                  <a:srgbClr val="9A9A9A"/>
-                </a:solidFill>
-                <a:latin typeface="Cabin"/>
-                <a:ea typeface="Cabin"/>
-                <a:cs typeface="Cabin"/>
-                <a:sym typeface="Cabin"/>
-              </a:rPr>
-              <a:t>oid</a:t>
-            </a:r>
-            <a:r>
-              <a:rPr lang="en-US" sz="3600" b="0" i="0" u="none" strike="noStrike" cap="none">
-                <a:solidFill>
-                  <a:schemeClr val="lt1"/>
-                </a:solidFill>
-                <a:latin typeface="Cabin"/>
-                <a:ea typeface="Cabin"/>
-                <a:cs typeface="Cabin"/>
-                <a:sym typeface="Cabin"/>
-              </a:rPr>
-              <a:t> </a:t>
-            </a:r>
-            <a:r>
-              <a:rPr lang="en-US" sz="3600">
-                <a:solidFill>
-                  <a:schemeClr val="lt1"/>
-                </a:solidFill>
-                <a:latin typeface="Cabin"/>
-                <a:ea typeface="Cabin"/>
-                <a:cs typeface="Cabin"/>
-                <a:sym typeface="Cabin"/>
-              </a:rPr>
-              <a:t>являются “нерезультативными”</a:t>
-            </a:r>
-          </a:p>
-        </p:txBody>
-      </p:sp>
-    </p:spTree>
-  </p:cSld>
-  <p:clrMapOvr>
-    <a:masterClrMapping/>
-  </p:clrMapOvr>
-</p:sld>
-</file>
-
-<file path=ppt/slides/slide21.xml><?xml version="1.0" encoding="utf-8"?>
-<p:sld xmlns:a="http://schemas.openxmlformats.org/drawingml/2006/main" xmlns:r="http://schemas.openxmlformats.org/officeDocument/2006/relationships" xmlns:p="http://schemas.openxmlformats.org/presentationml/2006/main">
-  <p:cSld>
-    <p:spTree>
-      <p:nvGrpSpPr>
-        <p:cNvPr id="1" name="Shape 391"/>
-        <p:cNvGrpSpPr/>
-        <p:nvPr/>
-      </p:nvGrpSpPr>
-      <p:grpSpPr>
-        <a:xfrm>
-          <a:off x="0" y="0"/>
-          <a:ext cx="0" cy="0"/>
-          <a:chOff x="0" y="0"/>
-          <a:chExt cx="0" cy="0"/>
-        </a:xfrm>
-      </p:grpSpPr>
-      <p:sp>
-        <p:nvSpPr>
-          <p:cNvPr id="392" name="Shape 392"/>
-          <p:cNvSpPr txBox="1">
-            <a:spLocks noGrp="1"/>
-          </p:cNvSpPr>
-          <p:nvPr>
-            <p:ph type="title"/>
-          </p:nvPr>
-        </p:nvSpPr>
-        <p:spPr>
-          <a:xfrm>
-            <a:off x="1155700" y="241300"/>
-            <a:ext cx="13931900" cy="2298699"/>
-          </a:xfrm>
-          <a:prstGeom prst="rect">
-            <a:avLst/>
-          </a:prstGeom>
-          <a:noFill/>
-          <a:ln>
-            <a:noFill/>
-          </a:ln>
-        </p:spPr>
-        <p:txBody>
-          <a:bodyPr lIns="38100" tIns="38100" rIns="38100" bIns="38100" anchor="ctr" anchorCtr="0">
-            <a:noAutofit/>
-          </a:bodyPr>
-          <a:lstStyle/>
-          <a:p>
-            <a:pPr marL="0" marR="0" lvl="0" indent="0" algn="ctr" rtl="0">
-              <a:lnSpc>
-                <a:spcPct val="100000"/>
-              </a:lnSpc>
-              <a:spcBef>
-                <a:spcPts val="0"/>
-              </a:spcBef>
-              <a:spcAft>
-                <a:spcPts val="0"/>
-              </a:spcAft>
-              <a:buClr>
-                <a:srgbClr val="00FF00"/>
-              </a:buClr>
-              <a:buSzPct val="25000"/>
-              <a:buFont typeface="Cabin"/>
-              <a:buNone/>
-            </a:pPr>
-            <a:r>
-              <a:rPr lang="en-US" sz="7600">
-                <a:solidFill>
-                  <a:srgbClr val="00FF00"/>
-                </a:solidFill>
-                <a:latin typeface="Cabin"/>
-                <a:ea typeface="Cabin"/>
-                <a:cs typeface="Cabin"/>
-                <a:sym typeface="Cabin"/>
-              </a:rPr>
-              <a:t>Использовать функцию или нет</a:t>
-            </a:r>
-            <a:r>
-              <a:rPr lang="en-US" sz="7600" b="0" i="0" u="none" strike="noStrike" cap="none">
-                <a:solidFill>
-                  <a:srgbClr val="00FF00"/>
-                </a:solidFill>
-                <a:latin typeface="Cabin"/>
-                <a:ea typeface="Cabin"/>
-                <a:cs typeface="Cabin"/>
-                <a:sym typeface="Cabin"/>
-              </a:rPr>
-              <a:t>...</a:t>
-            </a:r>
-          </a:p>
-        </p:txBody>
-      </p:sp>
-      <p:sp>
-        <p:nvSpPr>
-          <p:cNvPr id="393" name="Shape 393"/>
-          <p:cNvSpPr txBox="1">
-            <a:spLocks noGrp="1"/>
-          </p:cNvSpPr>
-          <p:nvPr>
-            <p:ph type="body" idx="1"/>
-          </p:nvPr>
-        </p:nvSpPr>
-        <p:spPr>
-          <a:xfrm>
-            <a:off x="1155700" y="2603500"/>
-            <a:ext cx="13931900" cy="5702299"/>
-          </a:xfrm>
-          <a:prstGeom prst="rect">
-            <a:avLst/>
-          </a:prstGeom>
-          <a:noFill/>
-          <a:ln>
-            <a:noFill/>
-          </a:ln>
-        </p:spPr>
-        <p:txBody>
-          <a:bodyPr lIns="38100" tIns="38100" rIns="38100" bIns="38100" anchor="ctr" anchorCtr="0">
-            <a:noAutofit/>
-          </a:bodyPr>
-          <a:lstStyle/>
-          <a:p>
-            <a:pPr marL="749300" marR="0" lvl="0" indent="-345694" algn="l" rtl="0">
-              <a:lnSpc>
-                <a:spcPct val="100000"/>
-              </a:lnSpc>
-              <a:spcBef>
-                <a:spcPts val="0"/>
-              </a:spcBef>
-              <a:spcAft>
-                <a:spcPts val="0"/>
-              </a:spcAft>
-              <a:buClr>
-                <a:schemeClr val="lt1"/>
-              </a:buClr>
-              <a:buSzPct val="100000"/>
-              <a:buFont typeface="Cabin"/>
-              <a:buChar char="•"/>
-            </a:pPr>
-            <a:r>
-              <a:rPr lang="en-US" sz="3200">
-                <a:solidFill>
-                  <a:schemeClr val="lt1"/>
-                </a:solidFill>
-                <a:latin typeface="Cabin"/>
-                <a:ea typeface="Cabin"/>
-                <a:cs typeface="Cabin"/>
-                <a:sym typeface="Cabin"/>
-              </a:rPr>
-              <a:t>Разделите код по</a:t>
-            </a:r>
-            <a:r>
-              <a:rPr lang="en-US" sz="3200" b="0" i="0" u="none" strike="noStrike" cap="none">
-                <a:solidFill>
-                  <a:schemeClr val="lt1"/>
-                </a:solidFill>
-                <a:latin typeface="Cabin"/>
-                <a:ea typeface="Cabin"/>
-                <a:cs typeface="Cabin"/>
-                <a:sym typeface="Cabin"/>
-              </a:rPr>
-              <a:t> </a:t>
-            </a:r>
-            <a:r>
-              <a:rPr lang="en-US" sz="3200" b="0" i="0" u="none" strike="noStrike" cap="none">
-                <a:solidFill>
-                  <a:schemeClr val="lt1"/>
-                </a:solidFill>
-                <a:latin typeface="Arial"/>
-                <a:ea typeface="Arial"/>
-                <a:cs typeface="Arial"/>
-                <a:sym typeface="Arial"/>
-              </a:rPr>
-              <a:t>“абзацам”</a:t>
-            </a:r>
-            <a:r>
-              <a:rPr lang="en-US" sz="3200" b="0" i="0" u="none" strike="noStrike" cap="none">
-                <a:solidFill>
-                  <a:schemeClr val="lt1"/>
-                </a:solidFill>
-                <a:latin typeface="Cabin"/>
-                <a:ea typeface="Cabin"/>
-                <a:cs typeface="Cabin"/>
-                <a:sym typeface="Cabin"/>
-              </a:rPr>
-              <a:t> - </a:t>
-            </a:r>
-            <a:r>
-              <a:rPr lang="en-US" sz="3200">
-                <a:solidFill>
-                  <a:schemeClr val="lt1"/>
-                </a:solidFill>
-                <a:latin typeface="Cabin"/>
-                <a:ea typeface="Cabin"/>
-                <a:cs typeface="Cabin"/>
-                <a:sym typeface="Cabin"/>
-              </a:rPr>
-              <a:t>закончите определенную мысль и </a:t>
-            </a:r>
-            <a:r>
-              <a:rPr lang="en-US" sz="3200" b="0" i="0" u="none" strike="noStrike" cap="none">
-                <a:solidFill>
-                  <a:schemeClr val="lt1"/>
-                </a:solidFill>
-                <a:latin typeface="Arial"/>
-                <a:ea typeface="Arial"/>
-                <a:cs typeface="Arial"/>
-                <a:sym typeface="Arial"/>
-              </a:rPr>
-              <a:t>“</a:t>
-            </a:r>
-            <a:r>
-              <a:rPr lang="en-US" sz="3200">
-                <a:solidFill>
-                  <a:schemeClr val="lt1"/>
-                </a:solidFill>
-                <a:latin typeface="Cabin"/>
-                <a:ea typeface="Cabin"/>
-                <a:cs typeface="Cabin"/>
-                <a:sym typeface="Cabin"/>
-              </a:rPr>
-              <a:t>назовите ее</a:t>
-            </a:r>
-            <a:r>
-              <a:rPr lang="en-US" sz="3200" b="0" i="0" u="none" strike="noStrike" cap="none">
-                <a:solidFill>
-                  <a:schemeClr val="lt1"/>
-                </a:solidFill>
-                <a:latin typeface="Arial"/>
-                <a:ea typeface="Arial"/>
-                <a:cs typeface="Arial"/>
-                <a:sym typeface="Arial"/>
-              </a:rPr>
-              <a:t>”</a:t>
-            </a:r>
-          </a:p>
-          <a:p>
-            <a:pPr marL="749300" marR="0" lvl="0" indent="-345694" algn="l" rtl="0">
-              <a:lnSpc>
-                <a:spcPct val="100000"/>
-              </a:lnSpc>
-              <a:spcBef>
-                <a:spcPts val="3500"/>
-              </a:spcBef>
-              <a:spcAft>
-                <a:spcPts val="0"/>
-              </a:spcAft>
-              <a:buClr>
-                <a:schemeClr val="lt1"/>
-              </a:buClr>
-              <a:buSzPct val="100000"/>
-              <a:buFont typeface="Cabin"/>
-              <a:buChar char="•"/>
-            </a:pPr>
-            <a:r>
-              <a:rPr lang="en-US" sz="3200">
-                <a:solidFill>
-                  <a:schemeClr val="lt1"/>
-                </a:solidFill>
-                <a:latin typeface="Cabin"/>
-                <a:ea typeface="Cabin"/>
-                <a:cs typeface="Cabin"/>
-                <a:sym typeface="Cabin"/>
-              </a:rPr>
-              <a:t>Избегайте повторов </a:t>
-            </a:r>
-            <a:r>
-              <a:rPr lang="en-US" sz="3200" b="0" i="0" u="none" strike="noStrike" cap="none">
-                <a:solidFill>
-                  <a:schemeClr val="lt1"/>
-                </a:solidFill>
-                <a:latin typeface="Cabin"/>
-                <a:ea typeface="Cabin"/>
-                <a:cs typeface="Cabin"/>
-                <a:sym typeface="Cabin"/>
-              </a:rPr>
-              <a:t>- создайте рабо</a:t>
-            </a:r>
-            <a:r>
-              <a:rPr lang="en-US" sz="3200">
-                <a:solidFill>
-                  <a:schemeClr val="lt1"/>
-                </a:solidFill>
-                <a:latin typeface="Cabin"/>
-                <a:ea typeface="Cabin"/>
-                <a:cs typeface="Cabin"/>
-                <a:sym typeface="Cabin"/>
-              </a:rPr>
-              <a:t>чий код один раз и многократно используйте его</a:t>
-            </a:r>
-          </a:p>
-          <a:p>
-            <a:pPr marL="749300" marR="0" lvl="0" indent="-345694" algn="l" rtl="0">
-              <a:lnSpc>
-                <a:spcPct val="100000"/>
-              </a:lnSpc>
-              <a:spcBef>
-                <a:spcPts val="3500"/>
-              </a:spcBef>
-              <a:spcAft>
-                <a:spcPts val="0"/>
-              </a:spcAft>
-              <a:buClr>
-                <a:schemeClr val="lt1"/>
-              </a:buClr>
-              <a:buSzPct val="100000"/>
-              <a:buFont typeface="Cabin"/>
-              <a:buChar char="•"/>
-            </a:pPr>
-            <a:r>
-              <a:rPr lang="en-US" sz="3200">
-                <a:solidFill>
-                  <a:schemeClr val="lt1"/>
-                </a:solidFill>
-                <a:latin typeface="Cabin"/>
-                <a:ea typeface="Cabin"/>
-                <a:cs typeface="Cabin"/>
-                <a:sym typeface="Cabin"/>
-              </a:rPr>
-              <a:t>Если какая-то часть кода стала слишком длинной или сложной, разбейте ее на логические секции и поместите эти секции в функции</a:t>
-            </a:r>
-          </a:p>
-          <a:p>
-            <a:pPr marL="749300" marR="0" lvl="0" indent="-345694" algn="l" rtl="0">
-              <a:lnSpc>
-                <a:spcPct val="100000"/>
-              </a:lnSpc>
-              <a:spcBef>
-                <a:spcPts val="3500"/>
-              </a:spcBef>
-              <a:spcAft>
-                <a:spcPts val="0"/>
-              </a:spcAft>
-              <a:buClr>
-                <a:schemeClr val="lt1"/>
-              </a:buClr>
-              <a:buSzPct val="100000"/>
-              <a:buFont typeface="Cabin"/>
-              <a:buChar char="•"/>
-            </a:pPr>
-            <a:r>
-              <a:rPr lang="en-US" sz="3200">
-                <a:solidFill>
-                  <a:schemeClr val="lt1"/>
-                </a:solidFill>
-                <a:latin typeface="Cabin"/>
-                <a:ea typeface="Cabin"/>
-                <a:cs typeface="Cabin"/>
-                <a:sym typeface="Cabin"/>
-              </a:rPr>
-              <a:t>Создайте библиотеку наиболее употребляемых кодов. При желании поделитесь этой библиотекой с друзьями</a:t>
-            </a:r>
-            <a:r>
-              <a:rPr lang="en-US" sz="3200" b="0" i="0" u="none" strike="noStrike" cap="none">
-                <a:solidFill>
-                  <a:schemeClr val="lt1"/>
-                </a:solidFill>
-                <a:latin typeface="Cabin"/>
-                <a:ea typeface="Cabin"/>
-                <a:cs typeface="Cabin"/>
-                <a:sym typeface="Cabin"/>
-              </a:rPr>
-              <a:t>...</a:t>
-            </a:r>
-          </a:p>
-        </p:txBody>
-      </p:sp>
-    </p:spTree>
-  </p:cSld>
-  <p:clrMapOvr>
-    <a:masterClrMapping/>
-  </p:clrMapOvr>
-</p:sld>
-</file>
-
-<file path=ppt/slides/slide22.xml><?xml version="1.0" encoding="utf-8"?>
-<p:sld xmlns:a="http://schemas.openxmlformats.org/drawingml/2006/main" xmlns:r="http://schemas.openxmlformats.org/officeDocument/2006/relationships" xmlns:p="http://schemas.openxmlformats.org/presentationml/2006/main">
-  <p:cSld>
-    <p:spTree>
-      <p:nvGrpSpPr>
-        <p:cNvPr id="1" name="Shape 397"/>
-        <p:cNvGrpSpPr/>
-        <p:nvPr/>
-      </p:nvGrpSpPr>
-      <p:grpSpPr>
-        <a:xfrm>
-          <a:off x="0" y="0"/>
-          <a:ext cx="0" cy="0"/>
-          <a:chOff x="0" y="0"/>
-          <a:chExt cx="0" cy="0"/>
-        </a:xfrm>
-      </p:grpSpPr>
-      <p:sp>
-        <p:nvSpPr>
-          <p:cNvPr id="398" name="Shape 398"/>
-          <p:cNvSpPr txBox="1"/>
-          <p:nvPr/>
-        </p:nvSpPr>
-        <p:spPr>
-          <a:xfrm>
-            <a:off x="749300" y="342900"/>
-            <a:ext cx="3692400" cy="660300"/>
-          </a:xfrm>
-          <a:prstGeom prst="rect">
-            <a:avLst/>
-          </a:prstGeom>
-          <a:noFill/>
-          <a:ln>
-            <a:noFill/>
-          </a:ln>
-        </p:spPr>
-        <p:txBody>
-          <a:bodyPr lIns="0" tIns="0" rIns="0" bIns="0" anchor="ctr" anchorCtr="0">
-            <a:noAutofit/>
-          </a:bodyPr>
-          <a:lstStyle/>
-          <a:p>
-            <a:pPr marL="0" marR="0" lvl="0" indent="0" algn="ctr" rtl="0">
-              <a:lnSpc>
-                <a:spcPct val="100000"/>
-              </a:lnSpc>
-              <a:spcBef>
-                <a:spcPts val="0"/>
-              </a:spcBef>
-              <a:spcAft>
-                <a:spcPts val="0"/>
-              </a:spcAft>
-              <a:buClr>
-                <a:srgbClr val="00FF00"/>
-              </a:buClr>
-              <a:buSzPct val="25000"/>
-              <a:buFont typeface="Cabin"/>
-              <a:buNone/>
-            </a:pPr>
-            <a:r>
-              <a:rPr lang="en-US" sz="3800">
-                <a:solidFill>
-                  <a:srgbClr val="00FF00"/>
-                </a:solidFill>
-                <a:latin typeface="Cabin"/>
-                <a:ea typeface="Cabin"/>
-                <a:cs typeface="Cabin"/>
-                <a:sym typeface="Cabin"/>
-              </a:rPr>
-              <a:t>Упражнение</a:t>
-            </a:r>
-          </a:p>
-        </p:txBody>
-      </p:sp>
-      <p:sp>
-        <p:nvSpPr>
-          <p:cNvPr id="399" name="Shape 399"/>
-          <p:cNvSpPr txBox="1"/>
-          <p:nvPr/>
-        </p:nvSpPr>
-        <p:spPr>
-          <a:xfrm>
-            <a:off x="3136900" y="2133600"/>
-            <a:ext cx="10706100" cy="4013200"/>
-          </a:xfrm>
-          <a:prstGeom prst="rect">
-            <a:avLst/>
-          </a:prstGeom>
-          <a:noFill/>
-          <a:ln>
-            <a:noFill/>
-          </a:ln>
-        </p:spPr>
-        <p:txBody>
-          <a:bodyPr lIns="0" tIns="0" rIns="0" bIns="0" anchor="ctr" anchorCtr="0">
-            <a:noAutofit/>
-          </a:bodyPr>
-          <a:lstStyle/>
-          <a:p>
-            <a:pPr marL="0" marR="0" lvl="0" indent="0" algn="l" rtl="0">
-              <a:lnSpc>
-                <a:spcPct val="100000"/>
-              </a:lnSpc>
-              <a:spcBef>
-                <a:spcPts val="0"/>
-              </a:spcBef>
-              <a:spcAft>
-                <a:spcPts val="0"/>
-              </a:spcAft>
-              <a:buClr>
-                <a:schemeClr val="lt1"/>
-              </a:buClr>
-              <a:buSzPct val="25000"/>
-              <a:buFont typeface="Cabin"/>
-              <a:buNone/>
-            </a:pPr>
-            <a:r>
-              <a:rPr lang="en-US" sz="3400">
-                <a:solidFill>
-                  <a:schemeClr val="lt1"/>
-                </a:solidFill>
-                <a:latin typeface="Cabin"/>
-                <a:ea typeface="Cabin"/>
-                <a:cs typeface="Cabin"/>
-                <a:sym typeface="Cabin"/>
-              </a:rPr>
-              <a:t>Измените код расчета заработной платы с учетом того, что ставка за сверхурочные часы в полтора раза выше обычной ставки, и создайте функцию под названием </a:t>
-            </a:r>
-            <a:r>
-              <a:rPr lang="en-US" sz="3400" b="0" i="0" u="none" strike="noStrike" cap="none">
-                <a:solidFill>
-                  <a:srgbClr val="00FF00"/>
-                </a:solidFill>
-                <a:latin typeface="Cabin"/>
-                <a:ea typeface="Cabin"/>
-                <a:cs typeface="Cabin"/>
-                <a:sym typeface="Cabin"/>
-              </a:rPr>
-              <a:t>computepay</a:t>
-            </a:r>
-            <a:r>
-              <a:rPr lang="en-US" sz="3400">
-                <a:solidFill>
-                  <a:srgbClr val="00FF00"/>
-                </a:solidFill>
-                <a:latin typeface="Cabin"/>
-                <a:ea typeface="Cabin"/>
-                <a:cs typeface="Cabin"/>
-                <a:sym typeface="Cabin"/>
-              </a:rPr>
-              <a:t>, </a:t>
-            </a:r>
-            <a:r>
-              <a:rPr lang="en-US" sz="3400">
-                <a:solidFill>
-                  <a:schemeClr val="lt1"/>
-                </a:solidFill>
-                <a:latin typeface="Cabin"/>
-                <a:ea typeface="Cabin"/>
-                <a:cs typeface="Cabin"/>
-                <a:sym typeface="Cabin"/>
-              </a:rPr>
-              <a:t>которая принимает два параметра</a:t>
-            </a:r>
-            <a:r>
-              <a:rPr lang="en-US" sz="3400" b="0" i="0" u="none" strike="noStrike" cap="none">
-                <a:solidFill>
-                  <a:schemeClr val="lt1"/>
-                </a:solidFill>
-                <a:latin typeface="Cabin"/>
-                <a:ea typeface="Cabin"/>
-                <a:cs typeface="Cabin"/>
-                <a:sym typeface="Cabin"/>
-              </a:rPr>
-              <a:t> (</a:t>
-            </a:r>
-            <a:r>
-              <a:rPr lang="en-US" sz="3400">
-                <a:solidFill>
-                  <a:schemeClr val="lt1"/>
-                </a:solidFill>
-                <a:latin typeface="Cabin"/>
-                <a:ea typeface="Cabin"/>
-                <a:cs typeface="Cabin"/>
-                <a:sym typeface="Cabin"/>
-              </a:rPr>
-              <a:t>часы</a:t>
-            </a:r>
-            <a:r>
-              <a:rPr lang="en-US" sz="3400" b="0" i="0" u="none" strike="noStrike" cap="none">
-                <a:solidFill>
-                  <a:schemeClr val="lt1"/>
-                </a:solidFill>
-                <a:latin typeface="Cabin"/>
-                <a:ea typeface="Cabin"/>
-                <a:cs typeface="Cabin"/>
-                <a:sym typeface="Cabin"/>
-              </a:rPr>
-              <a:t> </a:t>
-            </a:r>
-            <a:r>
-              <a:rPr lang="en-US" sz="3400">
-                <a:solidFill>
-                  <a:schemeClr val="lt1"/>
-                </a:solidFill>
-                <a:latin typeface="Cabin"/>
-                <a:ea typeface="Cabin"/>
-                <a:cs typeface="Cabin"/>
-                <a:sym typeface="Cabin"/>
-              </a:rPr>
-              <a:t>и</a:t>
-            </a:r>
-            <a:r>
-              <a:rPr lang="en-US" sz="3400" b="0" i="0" u="none" strike="noStrike" cap="none">
-                <a:solidFill>
-                  <a:schemeClr val="lt1"/>
-                </a:solidFill>
-                <a:latin typeface="Cabin"/>
-                <a:ea typeface="Cabin"/>
-                <a:cs typeface="Cabin"/>
-                <a:sym typeface="Cabin"/>
-              </a:rPr>
-              <a:t> </a:t>
-            </a:r>
-            <a:r>
-              <a:rPr lang="en-US" sz="3400">
-                <a:solidFill>
-                  <a:schemeClr val="lt1"/>
-                </a:solidFill>
-                <a:latin typeface="Cabin"/>
-                <a:ea typeface="Cabin"/>
-                <a:cs typeface="Cabin"/>
-                <a:sym typeface="Cabin"/>
-              </a:rPr>
-              <a:t>ставка</a:t>
-            </a:r>
-            <a:r>
-              <a:rPr lang="en-US" sz="3400" b="0" i="0" u="none" strike="noStrike" cap="none">
-                <a:solidFill>
-                  <a:schemeClr val="lt1"/>
-                </a:solidFill>
-                <a:latin typeface="Cabin"/>
-                <a:ea typeface="Cabin"/>
-                <a:cs typeface="Cabin"/>
-                <a:sym typeface="Cabin"/>
-              </a:rPr>
-              <a:t>).</a:t>
-            </a:r>
-          </a:p>
-          <a:p>
-            <a:pPr marL="0" marR="0" lvl="0" indent="0" algn="l" rtl="0">
-              <a:lnSpc>
-                <a:spcPct val="100000"/>
-              </a:lnSpc>
-              <a:spcBef>
-                <a:spcPts val="0"/>
-              </a:spcBef>
-              <a:spcAft>
-                <a:spcPts val="0"/>
-              </a:spcAft>
-              <a:buClr>
-                <a:schemeClr val="lt1"/>
-              </a:buClr>
-              <a:buFont typeface="Cabin"/>
-              <a:buNone/>
-            </a:pPr>
-            <a:endParaRPr sz="3400">
-              <a:solidFill>
-                <a:schemeClr val="lt1"/>
-              </a:solidFill>
-              <a:latin typeface="Cabin"/>
-              <a:ea typeface="Cabin"/>
-              <a:cs typeface="Cabin"/>
-              <a:sym typeface="Cabin"/>
-            </a:endParaRPr>
-          </a:p>
-          <a:p>
-            <a:pPr lvl="0" rtl="0">
-              <a:spcBef>
-                <a:spcPts val="0"/>
-              </a:spcBef>
-              <a:buClr>
-                <a:schemeClr val="lt1"/>
-              </a:buClr>
-              <a:buSzPct val="25000"/>
-              <a:buFont typeface="Cabin"/>
-              <a:buNone/>
-            </a:pPr>
-            <a:r>
-              <a:rPr lang="en-US" sz="3400">
-                <a:solidFill>
-                  <a:schemeClr val="lt1"/>
-                </a:solidFill>
-                <a:latin typeface="Cabin"/>
-                <a:ea typeface="Cabin"/>
-                <a:cs typeface="Cabin"/>
-                <a:sym typeface="Cabin"/>
-              </a:rPr>
-              <a:t>Введите часы: </a:t>
-            </a:r>
-            <a:r>
-              <a:rPr lang="en-US" sz="3400">
-                <a:solidFill>
-                  <a:srgbClr val="FFFF00"/>
-                </a:solidFill>
-                <a:latin typeface="Cabin"/>
-                <a:ea typeface="Cabin"/>
-                <a:cs typeface="Cabin"/>
-                <a:sym typeface="Cabin"/>
-              </a:rPr>
-              <a:t>45</a:t>
-            </a:r>
-          </a:p>
-          <a:p>
-            <a:pPr lvl="0" rtl="0">
-              <a:spcBef>
-                <a:spcPts val="0"/>
-              </a:spcBef>
-              <a:buClr>
-                <a:schemeClr val="lt1"/>
-              </a:buClr>
-              <a:buSzPct val="25000"/>
-              <a:buFont typeface="Cabin"/>
-              <a:buNone/>
-            </a:pPr>
-            <a:r>
-              <a:rPr lang="en-US" sz="3400">
-                <a:solidFill>
-                  <a:schemeClr val="lt1"/>
-                </a:solidFill>
-                <a:latin typeface="Cabin"/>
-                <a:ea typeface="Cabin"/>
-                <a:cs typeface="Cabin"/>
-                <a:sym typeface="Cabin"/>
-              </a:rPr>
-              <a:t>Введите ставку: </a:t>
-            </a:r>
-            <a:r>
-              <a:rPr lang="en-US" sz="3400">
-                <a:solidFill>
-                  <a:srgbClr val="FFFF00"/>
-                </a:solidFill>
-                <a:latin typeface="Cabin"/>
-                <a:ea typeface="Cabin"/>
-                <a:cs typeface="Cabin"/>
-                <a:sym typeface="Cabin"/>
-              </a:rPr>
-              <a:t>10</a:t>
-            </a:r>
-            <a:r>
-              <a:rPr lang="en-US" sz="3400">
-                <a:solidFill>
-                  <a:schemeClr val="lt1"/>
-                </a:solidFill>
-                <a:latin typeface="Cabin"/>
-                <a:ea typeface="Cabin"/>
-                <a:cs typeface="Cabin"/>
-                <a:sym typeface="Cabin"/>
-              </a:rPr>
-              <a:t> </a:t>
-            </a:r>
-          </a:p>
-          <a:p>
-            <a:pPr lvl="0" rtl="0">
-              <a:spcBef>
-                <a:spcPts val="0"/>
-              </a:spcBef>
-              <a:buClr>
-                <a:schemeClr val="lt1"/>
-              </a:buClr>
-              <a:buSzPct val="25000"/>
-              <a:buFont typeface="Cabin"/>
-              <a:buNone/>
-            </a:pPr>
-            <a:r>
-              <a:rPr lang="en-US" sz="3400">
-                <a:solidFill>
-                  <a:schemeClr val="lt1"/>
-                </a:solidFill>
-                <a:latin typeface="Cabin"/>
-                <a:ea typeface="Cabin"/>
-                <a:cs typeface="Cabin"/>
-                <a:sym typeface="Cabin"/>
-              </a:rPr>
-              <a:t>Зарплата: 475.0</a:t>
-            </a:r>
-          </a:p>
-        </p:txBody>
-      </p:sp>
-      <p:sp>
-        <p:nvSpPr>
-          <p:cNvPr id="400" name="Shape 400"/>
-          <p:cNvSpPr txBox="1"/>
-          <p:nvPr/>
-        </p:nvSpPr>
-        <p:spPr>
-          <a:xfrm>
-            <a:off x="9896475" y="6731000"/>
-            <a:ext cx="4565650" cy="660400"/>
-          </a:xfrm>
-          <a:prstGeom prst="rect">
-            <a:avLst/>
-          </a:prstGeom>
-          <a:noFill/>
-          <a:ln>
-            <a:noFill/>
-          </a:ln>
-        </p:spPr>
-        <p:txBody>
-          <a:bodyPr lIns="0" tIns="0" rIns="0" bIns="0" anchor="ctr" anchorCtr="0">
-            <a:noAutofit/>
-          </a:bodyPr>
-          <a:lstStyle/>
-          <a:p>
-            <a:pPr marL="0" marR="0" lvl="0" indent="0" algn="ctr" rtl="0">
-              <a:lnSpc>
-                <a:spcPct val="100000"/>
-              </a:lnSpc>
-              <a:spcBef>
-                <a:spcPts val="0"/>
-              </a:spcBef>
-              <a:spcAft>
-                <a:spcPts val="0"/>
-              </a:spcAft>
-              <a:buClr>
-                <a:schemeClr val="lt1"/>
-              </a:buClr>
-              <a:buSzPct val="25000"/>
-              <a:buFont typeface="Cabin"/>
-              <a:buNone/>
-            </a:pPr>
-            <a:r>
-              <a:rPr lang="en-US" sz="3800" b="0" i="0" u="none" strike="noStrike" cap="none">
-                <a:solidFill>
-                  <a:schemeClr val="lt1"/>
-                </a:solidFill>
-                <a:latin typeface="Cabin"/>
-                <a:ea typeface="Cabin"/>
-                <a:cs typeface="Cabin"/>
-                <a:sym typeface="Cabin"/>
-              </a:rPr>
-              <a:t>475 = 40 * 10 + 5 * 15</a:t>
-            </a:r>
-          </a:p>
-        </p:txBody>
-      </p:sp>
-    </p:spTree>
-  </p:cSld>
-  <p:clrMapOvr>
-    <a:masterClrMapping/>
-  </p:clrMapOvr>
-</p:sld>
-</file>
-
-<file path=ppt/slides/slide23.xml><?xml version="1.0" encoding="utf-8"?>
-<p:sld xmlns:a="http://schemas.openxmlformats.org/drawingml/2006/main" xmlns:r="http://schemas.openxmlformats.org/officeDocument/2006/relationships" xmlns:p="http://schemas.openxmlformats.org/presentationml/2006/main" show="0">
-  <p:cSld>
-    <p:spTree>
-      <p:nvGrpSpPr>
-        <p:cNvPr id="1" name="Shape 410"/>
-        <p:cNvGrpSpPr/>
-        <p:nvPr/>
-      </p:nvGrpSpPr>
-      <p:grpSpPr>
-        <a:xfrm>
-          <a:off x="0" y="0"/>
-          <a:ext cx="0" cy="0"/>
-          <a:chOff x="0" y="0"/>
-          <a:chExt cx="0" cy="0"/>
-        </a:xfrm>
-      </p:grpSpPr>
-      <p:pic>
-        <p:nvPicPr>
-          <p:cNvPr id="411" name="Shape 411"/>
-          <p:cNvPicPr preferRelativeResize="0"/>
-          <p:nvPr/>
-        </p:nvPicPr>
-        <p:blipFill rotWithShape="1">
-          <a:blip r:embed="rId3">
-            <a:alphaModFix/>
-          </a:blip>
-          <a:srcRect/>
-          <a:stretch/>
-        </p:blipFill>
-        <p:spPr>
-          <a:xfrm>
-            <a:off x="437900" y="134650"/>
-            <a:ext cx="1024800" cy="1024800"/>
-          </a:xfrm>
-          <a:prstGeom prst="rect">
-            <a:avLst/>
-          </a:prstGeom>
-          <a:noFill/>
-          <a:ln>
-            <a:noFill/>
-          </a:ln>
-        </p:spPr>
-      </p:pic>
-      <p:pic>
-        <p:nvPicPr>
-          <p:cNvPr id="412" name="Shape 412"/>
-          <p:cNvPicPr preferRelativeResize="0"/>
-          <p:nvPr/>
-        </p:nvPicPr>
-        <p:blipFill rotWithShape="1">
-          <a:blip r:embed="rId4">
-            <a:alphaModFix/>
-          </a:blip>
-          <a:srcRect/>
-          <a:stretch/>
-        </p:blipFill>
-        <p:spPr>
-          <a:xfrm>
-            <a:off x="13897687" y="312850"/>
-            <a:ext cx="1968599" cy="668400"/>
-          </a:xfrm>
-          <a:prstGeom prst="rect">
-            <a:avLst/>
-          </a:prstGeom>
-          <a:noFill/>
-          <a:ln>
-            <a:noFill/>
-          </a:ln>
-        </p:spPr>
-      </p:pic>
-      <p:sp>
-        <p:nvSpPr>
-          <p:cNvPr id="413" name="Shape 413"/>
-          <p:cNvSpPr txBox="1"/>
-          <p:nvPr/>
-        </p:nvSpPr>
-        <p:spPr>
-          <a:xfrm>
-            <a:off x="8704400" y="1512200"/>
-            <a:ext cx="6797699" cy="7082699"/>
-          </a:xfrm>
-          <a:prstGeom prst="rect">
-            <a:avLst/>
-          </a:prstGeom>
-          <a:noFill/>
-          <a:ln>
-            <a:noFill/>
-          </a:ln>
-        </p:spPr>
-        <p:txBody>
-          <a:bodyPr lIns="91425" tIns="91425" rIns="91425" bIns="91425" anchor="t" anchorCtr="0">
-            <a:noAutofit/>
-          </a:bodyPr>
-          <a:lstStyle/>
-          <a:p>
-            <a:pPr lvl="0" rtl="0">
-              <a:spcBef>
-                <a:spcPts val="0"/>
-              </a:spcBef>
-              <a:buNone/>
-            </a:pPr>
-            <a:r>
-              <a:rPr lang="en-US" sz="1800">
-                <a:solidFill>
-                  <a:srgbClr val="FFFFFF"/>
-                </a:solidFill>
-              </a:rPr>
-              <a:t>...</a:t>
-            </a:r>
-          </a:p>
-        </p:txBody>
-      </p:sp>
-      <p:sp>
-        <p:nvSpPr>
-          <p:cNvPr id="414" name="Shape 414"/>
-          <p:cNvSpPr txBox="1"/>
-          <p:nvPr/>
-        </p:nvSpPr>
-        <p:spPr>
-          <a:xfrm>
-            <a:off x="1206100" y="1381725"/>
-            <a:ext cx="6797699" cy="7082699"/>
-          </a:xfrm>
-          <a:prstGeom prst="rect">
-            <a:avLst/>
-          </a:prstGeom>
-          <a:noFill/>
-          <a:ln>
-            <a:noFill/>
-          </a:ln>
-        </p:spPr>
-        <p:txBody>
-          <a:bodyPr lIns="91425" tIns="91425" rIns="91425" bIns="91425" anchor="t" anchorCtr="0">
-            <a:noAutofit/>
-          </a:bodyPr>
-          <a:lstStyle/>
-          <a:p>
-            <a:pPr lvl="0" rtl="0">
-              <a:spcBef>
-                <a:spcPts val="0"/>
-              </a:spcBef>
-              <a:buNone/>
-            </a:pPr>
-            <a:r>
-              <a:rPr lang="en-US" sz="1800">
-                <a:solidFill>
-                  <a:srgbClr val="FFFFFF"/>
-                </a:solidFill>
-              </a:rPr>
-              <a:t>Данная презентация охраняется авторским правом “Copyright 2010-  Charles R. Severance (</a:t>
-            </a:r>
-            <a:r>
-              <a:rPr lang="en-US" sz="1800" u="sng">
-                <a:solidFill>
-                  <a:srgbClr val="009999"/>
-                </a:solidFill>
-                <a:hlinkClick r:id="rId5"/>
-              </a:rPr>
-              <a:t>www.dr-chuck.com</a:t>
-            </a:r>
-            <a:r>
-              <a:rPr lang="en-US" sz="1800">
-                <a:solidFill>
-                  <a:srgbClr val="FFFFFF"/>
-                </a:solidFill>
-              </a:rPr>
-              <a:t>) University of Michigan School of Information” </a:t>
-            </a:r>
-            <a:r>
-              <a:rPr lang="en-US" sz="1800" u="sng">
-                <a:solidFill>
-                  <a:srgbClr val="009999"/>
-                </a:solidFill>
-                <a:hlinkClick r:id="rId6"/>
-              </a:rPr>
-              <a:t>open.umich.edu</a:t>
-            </a:r>
-            <a:r>
-              <a:rPr lang="en-US" sz="1800">
-                <a:solidFill>
-                  <a:srgbClr val="FFFFFF"/>
-                </a:solidFill>
-              </a:rPr>
-              <a:t> и доступна на условиях лицензии 4.0 “С указанием авторства”.  В соответствии с требованием лицензии “С указанием авторства" данный слайд должен присутствовать во всех копиях этого документа. При внесении каких-либо изменений в данный документ вы можете указать свое имя и организацию в список соавторов на этой странице для последующих публикаций.</a:t>
-            </a:r>
-          </a:p>
-          <a:p>
-            <a:pPr lvl="0" rtl="0">
-              <a:spcBef>
-                <a:spcPts val="0"/>
-              </a:spcBef>
-              <a:buNone/>
-            </a:pPr>
-            <a:endParaRPr sz="1800">
-              <a:solidFill>
-                <a:srgbClr val="FFFFFF"/>
-              </a:solidFill>
-            </a:endParaRPr>
-          </a:p>
-          <a:p>
-            <a:pPr lvl="0" rtl="0">
-              <a:spcBef>
-                <a:spcPts val="0"/>
-              </a:spcBef>
-              <a:buNone/>
-            </a:pPr>
-            <a:r>
-              <a:rPr lang="en-US" sz="1800">
-                <a:solidFill>
-                  <a:srgbClr val="FFFFFF"/>
-                </a:solidFill>
-              </a:rPr>
-              <a:t>Первоначальная разработка: Чарльз Северанс, Школа информации Мичиганского университета </a:t>
-            </a:r>
-          </a:p>
-          <a:p>
-            <a:pPr lvl="0" rtl="0">
-              <a:spcBef>
-                <a:spcPts val="0"/>
-              </a:spcBef>
-              <a:buNone/>
-            </a:pPr>
-            <a:endParaRPr sz="1800">
-              <a:solidFill>
-                <a:srgbClr val="FFFFFF"/>
-              </a:solidFill>
-            </a:endParaRPr>
-          </a:p>
-          <a:p>
-            <a:pPr lvl="0" rtl="0">
-              <a:spcBef>
-                <a:spcPts val="0"/>
-              </a:spcBef>
-              <a:buNone/>
-            </a:pPr>
-            <a:r>
-              <a:rPr lang="en-US" sz="1800">
-                <a:solidFill>
-                  <a:schemeClr val="lt1"/>
-                </a:solidFill>
-              </a:rPr>
-              <a:t>Здесь впишите дополнительных авторов и переводчиков...</a:t>
-            </a:r>
-          </a:p>
-          <a:p>
-            <a:pPr lvl="0" rtl="0">
-              <a:spcBef>
-                <a:spcPts val="0"/>
-              </a:spcBef>
-              <a:buNone/>
-            </a:pPr>
-            <a:endParaRPr sz="1800">
-              <a:solidFill>
-                <a:srgbClr val="FFFFFF"/>
-              </a:solidFill>
-            </a:endParaRPr>
-          </a:p>
-          <a:p>
-            <a:pPr lvl="0" rtl="0">
-              <a:spcBef>
-                <a:spcPts val="0"/>
-              </a:spcBef>
-              <a:buClr>
-                <a:srgbClr val="000000"/>
-              </a:buClr>
-              <a:buFont typeface="Arial"/>
-              <a:buNone/>
-            </a:pPr>
-            <a:endParaRPr sz="1800">
-              <a:solidFill>
-                <a:srgbClr val="FFFFFF"/>
-              </a:solidFill>
-            </a:endParaRPr>
-          </a:p>
-          <a:p>
-            <a:pPr lvl="0" rtl="0">
-              <a:spcBef>
-                <a:spcPts val="0"/>
-              </a:spcBef>
-              <a:buNone/>
-            </a:pPr>
-            <a:endParaRPr sz="1800">
-              <a:solidFill>
-                <a:srgbClr val="FFFFFF"/>
-              </a:solidFill>
-            </a:endParaRPr>
-          </a:p>
-        </p:txBody>
-      </p:sp>
-      <p:sp>
-        <p:nvSpPr>
-          <p:cNvPr id="415" name="Shape 415"/>
-          <p:cNvSpPr txBox="1"/>
-          <p:nvPr/>
-        </p:nvSpPr>
-        <p:spPr>
-          <a:xfrm>
-            <a:off x="1155700" y="241300"/>
-            <a:ext cx="13932000" cy="811500"/>
-          </a:xfrm>
-          <a:prstGeom prst="rect">
-            <a:avLst/>
-          </a:prstGeom>
-          <a:noFill/>
-          <a:ln>
-            <a:noFill/>
-          </a:ln>
-        </p:spPr>
-        <p:txBody>
-          <a:bodyPr lIns="91425" tIns="91425" rIns="91425" bIns="91425" anchor="ctr" anchorCtr="0">
-            <a:noAutofit/>
-          </a:bodyPr>
-          <a:lstStyle/>
-          <a:p>
-            <a:pPr lvl="0" algn="ctr" rtl="0">
-              <a:spcBef>
-                <a:spcPts val="0"/>
-              </a:spcBef>
-              <a:buNone/>
-            </a:pPr>
-            <a:r>
-              <a:rPr lang="en-US" sz="3600">
-                <a:solidFill>
-                  <a:srgbClr val="00FF00"/>
-                </a:solidFill>
-              </a:rPr>
-              <a:t>Благодарность / Содействие</a:t>
-            </a:r>
-          </a:p>
-        </p:txBody>
-      </p:sp>
-    </p:spTree>
-  </p:cSld>
-  <p:clrMapOvr>
-    <a:masterClrMapping/>
-  </p:clrMapOvr>
-  <mc:AlternateContent xmlns:mc="http://schemas.openxmlformats.org/markup-compatibility/2006">
-    <mc:Choice xmlns:p14="http://schemas.microsoft.com/office/powerpoint/2010/main" Requires="p14">
-      <p:transition spd="slow" p14:dur="2000"/>
-    </mc:Choice>
-    <mc:Fallback>
-      <p:transition spd="slow"/>
-    </mc:Fallback>
-  </mc:AlternateContent>
-</p:sld>
-</file>
-
-<file path=ppt/slides/slide3.xml><?xml version="1.0" encoding="utf-8"?>
+<file path=ppt/slides/slide4.xml><?xml version="1.0" encoding="utf-8"?>
 <p:sld xmlns:a="http://schemas.openxmlformats.org/drawingml/2006/main" xmlns:r="http://schemas.openxmlformats.org/officeDocument/2006/relationships" xmlns:p="http://schemas.openxmlformats.org/presentationml/2006/main">
   <p:cSld>
     <p:spTree>
@@ -29488,7 +32531,7 @@
 </p:sld>
 </file>
 
-<file path=ppt/slides/slide4.xml><?xml version="1.0" encoding="utf-8"?>
+<file path=ppt/slides/slide5.xml><?xml version="1.0" encoding="utf-8"?>
 <p:sld xmlns:a="http://schemas.openxmlformats.org/drawingml/2006/main" xmlns:r="http://schemas.openxmlformats.org/officeDocument/2006/relationships" xmlns:p="http://schemas.openxmlformats.org/presentationml/2006/main">
   <p:cSld>
     <p:spTree>
@@ -29973,7 +33016,7 @@
 </p:sld>
 </file>
 
-<file path=ppt/slides/slide5.xml><?xml version="1.0" encoding="utf-8"?>
+<file path=ppt/slides/slide6.xml><?xml version="1.0" encoding="utf-8"?>
 <p:sld xmlns:a="http://schemas.openxmlformats.org/drawingml/2006/main" xmlns:r="http://schemas.openxmlformats.org/officeDocument/2006/relationships" xmlns:p="http://schemas.openxmlformats.org/presentationml/2006/main">
   <p:cSld>
     <p:spTree>
@@ -30877,7 +33920,7 @@
 </p:sld>
 </file>
 
-<file path=ppt/slides/slide6.xml><?xml version="1.0" encoding="utf-8"?>
+<file path=ppt/slides/slide7.xml><?xml version="1.0" encoding="utf-8"?>
 <p:sld xmlns:a="http://schemas.openxmlformats.org/drawingml/2006/main" xmlns:r="http://schemas.openxmlformats.org/officeDocument/2006/relationships" xmlns:p="http://schemas.openxmlformats.org/presentationml/2006/main">
   <p:cSld>
     <p:spTree>
@@ -31855,7 +34898,7 @@
 </p:sld>
 </file>
 
-<file path=ppt/slides/slide7.xml><?xml version="1.0" encoding="utf-8"?>
+<file path=ppt/slides/slide8.xml><?xml version="1.0" encoding="utf-8"?>
 <p:sld xmlns:a="http://schemas.openxmlformats.org/drawingml/2006/main" xmlns:r="http://schemas.openxmlformats.org/officeDocument/2006/relationships" xmlns:p="http://schemas.openxmlformats.org/presentationml/2006/main">
   <p:cSld>
     <p:spTree>
@@ -32940,7 +35983,7 @@
 </p:sld>
 </file>
 
-<file path=ppt/slides/slide8.xml><?xml version="1.0" encoding="utf-8"?>
+<file path=ppt/slides/slide9.xml><?xml version="1.0" encoding="utf-8"?>
 <p:sld xmlns:a="http://schemas.openxmlformats.org/drawingml/2006/main" xmlns:r="http://schemas.openxmlformats.org/officeDocument/2006/relationships" xmlns:p="http://schemas.openxmlformats.org/presentationml/2006/main">
   <p:cSld>
     <p:spTree>
@@ -33919,1265 +36962,6 @@
                 <a:sym typeface="Courier New"/>
               </a:rPr>
               <a:t>&gt;&gt;&gt; </a:t>
-            </a:r>
-          </a:p>
-        </p:txBody>
-      </p:sp>
-    </p:spTree>
-  </p:cSld>
-  <p:clrMapOvr>
-    <a:masterClrMapping/>
-  </p:clrMapOvr>
-</p:sld>
-</file>
-
-<file path=ppt/slides/slide9.xml><?xml version="1.0" encoding="utf-8"?>
-<p:sld xmlns:a="http://schemas.openxmlformats.org/drawingml/2006/main" xmlns:r="http://schemas.openxmlformats.org/officeDocument/2006/relationships" xmlns:p="http://schemas.openxmlformats.org/presentationml/2006/main">
-  <p:cSld>
-    <p:spTree>
-      <p:nvGrpSpPr>
-        <p:cNvPr id="1" name="Shape 295"/>
-        <p:cNvGrpSpPr/>
-        <p:nvPr/>
-      </p:nvGrpSpPr>
-      <p:grpSpPr>
-        <a:xfrm>
-          <a:off x="0" y="0"/>
-          <a:ext cx="0" cy="0"/>
-          <a:chOff x="0" y="0"/>
-          <a:chExt cx="0" cy="0"/>
-        </a:xfrm>
-      </p:grpSpPr>
-      <p:sp>
-        <p:nvSpPr>
-          <p:cNvPr id="296" name="Shape 296"/>
-          <p:cNvSpPr txBox="1">
-            <a:spLocks noGrp="1"/>
-          </p:cNvSpPr>
-          <p:nvPr>
-            <p:ph type="title"/>
-          </p:nvPr>
-        </p:nvSpPr>
-        <p:spPr>
-          <a:xfrm>
-            <a:off x="1155700" y="546100"/>
-            <a:ext cx="6372000" cy="2298600"/>
-          </a:xfrm>
-          <a:prstGeom prst="rect">
-            <a:avLst/>
-          </a:prstGeom>
-          <a:noFill/>
-          <a:ln>
-            <a:noFill/>
-          </a:ln>
-        </p:spPr>
-        <p:txBody>
-          <a:bodyPr lIns="38100" tIns="38100" rIns="38100" bIns="38100" anchor="ctr" anchorCtr="0">
-            <a:noAutofit/>
-          </a:bodyPr>
-          <a:lstStyle/>
-          <a:p>
-            <a:pPr marL="0" marR="0" lvl="0" indent="0" algn="ctr" rtl="0">
-              <a:lnSpc>
-                <a:spcPct val="100000"/>
-              </a:lnSpc>
-              <a:spcBef>
-                <a:spcPts val="0"/>
-              </a:spcBef>
-              <a:spcAft>
-                <a:spcPts val="0"/>
-              </a:spcAft>
-              <a:buClr>
-                <a:srgbClr val="FFFF00"/>
-              </a:buClr>
-              <a:buSzPct val="25000"/>
-              <a:buFont typeface="Cabin"/>
-              <a:buNone/>
-            </a:pPr>
-            <a:r>
-              <a:rPr lang="en-US" sz="5600">
-                <a:solidFill>
-                  <a:srgbClr val="FFFF00"/>
-                </a:solidFill>
-                <a:latin typeface="Cabin"/>
-                <a:ea typeface="Cabin"/>
-                <a:cs typeface="Cabin"/>
-                <a:sym typeface="Cabin"/>
-              </a:rPr>
-              <a:t>Преобразование строк</a:t>
-            </a:r>
-          </a:p>
-        </p:txBody>
-      </p:sp>
-      <p:sp>
-        <p:nvSpPr>
-          <p:cNvPr id="297" name="Shape 297"/>
-          <p:cNvSpPr txBox="1">
-            <a:spLocks noGrp="1"/>
-          </p:cNvSpPr>
-          <p:nvPr>
-            <p:ph type="body" idx="1"/>
-          </p:nvPr>
-        </p:nvSpPr>
-        <p:spPr>
-          <a:xfrm>
-            <a:off x="850900" y="2603500"/>
-            <a:ext cx="6159600" cy="5702399"/>
-          </a:xfrm>
-          <a:prstGeom prst="rect">
-            <a:avLst/>
-          </a:prstGeom>
-          <a:noFill/>
-          <a:ln>
-            <a:noFill/>
-          </a:ln>
-        </p:spPr>
-        <p:txBody>
-          <a:bodyPr lIns="38100" tIns="38100" rIns="38100" bIns="38100" anchor="ctr" anchorCtr="0">
-            <a:noAutofit/>
-          </a:bodyPr>
-          <a:lstStyle/>
-          <a:p>
-            <a:pPr marL="749300" marR="0" lvl="0" indent="-371094" algn="l" rtl="0">
-              <a:lnSpc>
-                <a:spcPct val="100000"/>
-              </a:lnSpc>
-              <a:spcBef>
-                <a:spcPts val="0"/>
-              </a:spcBef>
-              <a:spcAft>
-                <a:spcPts val="0"/>
-              </a:spcAft>
-              <a:buClr>
-                <a:schemeClr val="lt1"/>
-              </a:buClr>
-              <a:buSzPct val="100000"/>
-              <a:buFont typeface="Cabin"/>
-              <a:buChar char="•"/>
-            </a:pPr>
-            <a:r>
-              <a:rPr lang="en-US" sz="3600">
-                <a:solidFill>
-                  <a:schemeClr val="lt1"/>
-                </a:solidFill>
-                <a:latin typeface="Cabin"/>
-                <a:ea typeface="Cabin"/>
-                <a:cs typeface="Cabin"/>
-                <a:sym typeface="Cabin"/>
-              </a:rPr>
-              <a:t>Функции</a:t>
-            </a:r>
-            <a:r>
-              <a:rPr lang="en-US" sz="3600" b="0" i="0" u="none" strike="noStrike" cap="none">
-                <a:solidFill>
-                  <a:schemeClr val="lt1"/>
-                </a:solidFill>
-                <a:latin typeface="Cabin"/>
-                <a:ea typeface="Cabin"/>
-                <a:cs typeface="Cabin"/>
-                <a:sym typeface="Cabin"/>
-              </a:rPr>
-              <a:t> </a:t>
-            </a:r>
-            <a:r>
-              <a:rPr lang="en-US" sz="3600" b="0" i="0" u="none" strike="noStrike" cap="none">
-                <a:solidFill>
-                  <a:srgbClr val="FFFF00"/>
-                </a:solidFill>
-                <a:latin typeface="Cabin"/>
-                <a:ea typeface="Cabin"/>
-                <a:cs typeface="Cabin"/>
-                <a:sym typeface="Cabin"/>
-              </a:rPr>
-              <a:t>int()</a:t>
-            </a:r>
-            <a:r>
-              <a:rPr lang="en-US" sz="3600" b="0" i="0" u="none" strike="noStrike" cap="none">
-                <a:solidFill>
-                  <a:schemeClr val="lt1"/>
-                </a:solidFill>
-                <a:latin typeface="Cabin"/>
-                <a:ea typeface="Cabin"/>
-                <a:cs typeface="Cabin"/>
-                <a:sym typeface="Cabin"/>
-              </a:rPr>
-              <a:t> </a:t>
-            </a:r>
-            <a:r>
-              <a:rPr lang="en-US" sz="3600">
-                <a:solidFill>
-                  <a:schemeClr val="lt1"/>
-                </a:solidFill>
-                <a:latin typeface="Cabin"/>
-                <a:ea typeface="Cabin"/>
-                <a:cs typeface="Cabin"/>
-                <a:sym typeface="Cabin"/>
-              </a:rPr>
-              <a:t>и</a:t>
-            </a:r>
-            <a:r>
-              <a:rPr lang="en-US" sz="3600" b="0" i="0" u="none" strike="noStrike" cap="none">
-                <a:solidFill>
-                  <a:schemeClr val="lt1"/>
-                </a:solidFill>
-                <a:latin typeface="Cabin"/>
-                <a:ea typeface="Cabin"/>
-                <a:cs typeface="Cabin"/>
-                <a:sym typeface="Cabin"/>
-              </a:rPr>
-              <a:t> </a:t>
-            </a:r>
-            <a:r>
-              <a:rPr lang="en-US" sz="3600" b="0" i="0" u="none" strike="noStrike" cap="none">
-                <a:solidFill>
-                  <a:srgbClr val="FFFF00"/>
-                </a:solidFill>
-                <a:latin typeface="Cabin"/>
-                <a:ea typeface="Cabin"/>
-                <a:cs typeface="Cabin"/>
-                <a:sym typeface="Cabin"/>
-              </a:rPr>
-              <a:t>float()</a:t>
-            </a:r>
-            <a:r>
-              <a:rPr lang="en-US" sz="3600" b="0" i="0" u="none" strike="noStrike" cap="none">
-                <a:solidFill>
-                  <a:schemeClr val="lt1"/>
-                </a:solidFill>
-                <a:latin typeface="Cabin"/>
-                <a:ea typeface="Cabin"/>
-                <a:cs typeface="Cabin"/>
-                <a:sym typeface="Cabin"/>
-              </a:rPr>
-              <a:t> </a:t>
-            </a:r>
-            <a:r>
-              <a:rPr lang="en-US" sz="3600">
-                <a:solidFill>
-                  <a:schemeClr val="lt1"/>
-                </a:solidFill>
-                <a:latin typeface="Cabin"/>
-                <a:ea typeface="Cabin"/>
-                <a:cs typeface="Cabin"/>
-                <a:sym typeface="Cabin"/>
-              </a:rPr>
-              <a:t>можно также использовать для преобразования строк в числа</a:t>
-            </a:r>
-          </a:p>
-          <a:p>
-            <a:pPr marL="749300" marR="0" lvl="0" indent="-371094" algn="l" rtl="0">
-              <a:lnSpc>
-                <a:spcPct val="100000"/>
-              </a:lnSpc>
-              <a:spcBef>
-                <a:spcPts val="3500"/>
-              </a:spcBef>
-              <a:spcAft>
-                <a:spcPts val="0"/>
-              </a:spcAft>
-              <a:buClr>
-                <a:schemeClr val="lt1"/>
-              </a:buClr>
-              <a:buSzPct val="100000"/>
-              <a:buFont typeface="Cabin"/>
-              <a:buChar char="•"/>
-            </a:pPr>
-            <a:r>
-              <a:rPr lang="en-US" sz="3600">
-                <a:solidFill>
-                  <a:schemeClr val="lt1"/>
-                </a:solidFill>
-                <a:latin typeface="Cabin"/>
-                <a:ea typeface="Cabin"/>
-                <a:cs typeface="Cabin"/>
-                <a:sym typeface="Cabin"/>
-              </a:rPr>
-              <a:t>Если строка не содержит числовых значений, появится</a:t>
-            </a:r>
-            <a:r>
-              <a:rPr lang="en-US" sz="3600" b="0" i="0" u="none" strike="noStrike" cap="none">
-                <a:solidFill>
-                  <a:schemeClr val="lt1"/>
-                </a:solidFill>
-                <a:latin typeface="Cabin"/>
-                <a:ea typeface="Cabin"/>
-                <a:cs typeface="Cabin"/>
-                <a:sym typeface="Cabin"/>
-              </a:rPr>
-              <a:t> </a:t>
-            </a:r>
-            <a:r>
-              <a:rPr lang="en-US" sz="3600">
-                <a:solidFill>
-                  <a:srgbClr val="FF0000"/>
-                </a:solidFill>
-                <a:latin typeface="Cabin"/>
-                <a:ea typeface="Cabin"/>
-                <a:cs typeface="Cabin"/>
-                <a:sym typeface="Cabin"/>
-              </a:rPr>
-              <a:t>ошибка</a:t>
-            </a:r>
-          </a:p>
-        </p:txBody>
-      </p:sp>
-      <p:sp>
-        <p:nvSpPr>
-          <p:cNvPr id="298" name="Shape 298"/>
-          <p:cNvSpPr txBox="1"/>
-          <p:nvPr/>
-        </p:nvSpPr>
-        <p:spPr>
-          <a:xfrm>
-            <a:off x="8642850" y="730250"/>
-            <a:ext cx="6939899" cy="7658100"/>
-          </a:xfrm>
-          <a:prstGeom prst="rect">
-            <a:avLst/>
-          </a:prstGeom>
-          <a:noFill/>
-          <a:ln>
-            <a:noFill/>
-          </a:ln>
-        </p:spPr>
-        <p:txBody>
-          <a:bodyPr lIns="0" tIns="0" rIns="0" bIns="0" anchor="ctr" anchorCtr="0">
-            <a:noAutofit/>
-          </a:bodyPr>
-          <a:lstStyle/>
-          <a:p>
-            <a:pPr marL="0" marR="0" lvl="0" indent="0" algn="l" rtl="0">
-              <a:lnSpc>
-                <a:spcPct val="100000"/>
-              </a:lnSpc>
-              <a:spcBef>
-                <a:spcPts val="0"/>
-              </a:spcBef>
-              <a:spcAft>
-                <a:spcPts val="0"/>
-              </a:spcAft>
-              <a:buClr>
-                <a:schemeClr val="lt1"/>
-              </a:buClr>
-              <a:buSzPct val="25000"/>
-              <a:buFont typeface="Cabin"/>
-              <a:buNone/>
-            </a:pPr>
-            <a:r>
-              <a:rPr lang="en-US" sz="2400" b="0" i="0" u="none" strike="noStrike" cap="none">
-                <a:solidFill>
-                  <a:schemeClr val="lt1"/>
-                </a:solidFill>
-                <a:latin typeface="Courier New"/>
-                <a:ea typeface="Courier New"/>
-                <a:cs typeface="Courier New"/>
-                <a:sym typeface="Courier New"/>
-              </a:rPr>
-              <a:t>&gt;&gt;&gt; </a:t>
-            </a:r>
-            <a:r>
-              <a:rPr lang="en-US" sz="2400" b="0" i="0" u="none" strike="noStrike" cap="none">
-                <a:solidFill>
-                  <a:srgbClr val="00FF00"/>
-                </a:solidFill>
-                <a:latin typeface="Courier New"/>
-                <a:ea typeface="Courier New"/>
-                <a:cs typeface="Courier New"/>
-                <a:sym typeface="Courier New"/>
-              </a:rPr>
-              <a:t>sval</a:t>
-            </a:r>
-            <a:r>
-              <a:rPr lang="en-US" sz="2400" b="0" i="0" u="none" strike="noStrike" cap="none">
-                <a:solidFill>
-                  <a:schemeClr val="lt1"/>
-                </a:solidFill>
-                <a:latin typeface="Courier New"/>
-                <a:ea typeface="Courier New"/>
-                <a:cs typeface="Courier New"/>
-                <a:sym typeface="Courier New"/>
-              </a:rPr>
-              <a:t> = '123'</a:t>
-            </a:r>
-          </a:p>
-          <a:p>
-            <a:pPr marL="0" marR="0" lvl="0" indent="0" algn="l" rtl="0">
-              <a:lnSpc>
-                <a:spcPct val="100000"/>
-              </a:lnSpc>
-              <a:spcBef>
-                <a:spcPts val="0"/>
-              </a:spcBef>
-              <a:spcAft>
-                <a:spcPts val="0"/>
-              </a:spcAft>
-              <a:buClr>
-                <a:schemeClr val="lt1"/>
-              </a:buClr>
-              <a:buSzPct val="25000"/>
-              <a:buFont typeface="Cabin"/>
-              <a:buNone/>
-            </a:pPr>
-            <a:r>
-              <a:rPr lang="en-US" sz="2400" b="0" i="0" u="none" strike="noStrike" cap="none">
-                <a:solidFill>
-                  <a:schemeClr val="lt1"/>
-                </a:solidFill>
-                <a:latin typeface="Courier New"/>
-                <a:ea typeface="Courier New"/>
-                <a:cs typeface="Courier New"/>
-                <a:sym typeface="Courier New"/>
-              </a:rPr>
-              <a:t>&gt;&gt;&gt; </a:t>
-            </a:r>
-            <a:r>
-              <a:rPr lang="en-US" sz="2400" b="0" i="0" u="none" strike="noStrike" cap="none">
-                <a:solidFill>
-                  <a:srgbClr val="FF00FF"/>
-                </a:solidFill>
-                <a:latin typeface="Courier New"/>
-                <a:ea typeface="Courier New"/>
-                <a:cs typeface="Courier New"/>
-                <a:sym typeface="Courier New"/>
-              </a:rPr>
-              <a:t>type</a:t>
-            </a:r>
-            <a:r>
-              <a:rPr lang="en-US" sz="2400" b="0" i="0" u="none" strike="noStrike" cap="none">
-                <a:solidFill>
-                  <a:schemeClr val="lt1"/>
-                </a:solidFill>
-                <a:latin typeface="Courier New"/>
-                <a:ea typeface="Courier New"/>
-                <a:cs typeface="Courier New"/>
-                <a:sym typeface="Courier New"/>
-              </a:rPr>
-              <a:t>(</a:t>
-            </a:r>
-            <a:r>
-              <a:rPr lang="en-US" sz="2400" b="0" i="0" u="none" strike="noStrike" cap="none">
-                <a:solidFill>
-                  <a:srgbClr val="00FF00"/>
-                </a:solidFill>
-                <a:latin typeface="Courier New"/>
-                <a:ea typeface="Courier New"/>
-                <a:cs typeface="Courier New"/>
-                <a:sym typeface="Courier New"/>
-              </a:rPr>
-              <a:t>sval</a:t>
-            </a:r>
-            <a:r>
-              <a:rPr lang="en-US" sz="2400" b="0" i="0" u="none" strike="noStrike" cap="none">
-                <a:solidFill>
-                  <a:schemeClr val="lt1"/>
-                </a:solidFill>
-                <a:latin typeface="Courier New"/>
-                <a:ea typeface="Courier New"/>
-                <a:cs typeface="Courier New"/>
-                <a:sym typeface="Courier New"/>
-              </a:rPr>
-              <a:t>)</a:t>
-            </a:r>
-          </a:p>
-          <a:p>
-            <a:pPr marL="0" marR="0" lvl="0" indent="0" algn="l" rtl="0">
-              <a:lnSpc>
-                <a:spcPct val="100000"/>
-              </a:lnSpc>
-              <a:spcBef>
-                <a:spcPts val="0"/>
-              </a:spcBef>
-              <a:spcAft>
-                <a:spcPts val="0"/>
-              </a:spcAft>
-              <a:buClr>
-                <a:schemeClr val="lt1"/>
-              </a:buClr>
-              <a:buSzPct val="25000"/>
-              <a:buFont typeface="Cabin"/>
-              <a:buNone/>
-            </a:pPr>
-            <a:r>
-              <a:rPr lang="en-US" sz="2400" b="0" i="0" u="none" strike="noStrike" cap="none">
-                <a:solidFill>
-                  <a:schemeClr val="lt1"/>
-                </a:solidFill>
-                <a:latin typeface="Courier New"/>
-                <a:ea typeface="Courier New"/>
-                <a:cs typeface="Courier New"/>
-                <a:sym typeface="Courier New"/>
-              </a:rPr>
-              <a:t>&lt;type 'str'&gt;</a:t>
-            </a:r>
-          </a:p>
-          <a:p>
-            <a:pPr marL="0" marR="0" lvl="0" indent="0" algn="l" rtl="0">
-              <a:lnSpc>
-                <a:spcPct val="100000"/>
-              </a:lnSpc>
-              <a:spcBef>
-                <a:spcPts val="0"/>
-              </a:spcBef>
-              <a:spcAft>
-                <a:spcPts val="0"/>
-              </a:spcAft>
-              <a:buClr>
-                <a:schemeClr val="lt1"/>
-              </a:buClr>
-              <a:buSzPct val="25000"/>
-              <a:buFont typeface="Cabin"/>
-              <a:buNone/>
-            </a:pPr>
-            <a:r>
-              <a:rPr lang="en-US" sz="2400" b="0" i="0" u="none" strike="noStrike" cap="none">
-                <a:solidFill>
-                  <a:schemeClr val="lt1"/>
-                </a:solidFill>
-                <a:latin typeface="Courier New"/>
-                <a:ea typeface="Courier New"/>
-                <a:cs typeface="Courier New"/>
-                <a:sym typeface="Courier New"/>
-              </a:rPr>
-              <a:t>&gt;&gt;&gt; </a:t>
-            </a:r>
-            <a:r>
-              <a:rPr lang="en-US" sz="2400" b="0" i="0" u="none" strike="noStrike" cap="none">
-                <a:solidFill>
-                  <a:srgbClr val="FFFF00"/>
-                </a:solidFill>
-                <a:latin typeface="Courier New"/>
-                <a:ea typeface="Courier New"/>
-                <a:cs typeface="Courier New"/>
-                <a:sym typeface="Courier New"/>
-              </a:rPr>
-              <a:t>print</a:t>
-            </a:r>
-            <a:r>
-              <a:rPr lang="en-US" sz="2400" b="0" i="0" u="none" strike="noStrike" cap="none">
-                <a:solidFill>
-                  <a:schemeClr val="lt1"/>
-                </a:solidFill>
-                <a:latin typeface="Courier New"/>
-                <a:ea typeface="Courier New"/>
-                <a:cs typeface="Courier New"/>
-                <a:sym typeface="Courier New"/>
-              </a:rPr>
-              <a:t> </a:t>
-            </a:r>
-            <a:r>
-              <a:rPr lang="en-US" sz="2400" b="0" i="0" u="none" strike="noStrike" cap="none">
-                <a:solidFill>
-                  <a:srgbClr val="00FF00"/>
-                </a:solidFill>
-                <a:latin typeface="Courier New"/>
-                <a:ea typeface="Courier New"/>
-                <a:cs typeface="Courier New"/>
-                <a:sym typeface="Courier New"/>
-              </a:rPr>
-              <a:t>sval</a:t>
-            </a:r>
-            <a:r>
-              <a:rPr lang="en-US" sz="2400" b="0" i="0" u="none" strike="noStrike" cap="none">
-                <a:solidFill>
-                  <a:schemeClr val="lt1"/>
-                </a:solidFill>
-                <a:latin typeface="Courier New"/>
-                <a:ea typeface="Courier New"/>
-                <a:cs typeface="Courier New"/>
-                <a:sym typeface="Courier New"/>
-              </a:rPr>
-              <a:t> </a:t>
-            </a:r>
-            <a:r>
-              <a:rPr lang="en-US" sz="2400" b="0" i="0" u="none" strike="noStrike" cap="none">
-                <a:solidFill>
-                  <a:srgbClr val="00FFFF"/>
-                </a:solidFill>
-                <a:latin typeface="Courier New"/>
-                <a:ea typeface="Courier New"/>
-                <a:cs typeface="Courier New"/>
-                <a:sym typeface="Courier New"/>
-              </a:rPr>
-              <a:t>+</a:t>
-            </a:r>
-            <a:r>
-              <a:rPr lang="en-US" sz="2400" b="0" i="0" u="none" strike="noStrike" cap="none">
-                <a:solidFill>
-                  <a:schemeClr val="lt1"/>
-                </a:solidFill>
-                <a:latin typeface="Courier New"/>
-                <a:ea typeface="Courier New"/>
-                <a:cs typeface="Courier New"/>
-                <a:sym typeface="Courier New"/>
-              </a:rPr>
-              <a:t> 1</a:t>
-            </a:r>
-          </a:p>
-          <a:p>
-            <a:pPr marL="0" marR="0" lvl="0" indent="0" algn="l" rtl="0">
-              <a:lnSpc>
-                <a:spcPct val="100000"/>
-              </a:lnSpc>
-              <a:spcBef>
-                <a:spcPts val="0"/>
-              </a:spcBef>
-              <a:spcAft>
-                <a:spcPts val="0"/>
-              </a:spcAft>
-              <a:buClr>
-                <a:srgbClr val="FF0000"/>
-              </a:buClr>
-              <a:buSzPct val="25000"/>
-              <a:buFont typeface="Cabin"/>
-              <a:buNone/>
-            </a:pPr>
-            <a:r>
-              <a:rPr lang="en-US" sz="2400" b="0" i="0" u="none" strike="noStrike" cap="none">
-                <a:solidFill>
-                  <a:srgbClr val="FF0000"/>
-                </a:solidFill>
-                <a:latin typeface="Courier New"/>
-                <a:ea typeface="Courier New"/>
-                <a:cs typeface="Courier New"/>
-                <a:sym typeface="Courier New"/>
-              </a:rPr>
-              <a:t>Traceback (most recent call last):</a:t>
-            </a:r>
-          </a:p>
-          <a:p>
-            <a:pPr marL="0" marR="0" lvl="0" indent="0" algn="l" rtl="0">
-              <a:lnSpc>
-                <a:spcPct val="100000"/>
-              </a:lnSpc>
-              <a:spcBef>
-                <a:spcPts val="0"/>
-              </a:spcBef>
-              <a:spcAft>
-                <a:spcPts val="0"/>
-              </a:spcAft>
-              <a:buClr>
-                <a:srgbClr val="FF0000"/>
-              </a:buClr>
-              <a:buSzPct val="25000"/>
-              <a:buFont typeface="Cabin"/>
-              <a:buNone/>
-            </a:pPr>
-            <a:r>
-              <a:rPr lang="en-US" sz="2400" b="0" i="0" u="none" strike="noStrike" cap="none">
-                <a:solidFill>
-                  <a:srgbClr val="FF0000"/>
-                </a:solidFill>
-                <a:latin typeface="Courier New"/>
-                <a:ea typeface="Courier New"/>
-                <a:cs typeface="Courier New"/>
-                <a:sym typeface="Courier New"/>
-              </a:rPr>
-              <a:t>  File "&lt;stdin&gt;", line 1, in &lt;module&gt;</a:t>
-            </a:r>
-          </a:p>
-          <a:p>
-            <a:pPr marL="0" marR="0" lvl="0" indent="0" algn="l" rtl="0">
-              <a:lnSpc>
-                <a:spcPct val="100000"/>
-              </a:lnSpc>
-              <a:spcBef>
-                <a:spcPts val="0"/>
-              </a:spcBef>
-              <a:spcAft>
-                <a:spcPts val="0"/>
-              </a:spcAft>
-              <a:buClr>
-                <a:srgbClr val="FF0000"/>
-              </a:buClr>
-              <a:buSzPct val="25000"/>
-              <a:buFont typeface="Cabin"/>
-              <a:buNone/>
-            </a:pPr>
-            <a:r>
-              <a:rPr lang="en-US" sz="2400" b="0" i="0" u="none" strike="noStrike" cap="none">
-                <a:solidFill>
-                  <a:srgbClr val="FF0000"/>
-                </a:solidFill>
-                <a:latin typeface="Courier New"/>
-                <a:ea typeface="Courier New"/>
-                <a:cs typeface="Courier New"/>
-                <a:sym typeface="Courier New"/>
-              </a:rPr>
-              <a:t>TypeError: cannot concatenate 'str' and 'int'</a:t>
-            </a:r>
-          </a:p>
-          <a:p>
-            <a:pPr marL="0" marR="0" lvl="0" indent="0" algn="l" rtl="0">
-              <a:lnSpc>
-                <a:spcPct val="100000"/>
-              </a:lnSpc>
-              <a:spcBef>
-                <a:spcPts val="0"/>
-              </a:spcBef>
-              <a:spcAft>
-                <a:spcPts val="0"/>
-              </a:spcAft>
-              <a:buClr>
-                <a:schemeClr val="lt1"/>
-              </a:buClr>
-              <a:buSzPct val="25000"/>
-              <a:buFont typeface="Cabin"/>
-              <a:buNone/>
-            </a:pPr>
-            <a:r>
-              <a:rPr lang="en-US" sz="2400" b="0" i="0" u="none" strike="noStrike" cap="none">
-                <a:solidFill>
-                  <a:schemeClr val="lt1"/>
-                </a:solidFill>
-                <a:latin typeface="Courier New"/>
-                <a:ea typeface="Courier New"/>
-                <a:cs typeface="Courier New"/>
-                <a:sym typeface="Courier New"/>
-              </a:rPr>
-              <a:t>&gt;&gt;&gt; </a:t>
-            </a:r>
-            <a:r>
-              <a:rPr lang="en-US" sz="2400" b="0" i="0" u="none" strike="noStrike" cap="none">
-                <a:solidFill>
-                  <a:srgbClr val="00FF00"/>
-                </a:solidFill>
-                <a:latin typeface="Courier New"/>
-                <a:ea typeface="Courier New"/>
-                <a:cs typeface="Courier New"/>
-                <a:sym typeface="Courier New"/>
-              </a:rPr>
-              <a:t>ival</a:t>
-            </a:r>
-            <a:r>
-              <a:rPr lang="en-US" sz="2400" b="0" i="0" u="none" strike="noStrike" cap="none">
-                <a:solidFill>
-                  <a:schemeClr val="lt1"/>
-                </a:solidFill>
-                <a:latin typeface="Courier New"/>
-                <a:ea typeface="Courier New"/>
-                <a:cs typeface="Courier New"/>
-                <a:sym typeface="Courier New"/>
-              </a:rPr>
-              <a:t> = </a:t>
-            </a:r>
-            <a:r>
-              <a:rPr lang="en-US" sz="2400" b="0" i="0" u="none" strike="noStrike" cap="none">
-                <a:solidFill>
-                  <a:srgbClr val="FF00FF"/>
-                </a:solidFill>
-                <a:latin typeface="Courier New"/>
-                <a:ea typeface="Courier New"/>
-                <a:cs typeface="Courier New"/>
-                <a:sym typeface="Courier New"/>
-              </a:rPr>
-              <a:t>int</a:t>
-            </a:r>
-            <a:r>
-              <a:rPr lang="en-US" sz="2400" b="0" i="0" u="none" strike="noStrike" cap="none">
-                <a:solidFill>
-                  <a:schemeClr val="lt1"/>
-                </a:solidFill>
-                <a:latin typeface="Courier New"/>
-                <a:ea typeface="Courier New"/>
-                <a:cs typeface="Courier New"/>
-                <a:sym typeface="Courier New"/>
-              </a:rPr>
-              <a:t>(</a:t>
-            </a:r>
-            <a:r>
-              <a:rPr lang="en-US" sz="2400" b="0" i="0" u="none" strike="noStrike" cap="none">
-                <a:solidFill>
-                  <a:srgbClr val="00FF00"/>
-                </a:solidFill>
-                <a:latin typeface="Courier New"/>
-                <a:ea typeface="Courier New"/>
-                <a:cs typeface="Courier New"/>
-                <a:sym typeface="Courier New"/>
-              </a:rPr>
-              <a:t>sval</a:t>
-            </a:r>
-            <a:r>
-              <a:rPr lang="en-US" sz="2400" b="0" i="0" u="none" strike="noStrike" cap="none">
-                <a:solidFill>
-                  <a:schemeClr val="lt1"/>
-                </a:solidFill>
-                <a:latin typeface="Courier New"/>
-                <a:ea typeface="Courier New"/>
-                <a:cs typeface="Courier New"/>
-                <a:sym typeface="Courier New"/>
-              </a:rPr>
-              <a:t>)</a:t>
-            </a:r>
-          </a:p>
-          <a:p>
-            <a:pPr marL="0" marR="0" lvl="0" indent="0" algn="l" rtl="0">
-              <a:lnSpc>
-                <a:spcPct val="100000"/>
-              </a:lnSpc>
-              <a:spcBef>
-                <a:spcPts val="0"/>
-              </a:spcBef>
-              <a:spcAft>
-                <a:spcPts val="0"/>
-              </a:spcAft>
-              <a:buClr>
-                <a:schemeClr val="lt1"/>
-              </a:buClr>
-              <a:buSzPct val="25000"/>
-              <a:buFont typeface="Cabin"/>
-              <a:buNone/>
-            </a:pPr>
-            <a:r>
-              <a:rPr lang="en-US" sz="2400" b="0" i="0" u="none" strike="noStrike" cap="none">
-                <a:solidFill>
-                  <a:schemeClr val="lt1"/>
-                </a:solidFill>
-                <a:latin typeface="Courier New"/>
-                <a:ea typeface="Courier New"/>
-                <a:cs typeface="Courier New"/>
-                <a:sym typeface="Courier New"/>
-              </a:rPr>
-              <a:t>&gt;&gt;&gt; </a:t>
-            </a:r>
-            <a:r>
-              <a:rPr lang="en-US" sz="2400" b="0" i="0" u="none" strike="noStrike" cap="none">
-                <a:solidFill>
-                  <a:srgbClr val="FF00FF"/>
-                </a:solidFill>
-                <a:latin typeface="Courier New"/>
-                <a:ea typeface="Courier New"/>
-                <a:cs typeface="Courier New"/>
-                <a:sym typeface="Courier New"/>
-              </a:rPr>
-              <a:t>type</a:t>
-            </a:r>
-            <a:r>
-              <a:rPr lang="en-US" sz="2400" b="0" i="0" u="none" strike="noStrike" cap="none">
-                <a:solidFill>
-                  <a:schemeClr val="lt1"/>
-                </a:solidFill>
-                <a:latin typeface="Courier New"/>
-                <a:ea typeface="Courier New"/>
-                <a:cs typeface="Courier New"/>
-                <a:sym typeface="Courier New"/>
-              </a:rPr>
-              <a:t>(</a:t>
-            </a:r>
-            <a:r>
-              <a:rPr lang="en-US" sz="2400" b="0" i="0" u="none" strike="noStrike" cap="none">
-                <a:solidFill>
-                  <a:srgbClr val="00FF00"/>
-                </a:solidFill>
-                <a:latin typeface="Courier New"/>
-                <a:ea typeface="Courier New"/>
-                <a:cs typeface="Courier New"/>
-                <a:sym typeface="Courier New"/>
-              </a:rPr>
-              <a:t>ival</a:t>
-            </a:r>
-            <a:r>
-              <a:rPr lang="en-US" sz="2400" b="0" i="0" u="none" strike="noStrike" cap="none">
-                <a:solidFill>
-                  <a:schemeClr val="lt1"/>
-                </a:solidFill>
-                <a:latin typeface="Courier New"/>
-                <a:ea typeface="Courier New"/>
-                <a:cs typeface="Courier New"/>
-                <a:sym typeface="Courier New"/>
-              </a:rPr>
-              <a:t>)</a:t>
-            </a:r>
-          </a:p>
-          <a:p>
-            <a:pPr marL="0" marR="0" lvl="0" indent="0" algn="l" rtl="0">
-              <a:lnSpc>
-                <a:spcPct val="100000"/>
-              </a:lnSpc>
-              <a:spcBef>
-                <a:spcPts val="0"/>
-              </a:spcBef>
-              <a:spcAft>
-                <a:spcPts val="0"/>
-              </a:spcAft>
-              <a:buClr>
-                <a:schemeClr val="lt1"/>
-              </a:buClr>
-              <a:buSzPct val="25000"/>
-              <a:buFont typeface="Cabin"/>
-              <a:buNone/>
-            </a:pPr>
-            <a:r>
-              <a:rPr lang="en-US" sz="2400" b="0" i="0" u="none" strike="noStrike" cap="none">
-                <a:solidFill>
-                  <a:schemeClr val="lt1"/>
-                </a:solidFill>
-                <a:latin typeface="Courier New"/>
-                <a:ea typeface="Courier New"/>
-                <a:cs typeface="Courier New"/>
-                <a:sym typeface="Courier New"/>
-              </a:rPr>
-              <a:t>&lt;type 'int'&gt;</a:t>
-            </a:r>
-          </a:p>
-          <a:p>
-            <a:pPr marL="0" marR="0" lvl="0" indent="0" algn="l" rtl="0">
-              <a:lnSpc>
-                <a:spcPct val="100000"/>
-              </a:lnSpc>
-              <a:spcBef>
-                <a:spcPts val="0"/>
-              </a:spcBef>
-              <a:spcAft>
-                <a:spcPts val="0"/>
-              </a:spcAft>
-              <a:buClr>
-                <a:schemeClr val="lt1"/>
-              </a:buClr>
-              <a:buSzPct val="25000"/>
-              <a:buFont typeface="Cabin"/>
-              <a:buNone/>
-            </a:pPr>
-            <a:r>
-              <a:rPr lang="en-US" sz="2400" b="0" i="0" u="none" strike="noStrike" cap="none">
-                <a:solidFill>
-                  <a:schemeClr val="lt1"/>
-                </a:solidFill>
-                <a:latin typeface="Courier New"/>
-                <a:ea typeface="Courier New"/>
-                <a:cs typeface="Courier New"/>
-                <a:sym typeface="Courier New"/>
-              </a:rPr>
-              <a:t>&gt;&gt;&gt; </a:t>
-            </a:r>
-            <a:r>
-              <a:rPr lang="en-US" sz="2400" b="0" i="0" u="none" strike="noStrike" cap="none">
-                <a:solidFill>
-                  <a:srgbClr val="FFFF00"/>
-                </a:solidFill>
-                <a:latin typeface="Courier New"/>
-                <a:ea typeface="Courier New"/>
-                <a:cs typeface="Courier New"/>
-                <a:sym typeface="Courier New"/>
-              </a:rPr>
-              <a:t>print</a:t>
-            </a:r>
-            <a:r>
-              <a:rPr lang="en-US" sz="2400" b="0" i="0" u="none" strike="noStrike" cap="none">
-                <a:solidFill>
-                  <a:schemeClr val="lt1"/>
-                </a:solidFill>
-                <a:latin typeface="Courier New"/>
-                <a:ea typeface="Courier New"/>
-                <a:cs typeface="Courier New"/>
-                <a:sym typeface="Courier New"/>
-              </a:rPr>
-              <a:t> </a:t>
-            </a:r>
-            <a:r>
-              <a:rPr lang="en-US" sz="2400" b="0" i="0" u="none" strike="noStrike" cap="none">
-                <a:solidFill>
-                  <a:srgbClr val="00FF00"/>
-                </a:solidFill>
-                <a:latin typeface="Courier New"/>
-                <a:ea typeface="Courier New"/>
-                <a:cs typeface="Courier New"/>
-                <a:sym typeface="Courier New"/>
-              </a:rPr>
-              <a:t>ival</a:t>
-            </a:r>
-            <a:r>
-              <a:rPr lang="en-US" sz="2400" b="0" i="0" u="none" strike="noStrike" cap="none">
-                <a:solidFill>
-                  <a:schemeClr val="lt1"/>
-                </a:solidFill>
-                <a:latin typeface="Courier New"/>
-                <a:ea typeface="Courier New"/>
-                <a:cs typeface="Courier New"/>
-                <a:sym typeface="Courier New"/>
-              </a:rPr>
-              <a:t> + 1</a:t>
-            </a:r>
-          </a:p>
-          <a:p>
-            <a:pPr marL="0" marR="0" lvl="0" indent="0" algn="l" rtl="0">
-              <a:lnSpc>
-                <a:spcPct val="100000"/>
-              </a:lnSpc>
-              <a:spcBef>
-                <a:spcPts val="0"/>
-              </a:spcBef>
-              <a:spcAft>
-                <a:spcPts val="0"/>
-              </a:spcAft>
-              <a:buClr>
-                <a:schemeClr val="lt1"/>
-              </a:buClr>
-              <a:buSzPct val="25000"/>
-              <a:buFont typeface="Cabin"/>
-              <a:buNone/>
-            </a:pPr>
-            <a:r>
-              <a:rPr lang="en-US" sz="2400" b="0" i="0" u="none" strike="noStrike" cap="none">
-                <a:solidFill>
-                  <a:schemeClr val="lt1"/>
-                </a:solidFill>
-                <a:latin typeface="Courier New"/>
-                <a:ea typeface="Courier New"/>
-                <a:cs typeface="Courier New"/>
-                <a:sym typeface="Courier New"/>
-              </a:rPr>
-              <a:t>124</a:t>
-            </a:r>
-          </a:p>
-          <a:p>
-            <a:pPr marL="0" marR="0" lvl="0" indent="0" algn="l" rtl="0">
-              <a:lnSpc>
-                <a:spcPct val="100000"/>
-              </a:lnSpc>
-              <a:spcBef>
-                <a:spcPts val="0"/>
-              </a:spcBef>
-              <a:spcAft>
-                <a:spcPts val="0"/>
-              </a:spcAft>
-              <a:buClr>
-                <a:schemeClr val="lt1"/>
-              </a:buClr>
-              <a:buSzPct val="25000"/>
-              <a:buFont typeface="Cabin"/>
-              <a:buNone/>
-            </a:pPr>
-            <a:r>
-              <a:rPr lang="en-US" sz="2400" b="0" i="0" u="none" strike="noStrike" cap="none">
-                <a:solidFill>
-                  <a:schemeClr val="lt1"/>
-                </a:solidFill>
-                <a:latin typeface="Courier New"/>
-                <a:ea typeface="Courier New"/>
-                <a:cs typeface="Courier New"/>
-                <a:sym typeface="Courier New"/>
-              </a:rPr>
-              <a:t>&gt;&gt;&gt; </a:t>
-            </a:r>
-            <a:r>
-              <a:rPr lang="en-US" sz="2400" b="0" i="0" u="none" strike="noStrike" cap="none">
-                <a:solidFill>
-                  <a:srgbClr val="00FF00"/>
-                </a:solidFill>
-                <a:latin typeface="Courier New"/>
-                <a:ea typeface="Courier New"/>
-                <a:cs typeface="Courier New"/>
-                <a:sym typeface="Courier New"/>
-              </a:rPr>
-              <a:t>nsv</a:t>
-            </a:r>
-            <a:r>
-              <a:rPr lang="en-US" sz="2400" b="0" i="0" u="none" strike="noStrike" cap="none">
-                <a:solidFill>
-                  <a:schemeClr val="lt1"/>
-                </a:solidFill>
-                <a:latin typeface="Courier New"/>
-                <a:ea typeface="Courier New"/>
-                <a:cs typeface="Courier New"/>
-                <a:sym typeface="Courier New"/>
-              </a:rPr>
-              <a:t> = 'hello bob'</a:t>
-            </a:r>
-          </a:p>
-          <a:p>
-            <a:pPr marL="0" marR="0" lvl="0" indent="0" algn="l" rtl="0">
-              <a:lnSpc>
-                <a:spcPct val="100000"/>
-              </a:lnSpc>
-              <a:spcBef>
-                <a:spcPts val="0"/>
-              </a:spcBef>
-              <a:spcAft>
-                <a:spcPts val="0"/>
-              </a:spcAft>
-              <a:buClr>
-                <a:schemeClr val="lt1"/>
-              </a:buClr>
-              <a:buSzPct val="25000"/>
-              <a:buFont typeface="Cabin"/>
-              <a:buNone/>
-            </a:pPr>
-            <a:r>
-              <a:rPr lang="en-US" sz="2400" b="0" i="0" u="none" strike="noStrike" cap="none">
-                <a:solidFill>
-                  <a:schemeClr val="lt1"/>
-                </a:solidFill>
-                <a:latin typeface="Courier New"/>
-                <a:ea typeface="Courier New"/>
-                <a:cs typeface="Courier New"/>
-                <a:sym typeface="Courier New"/>
-              </a:rPr>
-              <a:t>&gt;&gt;&gt; </a:t>
-            </a:r>
-            <a:r>
-              <a:rPr lang="en-US" sz="2400" b="0" i="0" u="none" strike="noStrike" cap="none">
-                <a:solidFill>
-                  <a:srgbClr val="00FF00"/>
-                </a:solidFill>
-                <a:latin typeface="Courier New"/>
-                <a:ea typeface="Courier New"/>
-                <a:cs typeface="Courier New"/>
-                <a:sym typeface="Courier New"/>
-              </a:rPr>
-              <a:t>niv</a:t>
-            </a:r>
-            <a:r>
-              <a:rPr lang="en-US" sz="2400" b="0" i="0" u="none" strike="noStrike" cap="none">
-                <a:solidFill>
-                  <a:schemeClr val="lt1"/>
-                </a:solidFill>
-                <a:latin typeface="Courier New"/>
-                <a:ea typeface="Courier New"/>
-                <a:cs typeface="Courier New"/>
-                <a:sym typeface="Courier New"/>
-              </a:rPr>
-              <a:t> = </a:t>
-            </a:r>
-            <a:r>
-              <a:rPr lang="en-US" sz="2400" b="0" i="0" u="none" strike="noStrike" cap="none">
-                <a:solidFill>
-                  <a:srgbClr val="FF00FF"/>
-                </a:solidFill>
-                <a:latin typeface="Courier New"/>
-                <a:ea typeface="Courier New"/>
-                <a:cs typeface="Courier New"/>
-                <a:sym typeface="Courier New"/>
-              </a:rPr>
-              <a:t>int</a:t>
-            </a:r>
-            <a:r>
-              <a:rPr lang="en-US" sz="2400" b="0" i="0" u="none" strike="noStrike" cap="none">
-                <a:solidFill>
-                  <a:schemeClr val="lt1"/>
-                </a:solidFill>
-                <a:latin typeface="Courier New"/>
-                <a:ea typeface="Courier New"/>
-                <a:cs typeface="Courier New"/>
-                <a:sym typeface="Courier New"/>
-              </a:rPr>
-              <a:t>(</a:t>
-            </a:r>
-            <a:r>
-              <a:rPr lang="en-US" sz="2400" b="0" i="0" u="none" strike="noStrike" cap="none">
-                <a:solidFill>
-                  <a:srgbClr val="00FF00"/>
-                </a:solidFill>
-                <a:latin typeface="Courier New"/>
-                <a:ea typeface="Courier New"/>
-                <a:cs typeface="Courier New"/>
-                <a:sym typeface="Courier New"/>
-              </a:rPr>
-              <a:t>nsv</a:t>
-            </a:r>
-            <a:r>
-              <a:rPr lang="en-US" sz="2400" b="0" i="0" u="none" strike="noStrike" cap="none">
-                <a:solidFill>
-                  <a:schemeClr val="lt1"/>
-                </a:solidFill>
-                <a:latin typeface="Courier New"/>
-                <a:ea typeface="Courier New"/>
-                <a:cs typeface="Courier New"/>
-                <a:sym typeface="Courier New"/>
-              </a:rPr>
-              <a:t>)</a:t>
-            </a:r>
-          </a:p>
-          <a:p>
-            <a:pPr marL="0" marR="0" lvl="0" indent="0" algn="l" rtl="0">
-              <a:lnSpc>
-                <a:spcPct val="100000"/>
-              </a:lnSpc>
-              <a:spcBef>
-                <a:spcPts val="0"/>
-              </a:spcBef>
-              <a:spcAft>
-                <a:spcPts val="0"/>
-              </a:spcAft>
-              <a:buClr>
-                <a:srgbClr val="FF0000"/>
-              </a:buClr>
-              <a:buSzPct val="25000"/>
-              <a:buFont typeface="Cabin"/>
-              <a:buNone/>
-            </a:pPr>
-            <a:r>
-              <a:rPr lang="en-US" sz="2400" b="0" i="0" u="none" strike="noStrike" cap="none">
-                <a:solidFill>
-                  <a:srgbClr val="FF0000"/>
-                </a:solidFill>
-                <a:latin typeface="Courier New"/>
-                <a:ea typeface="Courier New"/>
-                <a:cs typeface="Courier New"/>
-                <a:sym typeface="Courier New"/>
-              </a:rPr>
-              <a:t>Traceback (most recent call last):</a:t>
-            </a:r>
-          </a:p>
-          <a:p>
-            <a:pPr marL="0" marR="0" lvl="0" indent="0" algn="l" rtl="0">
-              <a:lnSpc>
-                <a:spcPct val="100000"/>
-              </a:lnSpc>
-              <a:spcBef>
-                <a:spcPts val="0"/>
-              </a:spcBef>
-              <a:spcAft>
-                <a:spcPts val="0"/>
-              </a:spcAft>
-              <a:buClr>
-                <a:srgbClr val="FF0000"/>
-              </a:buClr>
-              <a:buSzPct val="25000"/>
-              <a:buFont typeface="Cabin"/>
-              <a:buNone/>
-            </a:pPr>
-            <a:r>
-              <a:rPr lang="en-US" sz="2400" b="0" i="0" u="none" strike="noStrike" cap="none">
-                <a:solidFill>
-                  <a:srgbClr val="FF0000"/>
-                </a:solidFill>
-                <a:latin typeface="Courier New"/>
-                <a:ea typeface="Courier New"/>
-                <a:cs typeface="Courier New"/>
-                <a:sym typeface="Courier New"/>
-              </a:rPr>
-              <a:t>  File "&lt;stdin&gt;", line 1, in &lt;module&gt;</a:t>
-            </a:r>
-          </a:p>
-          <a:p>
-            <a:pPr marL="0" marR="0" lvl="0" indent="0" algn="l" rtl="0">
-              <a:lnSpc>
-                <a:spcPct val="100000"/>
-              </a:lnSpc>
-              <a:spcBef>
-                <a:spcPts val="0"/>
-              </a:spcBef>
-              <a:spcAft>
-                <a:spcPts val="0"/>
-              </a:spcAft>
-              <a:buClr>
-                <a:srgbClr val="FF0000"/>
-              </a:buClr>
-              <a:buSzPct val="25000"/>
-              <a:buFont typeface="Cabin"/>
-              <a:buNone/>
-            </a:pPr>
-            <a:r>
-              <a:rPr lang="en-US" sz="2400" b="0" i="0" u="none" strike="noStrike" cap="none">
-                <a:solidFill>
-                  <a:srgbClr val="FF0000"/>
-                </a:solidFill>
-                <a:latin typeface="Courier New"/>
-                <a:ea typeface="Courier New"/>
-                <a:cs typeface="Courier New"/>
-                <a:sym typeface="Courier New"/>
-              </a:rPr>
-              <a:t>ValueError: invalid literal for int() </a:t>
             </a:r>
           </a:p>
         </p:txBody>

--- a/week04/Functions.pptx
+++ b/week04/Functions.pptx
@@ -8,43 +8,44 @@
     <p:sldMasterId id="2147483707" r:id="rId4"/>
   </p:sldMasterIdLst>
   <p:notesMasterIdLst>
-    <p:notesMasterId r:id="rId29"/>
+    <p:notesMasterId r:id="rId30"/>
   </p:notesMasterIdLst>
   <p:sldIdLst>
     <p:sldId id="280" r:id="rId5"/>
     <p:sldId id="257" r:id="rId6"/>
-    <p:sldId id="281" r:id="rId7"/>
-    <p:sldId id="258" r:id="rId8"/>
-    <p:sldId id="259" r:id="rId9"/>
-    <p:sldId id="260" r:id="rId10"/>
-    <p:sldId id="261" r:id="rId11"/>
-    <p:sldId id="262" r:id="rId12"/>
-    <p:sldId id="263" r:id="rId13"/>
-    <p:sldId id="264" r:id="rId14"/>
-    <p:sldId id="265" r:id="rId15"/>
-    <p:sldId id="266" r:id="rId16"/>
-    <p:sldId id="267" r:id="rId17"/>
-    <p:sldId id="268" r:id="rId18"/>
-    <p:sldId id="269" r:id="rId19"/>
-    <p:sldId id="270" r:id="rId20"/>
-    <p:sldId id="271" r:id="rId21"/>
-    <p:sldId id="272" r:id="rId22"/>
-    <p:sldId id="273" r:id="rId23"/>
-    <p:sldId id="274" r:id="rId24"/>
-    <p:sldId id="275" r:id="rId25"/>
-    <p:sldId id="276" r:id="rId26"/>
-    <p:sldId id="277" r:id="rId27"/>
-    <p:sldId id="279" r:id="rId28"/>
+    <p:sldId id="282" r:id="rId7"/>
+    <p:sldId id="281" r:id="rId8"/>
+    <p:sldId id="258" r:id="rId9"/>
+    <p:sldId id="259" r:id="rId10"/>
+    <p:sldId id="260" r:id="rId11"/>
+    <p:sldId id="261" r:id="rId12"/>
+    <p:sldId id="262" r:id="rId13"/>
+    <p:sldId id="263" r:id="rId14"/>
+    <p:sldId id="264" r:id="rId15"/>
+    <p:sldId id="265" r:id="rId16"/>
+    <p:sldId id="266" r:id="rId17"/>
+    <p:sldId id="267" r:id="rId18"/>
+    <p:sldId id="268" r:id="rId19"/>
+    <p:sldId id="269" r:id="rId20"/>
+    <p:sldId id="270" r:id="rId21"/>
+    <p:sldId id="271" r:id="rId22"/>
+    <p:sldId id="272" r:id="rId23"/>
+    <p:sldId id="273" r:id="rId24"/>
+    <p:sldId id="274" r:id="rId25"/>
+    <p:sldId id="275" r:id="rId26"/>
+    <p:sldId id="276" r:id="rId27"/>
+    <p:sldId id="277" r:id="rId28"/>
+    <p:sldId id="279" r:id="rId29"/>
   </p:sldIdLst>
   <p:sldSz cx="16256000" cy="9144000"/>
   <p:notesSz cx="6858000" cy="9144000"/>
   <p:embeddedFontLst>
     <p:embeddedFont>
-      <p:font typeface="Cabin" charset="0"/>
-      <p:regular r:id="rId30"/>
-      <p:bold r:id="rId31"/>
-      <p:italic r:id="rId32"/>
-      <p:boldItalic r:id="rId33"/>
+      <p:font typeface="Cabin" panose="020B0604020202020204" charset="0"/>
+      <p:regular r:id="rId31"/>
+      <p:bold r:id="rId32"/>
+      <p:italic r:id="rId33"/>
+      <p:boldItalic r:id="rId34"/>
     </p:embeddedFont>
   </p:embeddedFontLst>
   <p:defaultTextStyle>
@@ -249,6 +250,22 @@
       </a:defRPr>
     </a:lvl9pPr>
   </p:defaultTextStyle>
+  <p:extLst>
+    <p:ext uri="{EFAFB233-063F-42B5-8137-9DF3F51BA10A}">
+      <p15:sldGuideLst xmlns:p15="http://schemas.microsoft.com/office/powerpoint/2012/main">
+        <p15:guide id="1" orient="horz" pos="2880">
+          <p15:clr>
+            <a:srgbClr val="A4A3A4"/>
+          </p15:clr>
+        </p15:guide>
+        <p15:guide id="2" pos="5120">
+          <p15:clr>
+            <a:srgbClr val="A4A3A4"/>
+          </p15:clr>
+        </p15:guide>
+      </p15:sldGuideLst>
+    </p:ext>
+  </p:extLst>
 </p:presentation>
 </file>
 
@@ -624,6 +641,111 @@
   <p:cSld>
     <p:spTree>
       <p:nvGrpSpPr>
+        <p:cNvPr id="1" name="Shape 292"/>
+        <p:cNvGrpSpPr/>
+        <p:nvPr/>
+      </p:nvGrpSpPr>
+      <p:grpSpPr>
+        <a:xfrm>
+          <a:off x="0" y="0"/>
+          <a:ext cx="0" cy="0"/>
+          <a:chOff x="0" y="0"/>
+          <a:chExt cx="0" cy="0"/>
+        </a:xfrm>
+      </p:grpSpPr>
+      <p:sp>
+        <p:nvSpPr>
+          <p:cNvPr id="293" name="Shape 293"/>
+          <p:cNvSpPr txBox="1">
+            <a:spLocks noGrp="1"/>
+          </p:cNvSpPr>
+          <p:nvPr>
+            <p:ph type="body" idx="1"/>
+          </p:nvPr>
+        </p:nvSpPr>
+        <p:spPr>
+          <a:xfrm>
+            <a:off x="685800" y="4343400"/>
+            <a:ext cx="5486399" cy="4114800"/>
+          </a:xfrm>
+          <a:prstGeom prst="rect">
+            <a:avLst/>
+          </a:prstGeom>
+          <a:noFill/>
+          <a:ln>
+            <a:noFill/>
+          </a:ln>
+        </p:spPr>
+        <p:txBody>
+          <a:bodyPr lIns="91425" tIns="91425" rIns="91425" bIns="91425" anchor="ctr" anchorCtr="0">
+            <a:noAutofit/>
+          </a:bodyPr>
+          <a:lstStyle/>
+          <a:p>
+            <a:pPr lvl="0">
+              <a:spcBef>
+                <a:spcPts val="0"/>
+              </a:spcBef>
+              <a:buNone/>
+            </a:pPr>
+            <a:endParaRPr/>
+          </a:p>
+        </p:txBody>
+      </p:sp>
+      <p:sp>
+        <p:nvSpPr>
+          <p:cNvPr id="294" name="Shape 294"/>
+          <p:cNvSpPr>
+            <a:spLocks noGrp="1" noRot="1" noChangeAspect="1"/>
+          </p:cNvSpPr>
+          <p:nvPr>
+            <p:ph type="sldImg" idx="2"/>
+          </p:nvPr>
+        </p:nvSpPr>
+        <p:spPr>
+          <a:xfrm>
+            <a:off x="381000" y="685800"/>
+            <a:ext cx="6096000" cy="3429000"/>
+          </a:xfrm>
+          <a:custGeom>
+            <a:avLst/>
+            <a:gdLst/>
+            <a:ahLst/>
+            <a:cxnLst/>
+            <a:rect l="0" t="0" r="0" b="0"/>
+            <a:pathLst>
+              <a:path w="120000" h="120000" extrusionOk="0">
+                <a:moveTo>
+                  <a:pt x="0" y="0"/>
+                </a:moveTo>
+                <a:lnTo>
+                  <a:pt x="120000" y="0"/>
+                </a:lnTo>
+                <a:lnTo>
+                  <a:pt x="120000" y="120000"/>
+                </a:lnTo>
+                <a:lnTo>
+                  <a:pt x="0" y="120000"/>
+                </a:lnTo>
+                <a:close/>
+              </a:path>
+            </a:pathLst>
+          </a:custGeom>
+        </p:spPr>
+      </p:sp>
+    </p:spTree>
+  </p:cSld>
+  <p:clrMapOvr>
+    <a:masterClrMapping/>
+  </p:clrMapOvr>
+</p:notes>
+</file>
+
+<file path=ppt/notesSlides/notesSlide11.xml><?xml version="1.0" encoding="utf-8"?>
+<p:notes xmlns:a="http://schemas.openxmlformats.org/drawingml/2006/main" xmlns:r="http://schemas.openxmlformats.org/officeDocument/2006/relationships" xmlns:p="http://schemas.openxmlformats.org/presentationml/2006/main" showMasterSp="0" showMasterPhAnim="0">
+  <p:cSld>
+    <p:spTree>
+      <p:nvGrpSpPr>
         <p:cNvPr id="1" name="Shape 299"/>
         <p:cNvGrpSpPr/>
         <p:nvPr/>
@@ -724,7 +846,7 @@
 </p:notes>
 </file>
 
-<file path=ppt/notesSlides/notesSlide11.xml><?xml version="1.0" encoding="utf-8"?>
+<file path=ppt/notesSlides/notesSlide12.xml><?xml version="1.0" encoding="utf-8"?>
 <p:notes xmlns:a="http://schemas.openxmlformats.org/drawingml/2006/main" xmlns:r="http://schemas.openxmlformats.org/officeDocument/2006/relationships" xmlns:p="http://schemas.openxmlformats.org/presentationml/2006/main" showMasterSp="0" showMasterPhAnim="0">
   <p:cSld>
     <p:spTree>
@@ -829,7 +951,7 @@
 </p:notes>
 </file>
 
-<file path=ppt/notesSlides/notesSlide12.xml><?xml version="1.0" encoding="utf-8"?>
+<file path=ppt/notesSlides/notesSlide13.xml><?xml version="1.0" encoding="utf-8"?>
 <p:notes xmlns:a="http://schemas.openxmlformats.org/drawingml/2006/main" xmlns:r="http://schemas.openxmlformats.org/officeDocument/2006/relationships" xmlns:p="http://schemas.openxmlformats.org/presentationml/2006/main" showMasterSp="0" showMasterPhAnim="0">
   <p:cSld>
     <p:spTree>
@@ -934,7 +1056,7 @@
 </p:notes>
 </file>
 
-<file path=ppt/notesSlides/notesSlide13.xml><?xml version="1.0" encoding="utf-8"?>
+<file path=ppt/notesSlides/notesSlide14.xml><?xml version="1.0" encoding="utf-8"?>
 <p:notes xmlns:a="http://schemas.openxmlformats.org/drawingml/2006/main" xmlns:r="http://schemas.openxmlformats.org/officeDocument/2006/relationships" xmlns:p="http://schemas.openxmlformats.org/presentationml/2006/main" showMasterSp="0" showMasterPhAnim="0">
   <p:cSld>
     <p:spTree>
@@ -1039,7 +1161,7 @@
 </p:notes>
 </file>
 
-<file path=ppt/notesSlides/notesSlide14.xml><?xml version="1.0" encoding="utf-8"?>
+<file path=ppt/notesSlides/notesSlide15.xml><?xml version="1.0" encoding="utf-8"?>
 <p:notes xmlns:a="http://schemas.openxmlformats.org/drawingml/2006/main" xmlns:r="http://schemas.openxmlformats.org/officeDocument/2006/relationships" xmlns:p="http://schemas.openxmlformats.org/presentationml/2006/main" showMasterSp="0" showMasterPhAnim="0">
   <p:cSld>
     <p:spTree>
@@ -1144,7 +1266,7 @@
 </p:notes>
 </file>
 
-<file path=ppt/notesSlides/notesSlide15.xml><?xml version="1.0" encoding="utf-8"?>
+<file path=ppt/notesSlides/notesSlide16.xml><?xml version="1.0" encoding="utf-8"?>
 <p:notes xmlns:a="http://schemas.openxmlformats.org/drawingml/2006/main" xmlns:r="http://schemas.openxmlformats.org/officeDocument/2006/relationships" xmlns:p="http://schemas.openxmlformats.org/presentationml/2006/main" showMasterSp="0" showMasterPhAnim="0">
   <p:cSld>
     <p:spTree>
@@ -1249,7 +1371,7 @@
 </p:notes>
 </file>
 
-<file path=ppt/notesSlides/notesSlide16.xml><?xml version="1.0" encoding="utf-8"?>
+<file path=ppt/notesSlides/notesSlide17.xml><?xml version="1.0" encoding="utf-8"?>
 <p:notes xmlns:a="http://schemas.openxmlformats.org/drawingml/2006/main" xmlns:r="http://schemas.openxmlformats.org/officeDocument/2006/relationships" xmlns:p="http://schemas.openxmlformats.org/presentationml/2006/main" showMasterSp="0" showMasterPhAnim="0">
   <p:cSld>
     <p:spTree>
@@ -1354,7 +1476,7 @@
 </p:notes>
 </file>
 
-<file path=ppt/notesSlides/notesSlide17.xml><?xml version="1.0" encoding="utf-8"?>
+<file path=ppt/notesSlides/notesSlide18.xml><?xml version="1.0" encoding="utf-8"?>
 <p:notes xmlns:a="http://schemas.openxmlformats.org/drawingml/2006/main" xmlns:r="http://schemas.openxmlformats.org/officeDocument/2006/relationships" xmlns:p="http://schemas.openxmlformats.org/presentationml/2006/main" showMasterSp="0" showMasterPhAnim="0">
   <p:cSld>
     <p:spTree>
@@ -1459,7 +1581,7 @@
 </p:notes>
 </file>
 
-<file path=ppt/notesSlides/notesSlide18.xml><?xml version="1.0" encoding="utf-8"?>
+<file path=ppt/notesSlides/notesSlide19.xml><?xml version="1.0" encoding="utf-8"?>
 <p:notes xmlns:a="http://schemas.openxmlformats.org/drawingml/2006/main" xmlns:r="http://schemas.openxmlformats.org/officeDocument/2006/relationships" xmlns:p="http://schemas.openxmlformats.org/presentationml/2006/main" showMasterSp="0" showMasterPhAnim="0">
   <p:cSld>
     <p:spTree>
@@ -1518,111 +1640,6 @@
       <p:sp>
         <p:nvSpPr>
           <p:cNvPr id="360" name="Shape 360"/>
-          <p:cNvSpPr>
-            <a:spLocks noGrp="1" noRot="1" noChangeAspect="1"/>
-          </p:cNvSpPr>
-          <p:nvPr>
-            <p:ph type="sldImg" idx="2"/>
-          </p:nvPr>
-        </p:nvSpPr>
-        <p:spPr>
-          <a:xfrm>
-            <a:off x="381000" y="685800"/>
-            <a:ext cx="6096000" cy="3429000"/>
-          </a:xfrm>
-          <a:custGeom>
-            <a:avLst/>
-            <a:gdLst/>
-            <a:ahLst/>
-            <a:cxnLst/>
-            <a:rect l="0" t="0" r="0" b="0"/>
-            <a:pathLst>
-              <a:path w="120000" h="120000" extrusionOk="0">
-                <a:moveTo>
-                  <a:pt x="0" y="0"/>
-                </a:moveTo>
-                <a:lnTo>
-                  <a:pt x="120000" y="0"/>
-                </a:lnTo>
-                <a:lnTo>
-                  <a:pt x="120000" y="120000"/>
-                </a:lnTo>
-                <a:lnTo>
-                  <a:pt x="0" y="120000"/>
-                </a:lnTo>
-                <a:close/>
-              </a:path>
-            </a:pathLst>
-          </a:custGeom>
-        </p:spPr>
-      </p:sp>
-    </p:spTree>
-  </p:cSld>
-  <p:clrMapOvr>
-    <a:masterClrMapping/>
-  </p:clrMapOvr>
-</p:notes>
-</file>
-
-<file path=ppt/notesSlides/notesSlide19.xml><?xml version="1.0" encoding="utf-8"?>
-<p:notes xmlns:a="http://schemas.openxmlformats.org/drawingml/2006/main" xmlns:r="http://schemas.openxmlformats.org/officeDocument/2006/relationships" xmlns:p="http://schemas.openxmlformats.org/presentationml/2006/main" showMasterSp="0" showMasterPhAnim="0">
-  <p:cSld>
-    <p:spTree>
-      <p:nvGrpSpPr>
-        <p:cNvPr id="1" name="Shape 375"/>
-        <p:cNvGrpSpPr/>
-        <p:nvPr/>
-      </p:nvGrpSpPr>
-      <p:grpSpPr>
-        <a:xfrm>
-          <a:off x="0" y="0"/>
-          <a:ext cx="0" cy="0"/>
-          <a:chOff x="0" y="0"/>
-          <a:chExt cx="0" cy="0"/>
-        </a:xfrm>
-      </p:grpSpPr>
-      <p:sp>
-        <p:nvSpPr>
-          <p:cNvPr id="376" name="Shape 376"/>
-          <p:cNvSpPr txBox="1">
-            <a:spLocks noGrp="1"/>
-          </p:cNvSpPr>
-          <p:nvPr>
-            <p:ph type="body" idx="1"/>
-          </p:nvPr>
-        </p:nvSpPr>
-        <p:spPr>
-          <a:xfrm>
-            <a:off x="685800" y="4343400"/>
-            <a:ext cx="5486399" cy="4114800"/>
-          </a:xfrm>
-          <a:prstGeom prst="rect">
-            <a:avLst/>
-          </a:prstGeom>
-          <a:noFill/>
-          <a:ln>
-            <a:noFill/>
-          </a:ln>
-        </p:spPr>
-        <p:txBody>
-          <a:bodyPr lIns="91425" tIns="91425" rIns="91425" bIns="91425" anchor="ctr" anchorCtr="0">
-            <a:noAutofit/>
-          </a:bodyPr>
-          <a:lstStyle/>
-          <a:p>
-            <a:pPr lvl="0">
-              <a:spcBef>
-                <a:spcPts val="0"/>
-              </a:spcBef>
-              <a:buNone/>
-            </a:pPr>
-            <a:endParaRPr/>
-          </a:p>
-        </p:txBody>
-      </p:sp>
-      <p:sp>
-        <p:nvSpPr>
-          <p:cNvPr id="377" name="Shape 377"/>
           <p:cNvSpPr>
             <a:spLocks noGrp="1" noRot="1" noChangeAspect="1"/>
           </p:cNvSpPr>
@@ -1767,6 +1784,11 @@
         </p:spPr>
       </p:sp>
     </p:spTree>
+    <p:extLst>
+      <p:ext uri="{BB962C8B-B14F-4D97-AF65-F5344CB8AC3E}">
+        <p14:creationId xmlns:p14="http://schemas.microsoft.com/office/powerpoint/2010/main" val="748209737"/>
+      </p:ext>
+    </p:extLst>
   </p:cSld>
   <p:clrMapOvr>
     <a:masterClrMapping/>
@@ -1775,6 +1797,111 @@
 </file>
 
 <file path=ppt/notesSlides/notesSlide20.xml><?xml version="1.0" encoding="utf-8"?>
+<p:notes xmlns:a="http://schemas.openxmlformats.org/drawingml/2006/main" xmlns:r="http://schemas.openxmlformats.org/officeDocument/2006/relationships" xmlns:p="http://schemas.openxmlformats.org/presentationml/2006/main" showMasterSp="0" showMasterPhAnim="0">
+  <p:cSld>
+    <p:spTree>
+      <p:nvGrpSpPr>
+        <p:cNvPr id="1" name="Shape 375"/>
+        <p:cNvGrpSpPr/>
+        <p:nvPr/>
+      </p:nvGrpSpPr>
+      <p:grpSpPr>
+        <a:xfrm>
+          <a:off x="0" y="0"/>
+          <a:ext cx="0" cy="0"/>
+          <a:chOff x="0" y="0"/>
+          <a:chExt cx="0" cy="0"/>
+        </a:xfrm>
+      </p:grpSpPr>
+      <p:sp>
+        <p:nvSpPr>
+          <p:cNvPr id="376" name="Shape 376"/>
+          <p:cNvSpPr txBox="1">
+            <a:spLocks noGrp="1"/>
+          </p:cNvSpPr>
+          <p:nvPr>
+            <p:ph type="body" idx="1"/>
+          </p:nvPr>
+        </p:nvSpPr>
+        <p:spPr>
+          <a:xfrm>
+            <a:off x="685800" y="4343400"/>
+            <a:ext cx="5486399" cy="4114800"/>
+          </a:xfrm>
+          <a:prstGeom prst="rect">
+            <a:avLst/>
+          </a:prstGeom>
+          <a:noFill/>
+          <a:ln>
+            <a:noFill/>
+          </a:ln>
+        </p:spPr>
+        <p:txBody>
+          <a:bodyPr lIns="91425" tIns="91425" rIns="91425" bIns="91425" anchor="ctr" anchorCtr="0">
+            <a:noAutofit/>
+          </a:bodyPr>
+          <a:lstStyle/>
+          <a:p>
+            <a:pPr lvl="0">
+              <a:spcBef>
+                <a:spcPts val="0"/>
+              </a:spcBef>
+              <a:buNone/>
+            </a:pPr>
+            <a:endParaRPr/>
+          </a:p>
+        </p:txBody>
+      </p:sp>
+      <p:sp>
+        <p:nvSpPr>
+          <p:cNvPr id="377" name="Shape 377"/>
+          <p:cNvSpPr>
+            <a:spLocks noGrp="1" noRot="1" noChangeAspect="1"/>
+          </p:cNvSpPr>
+          <p:nvPr>
+            <p:ph type="sldImg" idx="2"/>
+          </p:nvPr>
+        </p:nvSpPr>
+        <p:spPr>
+          <a:xfrm>
+            <a:off x="381000" y="685800"/>
+            <a:ext cx="6096000" cy="3429000"/>
+          </a:xfrm>
+          <a:custGeom>
+            <a:avLst/>
+            <a:gdLst/>
+            <a:ahLst/>
+            <a:cxnLst/>
+            <a:rect l="0" t="0" r="0" b="0"/>
+            <a:pathLst>
+              <a:path w="120000" h="120000" extrusionOk="0">
+                <a:moveTo>
+                  <a:pt x="0" y="0"/>
+                </a:moveTo>
+                <a:lnTo>
+                  <a:pt x="120000" y="0"/>
+                </a:lnTo>
+                <a:lnTo>
+                  <a:pt x="120000" y="120000"/>
+                </a:lnTo>
+                <a:lnTo>
+                  <a:pt x="0" y="120000"/>
+                </a:lnTo>
+                <a:close/>
+              </a:path>
+            </a:pathLst>
+          </a:custGeom>
+        </p:spPr>
+      </p:sp>
+    </p:spTree>
+  </p:cSld>
+  <p:clrMapOvr>
+    <a:masterClrMapping/>
+  </p:clrMapOvr>
+</p:notes>
+</file>
+
+<file path=ppt/notesSlides/notesSlide21.xml><?xml version="1.0" encoding="utf-8"?>
 <p:notes xmlns:a="http://schemas.openxmlformats.org/drawingml/2006/main" xmlns:r="http://schemas.openxmlformats.org/officeDocument/2006/relationships" xmlns:p="http://schemas.openxmlformats.org/presentationml/2006/main" showMasterSp="0" showMasterPhAnim="0">
   <p:cSld>
     <p:spTree>
@@ -1879,7 +2006,7 @@
 </p:notes>
 </file>
 
-<file path=ppt/notesSlides/notesSlide21.xml><?xml version="1.0" encoding="utf-8"?>
+<file path=ppt/notesSlides/notesSlide22.xml><?xml version="1.0" encoding="utf-8"?>
 <p:notes xmlns:a="http://schemas.openxmlformats.org/drawingml/2006/main" xmlns:r="http://schemas.openxmlformats.org/officeDocument/2006/relationships" xmlns:p="http://schemas.openxmlformats.org/presentationml/2006/main" showMasterSp="0" showMasterPhAnim="0">
   <p:cSld>
     <p:spTree>
@@ -1984,7 +2111,7 @@
 </p:notes>
 </file>
 
-<file path=ppt/notesSlides/notesSlide22.xml><?xml version="1.0" encoding="utf-8"?>
+<file path=ppt/notesSlides/notesSlide23.xml><?xml version="1.0" encoding="utf-8"?>
 <p:notes xmlns:a="http://schemas.openxmlformats.org/drawingml/2006/main" xmlns:r="http://schemas.openxmlformats.org/officeDocument/2006/relationships" xmlns:p="http://schemas.openxmlformats.org/presentationml/2006/main" showMasterSp="0" showMasterPhAnim="0">
   <p:cSld>
     <p:spTree>
@@ -2089,7 +2216,7 @@
 </p:notes>
 </file>
 
-<file path=ppt/notesSlides/notesSlide23.xml><?xml version="1.0" encoding="utf-8"?>
+<file path=ppt/notesSlides/notesSlide24.xml><?xml version="1.0" encoding="utf-8"?>
 <p:notes xmlns:a="http://schemas.openxmlformats.org/drawingml/2006/main" xmlns:r="http://schemas.openxmlformats.org/officeDocument/2006/relationships" xmlns:p="http://schemas.openxmlformats.org/presentationml/2006/main" showMasterSp="0" showMasterPhAnim="0">
   <p:cSld>
     <p:spTree>
@@ -2199,6 +2326,111 @@
   <p:cSld>
     <p:spTree>
       <p:nvGrpSpPr>
+        <p:cNvPr id="1" name="Shape 209"/>
+        <p:cNvGrpSpPr/>
+        <p:nvPr/>
+      </p:nvGrpSpPr>
+      <p:grpSpPr>
+        <a:xfrm>
+          <a:off x="0" y="0"/>
+          <a:ext cx="0" cy="0"/>
+          <a:chOff x="0" y="0"/>
+          <a:chExt cx="0" cy="0"/>
+        </a:xfrm>
+      </p:grpSpPr>
+      <p:sp>
+        <p:nvSpPr>
+          <p:cNvPr id="210" name="Shape 210"/>
+          <p:cNvSpPr txBox="1">
+            <a:spLocks noGrp="1"/>
+          </p:cNvSpPr>
+          <p:nvPr>
+            <p:ph type="body" idx="1"/>
+          </p:nvPr>
+        </p:nvSpPr>
+        <p:spPr>
+          <a:xfrm>
+            <a:off x="685800" y="4343400"/>
+            <a:ext cx="5486399" cy="4114800"/>
+          </a:xfrm>
+          <a:prstGeom prst="rect">
+            <a:avLst/>
+          </a:prstGeom>
+          <a:noFill/>
+          <a:ln>
+            <a:noFill/>
+          </a:ln>
+        </p:spPr>
+        <p:txBody>
+          <a:bodyPr lIns="91425" tIns="91425" rIns="91425" bIns="91425" anchor="ctr" anchorCtr="0">
+            <a:noAutofit/>
+          </a:bodyPr>
+          <a:lstStyle/>
+          <a:p>
+            <a:pPr lvl="0">
+              <a:spcBef>
+                <a:spcPts val="0"/>
+              </a:spcBef>
+              <a:buNone/>
+            </a:pPr>
+            <a:endParaRPr/>
+          </a:p>
+        </p:txBody>
+      </p:sp>
+      <p:sp>
+        <p:nvSpPr>
+          <p:cNvPr id="211" name="Shape 211"/>
+          <p:cNvSpPr>
+            <a:spLocks noGrp="1" noRot="1" noChangeAspect="1"/>
+          </p:cNvSpPr>
+          <p:nvPr>
+            <p:ph type="sldImg" idx="2"/>
+          </p:nvPr>
+        </p:nvSpPr>
+        <p:spPr>
+          <a:xfrm>
+            <a:off x="381000" y="685800"/>
+            <a:ext cx="6096000" cy="3429000"/>
+          </a:xfrm>
+          <a:custGeom>
+            <a:avLst/>
+            <a:gdLst/>
+            <a:ahLst/>
+            <a:cxnLst/>
+            <a:rect l="0" t="0" r="0" b="0"/>
+            <a:pathLst>
+              <a:path w="120000" h="120000" extrusionOk="0">
+                <a:moveTo>
+                  <a:pt x="0" y="0"/>
+                </a:moveTo>
+                <a:lnTo>
+                  <a:pt x="120000" y="0"/>
+                </a:lnTo>
+                <a:lnTo>
+                  <a:pt x="120000" y="120000"/>
+                </a:lnTo>
+                <a:lnTo>
+                  <a:pt x="0" y="120000"/>
+                </a:lnTo>
+                <a:close/>
+              </a:path>
+            </a:pathLst>
+          </a:custGeom>
+        </p:spPr>
+      </p:sp>
+    </p:spTree>
+  </p:cSld>
+  <p:clrMapOvr>
+    <a:masterClrMapping/>
+  </p:clrMapOvr>
+</p:notes>
+</file>
+
+<file path=ppt/notesSlides/notesSlide4.xml><?xml version="1.0" encoding="utf-8"?>
+<p:notes xmlns:a="http://schemas.openxmlformats.org/drawingml/2006/main" xmlns:r="http://schemas.openxmlformats.org/officeDocument/2006/relationships" xmlns:p="http://schemas.openxmlformats.org/presentationml/2006/main" showMasterSp="0" showMasterPhAnim="0">
+  <p:cSld>
+    <p:spTree>
+      <p:nvGrpSpPr>
         <p:cNvPr id="1" name="Shape 232"/>
         <p:cNvGrpSpPr/>
         <p:nvPr/>
@@ -2299,7 +2531,7 @@
 </p:notes>
 </file>
 
-<file path=ppt/notesSlides/notesSlide4.xml><?xml version="1.0" encoding="utf-8"?>
+<file path=ppt/notesSlides/notesSlide5.xml><?xml version="1.0" encoding="utf-8"?>
 <p:notes xmlns:a="http://schemas.openxmlformats.org/drawingml/2006/main" xmlns:r="http://schemas.openxmlformats.org/officeDocument/2006/relationships" xmlns:p="http://schemas.openxmlformats.org/presentationml/2006/main" showMasterSp="0" showMasterPhAnim="0">
   <p:cSld>
     <p:spTree>
@@ -2404,7 +2636,7 @@
 </p:notes>
 </file>
 
-<file path=ppt/notesSlides/notesSlide5.xml><?xml version="1.0" encoding="utf-8"?>
+<file path=ppt/notesSlides/notesSlide6.xml><?xml version="1.0" encoding="utf-8"?>
 <p:notes xmlns:a="http://schemas.openxmlformats.org/drawingml/2006/main" xmlns:r="http://schemas.openxmlformats.org/officeDocument/2006/relationships" xmlns:p="http://schemas.openxmlformats.org/presentationml/2006/main" showMasterSp="0" showMasterPhAnim="0">
   <p:cSld>
     <p:spTree>
@@ -2509,7 +2741,7 @@
 </p:notes>
 </file>
 
-<file path=ppt/notesSlides/notesSlide6.xml><?xml version="1.0" encoding="utf-8"?>
+<file path=ppt/notesSlides/notesSlide7.xml><?xml version="1.0" encoding="utf-8"?>
 <p:notes xmlns:a="http://schemas.openxmlformats.org/drawingml/2006/main" xmlns:r="http://schemas.openxmlformats.org/officeDocument/2006/relationships" xmlns:p="http://schemas.openxmlformats.org/presentationml/2006/main" showMasterSp="0" showMasterPhAnim="0">
   <p:cSld>
     <p:spTree>
@@ -2614,7 +2846,7 @@
 </p:notes>
 </file>
 
-<file path=ppt/notesSlides/notesSlide7.xml><?xml version="1.0" encoding="utf-8"?>
+<file path=ppt/notesSlides/notesSlide8.xml><?xml version="1.0" encoding="utf-8"?>
 <p:notes xmlns:a="http://schemas.openxmlformats.org/drawingml/2006/main" xmlns:r="http://schemas.openxmlformats.org/officeDocument/2006/relationships" xmlns:p="http://schemas.openxmlformats.org/presentationml/2006/main" showMasterSp="0" showMasterPhAnim="0">
   <p:cSld>
     <p:spTree>
@@ -2719,7 +2951,7 @@
 </p:notes>
 </file>
 
-<file path=ppt/notesSlides/notesSlide8.xml><?xml version="1.0" encoding="utf-8"?>
+<file path=ppt/notesSlides/notesSlide9.xml><?xml version="1.0" encoding="utf-8"?>
 <p:notes xmlns:a="http://schemas.openxmlformats.org/drawingml/2006/main" xmlns:r="http://schemas.openxmlformats.org/officeDocument/2006/relationships" xmlns:p="http://schemas.openxmlformats.org/presentationml/2006/main" showMasterSp="0" showMasterPhAnim="0">
   <p:cSld>
     <p:spTree>
@@ -2778,111 +3010,6 @@
       <p:sp>
         <p:nvSpPr>
           <p:cNvPr id="287" name="Shape 287"/>
-          <p:cNvSpPr>
-            <a:spLocks noGrp="1" noRot="1" noChangeAspect="1"/>
-          </p:cNvSpPr>
-          <p:nvPr>
-            <p:ph type="sldImg" idx="2"/>
-          </p:nvPr>
-        </p:nvSpPr>
-        <p:spPr>
-          <a:xfrm>
-            <a:off x="381000" y="685800"/>
-            <a:ext cx="6096000" cy="3429000"/>
-          </a:xfrm>
-          <a:custGeom>
-            <a:avLst/>
-            <a:gdLst/>
-            <a:ahLst/>
-            <a:cxnLst/>
-            <a:rect l="0" t="0" r="0" b="0"/>
-            <a:pathLst>
-              <a:path w="120000" h="120000" extrusionOk="0">
-                <a:moveTo>
-                  <a:pt x="0" y="0"/>
-                </a:moveTo>
-                <a:lnTo>
-                  <a:pt x="120000" y="0"/>
-                </a:lnTo>
-                <a:lnTo>
-                  <a:pt x="120000" y="120000"/>
-                </a:lnTo>
-                <a:lnTo>
-                  <a:pt x="0" y="120000"/>
-                </a:lnTo>
-                <a:close/>
-              </a:path>
-            </a:pathLst>
-          </a:custGeom>
-        </p:spPr>
-      </p:sp>
-    </p:spTree>
-  </p:cSld>
-  <p:clrMapOvr>
-    <a:masterClrMapping/>
-  </p:clrMapOvr>
-</p:notes>
-</file>
-
-<file path=ppt/notesSlides/notesSlide9.xml><?xml version="1.0" encoding="utf-8"?>
-<p:notes xmlns:a="http://schemas.openxmlformats.org/drawingml/2006/main" xmlns:r="http://schemas.openxmlformats.org/officeDocument/2006/relationships" xmlns:p="http://schemas.openxmlformats.org/presentationml/2006/main" showMasterSp="0" showMasterPhAnim="0">
-  <p:cSld>
-    <p:spTree>
-      <p:nvGrpSpPr>
-        <p:cNvPr id="1" name="Shape 292"/>
-        <p:cNvGrpSpPr/>
-        <p:nvPr/>
-      </p:nvGrpSpPr>
-      <p:grpSpPr>
-        <a:xfrm>
-          <a:off x="0" y="0"/>
-          <a:ext cx="0" cy="0"/>
-          <a:chOff x="0" y="0"/>
-          <a:chExt cx="0" cy="0"/>
-        </a:xfrm>
-      </p:grpSpPr>
-      <p:sp>
-        <p:nvSpPr>
-          <p:cNvPr id="293" name="Shape 293"/>
-          <p:cNvSpPr txBox="1">
-            <a:spLocks noGrp="1"/>
-          </p:cNvSpPr>
-          <p:nvPr>
-            <p:ph type="body" idx="1"/>
-          </p:nvPr>
-        </p:nvSpPr>
-        <p:spPr>
-          <a:xfrm>
-            <a:off x="685800" y="4343400"/>
-            <a:ext cx="5486399" cy="4114800"/>
-          </a:xfrm>
-          <a:prstGeom prst="rect">
-            <a:avLst/>
-          </a:prstGeom>
-          <a:noFill/>
-          <a:ln>
-            <a:noFill/>
-          </a:ln>
-        </p:spPr>
-        <p:txBody>
-          <a:bodyPr lIns="91425" tIns="91425" rIns="91425" bIns="91425" anchor="ctr" anchorCtr="0">
-            <a:noAutofit/>
-          </a:bodyPr>
-          <a:lstStyle/>
-          <a:p>
-            <a:pPr lvl="0">
-              <a:spcBef>
-                <a:spcPts val="0"/>
-              </a:spcBef>
-              <a:buNone/>
-            </a:pPr>
-            <a:endParaRPr/>
-          </a:p>
-        </p:txBody>
-      </p:sp>
-      <p:sp>
-        <p:nvSpPr>
-          <p:cNvPr id="294" name="Shape 294"/>
           <p:cNvSpPr>
             <a:spLocks noGrp="1" noRot="1" noChangeAspect="1"/>
           </p:cNvSpPr>
@@ -17611,6 +17738,997 @@
   <p:cSld>
     <p:spTree>
       <p:nvGrpSpPr>
+        <p:cNvPr id="1" name="Shape 288"/>
+        <p:cNvGrpSpPr/>
+        <p:nvPr/>
+      </p:nvGrpSpPr>
+      <p:grpSpPr>
+        <a:xfrm>
+          <a:off x="0" y="0"/>
+          <a:ext cx="0" cy="0"/>
+          <a:chOff x="0" y="0"/>
+          <a:chExt cx="0" cy="0"/>
+        </a:xfrm>
+      </p:grpSpPr>
+      <p:sp>
+        <p:nvSpPr>
+          <p:cNvPr id="289" name="Shape 289"/>
+          <p:cNvSpPr txBox="1">
+            <a:spLocks noGrp="1"/>
+          </p:cNvSpPr>
+          <p:nvPr>
+            <p:ph type="title"/>
+          </p:nvPr>
+        </p:nvSpPr>
+        <p:spPr>
+          <a:xfrm>
+            <a:off x="1155700" y="469900"/>
+            <a:ext cx="6425100" cy="2298600"/>
+          </a:xfrm>
+          <a:prstGeom prst="rect">
+            <a:avLst/>
+          </a:prstGeom>
+          <a:noFill/>
+          <a:ln>
+            <a:noFill/>
+          </a:ln>
+        </p:spPr>
+        <p:txBody>
+          <a:bodyPr lIns="38100" tIns="38100" rIns="38100" bIns="38100" anchor="ctr" anchorCtr="0">
+            <a:noAutofit/>
+          </a:bodyPr>
+          <a:lstStyle/>
+          <a:p>
+            <a:pPr marL="0" marR="0" lvl="0" indent="0" rtl="0">
+              <a:lnSpc>
+                <a:spcPct val="100000"/>
+              </a:lnSpc>
+              <a:spcBef>
+                <a:spcPts val="0"/>
+              </a:spcBef>
+              <a:spcAft>
+                <a:spcPts val="0"/>
+              </a:spcAft>
+              <a:buClr>
+                <a:srgbClr val="FF00FF"/>
+              </a:buClr>
+              <a:buSzPct val="25000"/>
+              <a:buFont typeface="Cabin"/>
+              <a:buNone/>
+            </a:pPr>
+            <a:r>
+              <a:rPr lang="en-US" sz="5500">
+                <a:solidFill>
+                  <a:srgbClr val="FF00FF"/>
+                </a:solidFill>
+                <a:latin typeface="Cabin"/>
+                <a:ea typeface="Cabin"/>
+                <a:cs typeface="Cabin"/>
+                <a:sym typeface="Cabin"/>
+              </a:rPr>
+              <a:t>Преобразование типа</a:t>
+            </a:r>
+          </a:p>
+        </p:txBody>
+      </p:sp>
+      <p:sp>
+        <p:nvSpPr>
+          <p:cNvPr id="290" name="Shape 290"/>
+          <p:cNvSpPr txBox="1">
+            <a:spLocks noGrp="1"/>
+          </p:cNvSpPr>
+          <p:nvPr>
+            <p:ph type="body" idx="1"/>
+          </p:nvPr>
+        </p:nvSpPr>
+        <p:spPr>
+          <a:xfrm>
+            <a:off x="1155700" y="3136900"/>
+            <a:ext cx="6425100" cy="5702399"/>
+          </a:xfrm>
+          <a:prstGeom prst="rect">
+            <a:avLst/>
+          </a:prstGeom>
+          <a:noFill/>
+          <a:ln>
+            <a:noFill/>
+          </a:ln>
+        </p:spPr>
+        <p:txBody>
+          <a:bodyPr lIns="38100" tIns="38100" rIns="38100" bIns="38100" anchor="ctr" anchorCtr="0">
+            <a:noAutofit/>
+          </a:bodyPr>
+          <a:lstStyle/>
+          <a:p>
+            <a:pPr marL="749300" marR="0" lvl="0" indent="-332994" algn="l" rtl="0">
+              <a:lnSpc>
+                <a:spcPct val="100000"/>
+              </a:lnSpc>
+              <a:spcBef>
+                <a:spcPts val="0"/>
+              </a:spcBef>
+              <a:spcAft>
+                <a:spcPts val="0"/>
+              </a:spcAft>
+              <a:buClr>
+                <a:schemeClr val="lt1"/>
+              </a:buClr>
+              <a:buSzPct val="100000"/>
+              <a:buFont typeface="Cabin"/>
+              <a:buChar char="•"/>
+            </a:pPr>
+            <a:r>
+              <a:rPr lang="en-US" sz="3000">
+                <a:solidFill>
+                  <a:schemeClr val="lt1"/>
+                </a:solidFill>
+                <a:latin typeface="Cabin"/>
+                <a:ea typeface="Cabin"/>
+                <a:cs typeface="Cabin"/>
+                <a:sym typeface="Cabin"/>
+              </a:rPr>
+              <a:t>При использовании целого числа и числа с плавающей точкой в одном выражении, целое число </a:t>
+            </a:r>
+            <a:r>
+              <a:rPr lang="en-US" sz="3000">
+                <a:solidFill>
+                  <a:srgbClr val="FF00FF"/>
+                </a:solidFill>
+                <a:latin typeface="Cabin"/>
+                <a:ea typeface="Cabin"/>
+                <a:cs typeface="Cabin"/>
+                <a:sym typeface="Cabin"/>
+              </a:rPr>
+              <a:t>косвенно</a:t>
+            </a:r>
+            <a:r>
+              <a:rPr lang="en-US" sz="3000">
+                <a:solidFill>
+                  <a:schemeClr val="lt1"/>
+                </a:solidFill>
+                <a:latin typeface="Cabin"/>
+                <a:ea typeface="Cabin"/>
+                <a:cs typeface="Cabin"/>
+                <a:sym typeface="Cabin"/>
+              </a:rPr>
+              <a:t> преобразуется в значение с плавающей точкой</a:t>
+            </a:r>
+          </a:p>
+          <a:p>
+            <a:pPr marL="749300" marR="0" lvl="0" indent="-332994" algn="l" rtl="0">
+              <a:lnSpc>
+                <a:spcPct val="100000"/>
+              </a:lnSpc>
+              <a:spcBef>
+                <a:spcPts val="3500"/>
+              </a:spcBef>
+              <a:spcAft>
+                <a:spcPts val="0"/>
+              </a:spcAft>
+              <a:buClr>
+                <a:schemeClr val="lt1"/>
+              </a:buClr>
+              <a:buSzPct val="100000"/>
+              <a:buFont typeface="Cabin"/>
+              <a:buChar char="•"/>
+            </a:pPr>
+            <a:r>
+              <a:rPr lang="en-US" sz="3000">
+                <a:solidFill>
+                  <a:schemeClr val="lt1"/>
+                </a:solidFill>
+                <a:latin typeface="Cabin"/>
+                <a:ea typeface="Cabin"/>
+                <a:cs typeface="Cabin"/>
+                <a:sym typeface="Cabin"/>
+              </a:rPr>
+              <a:t>Это управляется с помощью встроенных функций, таких как </a:t>
+            </a:r>
+            <a:r>
+              <a:rPr lang="en-US" sz="3000" b="0" i="0" u="none" strike="noStrike" cap="none">
+                <a:solidFill>
+                  <a:schemeClr val="lt1"/>
+                </a:solidFill>
+                <a:latin typeface="Cabin"/>
+                <a:ea typeface="Cabin"/>
+                <a:cs typeface="Cabin"/>
+                <a:sym typeface="Cabin"/>
+              </a:rPr>
+              <a:t>int() </a:t>
+            </a:r>
+            <a:r>
+              <a:rPr lang="en-US" sz="3000">
+                <a:solidFill>
+                  <a:schemeClr val="lt1"/>
+                </a:solidFill>
+                <a:latin typeface="Cabin"/>
+                <a:ea typeface="Cabin"/>
+                <a:cs typeface="Cabin"/>
+                <a:sym typeface="Cabin"/>
+              </a:rPr>
+              <a:t>и</a:t>
+            </a:r>
+            <a:r>
+              <a:rPr lang="en-US" sz="3000" b="0" i="0" u="none" strike="noStrike" cap="none">
+                <a:solidFill>
+                  <a:schemeClr val="lt1"/>
+                </a:solidFill>
+                <a:latin typeface="Cabin"/>
+                <a:ea typeface="Cabin"/>
+                <a:cs typeface="Cabin"/>
+                <a:sym typeface="Cabin"/>
+              </a:rPr>
+              <a:t> float()</a:t>
+            </a:r>
+          </a:p>
+        </p:txBody>
+      </p:sp>
+      <p:sp>
+        <p:nvSpPr>
+          <p:cNvPr id="291" name="Shape 291"/>
+          <p:cNvSpPr txBox="1"/>
+          <p:nvPr/>
+        </p:nvSpPr>
+        <p:spPr>
+          <a:xfrm>
+            <a:off x="7940325" y="1285400"/>
+            <a:ext cx="7874399" cy="6870599"/>
+          </a:xfrm>
+          <a:prstGeom prst="rect">
+            <a:avLst/>
+          </a:prstGeom>
+          <a:noFill/>
+          <a:ln>
+            <a:noFill/>
+          </a:ln>
+        </p:spPr>
+        <p:txBody>
+          <a:bodyPr lIns="0" tIns="0" rIns="0" bIns="0" anchor="ctr" anchorCtr="0">
+            <a:noAutofit/>
+          </a:bodyPr>
+          <a:lstStyle/>
+          <a:p>
+            <a:pPr marL="0" marR="0" lvl="0" indent="0" algn="l" rtl="0">
+              <a:lnSpc>
+                <a:spcPct val="100000"/>
+              </a:lnSpc>
+              <a:spcBef>
+                <a:spcPts val="0"/>
+              </a:spcBef>
+              <a:spcAft>
+                <a:spcPts val="0"/>
+              </a:spcAft>
+              <a:buClr>
+                <a:schemeClr val="lt1"/>
+              </a:buClr>
+              <a:buSzPct val="25000"/>
+              <a:buFont typeface="Cabin"/>
+              <a:buNone/>
+            </a:pPr>
+            <a:r>
+              <a:rPr lang="en-US" sz="3000" b="0" i="0" u="none" strike="noStrike" cap="none">
+                <a:solidFill>
+                  <a:schemeClr val="lt1"/>
+                </a:solidFill>
+                <a:latin typeface="Courier New"/>
+                <a:ea typeface="Courier New"/>
+                <a:cs typeface="Courier New"/>
+                <a:sym typeface="Courier New"/>
+              </a:rPr>
+              <a:t>&gt;&gt;&gt; </a:t>
+            </a:r>
+            <a:r>
+              <a:rPr lang="en-US" sz="3000" b="0" i="0" u="none" strike="noStrike" cap="none">
+                <a:solidFill>
+                  <a:srgbClr val="FFFF00"/>
+                </a:solidFill>
+                <a:latin typeface="Courier New"/>
+                <a:ea typeface="Courier New"/>
+                <a:cs typeface="Courier New"/>
+                <a:sym typeface="Courier New"/>
+              </a:rPr>
+              <a:t>print</a:t>
+            </a:r>
+            <a:r>
+              <a:rPr lang="en-US" sz="3000" b="0" i="0" u="none" strike="noStrike" cap="none">
+                <a:solidFill>
+                  <a:schemeClr val="lt1"/>
+                </a:solidFill>
+                <a:latin typeface="Courier New"/>
+                <a:ea typeface="Courier New"/>
+                <a:cs typeface="Courier New"/>
+                <a:sym typeface="Courier New"/>
+              </a:rPr>
+              <a:t> </a:t>
+            </a:r>
+            <a:r>
+              <a:rPr lang="en-US" sz="3000" b="0" i="0" u="none" strike="noStrike" cap="none">
+                <a:solidFill>
+                  <a:srgbClr val="FF00FF"/>
+                </a:solidFill>
+                <a:latin typeface="Courier New"/>
+                <a:ea typeface="Courier New"/>
+                <a:cs typeface="Courier New"/>
+                <a:sym typeface="Courier New"/>
+              </a:rPr>
+              <a:t>float</a:t>
+            </a:r>
+            <a:r>
+              <a:rPr lang="en-US" sz="3000" b="0" i="0" u="none" strike="noStrike" cap="none">
+                <a:solidFill>
+                  <a:schemeClr val="lt1"/>
+                </a:solidFill>
+                <a:latin typeface="Courier New"/>
+                <a:ea typeface="Courier New"/>
+                <a:cs typeface="Courier New"/>
+                <a:sym typeface="Courier New"/>
+              </a:rPr>
+              <a:t>(99) </a:t>
+            </a:r>
+            <a:r>
+              <a:rPr lang="en-US" sz="3000" b="0" i="0" u="none" strike="noStrike" cap="none">
+                <a:solidFill>
+                  <a:srgbClr val="00FFFF"/>
+                </a:solidFill>
+                <a:latin typeface="Courier New"/>
+                <a:ea typeface="Courier New"/>
+                <a:cs typeface="Courier New"/>
+                <a:sym typeface="Courier New"/>
+              </a:rPr>
+              <a:t>/</a:t>
+            </a:r>
+            <a:r>
+              <a:rPr lang="en-US" sz="3000" b="0" i="0" u="none" strike="noStrike" cap="none">
+                <a:solidFill>
+                  <a:schemeClr val="lt1"/>
+                </a:solidFill>
+                <a:latin typeface="Courier New"/>
+                <a:ea typeface="Courier New"/>
+                <a:cs typeface="Courier New"/>
+                <a:sym typeface="Courier New"/>
+              </a:rPr>
+              <a:t> 100</a:t>
+            </a:r>
+          </a:p>
+          <a:p>
+            <a:pPr marL="0" marR="0" lvl="0" indent="0" algn="l" rtl="0">
+              <a:lnSpc>
+                <a:spcPct val="100000"/>
+              </a:lnSpc>
+              <a:spcBef>
+                <a:spcPts val="0"/>
+              </a:spcBef>
+              <a:spcAft>
+                <a:spcPts val="0"/>
+              </a:spcAft>
+              <a:buClr>
+                <a:schemeClr val="lt1"/>
+              </a:buClr>
+              <a:buSzPct val="25000"/>
+              <a:buFont typeface="Cabin"/>
+              <a:buNone/>
+            </a:pPr>
+            <a:r>
+              <a:rPr lang="en-US" sz="3000" b="0" i="0" u="none" strike="noStrike" cap="none">
+                <a:solidFill>
+                  <a:schemeClr val="lt1"/>
+                </a:solidFill>
+                <a:latin typeface="Courier New"/>
+                <a:ea typeface="Courier New"/>
+                <a:cs typeface="Courier New"/>
+                <a:sym typeface="Courier New"/>
+              </a:rPr>
+              <a:t>0.99</a:t>
+            </a:r>
+          </a:p>
+          <a:p>
+            <a:pPr marL="0" marR="0" lvl="0" indent="0" algn="l" rtl="0">
+              <a:lnSpc>
+                <a:spcPct val="100000"/>
+              </a:lnSpc>
+              <a:spcBef>
+                <a:spcPts val="0"/>
+              </a:spcBef>
+              <a:spcAft>
+                <a:spcPts val="0"/>
+              </a:spcAft>
+              <a:buClr>
+                <a:schemeClr val="lt1"/>
+              </a:buClr>
+              <a:buSzPct val="25000"/>
+              <a:buFont typeface="Cabin"/>
+              <a:buNone/>
+            </a:pPr>
+            <a:r>
+              <a:rPr lang="en-US" sz="3000" b="0" i="0" u="none" strike="noStrike" cap="none">
+                <a:solidFill>
+                  <a:schemeClr val="lt1"/>
+                </a:solidFill>
+                <a:latin typeface="Courier New"/>
+                <a:ea typeface="Courier New"/>
+                <a:cs typeface="Courier New"/>
+                <a:sym typeface="Courier New"/>
+              </a:rPr>
+              <a:t>&gt;&gt;&gt; i = 42</a:t>
+            </a:r>
+          </a:p>
+          <a:p>
+            <a:pPr marL="0" marR="0" lvl="0" indent="0" algn="l" rtl="0">
+              <a:lnSpc>
+                <a:spcPct val="100000"/>
+              </a:lnSpc>
+              <a:spcBef>
+                <a:spcPts val="0"/>
+              </a:spcBef>
+              <a:spcAft>
+                <a:spcPts val="0"/>
+              </a:spcAft>
+              <a:buClr>
+                <a:schemeClr val="lt1"/>
+              </a:buClr>
+              <a:buSzPct val="25000"/>
+              <a:buFont typeface="Cabin"/>
+              <a:buNone/>
+            </a:pPr>
+            <a:r>
+              <a:rPr lang="en-US" sz="3000" b="0" i="0" u="none" strike="noStrike" cap="none">
+                <a:solidFill>
+                  <a:schemeClr val="lt1"/>
+                </a:solidFill>
+                <a:latin typeface="Courier New"/>
+                <a:ea typeface="Courier New"/>
+                <a:cs typeface="Courier New"/>
+                <a:sym typeface="Courier New"/>
+              </a:rPr>
+              <a:t>&gt;&gt;&gt; </a:t>
+            </a:r>
+            <a:r>
+              <a:rPr lang="en-US" sz="3000" b="0" i="0" u="none" strike="noStrike" cap="none">
+                <a:solidFill>
+                  <a:srgbClr val="FF00FF"/>
+                </a:solidFill>
+                <a:latin typeface="Courier New"/>
+                <a:ea typeface="Courier New"/>
+                <a:cs typeface="Courier New"/>
+                <a:sym typeface="Courier New"/>
+              </a:rPr>
+              <a:t>type</a:t>
+            </a:r>
+            <a:r>
+              <a:rPr lang="en-US" sz="3000" b="0" i="0" u="none" strike="noStrike" cap="none">
+                <a:solidFill>
+                  <a:schemeClr val="lt1"/>
+                </a:solidFill>
+                <a:latin typeface="Courier New"/>
+                <a:ea typeface="Courier New"/>
+                <a:cs typeface="Courier New"/>
+                <a:sym typeface="Courier New"/>
+              </a:rPr>
+              <a:t>(i)</a:t>
+            </a:r>
+          </a:p>
+          <a:p>
+            <a:pPr marL="0" marR="0" lvl="0" indent="0" algn="l" rtl="0">
+              <a:lnSpc>
+                <a:spcPct val="100000"/>
+              </a:lnSpc>
+              <a:spcBef>
+                <a:spcPts val="0"/>
+              </a:spcBef>
+              <a:spcAft>
+                <a:spcPts val="0"/>
+              </a:spcAft>
+              <a:buClr>
+                <a:schemeClr val="lt1"/>
+              </a:buClr>
+              <a:buSzPct val="25000"/>
+              <a:buFont typeface="Cabin"/>
+              <a:buNone/>
+            </a:pPr>
+            <a:r>
+              <a:rPr lang="en-US" sz="3000" b="0" i="0" u="none" strike="noStrike" cap="none">
+                <a:solidFill>
+                  <a:schemeClr val="lt1"/>
+                </a:solidFill>
+                <a:latin typeface="Courier New"/>
+                <a:ea typeface="Courier New"/>
+                <a:cs typeface="Courier New"/>
+                <a:sym typeface="Courier New"/>
+              </a:rPr>
+              <a:t>&lt;type 'int'&gt;</a:t>
+            </a:r>
+          </a:p>
+          <a:p>
+            <a:pPr marL="0" marR="0" lvl="0" indent="0" algn="l" rtl="0">
+              <a:lnSpc>
+                <a:spcPct val="100000"/>
+              </a:lnSpc>
+              <a:spcBef>
+                <a:spcPts val="0"/>
+              </a:spcBef>
+              <a:spcAft>
+                <a:spcPts val="0"/>
+              </a:spcAft>
+              <a:buClr>
+                <a:schemeClr val="lt1"/>
+              </a:buClr>
+              <a:buSzPct val="25000"/>
+              <a:buFont typeface="Cabin"/>
+              <a:buNone/>
+            </a:pPr>
+            <a:r>
+              <a:rPr lang="en-US" sz="3000" b="0" i="0" u="none" strike="noStrike" cap="none">
+                <a:solidFill>
+                  <a:schemeClr val="lt1"/>
+                </a:solidFill>
+                <a:latin typeface="Courier New"/>
+                <a:ea typeface="Courier New"/>
+                <a:cs typeface="Courier New"/>
+                <a:sym typeface="Courier New"/>
+              </a:rPr>
+              <a:t>&gt;&gt;&gt; f = </a:t>
+            </a:r>
+            <a:r>
+              <a:rPr lang="en-US" sz="3000" b="0" i="0" u="none" strike="noStrike" cap="none">
+                <a:solidFill>
+                  <a:srgbClr val="FF00FF"/>
+                </a:solidFill>
+                <a:latin typeface="Courier New"/>
+                <a:ea typeface="Courier New"/>
+                <a:cs typeface="Courier New"/>
+                <a:sym typeface="Courier New"/>
+              </a:rPr>
+              <a:t>float</a:t>
+            </a:r>
+            <a:r>
+              <a:rPr lang="en-US" sz="3000" b="0" i="0" u="none" strike="noStrike" cap="none">
+                <a:solidFill>
+                  <a:schemeClr val="lt1"/>
+                </a:solidFill>
+                <a:latin typeface="Courier New"/>
+                <a:ea typeface="Courier New"/>
+                <a:cs typeface="Courier New"/>
+                <a:sym typeface="Courier New"/>
+              </a:rPr>
+              <a:t>(i)</a:t>
+            </a:r>
+          </a:p>
+          <a:p>
+            <a:pPr marL="0" marR="0" lvl="0" indent="0" algn="l" rtl="0">
+              <a:lnSpc>
+                <a:spcPct val="100000"/>
+              </a:lnSpc>
+              <a:spcBef>
+                <a:spcPts val="0"/>
+              </a:spcBef>
+              <a:spcAft>
+                <a:spcPts val="0"/>
+              </a:spcAft>
+              <a:buClr>
+                <a:schemeClr val="lt1"/>
+              </a:buClr>
+              <a:buSzPct val="25000"/>
+              <a:buFont typeface="Cabin"/>
+              <a:buNone/>
+            </a:pPr>
+            <a:r>
+              <a:rPr lang="en-US" sz="3000" b="0" i="0" u="none" strike="noStrike" cap="none">
+                <a:solidFill>
+                  <a:schemeClr val="lt1"/>
+                </a:solidFill>
+                <a:latin typeface="Courier New"/>
+                <a:ea typeface="Courier New"/>
+                <a:cs typeface="Courier New"/>
+                <a:sym typeface="Courier New"/>
+              </a:rPr>
+              <a:t>&gt;&gt;&gt; </a:t>
+            </a:r>
+            <a:r>
+              <a:rPr lang="en-US" sz="3000" b="0" i="0" u="none" strike="noStrike" cap="none">
+                <a:solidFill>
+                  <a:srgbClr val="FFFF00"/>
+                </a:solidFill>
+                <a:latin typeface="Courier New"/>
+                <a:ea typeface="Courier New"/>
+                <a:cs typeface="Courier New"/>
+                <a:sym typeface="Courier New"/>
+              </a:rPr>
+              <a:t>print</a:t>
+            </a:r>
+            <a:r>
+              <a:rPr lang="en-US" sz="3000" b="0" i="0" u="none" strike="noStrike" cap="none">
+                <a:solidFill>
+                  <a:schemeClr val="lt1"/>
+                </a:solidFill>
+                <a:latin typeface="Courier New"/>
+                <a:ea typeface="Courier New"/>
+                <a:cs typeface="Courier New"/>
+                <a:sym typeface="Courier New"/>
+              </a:rPr>
+              <a:t> f</a:t>
+            </a:r>
+          </a:p>
+          <a:p>
+            <a:pPr marL="0" marR="0" lvl="0" indent="0" algn="l" rtl="0">
+              <a:lnSpc>
+                <a:spcPct val="100000"/>
+              </a:lnSpc>
+              <a:spcBef>
+                <a:spcPts val="0"/>
+              </a:spcBef>
+              <a:spcAft>
+                <a:spcPts val="0"/>
+              </a:spcAft>
+              <a:buClr>
+                <a:schemeClr val="lt1"/>
+              </a:buClr>
+              <a:buSzPct val="25000"/>
+              <a:buFont typeface="Cabin"/>
+              <a:buNone/>
+            </a:pPr>
+            <a:r>
+              <a:rPr lang="en-US" sz="3000" b="0" i="0" u="none" strike="noStrike" cap="none">
+                <a:solidFill>
+                  <a:schemeClr val="lt1"/>
+                </a:solidFill>
+                <a:latin typeface="Courier New"/>
+                <a:ea typeface="Courier New"/>
+                <a:cs typeface="Courier New"/>
+                <a:sym typeface="Courier New"/>
+              </a:rPr>
+              <a:t>42.0</a:t>
+            </a:r>
+          </a:p>
+          <a:p>
+            <a:pPr marL="0" marR="0" lvl="0" indent="0" algn="l" rtl="0">
+              <a:lnSpc>
+                <a:spcPct val="100000"/>
+              </a:lnSpc>
+              <a:spcBef>
+                <a:spcPts val="0"/>
+              </a:spcBef>
+              <a:spcAft>
+                <a:spcPts val="0"/>
+              </a:spcAft>
+              <a:buClr>
+                <a:schemeClr val="lt1"/>
+              </a:buClr>
+              <a:buSzPct val="25000"/>
+              <a:buFont typeface="Cabin"/>
+              <a:buNone/>
+            </a:pPr>
+            <a:r>
+              <a:rPr lang="en-US" sz="3000" b="0" i="0" u="none" strike="noStrike" cap="none">
+                <a:solidFill>
+                  <a:schemeClr val="lt1"/>
+                </a:solidFill>
+                <a:latin typeface="Courier New"/>
+                <a:ea typeface="Courier New"/>
+                <a:cs typeface="Courier New"/>
+                <a:sym typeface="Courier New"/>
+              </a:rPr>
+              <a:t>&gt;&gt;&gt; </a:t>
+            </a:r>
+            <a:r>
+              <a:rPr lang="en-US" sz="3000" b="0" i="0" u="none" strike="noStrike" cap="none">
+                <a:solidFill>
+                  <a:srgbClr val="FF00FF"/>
+                </a:solidFill>
+                <a:latin typeface="Courier New"/>
+                <a:ea typeface="Courier New"/>
+                <a:cs typeface="Courier New"/>
+                <a:sym typeface="Courier New"/>
+              </a:rPr>
+              <a:t>type</a:t>
+            </a:r>
+            <a:r>
+              <a:rPr lang="en-US" sz="3000" b="0" i="0" u="none" strike="noStrike" cap="none">
+                <a:solidFill>
+                  <a:schemeClr val="lt1"/>
+                </a:solidFill>
+                <a:latin typeface="Courier New"/>
+                <a:ea typeface="Courier New"/>
+                <a:cs typeface="Courier New"/>
+                <a:sym typeface="Courier New"/>
+              </a:rPr>
+              <a:t>(f)</a:t>
+            </a:r>
+          </a:p>
+          <a:p>
+            <a:pPr marL="0" marR="0" lvl="0" indent="0" algn="l" rtl="0">
+              <a:lnSpc>
+                <a:spcPct val="100000"/>
+              </a:lnSpc>
+              <a:spcBef>
+                <a:spcPts val="0"/>
+              </a:spcBef>
+              <a:spcAft>
+                <a:spcPts val="0"/>
+              </a:spcAft>
+              <a:buClr>
+                <a:schemeClr val="lt1"/>
+              </a:buClr>
+              <a:buSzPct val="25000"/>
+              <a:buFont typeface="Cabin"/>
+              <a:buNone/>
+            </a:pPr>
+            <a:r>
+              <a:rPr lang="en-US" sz="3000" b="0" i="0" u="none" strike="noStrike" cap="none">
+                <a:solidFill>
+                  <a:schemeClr val="lt1"/>
+                </a:solidFill>
+                <a:latin typeface="Courier New"/>
+                <a:ea typeface="Courier New"/>
+                <a:cs typeface="Courier New"/>
+                <a:sym typeface="Courier New"/>
+              </a:rPr>
+              <a:t>&lt;type 'float'&gt;</a:t>
+            </a:r>
+          </a:p>
+          <a:p>
+            <a:pPr marL="0" marR="0" lvl="0" indent="0" algn="l" rtl="0">
+              <a:lnSpc>
+                <a:spcPct val="100000"/>
+              </a:lnSpc>
+              <a:spcBef>
+                <a:spcPts val="0"/>
+              </a:spcBef>
+              <a:spcAft>
+                <a:spcPts val="0"/>
+              </a:spcAft>
+              <a:buClr>
+                <a:schemeClr val="lt1"/>
+              </a:buClr>
+              <a:buSzPct val="25000"/>
+              <a:buFont typeface="Cabin"/>
+              <a:buNone/>
+            </a:pPr>
+            <a:r>
+              <a:rPr lang="en-US" sz="3000" b="0" i="0" u="none" strike="noStrike" cap="none">
+                <a:solidFill>
+                  <a:schemeClr val="lt1"/>
+                </a:solidFill>
+                <a:latin typeface="Courier New"/>
+                <a:ea typeface="Courier New"/>
+                <a:cs typeface="Courier New"/>
+                <a:sym typeface="Courier New"/>
+              </a:rPr>
+              <a:t>&gt;&gt;&gt; </a:t>
+            </a:r>
+            <a:r>
+              <a:rPr lang="en-US" sz="3000" b="0" i="0" u="none" strike="noStrike" cap="none">
+                <a:solidFill>
+                  <a:srgbClr val="FFFF00"/>
+                </a:solidFill>
+                <a:latin typeface="Courier New"/>
+                <a:ea typeface="Courier New"/>
+                <a:cs typeface="Courier New"/>
+                <a:sym typeface="Courier New"/>
+              </a:rPr>
+              <a:t>print</a:t>
+            </a:r>
+            <a:r>
+              <a:rPr lang="en-US" sz="3000" b="0" i="0" u="none" strike="noStrike" cap="none">
+                <a:solidFill>
+                  <a:schemeClr val="lt1"/>
+                </a:solidFill>
+                <a:latin typeface="Courier New"/>
+                <a:ea typeface="Courier New"/>
+                <a:cs typeface="Courier New"/>
+                <a:sym typeface="Courier New"/>
+              </a:rPr>
+              <a:t> 1 </a:t>
+            </a:r>
+            <a:r>
+              <a:rPr lang="en-US" sz="3000" b="0" i="0" u="none" strike="noStrike" cap="none">
+                <a:solidFill>
+                  <a:srgbClr val="00FFFF"/>
+                </a:solidFill>
+                <a:latin typeface="Courier New"/>
+                <a:ea typeface="Courier New"/>
+                <a:cs typeface="Courier New"/>
+                <a:sym typeface="Courier New"/>
+              </a:rPr>
+              <a:t>+</a:t>
+            </a:r>
+            <a:r>
+              <a:rPr lang="en-US" sz="3000" b="0" i="0" u="none" strike="noStrike" cap="none">
+                <a:solidFill>
+                  <a:schemeClr val="lt1"/>
+                </a:solidFill>
+                <a:latin typeface="Courier New"/>
+                <a:ea typeface="Courier New"/>
+                <a:cs typeface="Courier New"/>
+                <a:sym typeface="Courier New"/>
+              </a:rPr>
+              <a:t> 2 </a:t>
+            </a:r>
+            <a:r>
+              <a:rPr lang="en-US" sz="3000" b="0" i="0" u="none" strike="noStrike" cap="none">
+                <a:solidFill>
+                  <a:srgbClr val="00FFFF"/>
+                </a:solidFill>
+                <a:latin typeface="Courier New"/>
+                <a:ea typeface="Courier New"/>
+                <a:cs typeface="Courier New"/>
+                <a:sym typeface="Courier New"/>
+              </a:rPr>
+              <a:t>*</a:t>
+            </a:r>
+            <a:r>
+              <a:rPr lang="en-US" sz="3000" b="0" i="0" u="none" strike="noStrike" cap="none">
+                <a:solidFill>
+                  <a:schemeClr val="lt1"/>
+                </a:solidFill>
+                <a:latin typeface="Courier New"/>
+                <a:ea typeface="Courier New"/>
+                <a:cs typeface="Courier New"/>
+                <a:sym typeface="Courier New"/>
+              </a:rPr>
+              <a:t> </a:t>
+            </a:r>
+            <a:r>
+              <a:rPr lang="en-US" sz="3000" b="0" i="0" u="none" strike="noStrike" cap="none">
+                <a:solidFill>
+                  <a:srgbClr val="FF00FF"/>
+                </a:solidFill>
+                <a:latin typeface="Courier New"/>
+                <a:ea typeface="Courier New"/>
+                <a:cs typeface="Courier New"/>
+                <a:sym typeface="Courier New"/>
+              </a:rPr>
+              <a:t>float</a:t>
+            </a:r>
+            <a:r>
+              <a:rPr lang="en-US" sz="3000" b="0" i="0" u="none" strike="noStrike" cap="none">
+                <a:solidFill>
+                  <a:schemeClr val="lt1"/>
+                </a:solidFill>
+                <a:latin typeface="Courier New"/>
+                <a:ea typeface="Courier New"/>
+                <a:cs typeface="Courier New"/>
+                <a:sym typeface="Courier New"/>
+              </a:rPr>
+              <a:t>(3) </a:t>
+            </a:r>
+            <a:r>
+              <a:rPr lang="en-US" sz="3000" b="0" i="0" u="none" strike="noStrike" cap="none">
+                <a:solidFill>
+                  <a:srgbClr val="00FFFF"/>
+                </a:solidFill>
+                <a:latin typeface="Courier New"/>
+                <a:ea typeface="Courier New"/>
+                <a:cs typeface="Courier New"/>
+                <a:sym typeface="Courier New"/>
+              </a:rPr>
+              <a:t>/</a:t>
+            </a:r>
+            <a:r>
+              <a:rPr lang="en-US" sz="3000">
+                <a:solidFill>
+                  <a:schemeClr val="lt1"/>
+                </a:solidFill>
+                <a:latin typeface="Courier New"/>
+                <a:ea typeface="Courier New"/>
+                <a:cs typeface="Courier New"/>
+                <a:sym typeface="Courier New"/>
+              </a:rPr>
+              <a:t> </a:t>
+            </a:r>
+            <a:r>
+              <a:rPr lang="en-US" sz="3000" b="0" i="0" u="none" strike="noStrike" cap="none">
+                <a:solidFill>
+                  <a:schemeClr val="lt1"/>
+                </a:solidFill>
+                <a:latin typeface="Courier New"/>
+                <a:ea typeface="Courier New"/>
+                <a:cs typeface="Courier New"/>
+                <a:sym typeface="Courier New"/>
+              </a:rPr>
+              <a:t>4 </a:t>
+            </a:r>
+            <a:r>
+              <a:rPr lang="en-US" sz="3000" b="0" i="0" u="none" strike="noStrike" cap="none">
+                <a:solidFill>
+                  <a:srgbClr val="00FFFF"/>
+                </a:solidFill>
+                <a:latin typeface="Courier New"/>
+                <a:ea typeface="Courier New"/>
+                <a:cs typeface="Courier New"/>
+                <a:sym typeface="Courier New"/>
+              </a:rPr>
+              <a:t>-</a:t>
+            </a:r>
+            <a:r>
+              <a:rPr lang="en-US" sz="3000" b="0" i="0" u="none" strike="noStrike" cap="none">
+                <a:solidFill>
+                  <a:schemeClr val="lt1"/>
+                </a:solidFill>
+                <a:latin typeface="Courier New"/>
+                <a:ea typeface="Courier New"/>
+                <a:cs typeface="Courier New"/>
+                <a:sym typeface="Courier New"/>
+              </a:rPr>
+              <a:t> 5</a:t>
+            </a:r>
+          </a:p>
+          <a:p>
+            <a:pPr marL="0" marR="0" lvl="0" indent="0" algn="l" rtl="0">
+              <a:lnSpc>
+                <a:spcPct val="100000"/>
+              </a:lnSpc>
+              <a:spcBef>
+                <a:spcPts val="0"/>
+              </a:spcBef>
+              <a:spcAft>
+                <a:spcPts val="0"/>
+              </a:spcAft>
+              <a:buClr>
+                <a:schemeClr val="lt1"/>
+              </a:buClr>
+              <a:buSzPct val="25000"/>
+              <a:buFont typeface="Cabin"/>
+              <a:buNone/>
+            </a:pPr>
+            <a:r>
+              <a:rPr lang="en-US" sz="3000" b="0" i="0" u="none" strike="noStrike" cap="none">
+                <a:solidFill>
+                  <a:schemeClr val="lt1"/>
+                </a:solidFill>
+                <a:latin typeface="Courier New"/>
+                <a:ea typeface="Courier New"/>
+                <a:cs typeface="Courier New"/>
+                <a:sym typeface="Courier New"/>
+              </a:rPr>
+              <a:t>-2.5</a:t>
+            </a:r>
+          </a:p>
+          <a:p>
+            <a:pPr marL="0" marR="0" lvl="0" indent="0" algn="l" rtl="0">
+              <a:lnSpc>
+                <a:spcPct val="100000"/>
+              </a:lnSpc>
+              <a:spcBef>
+                <a:spcPts val="0"/>
+              </a:spcBef>
+              <a:spcAft>
+                <a:spcPts val="0"/>
+              </a:spcAft>
+              <a:buClr>
+                <a:schemeClr val="lt1"/>
+              </a:buClr>
+              <a:buSzPct val="25000"/>
+              <a:buFont typeface="Cabin"/>
+              <a:buNone/>
+            </a:pPr>
+            <a:r>
+              <a:rPr lang="en-US" sz="3000" b="0" i="0" u="none" strike="noStrike" cap="none">
+                <a:solidFill>
+                  <a:schemeClr val="lt1"/>
+                </a:solidFill>
+                <a:latin typeface="Courier New"/>
+                <a:ea typeface="Courier New"/>
+                <a:cs typeface="Courier New"/>
+                <a:sym typeface="Courier New"/>
+              </a:rPr>
+              <a:t>&gt;&gt;&gt; </a:t>
+            </a:r>
+          </a:p>
+        </p:txBody>
+      </p:sp>
+    </p:spTree>
+  </p:cSld>
+  <p:clrMapOvr>
+    <a:masterClrMapping/>
+  </p:clrMapOvr>
+</p:sld>
+</file>
+
+<file path=ppt/slides/slide11.xml><?xml version="1.0" encoding="utf-8"?>
+<p:sld xmlns:a="http://schemas.openxmlformats.org/drawingml/2006/main" xmlns:r="http://schemas.openxmlformats.org/officeDocument/2006/relationships" xmlns:p="http://schemas.openxmlformats.org/presentationml/2006/main">
+  <p:cSld>
+    <p:spTree>
+      <p:nvGrpSpPr>
         <p:cNvPr id="1" name="Shape 295"/>
         <p:cNvGrpSpPr/>
         <p:nvPr/>
@@ -18865,7 +19983,7 @@
 </p:sld>
 </file>
 
-<file path=ppt/slides/slide11.xml><?xml version="1.0" encoding="utf-8"?>
+<file path=ppt/slides/slide12.xml><?xml version="1.0" encoding="utf-8"?>
 <p:sld xmlns:a="http://schemas.openxmlformats.org/drawingml/2006/main" xmlns:r="http://schemas.openxmlformats.org/officeDocument/2006/relationships" xmlns:p="http://schemas.openxmlformats.org/presentationml/2006/main">
   <p:cSld>
     <p:spTree>
@@ -19429,7 +20547,7 @@
 </p:sld>
 </file>
 
-<file path=ppt/slides/slide12.xml><?xml version="1.0" encoding="utf-8"?>
+<file path=ppt/slides/slide13.xml><?xml version="1.0" encoding="utf-8"?>
 <p:sld xmlns:a="http://schemas.openxmlformats.org/drawingml/2006/main" xmlns:r="http://schemas.openxmlformats.org/officeDocument/2006/relationships" xmlns:p="http://schemas.openxmlformats.org/presentationml/2006/main">
   <p:cSld>
     <p:spTree>
@@ -20316,7 +21434,7 @@
 </p:sld>
 </file>
 
-<file path=ppt/slides/slide13.xml><?xml version="1.0" encoding="utf-8"?>
+<file path=ppt/slides/slide14.xml><?xml version="1.0" encoding="utf-8"?>
 <p:sld xmlns:a="http://schemas.openxmlformats.org/drawingml/2006/main" xmlns:r="http://schemas.openxmlformats.org/officeDocument/2006/relationships" xmlns:p="http://schemas.openxmlformats.org/presentationml/2006/main">
   <p:cSld>
     <p:spTree>
@@ -20638,7 +21756,7 @@
 </p:sld>
 </file>
 
-<file path=ppt/slides/slide14.xml><?xml version="1.0" encoding="utf-8"?>
+<file path=ppt/slides/slide15.xml><?xml version="1.0" encoding="utf-8"?>
 <p:sld xmlns:a="http://schemas.openxmlformats.org/drawingml/2006/main" xmlns:r="http://schemas.openxmlformats.org/officeDocument/2006/relationships" xmlns:p="http://schemas.openxmlformats.org/presentationml/2006/main">
   <p:cSld>
     <p:spTree>
@@ -21449,7 +22567,7 @@
 </p:sld>
 </file>
 
-<file path=ppt/slides/slide15.xml><?xml version="1.0" encoding="utf-8"?>
+<file path=ppt/slides/slide16.xml><?xml version="1.0" encoding="utf-8"?>
 <p:sld xmlns:a="http://schemas.openxmlformats.org/drawingml/2006/main" xmlns:r="http://schemas.openxmlformats.org/officeDocument/2006/relationships" xmlns:p="http://schemas.openxmlformats.org/presentationml/2006/main">
   <p:cSld>
     <p:spTree>
@@ -22014,7 +23132,7 @@
 </p:sld>
 </file>
 
-<file path=ppt/slides/slide16.xml><?xml version="1.0" encoding="utf-8"?>
+<file path=ppt/slides/slide17.xml><?xml version="1.0" encoding="utf-8"?>
 <p:sld xmlns:a="http://schemas.openxmlformats.org/drawingml/2006/main" xmlns:r="http://schemas.openxmlformats.org/officeDocument/2006/relationships" xmlns:p="http://schemas.openxmlformats.org/presentationml/2006/main">
   <p:cSld>
     <p:spTree>
@@ -23067,7 +24185,7 @@
 </p:sld>
 </file>
 
-<file path=ppt/slides/slide17.xml><?xml version="1.0" encoding="utf-8"?>
+<file path=ppt/slides/slide18.xml><?xml version="1.0" encoding="utf-8"?>
 <p:sld xmlns:a="http://schemas.openxmlformats.org/drawingml/2006/main" xmlns:r="http://schemas.openxmlformats.org/officeDocument/2006/relationships" xmlns:p="http://schemas.openxmlformats.org/presentationml/2006/main">
   <p:cSld>
     <p:spTree>
@@ -23758,7 +24876,7 @@
 </p:sld>
 </file>
 
-<file path=ppt/slides/slide18.xml><?xml version="1.0" encoding="utf-8"?>
+<file path=ppt/slides/slide19.xml><?xml version="1.0" encoding="utf-8"?>
 <p:sld xmlns:a="http://schemas.openxmlformats.org/drawingml/2006/main" xmlns:r="http://schemas.openxmlformats.org/officeDocument/2006/relationships" xmlns:p="http://schemas.openxmlformats.org/presentationml/2006/main">
   <p:cSld>
     <p:spTree>
@@ -25196,1255 +26314,6 @@
           </a:p>
         </p:txBody>
       </p:sp>
-    </p:spTree>
-  </p:cSld>
-  <p:clrMapOvr>
-    <a:masterClrMapping/>
-  </p:clrMapOvr>
-</p:sld>
-</file>
-
-<file path=ppt/slides/slide19.xml><?xml version="1.0" encoding="utf-8"?>
-<p:sld xmlns:a="http://schemas.openxmlformats.org/drawingml/2006/main" xmlns:r="http://schemas.openxmlformats.org/officeDocument/2006/relationships" xmlns:p="http://schemas.openxmlformats.org/presentationml/2006/main">
-  <p:cSld>
-    <p:spTree>
-      <p:nvGrpSpPr>
-        <p:cNvPr id="1" name="Shape 361"/>
-        <p:cNvGrpSpPr/>
-        <p:nvPr/>
-      </p:nvGrpSpPr>
-      <p:grpSpPr>
-        <a:xfrm>
-          <a:off x="0" y="0"/>
-          <a:ext cx="0" cy="0"/>
-          <a:chOff x="0" y="0"/>
-          <a:chExt cx="0" cy="0"/>
-        </a:xfrm>
-      </p:grpSpPr>
-      <p:sp>
-        <p:nvSpPr>
-          <p:cNvPr id="362" name="Shape 362"/>
-          <p:cNvSpPr txBox="1">
-            <a:spLocks noGrp="1"/>
-          </p:cNvSpPr>
-          <p:nvPr>
-            <p:ph type="title"/>
-          </p:nvPr>
-        </p:nvSpPr>
-        <p:spPr>
-          <a:xfrm>
-            <a:off x="1155700" y="241300"/>
-            <a:ext cx="13931900" cy="2298699"/>
-          </a:xfrm>
-          <a:prstGeom prst="rect">
-            <a:avLst/>
-          </a:prstGeom>
-          <a:noFill/>
-          <a:ln>
-            <a:noFill/>
-          </a:ln>
-        </p:spPr>
-        <p:txBody>
-          <a:bodyPr lIns="38100" tIns="38100" rIns="38100" bIns="38100" anchor="ctr" anchorCtr="0">
-            <a:noAutofit/>
-          </a:bodyPr>
-          <a:lstStyle/>
-          <a:p>
-            <a:pPr marL="0" marR="0" lvl="0" indent="0" algn="ctr" rtl="0">
-              <a:lnSpc>
-                <a:spcPct val="100000"/>
-              </a:lnSpc>
-              <a:spcBef>
-                <a:spcPts val="0"/>
-              </a:spcBef>
-              <a:spcAft>
-                <a:spcPts val="0"/>
-              </a:spcAft>
-              <a:buClr>
-                <a:srgbClr val="FF7F00"/>
-              </a:buClr>
-              <a:buSzPct val="25000"/>
-              <a:buFont typeface="Cabin"/>
-              <a:buNone/>
-            </a:pPr>
-            <a:r>
-              <a:rPr lang="en-US" sz="6600">
-                <a:solidFill>
-                  <a:srgbClr val="FF7F00"/>
-                </a:solidFill>
-                <a:latin typeface="Cabin"/>
-                <a:ea typeface="Cabin"/>
-                <a:cs typeface="Cabin"/>
-                <a:sym typeface="Cabin"/>
-              </a:rPr>
-              <a:t>Аргументы</a:t>
-            </a:r>
-            <a:r>
-              <a:rPr lang="en-US" sz="6600" b="0" i="0" u="none" strike="noStrike" cap="none">
-                <a:solidFill>
-                  <a:schemeClr val="lt1"/>
-                </a:solidFill>
-                <a:latin typeface="Cabin"/>
-                <a:ea typeface="Cabin"/>
-                <a:cs typeface="Cabin"/>
-                <a:sym typeface="Cabin"/>
-              </a:rPr>
-              <a:t>,</a:t>
-            </a:r>
-            <a:r>
-              <a:rPr lang="en-US" sz="6600" b="0" i="0" u="none" strike="noStrike" cap="none">
-                <a:solidFill>
-                  <a:srgbClr val="FFFF00"/>
-                </a:solidFill>
-                <a:latin typeface="Cabin"/>
-                <a:ea typeface="Cabin"/>
-                <a:cs typeface="Cabin"/>
-                <a:sym typeface="Cabin"/>
-              </a:rPr>
-              <a:t> </a:t>
-            </a:r>
-            <a:r>
-              <a:rPr lang="en-US" sz="6600">
-                <a:solidFill>
-                  <a:srgbClr val="00FFFF"/>
-                </a:solidFill>
-                <a:latin typeface="Cabin"/>
-                <a:ea typeface="Cabin"/>
-                <a:cs typeface="Cabin"/>
-                <a:sym typeface="Cabin"/>
-              </a:rPr>
-              <a:t>параметры</a:t>
-            </a:r>
-            <a:r>
-              <a:rPr lang="en-US" sz="6600" b="0" i="0" u="none" strike="noStrike" cap="none">
-                <a:solidFill>
-                  <a:schemeClr val="lt1"/>
-                </a:solidFill>
-                <a:latin typeface="Cabin"/>
-                <a:ea typeface="Cabin"/>
-                <a:cs typeface="Cabin"/>
-                <a:sym typeface="Cabin"/>
-              </a:rPr>
-              <a:t> </a:t>
-            </a:r>
-            <a:r>
-              <a:rPr lang="en-US" sz="6600">
-                <a:solidFill>
-                  <a:schemeClr val="lt1"/>
-                </a:solidFill>
-                <a:latin typeface="Cabin"/>
-                <a:ea typeface="Cabin"/>
-                <a:cs typeface="Cabin"/>
-                <a:sym typeface="Cabin"/>
-              </a:rPr>
-              <a:t>и</a:t>
-            </a:r>
-            <a:r>
-              <a:rPr lang="en-US" sz="6600" b="0" i="0" u="none" strike="noStrike" cap="none">
-                <a:solidFill>
-                  <a:srgbClr val="FF00FF"/>
-                </a:solidFill>
-                <a:latin typeface="Cabin"/>
-                <a:ea typeface="Cabin"/>
-                <a:cs typeface="Cabin"/>
-                <a:sym typeface="Cabin"/>
-              </a:rPr>
-              <a:t> </a:t>
-            </a:r>
-            <a:r>
-              <a:rPr lang="en-US" sz="6600">
-                <a:solidFill>
-                  <a:srgbClr val="00FF00"/>
-                </a:solidFill>
-                <a:latin typeface="Cabin"/>
-                <a:ea typeface="Cabin"/>
-                <a:cs typeface="Cabin"/>
-                <a:sym typeface="Cabin"/>
-              </a:rPr>
-              <a:t>результаты</a:t>
-            </a:r>
-          </a:p>
-        </p:txBody>
-      </p:sp>
-      <p:sp>
-        <p:nvSpPr>
-          <p:cNvPr id="363" name="Shape 363"/>
-          <p:cNvSpPr txBox="1"/>
-          <p:nvPr/>
-        </p:nvSpPr>
-        <p:spPr>
-          <a:xfrm>
-            <a:off x="1200150" y="2616200"/>
-            <a:ext cx="7557000" cy="1663800"/>
-          </a:xfrm>
-          <a:prstGeom prst="rect">
-            <a:avLst/>
-          </a:prstGeom>
-          <a:noFill/>
-          <a:ln>
-            <a:noFill/>
-          </a:ln>
-        </p:spPr>
-        <p:txBody>
-          <a:bodyPr lIns="0" tIns="0" rIns="0" bIns="0" anchor="ctr" anchorCtr="0">
-            <a:noAutofit/>
-          </a:bodyPr>
-          <a:lstStyle/>
-          <a:p>
-            <a:pPr marL="0" marR="0" lvl="0" indent="0" algn="l" rtl="0">
-              <a:lnSpc>
-                <a:spcPct val="100000"/>
-              </a:lnSpc>
-              <a:spcBef>
-                <a:spcPts val="0"/>
-              </a:spcBef>
-              <a:spcAft>
-                <a:spcPts val="0"/>
-              </a:spcAft>
-              <a:buClr>
-                <a:schemeClr val="lt1"/>
-              </a:buClr>
-              <a:buSzPct val="25000"/>
-              <a:buFont typeface="Cabin"/>
-              <a:buNone/>
-            </a:pPr>
-            <a:r>
-              <a:rPr lang="en-US" sz="3000" b="0" i="0" u="none" strike="noStrike" cap="none">
-                <a:solidFill>
-                  <a:schemeClr val="lt1"/>
-                </a:solidFill>
-                <a:latin typeface="Courier New"/>
-                <a:ea typeface="Courier New"/>
-                <a:cs typeface="Courier New"/>
-                <a:sym typeface="Courier New"/>
-              </a:rPr>
-              <a:t>&gt;&gt;&gt; </a:t>
-            </a:r>
-            <a:r>
-              <a:rPr lang="en-US" sz="3000" b="0" i="0" u="none" strike="noStrike" cap="none">
-                <a:solidFill>
-                  <a:srgbClr val="00FF00"/>
-                </a:solidFill>
-                <a:latin typeface="Courier New"/>
-                <a:ea typeface="Courier New"/>
-                <a:cs typeface="Courier New"/>
-                <a:sym typeface="Courier New"/>
-              </a:rPr>
-              <a:t>big</a:t>
-            </a:r>
-            <a:r>
-              <a:rPr lang="en-US" sz="3000" b="0" i="0" u="none" strike="noStrike" cap="none">
-                <a:solidFill>
-                  <a:schemeClr val="lt1"/>
-                </a:solidFill>
-                <a:latin typeface="Courier New"/>
-                <a:ea typeface="Courier New"/>
-                <a:cs typeface="Courier New"/>
-                <a:sym typeface="Courier New"/>
-              </a:rPr>
-              <a:t> = </a:t>
-            </a:r>
-            <a:r>
-              <a:rPr lang="en-US" sz="3000" b="0" i="0" u="none" strike="noStrike" cap="none">
-                <a:solidFill>
-                  <a:srgbClr val="FF00FF"/>
-                </a:solidFill>
-                <a:latin typeface="Courier New"/>
-                <a:ea typeface="Courier New"/>
-                <a:cs typeface="Courier New"/>
-                <a:sym typeface="Courier New"/>
-              </a:rPr>
-              <a:t>max</a:t>
-            </a:r>
-            <a:r>
-              <a:rPr lang="en-US" sz="3000" b="0" i="0" u="none" strike="noStrike" cap="none">
-                <a:solidFill>
-                  <a:schemeClr val="lt1"/>
-                </a:solidFill>
-                <a:latin typeface="Courier New"/>
-                <a:ea typeface="Courier New"/>
-                <a:cs typeface="Courier New"/>
-                <a:sym typeface="Courier New"/>
-              </a:rPr>
-              <a:t>(</a:t>
-            </a:r>
-            <a:r>
-              <a:rPr lang="en-US" sz="3000" b="0" i="0" u="none" strike="noStrike" cap="none">
-                <a:solidFill>
-                  <a:srgbClr val="00FF00"/>
-                </a:solidFill>
-                <a:latin typeface="Courier New"/>
-                <a:ea typeface="Courier New"/>
-                <a:cs typeface="Courier New"/>
-                <a:sym typeface="Courier New"/>
-              </a:rPr>
-              <a:t>'</a:t>
-            </a:r>
-            <a:r>
-              <a:rPr lang="en-US" sz="3000">
-                <a:solidFill>
-                  <a:srgbClr val="00FF00"/>
-                </a:solidFill>
-                <a:latin typeface="Courier New"/>
-                <a:ea typeface="Courier New"/>
-                <a:cs typeface="Courier New"/>
-                <a:sym typeface="Courier New"/>
-              </a:rPr>
-              <a:t>Hello world</a:t>
-            </a:r>
-            <a:r>
-              <a:rPr lang="en-US" sz="3000" b="0" i="0" u="none" strike="noStrike" cap="none">
-                <a:solidFill>
-                  <a:srgbClr val="00FF00"/>
-                </a:solidFill>
-                <a:latin typeface="Courier New"/>
-                <a:ea typeface="Courier New"/>
-                <a:cs typeface="Courier New"/>
-                <a:sym typeface="Courier New"/>
-              </a:rPr>
-              <a:t>'</a:t>
-            </a:r>
-            <a:r>
-              <a:rPr lang="en-US" sz="3000" b="0" i="0" u="none" strike="noStrike" cap="none">
-                <a:solidFill>
-                  <a:schemeClr val="lt1"/>
-                </a:solidFill>
-                <a:latin typeface="Courier New"/>
-                <a:ea typeface="Courier New"/>
-                <a:cs typeface="Courier New"/>
-                <a:sym typeface="Courier New"/>
-              </a:rPr>
-              <a:t>)</a:t>
-            </a:r>
-          </a:p>
-          <a:p>
-            <a:pPr marL="0" marR="0" lvl="0" indent="0" algn="l" rtl="0">
-              <a:lnSpc>
-                <a:spcPct val="100000"/>
-              </a:lnSpc>
-              <a:spcBef>
-                <a:spcPts val="0"/>
-              </a:spcBef>
-              <a:spcAft>
-                <a:spcPts val="0"/>
-              </a:spcAft>
-              <a:buClr>
-                <a:schemeClr val="lt1"/>
-              </a:buClr>
-              <a:buSzPct val="25000"/>
-              <a:buFont typeface="Cabin"/>
-              <a:buNone/>
-            </a:pPr>
-            <a:r>
-              <a:rPr lang="en-US" sz="3000" b="0" i="0" u="none" strike="noStrike" cap="none">
-                <a:solidFill>
-                  <a:schemeClr val="lt1"/>
-                </a:solidFill>
-                <a:latin typeface="Courier New"/>
-                <a:ea typeface="Courier New"/>
-                <a:cs typeface="Courier New"/>
-                <a:sym typeface="Courier New"/>
-              </a:rPr>
-              <a:t>&gt;&gt;&gt; </a:t>
-            </a:r>
-            <a:r>
-              <a:rPr lang="en-US" sz="3000" b="0" i="0" u="none" strike="noStrike" cap="none">
-                <a:solidFill>
-                  <a:srgbClr val="FFFF00"/>
-                </a:solidFill>
-                <a:latin typeface="Courier New"/>
-                <a:ea typeface="Courier New"/>
-                <a:cs typeface="Courier New"/>
-                <a:sym typeface="Courier New"/>
-              </a:rPr>
-              <a:t>print</a:t>
-            </a:r>
-            <a:r>
-              <a:rPr lang="en-US" sz="3000" b="0" i="0" u="none" strike="noStrike" cap="none">
-                <a:solidFill>
-                  <a:schemeClr val="lt1"/>
-                </a:solidFill>
-                <a:latin typeface="Courier New"/>
-                <a:ea typeface="Courier New"/>
-                <a:cs typeface="Courier New"/>
-                <a:sym typeface="Courier New"/>
-              </a:rPr>
-              <a:t> </a:t>
-            </a:r>
-            <a:r>
-              <a:rPr lang="en-US" sz="3000" b="0" i="0" u="none" strike="noStrike" cap="none">
-                <a:solidFill>
-                  <a:srgbClr val="00FF00"/>
-                </a:solidFill>
-                <a:latin typeface="Courier New"/>
-                <a:ea typeface="Courier New"/>
-                <a:cs typeface="Courier New"/>
-                <a:sym typeface="Courier New"/>
-              </a:rPr>
-              <a:t>big</a:t>
-            </a:r>
-          </a:p>
-          <a:p>
-            <a:pPr marL="0" marR="0" lvl="0" indent="0" algn="l" rtl="0">
-              <a:lnSpc>
-                <a:spcPct val="100000"/>
-              </a:lnSpc>
-              <a:spcBef>
-                <a:spcPts val="0"/>
-              </a:spcBef>
-              <a:spcAft>
-                <a:spcPts val="0"/>
-              </a:spcAft>
-              <a:buClr>
-                <a:schemeClr val="lt1"/>
-              </a:buClr>
-              <a:buSzPct val="25000"/>
-              <a:buFont typeface="Cabin"/>
-              <a:buNone/>
-            </a:pPr>
-            <a:r>
-              <a:rPr lang="en-US" sz="3000" b="0" i="0" u="none" strike="noStrike" cap="none">
-                <a:solidFill>
-                  <a:srgbClr val="00FF00"/>
-                </a:solidFill>
-                <a:latin typeface="Courier New"/>
-                <a:ea typeface="Courier New"/>
-                <a:cs typeface="Courier New"/>
-                <a:sym typeface="Courier New"/>
-              </a:rPr>
-              <a:t>w</a:t>
-            </a:r>
-          </a:p>
-        </p:txBody>
-      </p:sp>
-      <p:sp>
-        <p:nvSpPr>
-          <p:cNvPr id="364" name="Shape 364"/>
-          <p:cNvSpPr txBox="1"/>
-          <p:nvPr/>
-        </p:nvSpPr>
-        <p:spPr>
-          <a:xfrm>
-            <a:off x="7805637" y="4011400"/>
-            <a:ext cx="3127800" cy="3483300"/>
-          </a:xfrm>
-          <a:prstGeom prst="rect">
-            <a:avLst/>
-          </a:prstGeom>
-          <a:solidFill>
-            <a:srgbClr val="0000FF"/>
-          </a:solidFill>
-          <a:ln>
-            <a:noFill/>
-          </a:ln>
-        </p:spPr>
-        <p:txBody>
-          <a:bodyPr lIns="0" tIns="0" rIns="0" bIns="0" anchor="ctr" anchorCtr="0">
-            <a:noAutofit/>
-          </a:bodyPr>
-          <a:lstStyle/>
-          <a:p>
-            <a:pPr marL="0" marR="0" lvl="0" indent="0" algn="l" rtl="0">
-              <a:lnSpc>
-                <a:spcPct val="100000"/>
-              </a:lnSpc>
-              <a:spcBef>
-                <a:spcPts val="0"/>
-              </a:spcBef>
-              <a:spcAft>
-                <a:spcPts val="0"/>
-              </a:spcAft>
-              <a:buClr>
-                <a:srgbClr val="FFFF00"/>
-              </a:buClr>
-              <a:buSzPct val="25000"/>
-              <a:buFont typeface="Cabin"/>
-              <a:buNone/>
-            </a:pPr>
-            <a:r>
-              <a:rPr lang="en-US" sz="2400">
-                <a:solidFill>
-                  <a:srgbClr val="FFFF00"/>
-                </a:solidFill>
-                <a:latin typeface="Courier New"/>
-                <a:ea typeface="Courier New"/>
-                <a:cs typeface="Courier New"/>
-                <a:sym typeface="Courier New"/>
-              </a:rPr>
-              <a:t> </a:t>
-            </a:r>
-            <a:r>
-              <a:rPr lang="en-US" sz="2400" b="0" i="0" u="none" strike="noStrike" cap="none">
-                <a:solidFill>
-                  <a:srgbClr val="FFFF00"/>
-                </a:solidFill>
-                <a:latin typeface="Courier New"/>
-                <a:ea typeface="Courier New"/>
-                <a:cs typeface="Courier New"/>
-                <a:sym typeface="Courier New"/>
-              </a:rPr>
-              <a:t>def</a:t>
-            </a:r>
-            <a:r>
-              <a:rPr lang="en-US" sz="2400" b="0" i="0" u="none" strike="noStrike" cap="none">
-                <a:solidFill>
-                  <a:schemeClr val="lt1"/>
-                </a:solidFill>
-                <a:latin typeface="Courier New"/>
-                <a:ea typeface="Courier New"/>
-                <a:cs typeface="Courier New"/>
-                <a:sym typeface="Courier New"/>
-              </a:rPr>
-              <a:t> max(</a:t>
-            </a:r>
-            <a:r>
-              <a:rPr lang="en-US" sz="2400" b="0" i="0" u="none" strike="noStrike" cap="none">
-                <a:solidFill>
-                  <a:srgbClr val="00FFFF"/>
-                </a:solidFill>
-                <a:latin typeface="Courier New"/>
-                <a:ea typeface="Courier New"/>
-                <a:cs typeface="Courier New"/>
-                <a:sym typeface="Courier New"/>
-              </a:rPr>
-              <a:t>inp</a:t>
-            </a:r>
-            <a:r>
-              <a:rPr lang="en-US" sz="2400" b="0" i="0" u="none" strike="noStrike" cap="none">
-                <a:solidFill>
-                  <a:schemeClr val="lt1"/>
-                </a:solidFill>
-                <a:latin typeface="Courier New"/>
-                <a:ea typeface="Courier New"/>
-                <a:cs typeface="Courier New"/>
-                <a:sym typeface="Courier New"/>
-              </a:rPr>
-              <a:t>):</a:t>
-            </a:r>
-          </a:p>
-          <a:p>
-            <a:pPr marL="0" marR="0" lvl="0" indent="0" algn="l" rtl="0">
-              <a:lnSpc>
-                <a:spcPct val="100000"/>
-              </a:lnSpc>
-              <a:spcBef>
-                <a:spcPts val="0"/>
-              </a:spcBef>
-              <a:spcAft>
-                <a:spcPts val="0"/>
-              </a:spcAft>
-              <a:buClr>
-                <a:schemeClr val="lt1"/>
-              </a:buClr>
-              <a:buSzPct val="25000"/>
-              <a:buFont typeface="Cabin"/>
-              <a:buNone/>
-            </a:pPr>
-            <a:r>
-              <a:rPr lang="en-US" sz="2400" b="0" i="0" u="none" strike="noStrike" cap="none">
-                <a:solidFill>
-                  <a:schemeClr val="lt1"/>
-                </a:solidFill>
-                <a:latin typeface="Courier New"/>
-                <a:ea typeface="Courier New"/>
-                <a:cs typeface="Courier New"/>
-                <a:sym typeface="Courier New"/>
-              </a:rPr>
-              <a:t>    blah</a:t>
-            </a:r>
-          </a:p>
-          <a:p>
-            <a:pPr marL="0" marR="0" lvl="0" indent="0" algn="l" rtl="0">
-              <a:lnSpc>
-                <a:spcPct val="100000"/>
-              </a:lnSpc>
-              <a:spcBef>
-                <a:spcPts val="0"/>
-              </a:spcBef>
-              <a:spcAft>
-                <a:spcPts val="0"/>
-              </a:spcAft>
-              <a:buClr>
-                <a:schemeClr val="lt1"/>
-              </a:buClr>
-              <a:buSzPct val="25000"/>
-              <a:buFont typeface="Cabin"/>
-              <a:buNone/>
-            </a:pPr>
-            <a:r>
-              <a:rPr lang="en-US" sz="2400" b="0" i="0" u="none" strike="noStrike" cap="none">
-                <a:solidFill>
-                  <a:schemeClr val="lt1"/>
-                </a:solidFill>
-                <a:latin typeface="Courier New"/>
-                <a:ea typeface="Courier New"/>
-                <a:cs typeface="Courier New"/>
-                <a:sym typeface="Courier New"/>
-              </a:rPr>
-              <a:t>    blah</a:t>
-            </a:r>
-          </a:p>
-          <a:p>
-            <a:pPr marL="0" marR="0" lvl="0" indent="0" algn="l" rtl="0">
-              <a:lnSpc>
-                <a:spcPct val="100000"/>
-              </a:lnSpc>
-              <a:spcBef>
-                <a:spcPts val="0"/>
-              </a:spcBef>
-              <a:spcAft>
-                <a:spcPts val="0"/>
-              </a:spcAft>
-              <a:buClr>
-                <a:schemeClr val="lt1"/>
-              </a:buClr>
-              <a:buSzPct val="25000"/>
-              <a:buFont typeface="Cabin"/>
-              <a:buNone/>
-            </a:pPr>
-            <a:r>
-              <a:rPr lang="en-US" sz="2400" b="0" i="0" u="none" strike="noStrike" cap="none">
-                <a:solidFill>
-                  <a:schemeClr val="lt1"/>
-                </a:solidFill>
-                <a:latin typeface="Courier New"/>
-                <a:ea typeface="Courier New"/>
-                <a:cs typeface="Courier New"/>
-                <a:sym typeface="Courier New"/>
-              </a:rPr>
-              <a:t>    </a:t>
-            </a:r>
-            <a:r>
-              <a:rPr lang="en-US" sz="2400" b="0" i="0" u="none" strike="noStrike" cap="none">
-                <a:solidFill>
-                  <a:srgbClr val="FFFF00"/>
-                </a:solidFill>
-                <a:latin typeface="Courier New"/>
-                <a:ea typeface="Courier New"/>
-                <a:cs typeface="Courier New"/>
-                <a:sym typeface="Courier New"/>
-              </a:rPr>
-              <a:t>for</a:t>
-            </a:r>
-            <a:r>
-              <a:rPr lang="en-US" sz="2400" b="0" i="0" u="none" strike="noStrike" cap="none">
-                <a:solidFill>
-                  <a:schemeClr val="lt1"/>
-                </a:solidFill>
-                <a:latin typeface="Courier New"/>
-                <a:ea typeface="Courier New"/>
-                <a:cs typeface="Courier New"/>
-                <a:sym typeface="Courier New"/>
-              </a:rPr>
-              <a:t> x </a:t>
-            </a:r>
-            <a:r>
-              <a:rPr lang="en-US" sz="2400" b="0" i="0" u="none" strike="noStrike" cap="none">
-                <a:solidFill>
-                  <a:srgbClr val="FFFF00"/>
-                </a:solidFill>
-                <a:latin typeface="Courier New"/>
-                <a:ea typeface="Courier New"/>
-                <a:cs typeface="Courier New"/>
-                <a:sym typeface="Courier New"/>
-              </a:rPr>
-              <a:t>in</a:t>
-            </a:r>
-            <a:r>
-              <a:rPr lang="en-US" sz="2400" b="0" i="0" u="none" strike="noStrike" cap="none">
-                <a:solidFill>
-                  <a:schemeClr val="lt1"/>
-                </a:solidFill>
-                <a:latin typeface="Courier New"/>
-                <a:ea typeface="Courier New"/>
-                <a:cs typeface="Courier New"/>
-                <a:sym typeface="Courier New"/>
-              </a:rPr>
-              <a:t> y:</a:t>
-            </a:r>
-          </a:p>
-          <a:p>
-            <a:pPr marL="0" marR="0" lvl="0" indent="0" algn="l" rtl="0">
-              <a:lnSpc>
-                <a:spcPct val="100000"/>
-              </a:lnSpc>
-              <a:spcBef>
-                <a:spcPts val="0"/>
-              </a:spcBef>
-              <a:spcAft>
-                <a:spcPts val="0"/>
-              </a:spcAft>
-              <a:buClr>
-                <a:schemeClr val="lt1"/>
-              </a:buClr>
-              <a:buSzPct val="25000"/>
-              <a:buFont typeface="Cabin"/>
-              <a:buNone/>
-            </a:pPr>
-            <a:r>
-              <a:rPr lang="en-US" sz="2400" b="0" i="0" u="none" strike="noStrike" cap="none">
-                <a:solidFill>
-                  <a:schemeClr val="lt1"/>
-                </a:solidFill>
-                <a:latin typeface="Courier New"/>
-                <a:ea typeface="Courier New"/>
-                <a:cs typeface="Courier New"/>
-                <a:sym typeface="Courier New"/>
-              </a:rPr>
-              <a:t>      blah</a:t>
-            </a:r>
-          </a:p>
-          <a:p>
-            <a:pPr marL="0" marR="0" lvl="0" indent="0" algn="l" rtl="0">
-              <a:lnSpc>
-                <a:spcPct val="100000"/>
-              </a:lnSpc>
-              <a:spcBef>
-                <a:spcPts val="0"/>
-              </a:spcBef>
-              <a:spcAft>
-                <a:spcPts val="0"/>
-              </a:spcAft>
-              <a:buClr>
-                <a:schemeClr val="lt1"/>
-              </a:buClr>
-              <a:buSzPct val="25000"/>
-              <a:buFont typeface="Cabin"/>
-              <a:buNone/>
-            </a:pPr>
-            <a:r>
-              <a:rPr lang="en-US" sz="2400" b="0" i="0" u="none" strike="noStrike" cap="none">
-                <a:solidFill>
-                  <a:schemeClr val="lt1"/>
-                </a:solidFill>
-                <a:latin typeface="Courier New"/>
-                <a:ea typeface="Courier New"/>
-                <a:cs typeface="Courier New"/>
-                <a:sym typeface="Courier New"/>
-              </a:rPr>
-              <a:t>      blah</a:t>
-            </a:r>
-          </a:p>
-          <a:p>
-            <a:pPr marL="0" marR="0" lvl="0" indent="0" algn="l" rtl="0">
-              <a:lnSpc>
-                <a:spcPct val="100000"/>
-              </a:lnSpc>
-              <a:spcBef>
-                <a:spcPts val="0"/>
-              </a:spcBef>
-              <a:spcAft>
-                <a:spcPts val="0"/>
-              </a:spcAft>
-              <a:buClr>
-                <a:schemeClr val="lt1"/>
-              </a:buClr>
-              <a:buSzPct val="25000"/>
-              <a:buFont typeface="Cabin"/>
-              <a:buNone/>
-            </a:pPr>
-            <a:r>
-              <a:rPr lang="en-US" sz="2400" b="0" i="0" u="none" strike="noStrike" cap="none">
-                <a:solidFill>
-                  <a:schemeClr val="lt1"/>
-                </a:solidFill>
-                <a:latin typeface="Courier New"/>
-                <a:ea typeface="Courier New"/>
-                <a:cs typeface="Courier New"/>
-                <a:sym typeface="Courier New"/>
-              </a:rPr>
-              <a:t>    </a:t>
-            </a:r>
-            <a:r>
-              <a:rPr lang="en-US" sz="2400" b="0" i="0" u="none" strike="noStrike" cap="none">
-                <a:solidFill>
-                  <a:srgbClr val="00FF00"/>
-                </a:solidFill>
-                <a:latin typeface="Courier New"/>
-                <a:ea typeface="Courier New"/>
-                <a:cs typeface="Courier New"/>
-                <a:sym typeface="Courier New"/>
-              </a:rPr>
-              <a:t>return ‘w’</a:t>
-            </a:r>
-          </a:p>
-        </p:txBody>
-      </p:sp>
-      <p:cxnSp>
-        <p:nvCxnSpPr>
-          <p:cNvPr id="365" name="Shape 365"/>
-          <p:cNvCxnSpPr/>
-          <p:nvPr/>
-        </p:nvCxnSpPr>
-        <p:spPr>
-          <a:xfrm flipH="1">
-            <a:off x="6569200" y="5608275"/>
-            <a:ext cx="1016099" cy="3600"/>
-          </a:xfrm>
-          <a:prstGeom prst="straightConnector1">
-            <a:avLst/>
-          </a:prstGeom>
-          <a:noFill/>
-          <a:ln w="88900" cap="rnd" cmpd="sng">
-            <a:solidFill>
-              <a:srgbClr val="FF7F00"/>
-            </a:solidFill>
-            <a:prstDash val="solid"/>
-            <a:miter/>
-            <a:headEnd type="stealth" w="med" len="med"/>
-            <a:tailEnd type="none" w="med" len="med"/>
-          </a:ln>
-        </p:spPr>
-      </p:cxnSp>
-      <p:sp>
-        <p:nvSpPr>
-          <p:cNvPr id="366" name="Shape 366"/>
-          <p:cNvSpPr txBox="1"/>
-          <p:nvPr/>
-        </p:nvSpPr>
-        <p:spPr>
-          <a:xfrm>
-            <a:off x="3530600" y="5283200"/>
-            <a:ext cx="2849699" cy="622199"/>
-          </a:xfrm>
-          <a:prstGeom prst="rect">
-            <a:avLst/>
-          </a:prstGeom>
-          <a:noFill/>
-          <a:ln>
-            <a:noFill/>
-          </a:ln>
-        </p:spPr>
-        <p:txBody>
-          <a:bodyPr lIns="0" tIns="0" rIns="0" bIns="0" anchor="ctr" anchorCtr="0">
-            <a:noAutofit/>
-          </a:bodyPr>
-          <a:lstStyle/>
-          <a:p>
-            <a:pPr marL="0" marR="0" lvl="0" indent="0" algn="ctr" rtl="0">
-              <a:lnSpc>
-                <a:spcPct val="100000"/>
-              </a:lnSpc>
-              <a:spcBef>
-                <a:spcPts val="0"/>
-              </a:spcBef>
-              <a:spcAft>
-                <a:spcPts val="0"/>
-              </a:spcAft>
-              <a:buClr>
-                <a:srgbClr val="FF7F00"/>
-              </a:buClr>
-              <a:buSzPct val="25000"/>
-              <a:buFont typeface="Arial"/>
-              <a:buNone/>
-            </a:pPr>
-            <a:r>
-              <a:rPr lang="en-US" sz="3600" b="0" i="0" u="none" strike="noStrike" cap="none">
-                <a:solidFill>
-                  <a:srgbClr val="FF7F00"/>
-                </a:solidFill>
-                <a:latin typeface="Arial"/>
-                <a:ea typeface="Arial"/>
-                <a:cs typeface="Arial"/>
-                <a:sym typeface="Arial"/>
-              </a:rPr>
-              <a:t>“</a:t>
-            </a:r>
-            <a:r>
-              <a:rPr lang="en-US" sz="3600" b="0" i="0" u="none" strike="noStrike" cap="none">
-                <a:solidFill>
-                  <a:srgbClr val="FF7F00"/>
-                </a:solidFill>
-                <a:latin typeface="Cabin"/>
-                <a:ea typeface="Cabin"/>
-                <a:cs typeface="Cabin"/>
-                <a:sym typeface="Cabin"/>
-              </a:rPr>
-              <a:t>Hello world</a:t>
-            </a:r>
-            <a:r>
-              <a:rPr lang="en-US" sz="3600" b="0" i="0" u="none" strike="noStrike" cap="none">
-                <a:solidFill>
-                  <a:srgbClr val="FF7F00"/>
-                </a:solidFill>
-                <a:latin typeface="Arial"/>
-                <a:ea typeface="Arial"/>
-                <a:cs typeface="Arial"/>
-                <a:sym typeface="Arial"/>
-              </a:rPr>
-              <a:t>”</a:t>
-            </a:r>
-            <a:r>
-              <a:rPr lang="en-US" sz="3600" b="0" i="0" u="none" strike="noStrike" cap="none">
-                <a:solidFill>
-                  <a:srgbClr val="FF7F00"/>
-                </a:solidFill>
-                <a:latin typeface="Cabin"/>
-                <a:ea typeface="Cabin"/>
-                <a:cs typeface="Cabin"/>
-                <a:sym typeface="Cabin"/>
-              </a:rPr>
-              <a:t> </a:t>
-            </a:r>
-          </a:p>
-        </p:txBody>
-      </p:sp>
-      <p:sp>
-        <p:nvSpPr>
-          <p:cNvPr id="367" name="Shape 367"/>
-          <p:cNvSpPr txBox="1"/>
-          <p:nvPr/>
-        </p:nvSpPr>
-        <p:spPr>
-          <a:xfrm>
-            <a:off x="13066711" y="5232400"/>
-            <a:ext cx="644524" cy="622299"/>
-          </a:xfrm>
-          <a:prstGeom prst="rect">
-            <a:avLst/>
-          </a:prstGeom>
-          <a:noFill/>
-          <a:ln>
-            <a:noFill/>
-          </a:ln>
-        </p:spPr>
-        <p:txBody>
-          <a:bodyPr lIns="0" tIns="0" rIns="0" bIns="0" anchor="ctr" anchorCtr="0">
-            <a:noAutofit/>
-          </a:bodyPr>
-          <a:lstStyle/>
-          <a:p>
-            <a:pPr marL="0" marR="0" lvl="0" indent="0" algn="ctr" rtl="0">
-              <a:lnSpc>
-                <a:spcPct val="100000"/>
-              </a:lnSpc>
-              <a:spcBef>
-                <a:spcPts val="0"/>
-              </a:spcBef>
-              <a:spcAft>
-                <a:spcPts val="0"/>
-              </a:spcAft>
-              <a:buClr>
-                <a:srgbClr val="00FF00"/>
-              </a:buClr>
-              <a:buSzPct val="25000"/>
-              <a:buFont typeface="Arial"/>
-              <a:buNone/>
-            </a:pPr>
-            <a:r>
-              <a:rPr lang="en-US" sz="3600" b="0" i="0" u="none" strike="noStrike" cap="none">
-                <a:solidFill>
-                  <a:srgbClr val="00FF00"/>
-                </a:solidFill>
-                <a:latin typeface="Arial"/>
-                <a:ea typeface="Arial"/>
-                <a:cs typeface="Arial"/>
-                <a:sym typeface="Arial"/>
-              </a:rPr>
-              <a:t>‘</a:t>
-            </a:r>
-            <a:r>
-              <a:rPr lang="en-US" sz="3600" b="0" i="0" u="none" strike="noStrike" cap="none">
-                <a:solidFill>
-                  <a:srgbClr val="00FF00"/>
-                </a:solidFill>
-                <a:latin typeface="Cabin"/>
-                <a:ea typeface="Cabin"/>
-                <a:cs typeface="Cabin"/>
-                <a:sym typeface="Cabin"/>
-              </a:rPr>
-              <a:t>w</a:t>
-            </a:r>
-            <a:r>
-              <a:rPr lang="en-US" sz="3600" b="0" i="0" u="none" strike="noStrike" cap="none">
-                <a:solidFill>
-                  <a:srgbClr val="00FF00"/>
-                </a:solidFill>
-                <a:latin typeface="Arial"/>
-                <a:ea typeface="Arial"/>
-                <a:cs typeface="Arial"/>
-                <a:sym typeface="Arial"/>
-              </a:rPr>
-              <a:t>’</a:t>
-            </a:r>
-          </a:p>
-        </p:txBody>
-      </p:sp>
-      <p:cxnSp>
-        <p:nvCxnSpPr>
-          <p:cNvPr id="368" name="Shape 368"/>
-          <p:cNvCxnSpPr/>
-          <p:nvPr/>
-        </p:nvCxnSpPr>
-        <p:spPr>
-          <a:xfrm flipH="1">
-            <a:off x="11153774" y="5594350"/>
-            <a:ext cx="1492250" cy="17461"/>
-          </a:xfrm>
-          <a:prstGeom prst="straightConnector1">
-            <a:avLst/>
-          </a:prstGeom>
-          <a:noFill/>
-          <a:ln w="88900" cap="rnd" cmpd="sng">
-            <a:solidFill>
-              <a:schemeClr val="lt1"/>
-            </a:solidFill>
-            <a:prstDash val="solid"/>
-            <a:miter/>
-            <a:headEnd type="stealth" w="med" len="med"/>
-            <a:tailEnd type="none" w="med" len="med"/>
-          </a:ln>
-        </p:spPr>
-      </p:cxnSp>
-      <p:sp>
-        <p:nvSpPr>
-          <p:cNvPr id="369" name="Shape 369"/>
-          <p:cNvSpPr txBox="1"/>
-          <p:nvPr/>
-        </p:nvSpPr>
-        <p:spPr>
-          <a:xfrm>
-            <a:off x="2049445" y="6502400"/>
-            <a:ext cx="2725199" cy="622199"/>
-          </a:xfrm>
-          <a:prstGeom prst="rect">
-            <a:avLst/>
-          </a:prstGeom>
-          <a:noFill/>
-          <a:ln>
-            <a:noFill/>
-          </a:ln>
-        </p:spPr>
-        <p:txBody>
-          <a:bodyPr lIns="0" tIns="0" rIns="0" bIns="0" anchor="ctr" anchorCtr="0">
-            <a:noAutofit/>
-          </a:bodyPr>
-          <a:lstStyle/>
-          <a:p>
-            <a:pPr marL="0" marR="0" lvl="0" indent="0" algn="ctr" rtl="0">
-              <a:lnSpc>
-                <a:spcPct val="100000"/>
-              </a:lnSpc>
-              <a:spcBef>
-                <a:spcPts val="0"/>
-              </a:spcBef>
-              <a:spcAft>
-                <a:spcPts val="0"/>
-              </a:spcAft>
-              <a:buClr>
-                <a:srgbClr val="FF7F00"/>
-              </a:buClr>
-              <a:buSzPct val="25000"/>
-              <a:buFont typeface="Cabin"/>
-              <a:buNone/>
-            </a:pPr>
-            <a:r>
-              <a:rPr lang="en-US" sz="3600">
-                <a:solidFill>
-                  <a:srgbClr val="FF7F00"/>
-                </a:solidFill>
-                <a:latin typeface="Cabin"/>
-                <a:ea typeface="Cabin"/>
-                <a:cs typeface="Cabin"/>
-                <a:sym typeface="Cabin"/>
-              </a:rPr>
-              <a:t>Аргумент</a:t>
-            </a:r>
-          </a:p>
-        </p:txBody>
-      </p:sp>
-      <p:cxnSp>
-        <p:nvCxnSpPr>
-          <p:cNvPr id="370" name="Shape 370"/>
-          <p:cNvCxnSpPr/>
-          <p:nvPr/>
-        </p:nvCxnSpPr>
-        <p:spPr>
-          <a:xfrm flipH="1">
-            <a:off x="3027375" y="5965150"/>
-            <a:ext cx="903299" cy="532499"/>
-          </a:xfrm>
-          <a:prstGeom prst="straightConnector1">
-            <a:avLst/>
-          </a:prstGeom>
-          <a:noFill/>
-          <a:ln w="76200" cap="rnd" cmpd="sng">
-            <a:solidFill>
-              <a:srgbClr val="FF7F00"/>
-            </a:solidFill>
-            <a:prstDash val="solid"/>
-            <a:miter/>
-            <a:headEnd type="stealth" w="med" len="med"/>
-            <a:tailEnd type="none" w="med" len="med"/>
-          </a:ln>
-        </p:spPr>
-      </p:cxnSp>
-      <p:sp>
-        <p:nvSpPr>
-          <p:cNvPr id="371" name="Shape 371"/>
-          <p:cNvSpPr txBox="1"/>
-          <p:nvPr/>
-        </p:nvSpPr>
-        <p:spPr>
-          <a:xfrm>
-            <a:off x="11231546" y="2908300"/>
-            <a:ext cx="2556899" cy="622199"/>
-          </a:xfrm>
-          <a:prstGeom prst="rect">
-            <a:avLst/>
-          </a:prstGeom>
-          <a:noFill/>
-          <a:ln>
-            <a:noFill/>
-          </a:ln>
-        </p:spPr>
-        <p:txBody>
-          <a:bodyPr lIns="0" tIns="0" rIns="0" bIns="0" anchor="ctr" anchorCtr="0">
-            <a:noAutofit/>
-          </a:bodyPr>
-          <a:lstStyle/>
-          <a:p>
-            <a:pPr marL="0" marR="0" lvl="0" indent="0" algn="ctr" rtl="0">
-              <a:lnSpc>
-                <a:spcPct val="100000"/>
-              </a:lnSpc>
-              <a:spcBef>
-                <a:spcPts val="0"/>
-              </a:spcBef>
-              <a:spcAft>
-                <a:spcPts val="0"/>
-              </a:spcAft>
-              <a:buClr>
-                <a:srgbClr val="00FFFF"/>
-              </a:buClr>
-              <a:buSzPct val="25000"/>
-              <a:buFont typeface="Cabin"/>
-              <a:buNone/>
-            </a:pPr>
-            <a:r>
-              <a:rPr lang="en-US" sz="3600">
-                <a:solidFill>
-                  <a:srgbClr val="00FFFF"/>
-                </a:solidFill>
-                <a:latin typeface="Cabin"/>
-                <a:ea typeface="Cabin"/>
-                <a:cs typeface="Cabin"/>
-                <a:sym typeface="Cabin"/>
-              </a:rPr>
-              <a:t>Параметр</a:t>
-            </a:r>
-          </a:p>
-        </p:txBody>
-      </p:sp>
-      <p:cxnSp>
-        <p:nvCxnSpPr>
-          <p:cNvPr id="372" name="Shape 372"/>
-          <p:cNvCxnSpPr/>
-          <p:nvPr/>
-        </p:nvCxnSpPr>
-        <p:spPr>
-          <a:xfrm rot="10800000" flipH="1">
-            <a:off x="9904575" y="3297099"/>
-            <a:ext cx="1049100" cy="1075500"/>
-          </a:xfrm>
-          <a:prstGeom prst="straightConnector1">
-            <a:avLst/>
-          </a:prstGeom>
-          <a:noFill/>
-          <a:ln w="76200" cap="rnd" cmpd="sng">
-            <a:solidFill>
-              <a:srgbClr val="00FFFF"/>
-            </a:solidFill>
-            <a:prstDash val="solid"/>
-            <a:miter/>
-            <a:headEnd type="stealth" w="med" len="med"/>
-            <a:tailEnd type="none" w="med" len="med"/>
-          </a:ln>
-        </p:spPr>
-      </p:cxnSp>
-      <p:sp>
-        <p:nvSpPr>
-          <p:cNvPr id="373" name="Shape 373"/>
-          <p:cNvSpPr txBox="1"/>
-          <p:nvPr/>
-        </p:nvSpPr>
-        <p:spPr>
-          <a:xfrm>
-            <a:off x="12750550" y="6743700"/>
-            <a:ext cx="2556899" cy="622199"/>
-          </a:xfrm>
-          <a:prstGeom prst="rect">
-            <a:avLst/>
-          </a:prstGeom>
-          <a:noFill/>
-          <a:ln>
-            <a:noFill/>
-          </a:ln>
-        </p:spPr>
-        <p:txBody>
-          <a:bodyPr lIns="0" tIns="0" rIns="0" bIns="0" anchor="ctr" anchorCtr="0">
-            <a:noAutofit/>
-          </a:bodyPr>
-          <a:lstStyle/>
-          <a:p>
-            <a:pPr marL="0" marR="0" lvl="0" indent="0" algn="ctr" rtl="0">
-              <a:lnSpc>
-                <a:spcPct val="100000"/>
-              </a:lnSpc>
-              <a:spcBef>
-                <a:spcPts val="0"/>
-              </a:spcBef>
-              <a:spcAft>
-                <a:spcPts val="0"/>
-              </a:spcAft>
-              <a:buClr>
-                <a:srgbClr val="00FF00"/>
-              </a:buClr>
-              <a:buSzPct val="25000"/>
-              <a:buFont typeface="Cabin"/>
-              <a:buNone/>
-            </a:pPr>
-            <a:r>
-              <a:rPr lang="en-US" sz="3600">
-                <a:solidFill>
-                  <a:srgbClr val="00FF00"/>
-                </a:solidFill>
-                <a:latin typeface="Cabin"/>
-                <a:ea typeface="Cabin"/>
-                <a:cs typeface="Cabin"/>
-                <a:sym typeface="Cabin"/>
-              </a:rPr>
-              <a:t>Результат</a:t>
-            </a:r>
-          </a:p>
-        </p:txBody>
-      </p:sp>
-      <p:cxnSp>
-        <p:nvCxnSpPr>
-          <p:cNvPr id="374" name="Shape 374"/>
-          <p:cNvCxnSpPr/>
-          <p:nvPr/>
-        </p:nvCxnSpPr>
-        <p:spPr>
-          <a:xfrm>
-            <a:off x="13377862" y="5940425"/>
-            <a:ext cx="19049" cy="711200"/>
-          </a:xfrm>
-          <a:prstGeom prst="straightConnector1">
-            <a:avLst/>
-          </a:prstGeom>
-          <a:noFill/>
-          <a:ln w="76200" cap="rnd" cmpd="sng">
-            <a:solidFill>
-              <a:srgbClr val="00FF00"/>
-            </a:solidFill>
-            <a:prstDash val="solid"/>
-            <a:miter/>
-            <a:headEnd type="stealth" w="med" len="med"/>
-            <a:tailEnd type="none" w="med" len="med"/>
-          </a:ln>
-        </p:spPr>
-      </p:cxnSp>
     </p:spTree>
   </p:cSld>
   <p:clrMapOvr>
@@ -26977,19 +26846,7 @@
                 <a:cs typeface="Courier New"/>
                 <a:sym typeface="Courier New"/>
               </a:rPr>
-              <a:t>('Fun</a:t>
-            </a:r>
-            <a:r>
-              <a:rPr lang="en-US" sz="2500" b="0" i="0" u="none" strike="noStrike" cap="none" dirty="0" smtClean="0">
-                <a:solidFill>
-                  <a:srgbClr val="FF7F00"/>
-                </a:solidFill>
-                <a:latin typeface="Courier New"/>
-                <a:ea typeface="Courier New"/>
-                <a:cs typeface="Courier New"/>
-                <a:sym typeface="Courier New"/>
-              </a:rPr>
-              <a:t>’)</a:t>
+              <a:t>('Fun’)</a:t>
             </a:r>
             <a:endParaRPr lang="en-US" sz="2500" b="0" i="0" u="none" strike="noStrike" cap="none" dirty="0">
               <a:solidFill>
@@ -27128,97 +26985,6 @@
           </a:p>
         </p:txBody>
       </p:sp>
-      <p:sp>
-        <p:nvSpPr>
-          <p:cNvPr id="216" name="Shape 216"/>
-          <p:cNvSpPr txBox="1"/>
-          <p:nvPr/>
-        </p:nvSpPr>
-        <p:spPr>
-          <a:xfrm>
-            <a:off x="762000" y="2730500"/>
-            <a:ext cx="2743199" cy="596900"/>
-          </a:xfrm>
-          <a:prstGeom prst="rect">
-            <a:avLst/>
-          </a:prstGeom>
-          <a:solidFill>
-            <a:srgbClr val="0000FF"/>
-          </a:solidFill>
-          <a:ln w="9525" cap="flat" cmpd="sng">
-            <a:solidFill>
-              <a:srgbClr val="0000FF"/>
-            </a:solidFill>
-            <a:prstDash val="solid"/>
-            <a:round/>
-            <a:headEnd type="none" w="med" len="med"/>
-            <a:tailEnd type="none" w="med" len="med"/>
-          </a:ln>
-        </p:spPr>
-        <p:txBody>
-          <a:bodyPr lIns="0" tIns="0" rIns="0" bIns="0" anchor="ctr" anchorCtr="0">
-            <a:noAutofit/>
-          </a:bodyPr>
-          <a:lstStyle/>
-          <a:p>
-            <a:pPr marL="0" marR="0" lvl="0" indent="0" algn="ctr" rtl="0">
-              <a:lnSpc>
-                <a:spcPct val="100000"/>
-              </a:lnSpc>
-              <a:spcBef>
-                <a:spcPts val="0"/>
-              </a:spcBef>
-              <a:spcAft>
-                <a:spcPts val="0"/>
-              </a:spcAft>
-              <a:buClr>
-                <a:srgbClr val="FFFF00"/>
-              </a:buClr>
-              <a:buSzPct val="25000"/>
-              <a:buFont typeface="Cabin"/>
-              <a:buNone/>
-            </a:pPr>
-            <a:r>
-              <a:rPr lang="en-US" sz="3500" b="0" i="0" u="none" strike="noStrike" cap="none">
-                <a:solidFill>
-                  <a:srgbClr val="FFFF00"/>
-                </a:solidFill>
-                <a:latin typeface="Cabin"/>
-                <a:ea typeface="Cabin"/>
-                <a:cs typeface="Cabin"/>
-                <a:sym typeface="Cabin"/>
-              </a:rPr>
-              <a:t>def</a:t>
-            </a:r>
-          </a:p>
-        </p:txBody>
-      </p:sp>
-      <p:cxnSp>
-        <p:nvCxnSpPr>
-          <p:cNvPr id="217" name="Shape 217"/>
-          <p:cNvCxnSpPr/>
-          <p:nvPr/>
-        </p:nvCxnSpPr>
-        <p:spPr>
-          <a:xfrm rot="10800000">
-            <a:off x="2114550" y="3313111"/>
-            <a:ext cx="6349" cy="1849436"/>
-          </a:xfrm>
-          <a:prstGeom prst="straightConnector1">
-            <a:avLst/>
-          </a:prstGeom>
-          <a:noFill/>
-          <a:ln w="76200" cap="rnd" cmpd="sng">
-            <a:solidFill>
-              <a:srgbClr val="0000FF"/>
-            </a:solidFill>
-            <a:prstDash val="solid"/>
-            <a:miter/>
-            <a:headEnd type="stealth" w="med" len="med"/>
-            <a:tailEnd type="none" w="med" len="med"/>
-          </a:ln>
-        </p:spPr>
-      </p:cxnSp>
       <p:cxnSp>
         <p:nvCxnSpPr>
           <p:cNvPr id="218" name="Shape 218"/>
@@ -27279,7 +27045,7 @@
         </p:nvSpPr>
         <p:spPr>
           <a:xfrm>
-            <a:off x="4381500" y="3644900"/>
+            <a:off x="734674" y="2539999"/>
             <a:ext cx="2743199" cy="597000"/>
           </a:xfrm>
           <a:prstGeom prst="rect">
@@ -27389,7 +27155,7 @@
         </p:nvSpPr>
         <p:spPr>
           <a:xfrm>
-            <a:off x="4381500" y="4216400"/>
+            <a:off x="734673" y="3136999"/>
             <a:ext cx="2743199" cy="597000"/>
           </a:xfrm>
           <a:prstGeom prst="rect">
@@ -27479,81 +27245,18 @@
           </a:p>
         </p:txBody>
       </p:sp>
-      <p:sp>
-        <p:nvSpPr>
-          <p:cNvPr id="222" name="Shape 222"/>
-          <p:cNvSpPr txBox="1"/>
-          <p:nvPr/>
-        </p:nvSpPr>
-        <p:spPr>
-          <a:xfrm>
-            <a:off x="762000" y="5092700"/>
-            <a:ext cx="2743199" cy="596900"/>
-          </a:xfrm>
-          <a:prstGeom prst="rect">
-            <a:avLst/>
-          </a:prstGeom>
-          <a:solidFill>
-            <a:srgbClr val="0000FF"/>
-          </a:solidFill>
-          <a:ln w="9525" cap="flat" cmpd="sng">
-            <a:solidFill>
-              <a:srgbClr val="0000FF"/>
-            </a:solidFill>
-            <a:prstDash val="solid"/>
-            <a:round/>
-            <a:headEnd type="none" w="med" len="med"/>
-            <a:tailEnd type="none" w="med" len="med"/>
-          </a:ln>
-        </p:spPr>
-        <p:txBody>
-          <a:bodyPr lIns="0" tIns="0" rIns="0" bIns="0" anchor="ctr" anchorCtr="0">
-            <a:noAutofit/>
-          </a:bodyPr>
-          <a:lstStyle/>
-          <a:p>
-            <a:pPr marL="0" marR="0" lvl="0" indent="0" algn="ctr" rtl="0">
-              <a:lnSpc>
-                <a:spcPct val="100000"/>
-              </a:lnSpc>
-              <a:spcBef>
-                <a:spcPts val="0"/>
-              </a:spcBef>
-              <a:spcAft>
-                <a:spcPts val="0"/>
-              </a:spcAft>
-              <a:buClr>
-                <a:schemeClr val="lt1"/>
-              </a:buClr>
-              <a:buSzPct val="25000"/>
-              <a:buFont typeface="Cabin"/>
-              <a:buNone/>
-            </a:pPr>
-            <a:r>
-              <a:rPr lang="en-US" sz="3500" b="0" i="0" u="none" strike="noStrike" cap="none">
-                <a:solidFill>
-                  <a:schemeClr val="lt1"/>
-                </a:solidFill>
-                <a:latin typeface="Cabin"/>
-                <a:ea typeface="Cabin"/>
-                <a:cs typeface="Cabin"/>
-                <a:sym typeface="Cabin"/>
-              </a:rPr>
-              <a:t>hello()</a:t>
-            </a:r>
-          </a:p>
-        </p:txBody>
-      </p:sp>
       <p:cxnSp>
         <p:nvCxnSpPr>
           <p:cNvPr id="223" name="Shape 223"/>
-          <p:cNvCxnSpPr/>
+          <p:cNvCxnSpPr>
+            <a:endCxn id="221" idx="2"/>
+          </p:cNvCxnSpPr>
           <p:nvPr/>
         </p:nvCxnSpPr>
         <p:spPr>
-          <a:xfrm rot="10800000">
-            <a:off x="2114549" y="5713411"/>
-            <a:ext cx="14287" cy="566736"/>
+          <a:xfrm flipH="1" flipV="1">
+            <a:off x="2106273" y="3733999"/>
+            <a:ext cx="5640" cy="717501"/>
           </a:xfrm>
           <a:prstGeom prst="straightConnector1">
             <a:avLst/>
@@ -27578,7 +27281,7 @@
         </p:nvSpPr>
         <p:spPr>
           <a:xfrm>
-            <a:off x="762000" y="6223000"/>
+            <a:off x="745076" y="4394353"/>
             <a:ext cx="2743199" cy="596900"/>
           </a:xfrm>
           <a:prstGeom prst="rect">
@@ -27701,141 +27404,6 @@
               <a:cs typeface="Arial"/>
               <a:sym typeface="Arial"/>
             </a:endParaRPr>
-          </a:p>
-        </p:txBody>
-      </p:sp>
-      <p:cxnSp>
-        <p:nvCxnSpPr>
-          <p:cNvPr id="225" name="Shape 225"/>
-          <p:cNvCxnSpPr/>
-          <p:nvPr/>
-        </p:nvCxnSpPr>
-        <p:spPr>
-          <a:xfrm flipH="1">
-            <a:off x="3527425" y="3790950"/>
-            <a:ext cx="809624" cy="1322386"/>
-          </a:xfrm>
-          <a:prstGeom prst="straightConnector1">
-            <a:avLst/>
-          </a:prstGeom>
-          <a:noFill/>
-          <a:ln w="76200" cap="rnd" cmpd="sng">
-            <a:solidFill>
-              <a:srgbClr val="0000FF"/>
-            </a:solidFill>
-            <a:prstDash val="solid"/>
-            <a:miter/>
-            <a:headEnd type="stealth" w="med" len="med"/>
-            <a:tailEnd type="none" w="med" len="med"/>
-          </a:ln>
-        </p:spPr>
-      </p:cxnSp>
-      <p:cxnSp>
-        <p:nvCxnSpPr>
-          <p:cNvPr id="226" name="Shape 226"/>
-          <p:cNvCxnSpPr/>
-          <p:nvPr/>
-        </p:nvCxnSpPr>
-        <p:spPr>
-          <a:xfrm rot="10800000" flipH="1">
-            <a:off x="3559175" y="4832350"/>
-            <a:ext cx="2100261" cy="893762"/>
-          </a:xfrm>
-          <a:prstGeom prst="straightConnector1">
-            <a:avLst/>
-          </a:prstGeom>
-          <a:noFill/>
-          <a:ln w="76200" cap="rnd" cmpd="sng">
-            <a:solidFill>
-              <a:srgbClr val="0000FF"/>
-            </a:solidFill>
-            <a:prstDash val="solid"/>
-            <a:miter/>
-            <a:headEnd type="stealth" w="med" len="med"/>
-            <a:tailEnd type="none" w="med" len="med"/>
-          </a:ln>
-        </p:spPr>
-      </p:cxnSp>
-      <p:cxnSp>
-        <p:nvCxnSpPr>
-          <p:cNvPr id="227" name="Shape 227"/>
-          <p:cNvCxnSpPr/>
-          <p:nvPr/>
-        </p:nvCxnSpPr>
-        <p:spPr>
-          <a:xfrm rot="10800000">
-            <a:off x="3675061" y="3030537"/>
-            <a:ext cx="1074737" cy="577850"/>
-          </a:xfrm>
-          <a:prstGeom prst="straightConnector1">
-            <a:avLst/>
-          </a:prstGeom>
-          <a:noFill/>
-          <a:ln w="76200" cap="rnd" cmpd="sng">
-            <a:solidFill>
-              <a:srgbClr val="0000FF"/>
-            </a:solidFill>
-            <a:prstDash val="solid"/>
-            <a:miter/>
-            <a:headEnd type="stealth" w="med" len="med"/>
-            <a:tailEnd type="none" w="med" len="med"/>
-          </a:ln>
-        </p:spPr>
-      </p:cxnSp>
-      <p:sp>
-        <p:nvSpPr>
-          <p:cNvPr id="228" name="Shape 228"/>
-          <p:cNvSpPr txBox="1"/>
-          <p:nvPr/>
-        </p:nvSpPr>
-        <p:spPr>
-          <a:xfrm>
-            <a:off x="3869200" y="8109650"/>
-            <a:ext cx="10648499" cy="622199"/>
-          </a:xfrm>
-          <a:prstGeom prst="rect">
-            <a:avLst/>
-          </a:prstGeom>
-          <a:noFill/>
-          <a:ln>
-            <a:noFill/>
-          </a:ln>
-        </p:spPr>
-        <p:txBody>
-          <a:bodyPr lIns="0" tIns="0" rIns="0" bIns="0" anchor="ctr" anchorCtr="0">
-            <a:noAutofit/>
-          </a:bodyPr>
-          <a:lstStyle/>
-          <a:p>
-            <a:pPr marL="0" marR="0" lvl="0" indent="0" algn="ctr" rtl="0">
-              <a:lnSpc>
-                <a:spcPct val="100000"/>
-              </a:lnSpc>
-              <a:spcBef>
-                <a:spcPts val="0"/>
-              </a:spcBef>
-              <a:spcAft>
-                <a:spcPts val="0"/>
-              </a:spcAft>
-              <a:buClr>
-                <a:schemeClr val="lt1"/>
-              </a:buClr>
-              <a:buSzPct val="25000"/>
-              <a:buFont typeface="Cabin"/>
-              <a:buNone/>
-            </a:pPr>
-            <a:r>
-              <a:rPr lang="en-US" sz="3600">
-                <a:solidFill>
-                  <a:schemeClr val="lt1"/>
-                </a:solidFill>
-                <a:latin typeface="Cabin"/>
-                <a:ea typeface="Cabin"/>
-                <a:cs typeface="Cabin"/>
-                <a:sym typeface="Cabin"/>
-              </a:rPr>
-              <a:t>Многократно используемые части кода мы называем “функциями”</a:t>
-            </a:r>
           </a:p>
         </p:txBody>
       </p:sp>
@@ -27896,65 +27464,6 @@
           </a:p>
         </p:txBody>
       </p:sp>
-      <p:sp>
-        <p:nvSpPr>
-          <p:cNvPr id="230" name="Shape 230"/>
-          <p:cNvSpPr txBox="1"/>
-          <p:nvPr/>
-        </p:nvSpPr>
-        <p:spPr>
-          <a:xfrm>
-            <a:off x="762000" y="7302500"/>
-            <a:ext cx="2743199" cy="596900"/>
-          </a:xfrm>
-          <a:prstGeom prst="rect">
-            <a:avLst/>
-          </a:prstGeom>
-          <a:solidFill>
-            <a:srgbClr val="0000FF"/>
-          </a:solidFill>
-          <a:ln>
-            <a:noFill/>
-          </a:ln>
-        </p:spPr>
-        <p:txBody>
-          <a:bodyPr lIns="0" tIns="0" rIns="0" bIns="0" anchor="ctr" anchorCtr="0">
-            <a:noAutofit/>
-          </a:bodyPr>
-          <a:lstStyle/>
-          <a:p>
-            <a:pPr marL="0" marR="0" lvl="0" indent="0" algn="ctr" rtl="0">
-              <a:lnSpc>
-                <a:spcPct val="100000"/>
-              </a:lnSpc>
-              <a:spcBef>
-                <a:spcPts val="0"/>
-              </a:spcBef>
-              <a:spcAft>
-                <a:spcPts val="0"/>
-              </a:spcAft>
-              <a:buClr>
-                <a:schemeClr val="lt1"/>
-              </a:buClr>
-              <a:buSzPct val="25000"/>
-              <a:buFont typeface="Cabin"/>
-              <a:buNone/>
-            </a:pPr>
-            <a:r>
-              <a:rPr lang="en-US" sz="3500" b="0" i="0" u="none" strike="noStrike" cap="none">
-                <a:solidFill>
-                  <a:schemeClr val="lt1"/>
-                </a:solidFill>
-                <a:latin typeface="Cabin"/>
-                <a:ea typeface="Cabin"/>
-                <a:cs typeface="Cabin"/>
-                <a:sym typeface="Cabin"/>
-              </a:rPr>
-              <a:t>hello()</a:t>
-            </a:r>
-          </a:p>
-        </p:txBody>
-      </p:sp>
       <p:cxnSp>
         <p:nvCxnSpPr>
           <p:cNvPr id="231" name="Shape 231"/>
@@ -27963,7 +27472,7 @@
         </p:nvCxnSpPr>
         <p:spPr>
           <a:xfrm rot="10800000">
-            <a:off x="2114549" y="6729412"/>
+            <a:off x="2097625" y="4900765"/>
             <a:ext cx="14287" cy="566736"/>
           </a:xfrm>
           <a:prstGeom prst="straightConnector1">
@@ -27981,6 +27490,322 @@
           </a:ln>
         </p:spPr>
       </p:cxnSp>
+      <p:sp>
+        <p:nvSpPr>
+          <p:cNvPr id="23" name="Shape 220"/>
+          <p:cNvSpPr txBox="1"/>
+          <p:nvPr/>
+        </p:nvSpPr>
+        <p:spPr>
+          <a:xfrm>
+            <a:off x="759242" y="5441322"/>
+            <a:ext cx="2743199" cy="597000"/>
+          </a:xfrm>
+          <a:prstGeom prst="rect">
+            <a:avLst/>
+          </a:prstGeom>
+          <a:solidFill>
+            <a:srgbClr val="0000FF"/>
+          </a:solidFill>
+          <a:ln w="9525" cap="flat" cmpd="sng">
+            <a:solidFill>
+              <a:srgbClr val="0000FF"/>
+            </a:solidFill>
+            <a:prstDash val="solid"/>
+            <a:round/>
+            <a:headEnd type="none" w="med" len="med"/>
+            <a:tailEnd type="none" w="med" len="med"/>
+          </a:ln>
+        </p:spPr>
+        <p:txBody>
+          <a:bodyPr lIns="0" tIns="0" rIns="0" bIns="0" anchor="ctr" anchorCtr="0">
+            <a:noAutofit/>
+          </a:bodyPr>
+          <a:lstStyle/>
+          <a:p>
+            <a:pPr marL="0" marR="0" lvl="0" indent="0" algn="ctr" rtl="0">
+              <a:lnSpc>
+                <a:spcPct val="100000"/>
+              </a:lnSpc>
+              <a:spcBef>
+                <a:spcPts val="0"/>
+              </a:spcBef>
+              <a:spcAft>
+                <a:spcPts val="0"/>
+              </a:spcAft>
+              <a:buClr>
+                <a:schemeClr val="lt1"/>
+              </a:buClr>
+              <a:buSzPct val="25000"/>
+              <a:buFont typeface="Cabin"/>
+              <a:buNone/>
+            </a:pPr>
+            <a:r>
+              <a:rPr lang="en-US" sz="3500" b="0" i="0" u="none" strike="noStrike" cap="none" dirty="0">
+                <a:solidFill>
+                  <a:schemeClr val="lt1"/>
+                </a:solidFill>
+                <a:latin typeface="Cabin"/>
+                <a:ea typeface="Cabin"/>
+                <a:cs typeface="Cabin"/>
+                <a:sym typeface="Cabin"/>
+              </a:rPr>
+              <a:t>  </a:t>
+            </a:r>
+            <a:r>
+              <a:rPr lang="en-US" sz="3500" b="0" i="0" u="none" strike="noStrike" cap="none" dirty="0">
+                <a:solidFill>
+                  <a:srgbClr val="FFFF00"/>
+                </a:solidFill>
+                <a:latin typeface="Cabin"/>
+                <a:ea typeface="Cabin"/>
+                <a:cs typeface="Cabin"/>
+                <a:sym typeface="Cabin"/>
+              </a:rPr>
+              <a:t>print</a:t>
+            </a:r>
+            <a:r>
+              <a:rPr lang="en-US" sz="3500" b="0" i="0" u="none" strike="noStrike" cap="none" dirty="0">
+                <a:solidFill>
+                  <a:schemeClr val="lt1"/>
+                </a:solidFill>
+                <a:latin typeface="Cabin"/>
+                <a:ea typeface="Cabin"/>
+                <a:cs typeface="Cabin"/>
+                <a:sym typeface="Cabin"/>
+              </a:rPr>
+              <a:t> </a:t>
+            </a:r>
+            <a:r>
+              <a:rPr lang="en-US" sz="3500" b="0" i="0" u="none" strike="noStrike" cap="none" dirty="0" smtClean="0">
+                <a:solidFill>
+                  <a:schemeClr val="lt1"/>
+                </a:solidFill>
+                <a:latin typeface="Cabin"/>
+                <a:ea typeface="Cabin"/>
+                <a:cs typeface="Cabin"/>
+                <a:sym typeface="Cabin"/>
+              </a:rPr>
+              <a:t> ('Hello‘)</a:t>
+            </a:r>
+            <a:endParaRPr lang="en-US" sz="3500" b="0" i="0" u="none" strike="noStrike" cap="none" dirty="0">
+              <a:solidFill>
+                <a:schemeClr val="lt1"/>
+              </a:solidFill>
+              <a:latin typeface="Cabin"/>
+              <a:ea typeface="Cabin"/>
+              <a:cs typeface="Cabin"/>
+              <a:sym typeface="Cabin"/>
+            </a:endParaRPr>
+          </a:p>
+        </p:txBody>
+      </p:sp>
+      <p:sp>
+        <p:nvSpPr>
+          <p:cNvPr id="24" name="Shape 221"/>
+          <p:cNvSpPr txBox="1"/>
+          <p:nvPr/>
+        </p:nvSpPr>
+        <p:spPr>
+          <a:xfrm>
+            <a:off x="759241" y="6038322"/>
+            <a:ext cx="2743199" cy="597000"/>
+          </a:xfrm>
+          <a:prstGeom prst="rect">
+            <a:avLst/>
+          </a:prstGeom>
+          <a:solidFill>
+            <a:srgbClr val="0000FF"/>
+          </a:solidFill>
+          <a:ln w="9525" cap="flat" cmpd="sng">
+            <a:solidFill>
+              <a:srgbClr val="0000FF"/>
+            </a:solidFill>
+            <a:prstDash val="solid"/>
+            <a:round/>
+            <a:headEnd type="none" w="med" len="med"/>
+            <a:tailEnd type="none" w="med" len="med"/>
+          </a:ln>
+        </p:spPr>
+        <p:txBody>
+          <a:bodyPr lIns="0" tIns="0" rIns="0" bIns="0" anchor="ctr" anchorCtr="0">
+            <a:noAutofit/>
+          </a:bodyPr>
+          <a:lstStyle/>
+          <a:p>
+            <a:pPr marL="0" marR="0" lvl="0" indent="0" algn="ctr" rtl="0">
+              <a:lnSpc>
+                <a:spcPct val="100000"/>
+              </a:lnSpc>
+              <a:spcBef>
+                <a:spcPts val="0"/>
+              </a:spcBef>
+              <a:spcAft>
+                <a:spcPts val="0"/>
+              </a:spcAft>
+              <a:buClr>
+                <a:srgbClr val="FFFF00"/>
+              </a:buClr>
+              <a:buSzPct val="25000"/>
+              <a:buFont typeface="Cabin"/>
+              <a:buNone/>
+            </a:pPr>
+            <a:r>
+              <a:rPr lang="en-US" sz="3500" b="0" i="0" u="none" strike="noStrike" cap="none" dirty="0">
+                <a:solidFill>
+                  <a:srgbClr val="FFFF00"/>
+                </a:solidFill>
+                <a:latin typeface="Cabin"/>
+                <a:ea typeface="Cabin"/>
+                <a:cs typeface="Cabin"/>
+                <a:sym typeface="Cabin"/>
+              </a:rPr>
+              <a:t>print</a:t>
+            </a:r>
+            <a:r>
+              <a:rPr lang="en-US" sz="3500" b="0" i="0" u="none" strike="noStrike" cap="none" dirty="0">
+                <a:solidFill>
+                  <a:schemeClr val="lt1"/>
+                </a:solidFill>
+                <a:latin typeface="Cabin"/>
+                <a:ea typeface="Cabin"/>
+                <a:cs typeface="Cabin"/>
+                <a:sym typeface="Cabin"/>
+              </a:rPr>
+              <a:t> </a:t>
+            </a:r>
+            <a:r>
+              <a:rPr lang="en-US" sz="3500" b="0" i="0" u="none" strike="noStrike" cap="none" dirty="0" smtClean="0">
+                <a:solidFill>
+                  <a:schemeClr val="lt1"/>
+                </a:solidFill>
+                <a:latin typeface="Cabin"/>
+                <a:ea typeface="Cabin"/>
+                <a:cs typeface="Cabin"/>
+                <a:sym typeface="Cabin"/>
+              </a:rPr>
+              <a:t> ('Fun‘)</a:t>
+            </a:r>
+            <a:endParaRPr lang="en-US" sz="3500" b="0" i="0" u="none" strike="noStrike" cap="none" dirty="0">
+              <a:solidFill>
+                <a:schemeClr val="lt1"/>
+              </a:solidFill>
+              <a:latin typeface="Cabin"/>
+              <a:ea typeface="Cabin"/>
+              <a:cs typeface="Cabin"/>
+              <a:sym typeface="Cabin"/>
+            </a:endParaRPr>
+          </a:p>
+        </p:txBody>
+      </p:sp>
+      <p:sp>
+        <p:nvSpPr>
+          <p:cNvPr id="4" name="Правая фигурная скобка 3"/>
+          <p:cNvSpPr/>
+          <p:nvPr/>
+        </p:nvSpPr>
+        <p:spPr>
+          <a:xfrm flipH="1">
+            <a:off x="7525576" y="5446496"/>
+            <a:ext cx="246186" cy="725016"/>
+          </a:xfrm>
+          <a:prstGeom prst="rightBrace">
+            <a:avLst/>
+          </a:prstGeom>
+        </p:spPr>
+        <p:style>
+          <a:lnRef idx="1">
+            <a:schemeClr val="accent1"/>
+          </a:lnRef>
+          <a:fillRef idx="0">
+            <a:schemeClr val="accent1"/>
+          </a:fillRef>
+          <a:effectRef idx="0">
+            <a:schemeClr val="accent1"/>
+          </a:effectRef>
+          <a:fontRef idx="minor">
+            <a:schemeClr val="tx1"/>
+          </a:fontRef>
+        </p:style>
+        <p:txBody>
+          <a:bodyPr rtlCol="0" anchor="ctr"/>
+          <a:lstStyle/>
+          <a:p>
+            <a:pPr algn="ctr"/>
+            <a:endParaRPr lang="ru-RU"/>
+          </a:p>
+        </p:txBody>
+      </p:sp>
+      <p:pic>
+        <p:nvPicPr>
+          <p:cNvPr id="31" name="Picture 2" descr="http://python-1.skilstak.io/img/dry.png"/>
+          <p:cNvPicPr>
+            <a:picLocks noChangeAspect="1" noChangeArrowheads="1"/>
+          </p:cNvPicPr>
+          <p:nvPr/>
+        </p:nvPicPr>
+        <p:blipFill>
+          <a:blip r:embed="rId3">
+            <a:extLst>
+              <a:ext uri="{28A0092B-C50C-407E-A947-70E740481C1C}">
+                <a14:useLocalDpi xmlns:a14="http://schemas.microsoft.com/office/drawing/2010/main" val="0"/>
+              </a:ext>
+            </a:extLst>
+          </a:blip>
+          <a:srcRect/>
+          <a:stretch>
+            <a:fillRect/>
+          </a:stretch>
+        </p:blipFill>
+        <p:spPr bwMode="auto">
+          <a:xfrm>
+            <a:off x="4323933" y="3434172"/>
+            <a:ext cx="2989498" cy="1920361"/>
+          </a:xfrm>
+          <a:prstGeom prst="rect">
+            <a:avLst/>
+          </a:prstGeom>
+          <a:noFill/>
+          <a:extLst>
+            <a:ext uri="{909E8E84-426E-40DD-AFC4-6F175D3DCCD1}">
+              <a14:hiddenFill xmlns:a14="http://schemas.microsoft.com/office/drawing/2010/main">
+                <a:solidFill>
+                  <a:srgbClr val="FFFFFF"/>
+                </a:solidFill>
+              </a14:hiddenFill>
+            </a:ext>
+          </a:extLst>
+        </p:spPr>
+      </p:pic>
+      <p:sp>
+        <p:nvSpPr>
+          <p:cNvPr id="8" name="Прямоугольник 7"/>
+          <p:cNvSpPr/>
+          <p:nvPr/>
+        </p:nvSpPr>
+        <p:spPr>
+          <a:xfrm>
+            <a:off x="5340500" y="5637616"/>
+            <a:ext cx="2016899" cy="307777"/>
+          </a:xfrm>
+          <a:prstGeom prst="rect">
+            <a:avLst/>
+          </a:prstGeom>
+        </p:spPr>
+        <p:txBody>
+          <a:bodyPr wrap="none">
+            <a:spAutoFit/>
+          </a:bodyPr>
+          <a:lstStyle/>
+          <a:p>
+            <a:r>
+              <a:rPr lang="en-US" dirty="0"/>
+              <a:t>Write Everything Twice</a:t>
+            </a:r>
+            <a:endParaRPr lang="ru-RU" dirty="0"/>
+          </a:p>
+        </p:txBody>
+      </p:sp>
     </p:spTree>
   </p:cSld>
   <p:clrMapOvr>
@@ -27990,6 +27815,1255 @@
 </file>
 
 <file path=ppt/slides/slide20.xml><?xml version="1.0" encoding="utf-8"?>
+<p:sld xmlns:a="http://schemas.openxmlformats.org/drawingml/2006/main" xmlns:r="http://schemas.openxmlformats.org/officeDocument/2006/relationships" xmlns:p="http://schemas.openxmlformats.org/presentationml/2006/main">
+  <p:cSld>
+    <p:spTree>
+      <p:nvGrpSpPr>
+        <p:cNvPr id="1" name="Shape 361"/>
+        <p:cNvGrpSpPr/>
+        <p:nvPr/>
+      </p:nvGrpSpPr>
+      <p:grpSpPr>
+        <a:xfrm>
+          <a:off x="0" y="0"/>
+          <a:ext cx="0" cy="0"/>
+          <a:chOff x="0" y="0"/>
+          <a:chExt cx="0" cy="0"/>
+        </a:xfrm>
+      </p:grpSpPr>
+      <p:sp>
+        <p:nvSpPr>
+          <p:cNvPr id="362" name="Shape 362"/>
+          <p:cNvSpPr txBox="1">
+            <a:spLocks noGrp="1"/>
+          </p:cNvSpPr>
+          <p:nvPr>
+            <p:ph type="title"/>
+          </p:nvPr>
+        </p:nvSpPr>
+        <p:spPr>
+          <a:xfrm>
+            <a:off x="1155700" y="241300"/>
+            <a:ext cx="13931900" cy="2298699"/>
+          </a:xfrm>
+          <a:prstGeom prst="rect">
+            <a:avLst/>
+          </a:prstGeom>
+          <a:noFill/>
+          <a:ln>
+            <a:noFill/>
+          </a:ln>
+        </p:spPr>
+        <p:txBody>
+          <a:bodyPr lIns="38100" tIns="38100" rIns="38100" bIns="38100" anchor="ctr" anchorCtr="0">
+            <a:noAutofit/>
+          </a:bodyPr>
+          <a:lstStyle/>
+          <a:p>
+            <a:pPr marL="0" marR="0" lvl="0" indent="0" algn="ctr" rtl="0">
+              <a:lnSpc>
+                <a:spcPct val="100000"/>
+              </a:lnSpc>
+              <a:spcBef>
+                <a:spcPts val="0"/>
+              </a:spcBef>
+              <a:spcAft>
+                <a:spcPts val="0"/>
+              </a:spcAft>
+              <a:buClr>
+                <a:srgbClr val="FF7F00"/>
+              </a:buClr>
+              <a:buSzPct val="25000"/>
+              <a:buFont typeface="Cabin"/>
+              <a:buNone/>
+            </a:pPr>
+            <a:r>
+              <a:rPr lang="en-US" sz="6600">
+                <a:solidFill>
+                  <a:srgbClr val="FF7F00"/>
+                </a:solidFill>
+                <a:latin typeface="Cabin"/>
+                <a:ea typeface="Cabin"/>
+                <a:cs typeface="Cabin"/>
+                <a:sym typeface="Cabin"/>
+              </a:rPr>
+              <a:t>Аргументы</a:t>
+            </a:r>
+            <a:r>
+              <a:rPr lang="en-US" sz="6600" b="0" i="0" u="none" strike="noStrike" cap="none">
+                <a:solidFill>
+                  <a:schemeClr val="lt1"/>
+                </a:solidFill>
+                <a:latin typeface="Cabin"/>
+                <a:ea typeface="Cabin"/>
+                <a:cs typeface="Cabin"/>
+                <a:sym typeface="Cabin"/>
+              </a:rPr>
+              <a:t>,</a:t>
+            </a:r>
+            <a:r>
+              <a:rPr lang="en-US" sz="6600" b="0" i="0" u="none" strike="noStrike" cap="none">
+                <a:solidFill>
+                  <a:srgbClr val="FFFF00"/>
+                </a:solidFill>
+                <a:latin typeface="Cabin"/>
+                <a:ea typeface="Cabin"/>
+                <a:cs typeface="Cabin"/>
+                <a:sym typeface="Cabin"/>
+              </a:rPr>
+              <a:t> </a:t>
+            </a:r>
+            <a:r>
+              <a:rPr lang="en-US" sz="6600">
+                <a:solidFill>
+                  <a:srgbClr val="00FFFF"/>
+                </a:solidFill>
+                <a:latin typeface="Cabin"/>
+                <a:ea typeface="Cabin"/>
+                <a:cs typeface="Cabin"/>
+                <a:sym typeface="Cabin"/>
+              </a:rPr>
+              <a:t>параметры</a:t>
+            </a:r>
+            <a:r>
+              <a:rPr lang="en-US" sz="6600" b="0" i="0" u="none" strike="noStrike" cap="none">
+                <a:solidFill>
+                  <a:schemeClr val="lt1"/>
+                </a:solidFill>
+                <a:latin typeface="Cabin"/>
+                <a:ea typeface="Cabin"/>
+                <a:cs typeface="Cabin"/>
+                <a:sym typeface="Cabin"/>
+              </a:rPr>
+              <a:t> </a:t>
+            </a:r>
+            <a:r>
+              <a:rPr lang="en-US" sz="6600">
+                <a:solidFill>
+                  <a:schemeClr val="lt1"/>
+                </a:solidFill>
+                <a:latin typeface="Cabin"/>
+                <a:ea typeface="Cabin"/>
+                <a:cs typeface="Cabin"/>
+                <a:sym typeface="Cabin"/>
+              </a:rPr>
+              <a:t>и</a:t>
+            </a:r>
+            <a:r>
+              <a:rPr lang="en-US" sz="6600" b="0" i="0" u="none" strike="noStrike" cap="none">
+                <a:solidFill>
+                  <a:srgbClr val="FF00FF"/>
+                </a:solidFill>
+                <a:latin typeface="Cabin"/>
+                <a:ea typeface="Cabin"/>
+                <a:cs typeface="Cabin"/>
+                <a:sym typeface="Cabin"/>
+              </a:rPr>
+              <a:t> </a:t>
+            </a:r>
+            <a:r>
+              <a:rPr lang="en-US" sz="6600">
+                <a:solidFill>
+                  <a:srgbClr val="00FF00"/>
+                </a:solidFill>
+                <a:latin typeface="Cabin"/>
+                <a:ea typeface="Cabin"/>
+                <a:cs typeface="Cabin"/>
+                <a:sym typeface="Cabin"/>
+              </a:rPr>
+              <a:t>результаты</a:t>
+            </a:r>
+          </a:p>
+        </p:txBody>
+      </p:sp>
+      <p:sp>
+        <p:nvSpPr>
+          <p:cNvPr id="363" name="Shape 363"/>
+          <p:cNvSpPr txBox="1"/>
+          <p:nvPr/>
+        </p:nvSpPr>
+        <p:spPr>
+          <a:xfrm>
+            <a:off x="1200150" y="2616200"/>
+            <a:ext cx="7557000" cy="1663800"/>
+          </a:xfrm>
+          <a:prstGeom prst="rect">
+            <a:avLst/>
+          </a:prstGeom>
+          <a:noFill/>
+          <a:ln>
+            <a:noFill/>
+          </a:ln>
+        </p:spPr>
+        <p:txBody>
+          <a:bodyPr lIns="0" tIns="0" rIns="0" bIns="0" anchor="ctr" anchorCtr="0">
+            <a:noAutofit/>
+          </a:bodyPr>
+          <a:lstStyle/>
+          <a:p>
+            <a:pPr marL="0" marR="0" lvl="0" indent="0" algn="l" rtl="0">
+              <a:lnSpc>
+                <a:spcPct val="100000"/>
+              </a:lnSpc>
+              <a:spcBef>
+                <a:spcPts val="0"/>
+              </a:spcBef>
+              <a:spcAft>
+                <a:spcPts val="0"/>
+              </a:spcAft>
+              <a:buClr>
+                <a:schemeClr val="lt1"/>
+              </a:buClr>
+              <a:buSzPct val="25000"/>
+              <a:buFont typeface="Cabin"/>
+              <a:buNone/>
+            </a:pPr>
+            <a:r>
+              <a:rPr lang="en-US" sz="3000" b="0" i="0" u="none" strike="noStrike" cap="none">
+                <a:solidFill>
+                  <a:schemeClr val="lt1"/>
+                </a:solidFill>
+                <a:latin typeface="Courier New"/>
+                <a:ea typeface="Courier New"/>
+                <a:cs typeface="Courier New"/>
+                <a:sym typeface="Courier New"/>
+              </a:rPr>
+              <a:t>&gt;&gt;&gt; </a:t>
+            </a:r>
+            <a:r>
+              <a:rPr lang="en-US" sz="3000" b="0" i="0" u="none" strike="noStrike" cap="none">
+                <a:solidFill>
+                  <a:srgbClr val="00FF00"/>
+                </a:solidFill>
+                <a:latin typeface="Courier New"/>
+                <a:ea typeface="Courier New"/>
+                <a:cs typeface="Courier New"/>
+                <a:sym typeface="Courier New"/>
+              </a:rPr>
+              <a:t>big</a:t>
+            </a:r>
+            <a:r>
+              <a:rPr lang="en-US" sz="3000" b="0" i="0" u="none" strike="noStrike" cap="none">
+                <a:solidFill>
+                  <a:schemeClr val="lt1"/>
+                </a:solidFill>
+                <a:latin typeface="Courier New"/>
+                <a:ea typeface="Courier New"/>
+                <a:cs typeface="Courier New"/>
+                <a:sym typeface="Courier New"/>
+              </a:rPr>
+              <a:t> = </a:t>
+            </a:r>
+            <a:r>
+              <a:rPr lang="en-US" sz="3000" b="0" i="0" u="none" strike="noStrike" cap="none">
+                <a:solidFill>
+                  <a:srgbClr val="FF00FF"/>
+                </a:solidFill>
+                <a:latin typeface="Courier New"/>
+                <a:ea typeface="Courier New"/>
+                <a:cs typeface="Courier New"/>
+                <a:sym typeface="Courier New"/>
+              </a:rPr>
+              <a:t>max</a:t>
+            </a:r>
+            <a:r>
+              <a:rPr lang="en-US" sz="3000" b="0" i="0" u="none" strike="noStrike" cap="none">
+                <a:solidFill>
+                  <a:schemeClr val="lt1"/>
+                </a:solidFill>
+                <a:latin typeface="Courier New"/>
+                <a:ea typeface="Courier New"/>
+                <a:cs typeface="Courier New"/>
+                <a:sym typeface="Courier New"/>
+              </a:rPr>
+              <a:t>(</a:t>
+            </a:r>
+            <a:r>
+              <a:rPr lang="en-US" sz="3000" b="0" i="0" u="none" strike="noStrike" cap="none">
+                <a:solidFill>
+                  <a:srgbClr val="00FF00"/>
+                </a:solidFill>
+                <a:latin typeface="Courier New"/>
+                <a:ea typeface="Courier New"/>
+                <a:cs typeface="Courier New"/>
+                <a:sym typeface="Courier New"/>
+              </a:rPr>
+              <a:t>'</a:t>
+            </a:r>
+            <a:r>
+              <a:rPr lang="en-US" sz="3000">
+                <a:solidFill>
+                  <a:srgbClr val="00FF00"/>
+                </a:solidFill>
+                <a:latin typeface="Courier New"/>
+                <a:ea typeface="Courier New"/>
+                <a:cs typeface="Courier New"/>
+                <a:sym typeface="Courier New"/>
+              </a:rPr>
+              <a:t>Hello world</a:t>
+            </a:r>
+            <a:r>
+              <a:rPr lang="en-US" sz="3000" b="0" i="0" u="none" strike="noStrike" cap="none">
+                <a:solidFill>
+                  <a:srgbClr val="00FF00"/>
+                </a:solidFill>
+                <a:latin typeface="Courier New"/>
+                <a:ea typeface="Courier New"/>
+                <a:cs typeface="Courier New"/>
+                <a:sym typeface="Courier New"/>
+              </a:rPr>
+              <a:t>'</a:t>
+            </a:r>
+            <a:r>
+              <a:rPr lang="en-US" sz="3000" b="0" i="0" u="none" strike="noStrike" cap="none">
+                <a:solidFill>
+                  <a:schemeClr val="lt1"/>
+                </a:solidFill>
+                <a:latin typeface="Courier New"/>
+                <a:ea typeface="Courier New"/>
+                <a:cs typeface="Courier New"/>
+                <a:sym typeface="Courier New"/>
+              </a:rPr>
+              <a:t>)</a:t>
+            </a:r>
+          </a:p>
+          <a:p>
+            <a:pPr marL="0" marR="0" lvl="0" indent="0" algn="l" rtl="0">
+              <a:lnSpc>
+                <a:spcPct val="100000"/>
+              </a:lnSpc>
+              <a:spcBef>
+                <a:spcPts val="0"/>
+              </a:spcBef>
+              <a:spcAft>
+                <a:spcPts val="0"/>
+              </a:spcAft>
+              <a:buClr>
+                <a:schemeClr val="lt1"/>
+              </a:buClr>
+              <a:buSzPct val="25000"/>
+              <a:buFont typeface="Cabin"/>
+              <a:buNone/>
+            </a:pPr>
+            <a:r>
+              <a:rPr lang="en-US" sz="3000" b="0" i="0" u="none" strike="noStrike" cap="none">
+                <a:solidFill>
+                  <a:schemeClr val="lt1"/>
+                </a:solidFill>
+                <a:latin typeface="Courier New"/>
+                <a:ea typeface="Courier New"/>
+                <a:cs typeface="Courier New"/>
+                <a:sym typeface="Courier New"/>
+              </a:rPr>
+              <a:t>&gt;&gt;&gt; </a:t>
+            </a:r>
+            <a:r>
+              <a:rPr lang="en-US" sz="3000" b="0" i="0" u="none" strike="noStrike" cap="none">
+                <a:solidFill>
+                  <a:srgbClr val="FFFF00"/>
+                </a:solidFill>
+                <a:latin typeface="Courier New"/>
+                <a:ea typeface="Courier New"/>
+                <a:cs typeface="Courier New"/>
+                <a:sym typeface="Courier New"/>
+              </a:rPr>
+              <a:t>print</a:t>
+            </a:r>
+            <a:r>
+              <a:rPr lang="en-US" sz="3000" b="0" i="0" u="none" strike="noStrike" cap="none">
+                <a:solidFill>
+                  <a:schemeClr val="lt1"/>
+                </a:solidFill>
+                <a:latin typeface="Courier New"/>
+                <a:ea typeface="Courier New"/>
+                <a:cs typeface="Courier New"/>
+                <a:sym typeface="Courier New"/>
+              </a:rPr>
+              <a:t> </a:t>
+            </a:r>
+            <a:r>
+              <a:rPr lang="en-US" sz="3000" b="0" i="0" u="none" strike="noStrike" cap="none">
+                <a:solidFill>
+                  <a:srgbClr val="00FF00"/>
+                </a:solidFill>
+                <a:latin typeface="Courier New"/>
+                <a:ea typeface="Courier New"/>
+                <a:cs typeface="Courier New"/>
+                <a:sym typeface="Courier New"/>
+              </a:rPr>
+              <a:t>big</a:t>
+            </a:r>
+          </a:p>
+          <a:p>
+            <a:pPr marL="0" marR="0" lvl="0" indent="0" algn="l" rtl="0">
+              <a:lnSpc>
+                <a:spcPct val="100000"/>
+              </a:lnSpc>
+              <a:spcBef>
+                <a:spcPts val="0"/>
+              </a:spcBef>
+              <a:spcAft>
+                <a:spcPts val="0"/>
+              </a:spcAft>
+              <a:buClr>
+                <a:schemeClr val="lt1"/>
+              </a:buClr>
+              <a:buSzPct val="25000"/>
+              <a:buFont typeface="Cabin"/>
+              <a:buNone/>
+            </a:pPr>
+            <a:r>
+              <a:rPr lang="en-US" sz="3000" b="0" i="0" u="none" strike="noStrike" cap="none">
+                <a:solidFill>
+                  <a:srgbClr val="00FF00"/>
+                </a:solidFill>
+                <a:latin typeface="Courier New"/>
+                <a:ea typeface="Courier New"/>
+                <a:cs typeface="Courier New"/>
+                <a:sym typeface="Courier New"/>
+              </a:rPr>
+              <a:t>w</a:t>
+            </a:r>
+          </a:p>
+        </p:txBody>
+      </p:sp>
+      <p:sp>
+        <p:nvSpPr>
+          <p:cNvPr id="364" name="Shape 364"/>
+          <p:cNvSpPr txBox="1"/>
+          <p:nvPr/>
+        </p:nvSpPr>
+        <p:spPr>
+          <a:xfrm>
+            <a:off x="7805637" y="4011400"/>
+            <a:ext cx="3127800" cy="3483300"/>
+          </a:xfrm>
+          <a:prstGeom prst="rect">
+            <a:avLst/>
+          </a:prstGeom>
+          <a:solidFill>
+            <a:srgbClr val="0000FF"/>
+          </a:solidFill>
+          <a:ln>
+            <a:noFill/>
+          </a:ln>
+        </p:spPr>
+        <p:txBody>
+          <a:bodyPr lIns="0" tIns="0" rIns="0" bIns="0" anchor="ctr" anchorCtr="0">
+            <a:noAutofit/>
+          </a:bodyPr>
+          <a:lstStyle/>
+          <a:p>
+            <a:pPr marL="0" marR="0" lvl="0" indent="0" algn="l" rtl="0">
+              <a:lnSpc>
+                <a:spcPct val="100000"/>
+              </a:lnSpc>
+              <a:spcBef>
+                <a:spcPts val="0"/>
+              </a:spcBef>
+              <a:spcAft>
+                <a:spcPts val="0"/>
+              </a:spcAft>
+              <a:buClr>
+                <a:srgbClr val="FFFF00"/>
+              </a:buClr>
+              <a:buSzPct val="25000"/>
+              <a:buFont typeface="Cabin"/>
+              <a:buNone/>
+            </a:pPr>
+            <a:r>
+              <a:rPr lang="en-US" sz="2400">
+                <a:solidFill>
+                  <a:srgbClr val="FFFF00"/>
+                </a:solidFill>
+                <a:latin typeface="Courier New"/>
+                <a:ea typeface="Courier New"/>
+                <a:cs typeface="Courier New"/>
+                <a:sym typeface="Courier New"/>
+              </a:rPr>
+              <a:t> </a:t>
+            </a:r>
+            <a:r>
+              <a:rPr lang="en-US" sz="2400" b="0" i="0" u="none" strike="noStrike" cap="none">
+                <a:solidFill>
+                  <a:srgbClr val="FFFF00"/>
+                </a:solidFill>
+                <a:latin typeface="Courier New"/>
+                <a:ea typeface="Courier New"/>
+                <a:cs typeface="Courier New"/>
+                <a:sym typeface="Courier New"/>
+              </a:rPr>
+              <a:t>def</a:t>
+            </a:r>
+            <a:r>
+              <a:rPr lang="en-US" sz="2400" b="0" i="0" u="none" strike="noStrike" cap="none">
+                <a:solidFill>
+                  <a:schemeClr val="lt1"/>
+                </a:solidFill>
+                <a:latin typeface="Courier New"/>
+                <a:ea typeface="Courier New"/>
+                <a:cs typeface="Courier New"/>
+                <a:sym typeface="Courier New"/>
+              </a:rPr>
+              <a:t> max(</a:t>
+            </a:r>
+            <a:r>
+              <a:rPr lang="en-US" sz="2400" b="0" i="0" u="none" strike="noStrike" cap="none">
+                <a:solidFill>
+                  <a:srgbClr val="00FFFF"/>
+                </a:solidFill>
+                <a:latin typeface="Courier New"/>
+                <a:ea typeface="Courier New"/>
+                <a:cs typeface="Courier New"/>
+                <a:sym typeface="Courier New"/>
+              </a:rPr>
+              <a:t>inp</a:t>
+            </a:r>
+            <a:r>
+              <a:rPr lang="en-US" sz="2400" b="0" i="0" u="none" strike="noStrike" cap="none">
+                <a:solidFill>
+                  <a:schemeClr val="lt1"/>
+                </a:solidFill>
+                <a:latin typeface="Courier New"/>
+                <a:ea typeface="Courier New"/>
+                <a:cs typeface="Courier New"/>
+                <a:sym typeface="Courier New"/>
+              </a:rPr>
+              <a:t>):</a:t>
+            </a:r>
+          </a:p>
+          <a:p>
+            <a:pPr marL="0" marR="0" lvl="0" indent="0" algn="l" rtl="0">
+              <a:lnSpc>
+                <a:spcPct val="100000"/>
+              </a:lnSpc>
+              <a:spcBef>
+                <a:spcPts val="0"/>
+              </a:spcBef>
+              <a:spcAft>
+                <a:spcPts val="0"/>
+              </a:spcAft>
+              <a:buClr>
+                <a:schemeClr val="lt1"/>
+              </a:buClr>
+              <a:buSzPct val="25000"/>
+              <a:buFont typeface="Cabin"/>
+              <a:buNone/>
+            </a:pPr>
+            <a:r>
+              <a:rPr lang="en-US" sz="2400" b="0" i="0" u="none" strike="noStrike" cap="none">
+                <a:solidFill>
+                  <a:schemeClr val="lt1"/>
+                </a:solidFill>
+                <a:latin typeface="Courier New"/>
+                <a:ea typeface="Courier New"/>
+                <a:cs typeface="Courier New"/>
+                <a:sym typeface="Courier New"/>
+              </a:rPr>
+              <a:t>    blah</a:t>
+            </a:r>
+          </a:p>
+          <a:p>
+            <a:pPr marL="0" marR="0" lvl="0" indent="0" algn="l" rtl="0">
+              <a:lnSpc>
+                <a:spcPct val="100000"/>
+              </a:lnSpc>
+              <a:spcBef>
+                <a:spcPts val="0"/>
+              </a:spcBef>
+              <a:spcAft>
+                <a:spcPts val="0"/>
+              </a:spcAft>
+              <a:buClr>
+                <a:schemeClr val="lt1"/>
+              </a:buClr>
+              <a:buSzPct val="25000"/>
+              <a:buFont typeface="Cabin"/>
+              <a:buNone/>
+            </a:pPr>
+            <a:r>
+              <a:rPr lang="en-US" sz="2400" b="0" i="0" u="none" strike="noStrike" cap="none">
+                <a:solidFill>
+                  <a:schemeClr val="lt1"/>
+                </a:solidFill>
+                <a:latin typeface="Courier New"/>
+                <a:ea typeface="Courier New"/>
+                <a:cs typeface="Courier New"/>
+                <a:sym typeface="Courier New"/>
+              </a:rPr>
+              <a:t>    blah</a:t>
+            </a:r>
+          </a:p>
+          <a:p>
+            <a:pPr marL="0" marR="0" lvl="0" indent="0" algn="l" rtl="0">
+              <a:lnSpc>
+                <a:spcPct val="100000"/>
+              </a:lnSpc>
+              <a:spcBef>
+                <a:spcPts val="0"/>
+              </a:spcBef>
+              <a:spcAft>
+                <a:spcPts val="0"/>
+              </a:spcAft>
+              <a:buClr>
+                <a:schemeClr val="lt1"/>
+              </a:buClr>
+              <a:buSzPct val="25000"/>
+              <a:buFont typeface="Cabin"/>
+              <a:buNone/>
+            </a:pPr>
+            <a:r>
+              <a:rPr lang="en-US" sz="2400" b="0" i="0" u="none" strike="noStrike" cap="none">
+                <a:solidFill>
+                  <a:schemeClr val="lt1"/>
+                </a:solidFill>
+                <a:latin typeface="Courier New"/>
+                <a:ea typeface="Courier New"/>
+                <a:cs typeface="Courier New"/>
+                <a:sym typeface="Courier New"/>
+              </a:rPr>
+              <a:t>    </a:t>
+            </a:r>
+            <a:r>
+              <a:rPr lang="en-US" sz="2400" b="0" i="0" u="none" strike="noStrike" cap="none">
+                <a:solidFill>
+                  <a:srgbClr val="FFFF00"/>
+                </a:solidFill>
+                <a:latin typeface="Courier New"/>
+                <a:ea typeface="Courier New"/>
+                <a:cs typeface="Courier New"/>
+                <a:sym typeface="Courier New"/>
+              </a:rPr>
+              <a:t>for</a:t>
+            </a:r>
+            <a:r>
+              <a:rPr lang="en-US" sz="2400" b="0" i="0" u="none" strike="noStrike" cap="none">
+                <a:solidFill>
+                  <a:schemeClr val="lt1"/>
+                </a:solidFill>
+                <a:latin typeface="Courier New"/>
+                <a:ea typeface="Courier New"/>
+                <a:cs typeface="Courier New"/>
+                <a:sym typeface="Courier New"/>
+              </a:rPr>
+              <a:t> x </a:t>
+            </a:r>
+            <a:r>
+              <a:rPr lang="en-US" sz="2400" b="0" i="0" u="none" strike="noStrike" cap="none">
+                <a:solidFill>
+                  <a:srgbClr val="FFFF00"/>
+                </a:solidFill>
+                <a:latin typeface="Courier New"/>
+                <a:ea typeface="Courier New"/>
+                <a:cs typeface="Courier New"/>
+                <a:sym typeface="Courier New"/>
+              </a:rPr>
+              <a:t>in</a:t>
+            </a:r>
+            <a:r>
+              <a:rPr lang="en-US" sz="2400" b="0" i="0" u="none" strike="noStrike" cap="none">
+                <a:solidFill>
+                  <a:schemeClr val="lt1"/>
+                </a:solidFill>
+                <a:latin typeface="Courier New"/>
+                <a:ea typeface="Courier New"/>
+                <a:cs typeface="Courier New"/>
+                <a:sym typeface="Courier New"/>
+              </a:rPr>
+              <a:t> y:</a:t>
+            </a:r>
+          </a:p>
+          <a:p>
+            <a:pPr marL="0" marR="0" lvl="0" indent="0" algn="l" rtl="0">
+              <a:lnSpc>
+                <a:spcPct val="100000"/>
+              </a:lnSpc>
+              <a:spcBef>
+                <a:spcPts val="0"/>
+              </a:spcBef>
+              <a:spcAft>
+                <a:spcPts val="0"/>
+              </a:spcAft>
+              <a:buClr>
+                <a:schemeClr val="lt1"/>
+              </a:buClr>
+              <a:buSzPct val="25000"/>
+              <a:buFont typeface="Cabin"/>
+              <a:buNone/>
+            </a:pPr>
+            <a:r>
+              <a:rPr lang="en-US" sz="2400" b="0" i="0" u="none" strike="noStrike" cap="none">
+                <a:solidFill>
+                  <a:schemeClr val="lt1"/>
+                </a:solidFill>
+                <a:latin typeface="Courier New"/>
+                <a:ea typeface="Courier New"/>
+                <a:cs typeface="Courier New"/>
+                <a:sym typeface="Courier New"/>
+              </a:rPr>
+              <a:t>      blah</a:t>
+            </a:r>
+          </a:p>
+          <a:p>
+            <a:pPr marL="0" marR="0" lvl="0" indent="0" algn="l" rtl="0">
+              <a:lnSpc>
+                <a:spcPct val="100000"/>
+              </a:lnSpc>
+              <a:spcBef>
+                <a:spcPts val="0"/>
+              </a:spcBef>
+              <a:spcAft>
+                <a:spcPts val="0"/>
+              </a:spcAft>
+              <a:buClr>
+                <a:schemeClr val="lt1"/>
+              </a:buClr>
+              <a:buSzPct val="25000"/>
+              <a:buFont typeface="Cabin"/>
+              <a:buNone/>
+            </a:pPr>
+            <a:r>
+              <a:rPr lang="en-US" sz="2400" b="0" i="0" u="none" strike="noStrike" cap="none">
+                <a:solidFill>
+                  <a:schemeClr val="lt1"/>
+                </a:solidFill>
+                <a:latin typeface="Courier New"/>
+                <a:ea typeface="Courier New"/>
+                <a:cs typeface="Courier New"/>
+                <a:sym typeface="Courier New"/>
+              </a:rPr>
+              <a:t>      blah</a:t>
+            </a:r>
+          </a:p>
+          <a:p>
+            <a:pPr marL="0" marR="0" lvl="0" indent="0" algn="l" rtl="0">
+              <a:lnSpc>
+                <a:spcPct val="100000"/>
+              </a:lnSpc>
+              <a:spcBef>
+                <a:spcPts val="0"/>
+              </a:spcBef>
+              <a:spcAft>
+                <a:spcPts val="0"/>
+              </a:spcAft>
+              <a:buClr>
+                <a:schemeClr val="lt1"/>
+              </a:buClr>
+              <a:buSzPct val="25000"/>
+              <a:buFont typeface="Cabin"/>
+              <a:buNone/>
+            </a:pPr>
+            <a:r>
+              <a:rPr lang="en-US" sz="2400" b="0" i="0" u="none" strike="noStrike" cap="none">
+                <a:solidFill>
+                  <a:schemeClr val="lt1"/>
+                </a:solidFill>
+                <a:latin typeface="Courier New"/>
+                <a:ea typeface="Courier New"/>
+                <a:cs typeface="Courier New"/>
+                <a:sym typeface="Courier New"/>
+              </a:rPr>
+              <a:t>    </a:t>
+            </a:r>
+            <a:r>
+              <a:rPr lang="en-US" sz="2400" b="0" i="0" u="none" strike="noStrike" cap="none">
+                <a:solidFill>
+                  <a:srgbClr val="00FF00"/>
+                </a:solidFill>
+                <a:latin typeface="Courier New"/>
+                <a:ea typeface="Courier New"/>
+                <a:cs typeface="Courier New"/>
+                <a:sym typeface="Courier New"/>
+              </a:rPr>
+              <a:t>return ‘w’</a:t>
+            </a:r>
+          </a:p>
+        </p:txBody>
+      </p:sp>
+      <p:cxnSp>
+        <p:nvCxnSpPr>
+          <p:cNvPr id="365" name="Shape 365"/>
+          <p:cNvCxnSpPr/>
+          <p:nvPr/>
+        </p:nvCxnSpPr>
+        <p:spPr>
+          <a:xfrm flipH="1">
+            <a:off x="6569200" y="5608275"/>
+            <a:ext cx="1016099" cy="3600"/>
+          </a:xfrm>
+          <a:prstGeom prst="straightConnector1">
+            <a:avLst/>
+          </a:prstGeom>
+          <a:noFill/>
+          <a:ln w="88900" cap="rnd" cmpd="sng">
+            <a:solidFill>
+              <a:srgbClr val="FF7F00"/>
+            </a:solidFill>
+            <a:prstDash val="solid"/>
+            <a:miter/>
+            <a:headEnd type="stealth" w="med" len="med"/>
+            <a:tailEnd type="none" w="med" len="med"/>
+          </a:ln>
+        </p:spPr>
+      </p:cxnSp>
+      <p:sp>
+        <p:nvSpPr>
+          <p:cNvPr id="366" name="Shape 366"/>
+          <p:cNvSpPr txBox="1"/>
+          <p:nvPr/>
+        </p:nvSpPr>
+        <p:spPr>
+          <a:xfrm>
+            <a:off x="3530600" y="5283200"/>
+            <a:ext cx="2849699" cy="622199"/>
+          </a:xfrm>
+          <a:prstGeom prst="rect">
+            <a:avLst/>
+          </a:prstGeom>
+          <a:noFill/>
+          <a:ln>
+            <a:noFill/>
+          </a:ln>
+        </p:spPr>
+        <p:txBody>
+          <a:bodyPr lIns="0" tIns="0" rIns="0" bIns="0" anchor="ctr" anchorCtr="0">
+            <a:noAutofit/>
+          </a:bodyPr>
+          <a:lstStyle/>
+          <a:p>
+            <a:pPr marL="0" marR="0" lvl="0" indent="0" algn="ctr" rtl="0">
+              <a:lnSpc>
+                <a:spcPct val="100000"/>
+              </a:lnSpc>
+              <a:spcBef>
+                <a:spcPts val="0"/>
+              </a:spcBef>
+              <a:spcAft>
+                <a:spcPts val="0"/>
+              </a:spcAft>
+              <a:buClr>
+                <a:srgbClr val="FF7F00"/>
+              </a:buClr>
+              <a:buSzPct val="25000"/>
+              <a:buFont typeface="Arial"/>
+              <a:buNone/>
+            </a:pPr>
+            <a:r>
+              <a:rPr lang="en-US" sz="3600" b="0" i="0" u="none" strike="noStrike" cap="none">
+                <a:solidFill>
+                  <a:srgbClr val="FF7F00"/>
+                </a:solidFill>
+                <a:latin typeface="Arial"/>
+                <a:ea typeface="Arial"/>
+                <a:cs typeface="Arial"/>
+                <a:sym typeface="Arial"/>
+              </a:rPr>
+              <a:t>“</a:t>
+            </a:r>
+            <a:r>
+              <a:rPr lang="en-US" sz="3600" b="0" i="0" u="none" strike="noStrike" cap="none">
+                <a:solidFill>
+                  <a:srgbClr val="FF7F00"/>
+                </a:solidFill>
+                <a:latin typeface="Cabin"/>
+                <a:ea typeface="Cabin"/>
+                <a:cs typeface="Cabin"/>
+                <a:sym typeface="Cabin"/>
+              </a:rPr>
+              <a:t>Hello world</a:t>
+            </a:r>
+            <a:r>
+              <a:rPr lang="en-US" sz="3600" b="0" i="0" u="none" strike="noStrike" cap="none">
+                <a:solidFill>
+                  <a:srgbClr val="FF7F00"/>
+                </a:solidFill>
+                <a:latin typeface="Arial"/>
+                <a:ea typeface="Arial"/>
+                <a:cs typeface="Arial"/>
+                <a:sym typeface="Arial"/>
+              </a:rPr>
+              <a:t>”</a:t>
+            </a:r>
+            <a:r>
+              <a:rPr lang="en-US" sz="3600" b="0" i="0" u="none" strike="noStrike" cap="none">
+                <a:solidFill>
+                  <a:srgbClr val="FF7F00"/>
+                </a:solidFill>
+                <a:latin typeface="Cabin"/>
+                <a:ea typeface="Cabin"/>
+                <a:cs typeface="Cabin"/>
+                <a:sym typeface="Cabin"/>
+              </a:rPr>
+              <a:t> </a:t>
+            </a:r>
+          </a:p>
+        </p:txBody>
+      </p:sp>
+      <p:sp>
+        <p:nvSpPr>
+          <p:cNvPr id="367" name="Shape 367"/>
+          <p:cNvSpPr txBox="1"/>
+          <p:nvPr/>
+        </p:nvSpPr>
+        <p:spPr>
+          <a:xfrm>
+            <a:off x="13066711" y="5232400"/>
+            <a:ext cx="644524" cy="622299"/>
+          </a:xfrm>
+          <a:prstGeom prst="rect">
+            <a:avLst/>
+          </a:prstGeom>
+          <a:noFill/>
+          <a:ln>
+            <a:noFill/>
+          </a:ln>
+        </p:spPr>
+        <p:txBody>
+          <a:bodyPr lIns="0" tIns="0" rIns="0" bIns="0" anchor="ctr" anchorCtr="0">
+            <a:noAutofit/>
+          </a:bodyPr>
+          <a:lstStyle/>
+          <a:p>
+            <a:pPr marL="0" marR="0" lvl="0" indent="0" algn="ctr" rtl="0">
+              <a:lnSpc>
+                <a:spcPct val="100000"/>
+              </a:lnSpc>
+              <a:spcBef>
+                <a:spcPts val="0"/>
+              </a:spcBef>
+              <a:spcAft>
+                <a:spcPts val="0"/>
+              </a:spcAft>
+              <a:buClr>
+                <a:srgbClr val="00FF00"/>
+              </a:buClr>
+              <a:buSzPct val="25000"/>
+              <a:buFont typeface="Arial"/>
+              <a:buNone/>
+            </a:pPr>
+            <a:r>
+              <a:rPr lang="en-US" sz="3600" b="0" i="0" u="none" strike="noStrike" cap="none">
+                <a:solidFill>
+                  <a:srgbClr val="00FF00"/>
+                </a:solidFill>
+                <a:latin typeface="Arial"/>
+                <a:ea typeface="Arial"/>
+                <a:cs typeface="Arial"/>
+                <a:sym typeface="Arial"/>
+              </a:rPr>
+              <a:t>‘</a:t>
+            </a:r>
+            <a:r>
+              <a:rPr lang="en-US" sz="3600" b="0" i="0" u="none" strike="noStrike" cap="none">
+                <a:solidFill>
+                  <a:srgbClr val="00FF00"/>
+                </a:solidFill>
+                <a:latin typeface="Cabin"/>
+                <a:ea typeface="Cabin"/>
+                <a:cs typeface="Cabin"/>
+                <a:sym typeface="Cabin"/>
+              </a:rPr>
+              <a:t>w</a:t>
+            </a:r>
+            <a:r>
+              <a:rPr lang="en-US" sz="3600" b="0" i="0" u="none" strike="noStrike" cap="none">
+                <a:solidFill>
+                  <a:srgbClr val="00FF00"/>
+                </a:solidFill>
+                <a:latin typeface="Arial"/>
+                <a:ea typeface="Arial"/>
+                <a:cs typeface="Arial"/>
+                <a:sym typeface="Arial"/>
+              </a:rPr>
+              <a:t>’</a:t>
+            </a:r>
+          </a:p>
+        </p:txBody>
+      </p:sp>
+      <p:cxnSp>
+        <p:nvCxnSpPr>
+          <p:cNvPr id="368" name="Shape 368"/>
+          <p:cNvCxnSpPr/>
+          <p:nvPr/>
+        </p:nvCxnSpPr>
+        <p:spPr>
+          <a:xfrm flipH="1">
+            <a:off x="11153774" y="5594350"/>
+            <a:ext cx="1492250" cy="17461"/>
+          </a:xfrm>
+          <a:prstGeom prst="straightConnector1">
+            <a:avLst/>
+          </a:prstGeom>
+          <a:noFill/>
+          <a:ln w="88900" cap="rnd" cmpd="sng">
+            <a:solidFill>
+              <a:schemeClr val="lt1"/>
+            </a:solidFill>
+            <a:prstDash val="solid"/>
+            <a:miter/>
+            <a:headEnd type="stealth" w="med" len="med"/>
+            <a:tailEnd type="none" w="med" len="med"/>
+          </a:ln>
+        </p:spPr>
+      </p:cxnSp>
+      <p:sp>
+        <p:nvSpPr>
+          <p:cNvPr id="369" name="Shape 369"/>
+          <p:cNvSpPr txBox="1"/>
+          <p:nvPr/>
+        </p:nvSpPr>
+        <p:spPr>
+          <a:xfrm>
+            <a:off x="2049445" y="6502400"/>
+            <a:ext cx="2725199" cy="622199"/>
+          </a:xfrm>
+          <a:prstGeom prst="rect">
+            <a:avLst/>
+          </a:prstGeom>
+          <a:noFill/>
+          <a:ln>
+            <a:noFill/>
+          </a:ln>
+        </p:spPr>
+        <p:txBody>
+          <a:bodyPr lIns="0" tIns="0" rIns="0" bIns="0" anchor="ctr" anchorCtr="0">
+            <a:noAutofit/>
+          </a:bodyPr>
+          <a:lstStyle/>
+          <a:p>
+            <a:pPr marL="0" marR="0" lvl="0" indent="0" algn="ctr" rtl="0">
+              <a:lnSpc>
+                <a:spcPct val="100000"/>
+              </a:lnSpc>
+              <a:spcBef>
+                <a:spcPts val="0"/>
+              </a:spcBef>
+              <a:spcAft>
+                <a:spcPts val="0"/>
+              </a:spcAft>
+              <a:buClr>
+                <a:srgbClr val="FF7F00"/>
+              </a:buClr>
+              <a:buSzPct val="25000"/>
+              <a:buFont typeface="Cabin"/>
+              <a:buNone/>
+            </a:pPr>
+            <a:r>
+              <a:rPr lang="en-US" sz="3600">
+                <a:solidFill>
+                  <a:srgbClr val="FF7F00"/>
+                </a:solidFill>
+                <a:latin typeface="Cabin"/>
+                <a:ea typeface="Cabin"/>
+                <a:cs typeface="Cabin"/>
+                <a:sym typeface="Cabin"/>
+              </a:rPr>
+              <a:t>Аргумент</a:t>
+            </a:r>
+          </a:p>
+        </p:txBody>
+      </p:sp>
+      <p:cxnSp>
+        <p:nvCxnSpPr>
+          <p:cNvPr id="370" name="Shape 370"/>
+          <p:cNvCxnSpPr/>
+          <p:nvPr/>
+        </p:nvCxnSpPr>
+        <p:spPr>
+          <a:xfrm flipH="1">
+            <a:off x="3027375" y="5965150"/>
+            <a:ext cx="903299" cy="532499"/>
+          </a:xfrm>
+          <a:prstGeom prst="straightConnector1">
+            <a:avLst/>
+          </a:prstGeom>
+          <a:noFill/>
+          <a:ln w="76200" cap="rnd" cmpd="sng">
+            <a:solidFill>
+              <a:srgbClr val="FF7F00"/>
+            </a:solidFill>
+            <a:prstDash val="solid"/>
+            <a:miter/>
+            <a:headEnd type="stealth" w="med" len="med"/>
+            <a:tailEnd type="none" w="med" len="med"/>
+          </a:ln>
+        </p:spPr>
+      </p:cxnSp>
+      <p:sp>
+        <p:nvSpPr>
+          <p:cNvPr id="371" name="Shape 371"/>
+          <p:cNvSpPr txBox="1"/>
+          <p:nvPr/>
+        </p:nvSpPr>
+        <p:spPr>
+          <a:xfrm>
+            <a:off x="11231546" y="2908300"/>
+            <a:ext cx="2556899" cy="622199"/>
+          </a:xfrm>
+          <a:prstGeom prst="rect">
+            <a:avLst/>
+          </a:prstGeom>
+          <a:noFill/>
+          <a:ln>
+            <a:noFill/>
+          </a:ln>
+        </p:spPr>
+        <p:txBody>
+          <a:bodyPr lIns="0" tIns="0" rIns="0" bIns="0" anchor="ctr" anchorCtr="0">
+            <a:noAutofit/>
+          </a:bodyPr>
+          <a:lstStyle/>
+          <a:p>
+            <a:pPr marL="0" marR="0" lvl="0" indent="0" algn="ctr" rtl="0">
+              <a:lnSpc>
+                <a:spcPct val="100000"/>
+              </a:lnSpc>
+              <a:spcBef>
+                <a:spcPts val="0"/>
+              </a:spcBef>
+              <a:spcAft>
+                <a:spcPts val="0"/>
+              </a:spcAft>
+              <a:buClr>
+                <a:srgbClr val="00FFFF"/>
+              </a:buClr>
+              <a:buSzPct val="25000"/>
+              <a:buFont typeface="Cabin"/>
+              <a:buNone/>
+            </a:pPr>
+            <a:r>
+              <a:rPr lang="en-US" sz="3600">
+                <a:solidFill>
+                  <a:srgbClr val="00FFFF"/>
+                </a:solidFill>
+                <a:latin typeface="Cabin"/>
+                <a:ea typeface="Cabin"/>
+                <a:cs typeface="Cabin"/>
+                <a:sym typeface="Cabin"/>
+              </a:rPr>
+              <a:t>Параметр</a:t>
+            </a:r>
+          </a:p>
+        </p:txBody>
+      </p:sp>
+      <p:cxnSp>
+        <p:nvCxnSpPr>
+          <p:cNvPr id="372" name="Shape 372"/>
+          <p:cNvCxnSpPr/>
+          <p:nvPr/>
+        </p:nvCxnSpPr>
+        <p:spPr>
+          <a:xfrm rot="10800000" flipH="1">
+            <a:off x="9904575" y="3297099"/>
+            <a:ext cx="1049100" cy="1075500"/>
+          </a:xfrm>
+          <a:prstGeom prst="straightConnector1">
+            <a:avLst/>
+          </a:prstGeom>
+          <a:noFill/>
+          <a:ln w="76200" cap="rnd" cmpd="sng">
+            <a:solidFill>
+              <a:srgbClr val="00FFFF"/>
+            </a:solidFill>
+            <a:prstDash val="solid"/>
+            <a:miter/>
+            <a:headEnd type="stealth" w="med" len="med"/>
+            <a:tailEnd type="none" w="med" len="med"/>
+          </a:ln>
+        </p:spPr>
+      </p:cxnSp>
+      <p:sp>
+        <p:nvSpPr>
+          <p:cNvPr id="373" name="Shape 373"/>
+          <p:cNvSpPr txBox="1"/>
+          <p:nvPr/>
+        </p:nvSpPr>
+        <p:spPr>
+          <a:xfrm>
+            <a:off x="12750550" y="6743700"/>
+            <a:ext cx="2556899" cy="622199"/>
+          </a:xfrm>
+          <a:prstGeom prst="rect">
+            <a:avLst/>
+          </a:prstGeom>
+          <a:noFill/>
+          <a:ln>
+            <a:noFill/>
+          </a:ln>
+        </p:spPr>
+        <p:txBody>
+          <a:bodyPr lIns="0" tIns="0" rIns="0" bIns="0" anchor="ctr" anchorCtr="0">
+            <a:noAutofit/>
+          </a:bodyPr>
+          <a:lstStyle/>
+          <a:p>
+            <a:pPr marL="0" marR="0" lvl="0" indent="0" algn="ctr" rtl="0">
+              <a:lnSpc>
+                <a:spcPct val="100000"/>
+              </a:lnSpc>
+              <a:spcBef>
+                <a:spcPts val="0"/>
+              </a:spcBef>
+              <a:spcAft>
+                <a:spcPts val="0"/>
+              </a:spcAft>
+              <a:buClr>
+                <a:srgbClr val="00FF00"/>
+              </a:buClr>
+              <a:buSzPct val="25000"/>
+              <a:buFont typeface="Cabin"/>
+              <a:buNone/>
+            </a:pPr>
+            <a:r>
+              <a:rPr lang="en-US" sz="3600">
+                <a:solidFill>
+                  <a:srgbClr val="00FF00"/>
+                </a:solidFill>
+                <a:latin typeface="Cabin"/>
+                <a:ea typeface="Cabin"/>
+                <a:cs typeface="Cabin"/>
+                <a:sym typeface="Cabin"/>
+              </a:rPr>
+              <a:t>Результат</a:t>
+            </a:r>
+          </a:p>
+        </p:txBody>
+      </p:sp>
+      <p:cxnSp>
+        <p:nvCxnSpPr>
+          <p:cNvPr id="374" name="Shape 374"/>
+          <p:cNvCxnSpPr/>
+          <p:nvPr/>
+        </p:nvCxnSpPr>
+        <p:spPr>
+          <a:xfrm>
+            <a:off x="13377862" y="5940425"/>
+            <a:ext cx="19049" cy="711200"/>
+          </a:xfrm>
+          <a:prstGeom prst="straightConnector1">
+            <a:avLst/>
+          </a:prstGeom>
+          <a:noFill/>
+          <a:ln w="76200" cap="rnd" cmpd="sng">
+            <a:solidFill>
+              <a:srgbClr val="00FF00"/>
+            </a:solidFill>
+            <a:prstDash val="solid"/>
+            <a:miter/>
+            <a:headEnd type="stealth" w="med" len="med"/>
+            <a:tailEnd type="none" w="med" len="med"/>
+          </a:ln>
+        </p:spPr>
+      </p:cxnSp>
+    </p:spTree>
+  </p:cSld>
+  <p:clrMapOvr>
+    <a:masterClrMapping/>
+  </p:clrMapOvr>
+</p:sld>
+</file>
+
+<file path=ppt/slides/slide21.xml><?xml version="1.0" encoding="utf-8"?>
 <p:sld xmlns:a="http://schemas.openxmlformats.org/drawingml/2006/main" xmlns:r="http://schemas.openxmlformats.org/officeDocument/2006/relationships" xmlns:p="http://schemas.openxmlformats.org/presentationml/2006/main">
   <p:cSld>
     <p:spTree>
@@ -28742,7 +29816,7 @@
 </p:sld>
 </file>
 
-<file path=ppt/slides/slide21.xml><?xml version="1.0" encoding="utf-8"?>
+<file path=ppt/slides/slide22.xml><?xml version="1.0" encoding="utf-8"?>
 <p:sld xmlns:a="http://schemas.openxmlformats.org/drawingml/2006/main" xmlns:r="http://schemas.openxmlformats.org/officeDocument/2006/relationships" xmlns:p="http://schemas.openxmlformats.org/presentationml/2006/main">
   <p:cSld>
     <p:spTree>
@@ -29107,7 +30181,7 @@
 </p:sld>
 </file>
 
-<file path=ppt/slides/slide22.xml><?xml version="1.0" encoding="utf-8"?>
+<file path=ppt/slides/slide23.xml><?xml version="1.0" encoding="utf-8"?>
 <p:sld xmlns:a="http://schemas.openxmlformats.org/drawingml/2006/main" xmlns:r="http://schemas.openxmlformats.org/officeDocument/2006/relationships" xmlns:p="http://schemas.openxmlformats.org/presentationml/2006/main">
   <p:cSld>
     <p:spTree>
@@ -29479,7 +30553,7 @@
 </p:sld>
 </file>
 
-<file path=ppt/slides/slide23.xml><?xml version="1.0" encoding="utf-8"?>
+<file path=ppt/slides/slide24.xml><?xml version="1.0" encoding="utf-8"?>
 <p:sld xmlns:a="http://schemas.openxmlformats.org/drawingml/2006/main" xmlns:r="http://schemas.openxmlformats.org/officeDocument/2006/relationships" xmlns:p="http://schemas.openxmlformats.org/presentationml/2006/main">
   <p:cSld>
     <p:spTree>
@@ -29933,7 +31007,7 @@
 </p:sld>
 </file>
 
-<file path=ppt/slides/slide24.xml><?xml version="1.0" encoding="utf-8"?>
+<file path=ppt/slides/slide25.xml><?xml version="1.0" encoding="utf-8"?>
 <p:sld xmlns:a="http://schemas.openxmlformats.org/drawingml/2006/main" xmlns:r="http://schemas.openxmlformats.org/officeDocument/2006/relationships" xmlns:p="http://schemas.openxmlformats.org/presentationml/2006/main" show="0">
   <p:cSld>
     <p:spTree>
@@ -30282,6 +31356,310 @@
 </file>
 
 <file path=ppt/slides/slide3.xml><?xml version="1.0" encoding="utf-8"?>
+<p:sld xmlns:a="http://schemas.openxmlformats.org/drawingml/2006/main" xmlns:r="http://schemas.openxmlformats.org/officeDocument/2006/relationships" xmlns:p="http://schemas.openxmlformats.org/presentationml/2006/main">
+  <p:cSld>
+    <p:bg>
+      <p:bgPr>
+        <a:solidFill>
+          <a:schemeClr val="bg1"/>
+        </a:solidFill>
+        <a:effectLst/>
+      </p:bgPr>
+    </p:bg>
+    <p:spTree>
+      <p:nvGrpSpPr>
+        <p:cNvPr id="1" name="Shape 212"/>
+        <p:cNvGrpSpPr/>
+        <p:nvPr/>
+      </p:nvGrpSpPr>
+      <p:grpSpPr>
+        <a:xfrm>
+          <a:off x="0" y="0"/>
+          <a:ext cx="0" cy="0"/>
+          <a:chOff x="0" y="0"/>
+          <a:chExt cx="0" cy="0"/>
+        </a:xfrm>
+      </p:grpSpPr>
+      <p:sp>
+        <p:nvSpPr>
+          <p:cNvPr id="213" name="Shape 213"/>
+          <p:cNvSpPr txBox="1">
+            <a:spLocks noGrp="1"/>
+          </p:cNvSpPr>
+          <p:nvPr>
+            <p:ph type="title"/>
+          </p:nvPr>
+        </p:nvSpPr>
+        <p:spPr>
+          <a:xfrm>
+            <a:off x="1155700" y="241300"/>
+            <a:ext cx="13931900" cy="2298699"/>
+          </a:xfrm>
+          <a:prstGeom prst="rect">
+            <a:avLst/>
+          </a:prstGeom>
+          <a:noFill/>
+          <a:ln>
+            <a:noFill/>
+          </a:ln>
+        </p:spPr>
+        <p:txBody>
+          <a:bodyPr lIns="38100" tIns="38100" rIns="38100" bIns="38100" anchor="ctr" anchorCtr="0">
+            <a:noAutofit/>
+          </a:bodyPr>
+          <a:lstStyle/>
+          <a:p>
+            <a:pPr marL="0" marR="0" lvl="0" indent="0" algn="ctr" rtl="0">
+              <a:lnSpc>
+                <a:spcPct val="100000"/>
+              </a:lnSpc>
+              <a:spcBef>
+                <a:spcPts val="0"/>
+              </a:spcBef>
+              <a:spcAft>
+                <a:spcPts val="0"/>
+              </a:spcAft>
+              <a:buClr>
+                <a:schemeClr val="lt1"/>
+              </a:buClr>
+              <a:buSzPct val="25000"/>
+              <a:buFont typeface="Cabin"/>
+              <a:buNone/>
+            </a:pPr>
+            <a:r>
+              <a:rPr lang="en-US" sz="6600" dirty="0" smtClean="0">
+                <a:solidFill>
+                  <a:schemeClr val="bg2"/>
+                </a:solidFill>
+                <a:latin typeface="Cabin"/>
+                <a:ea typeface="Cabin"/>
+                <a:cs typeface="Cabin"/>
+                <a:sym typeface="Cabin"/>
+              </a:rPr>
+              <a:t>DRY </a:t>
+            </a:r>
+            <a:r>
+              <a:rPr lang="ru-RU" sz="6600" dirty="0" smtClean="0">
+                <a:solidFill>
+                  <a:schemeClr val="bg2"/>
+                </a:solidFill>
+                <a:latin typeface="Cabin"/>
+                <a:ea typeface="Cabin"/>
+                <a:cs typeface="Cabin"/>
+                <a:sym typeface="Cabin"/>
+              </a:rPr>
+              <a:t>принцип</a:t>
+            </a:r>
+            <a:endParaRPr lang="en-US" sz="6600" dirty="0">
+              <a:solidFill>
+                <a:schemeClr val="bg2"/>
+              </a:solidFill>
+              <a:latin typeface="Cabin"/>
+              <a:ea typeface="Cabin"/>
+              <a:cs typeface="Cabin"/>
+              <a:sym typeface="Cabin"/>
+            </a:endParaRPr>
+          </a:p>
+        </p:txBody>
+      </p:sp>
+      <p:sp>
+        <p:nvSpPr>
+          <p:cNvPr id="215" name="Shape 215"/>
+          <p:cNvSpPr txBox="1"/>
+          <p:nvPr/>
+        </p:nvSpPr>
+        <p:spPr>
+          <a:xfrm>
+            <a:off x="973015" y="2262554"/>
+            <a:ext cx="14583508" cy="6072554"/>
+          </a:xfrm>
+          <a:prstGeom prst="rect">
+            <a:avLst/>
+          </a:prstGeom>
+          <a:noFill/>
+          <a:ln>
+            <a:noFill/>
+          </a:ln>
+        </p:spPr>
+        <p:txBody>
+          <a:bodyPr lIns="0" tIns="0" rIns="0" bIns="0" anchor="ctr" anchorCtr="0">
+            <a:noAutofit/>
+          </a:bodyPr>
+          <a:lstStyle/>
+          <a:p>
+            <a:pPr lvl="0">
+              <a:buClr>
+                <a:schemeClr val="lt1"/>
+              </a:buClr>
+              <a:buSzPct val="25000"/>
+            </a:pPr>
+            <a:r>
+              <a:rPr lang="ru-RU" sz="3600" dirty="0" err="1">
+                <a:solidFill>
+                  <a:schemeClr val="bg2"/>
+                </a:solidFill>
+                <a:latin typeface="Cabin"/>
+                <a:ea typeface="Cabin"/>
+                <a:cs typeface="Cabin"/>
+                <a:sym typeface="Cabin"/>
+              </a:rPr>
+              <a:t>Don’t</a:t>
+            </a:r>
+            <a:r>
+              <a:rPr lang="ru-RU" sz="3600" dirty="0">
+                <a:solidFill>
+                  <a:schemeClr val="bg2"/>
+                </a:solidFill>
+                <a:latin typeface="Cabin"/>
+                <a:ea typeface="Cabin"/>
+                <a:cs typeface="Cabin"/>
+                <a:sym typeface="Cabin"/>
+              </a:rPr>
+              <a:t> </a:t>
+            </a:r>
+            <a:r>
+              <a:rPr lang="ru-RU" sz="3600" dirty="0" err="1">
+                <a:solidFill>
+                  <a:schemeClr val="bg2"/>
+                </a:solidFill>
+                <a:latin typeface="Cabin"/>
+                <a:ea typeface="Cabin"/>
+                <a:cs typeface="Cabin"/>
+                <a:sym typeface="Cabin"/>
+              </a:rPr>
+              <a:t>repeat</a:t>
+            </a:r>
+            <a:r>
+              <a:rPr lang="ru-RU" sz="3600" dirty="0">
+                <a:solidFill>
+                  <a:schemeClr val="bg2"/>
+                </a:solidFill>
+                <a:latin typeface="Cabin"/>
+                <a:ea typeface="Cabin"/>
+                <a:cs typeface="Cabin"/>
+                <a:sym typeface="Cabin"/>
+              </a:rPr>
+              <a:t> </a:t>
+            </a:r>
+            <a:r>
+              <a:rPr lang="ru-RU" sz="3600" dirty="0" err="1">
+                <a:solidFill>
+                  <a:schemeClr val="bg2"/>
+                </a:solidFill>
+                <a:latin typeface="Cabin"/>
+                <a:ea typeface="Cabin"/>
+                <a:cs typeface="Cabin"/>
+                <a:sym typeface="Cabin"/>
+              </a:rPr>
+              <a:t>yourself</a:t>
+            </a:r>
+            <a:r>
+              <a:rPr lang="ru-RU" sz="3600" dirty="0">
+                <a:solidFill>
+                  <a:schemeClr val="bg2"/>
+                </a:solidFill>
+                <a:latin typeface="Cabin"/>
+                <a:ea typeface="Cabin"/>
+                <a:cs typeface="Cabin"/>
+                <a:sym typeface="Cabin"/>
+              </a:rPr>
+              <a:t>, DRY (рус. не повторяйся) — это принцип разработки программного обеспечения, нацеленный на снижение повторения информации различного </a:t>
+            </a:r>
+            <a:r>
+              <a:rPr lang="ru-RU" sz="3600" dirty="0" smtClean="0">
+                <a:solidFill>
+                  <a:schemeClr val="bg2"/>
+                </a:solidFill>
+                <a:latin typeface="Cabin"/>
+                <a:ea typeface="Cabin"/>
+                <a:cs typeface="Cabin"/>
+                <a:sym typeface="Cabin"/>
+              </a:rPr>
+              <a:t>рода. </a:t>
+            </a:r>
+            <a:endParaRPr lang="en-US" sz="2500" dirty="0">
+              <a:solidFill>
+                <a:schemeClr val="bg2"/>
+              </a:solidFill>
+              <a:latin typeface="Courier New"/>
+              <a:ea typeface="Courier New"/>
+              <a:cs typeface="Courier New"/>
+              <a:sym typeface="Courier New"/>
+            </a:endParaRPr>
+          </a:p>
+        </p:txBody>
+      </p:sp>
+      <p:sp>
+        <p:nvSpPr>
+          <p:cNvPr id="228" name="Shape 228"/>
+          <p:cNvSpPr txBox="1"/>
+          <p:nvPr/>
+        </p:nvSpPr>
+        <p:spPr>
+          <a:xfrm>
+            <a:off x="3869200" y="8109650"/>
+            <a:ext cx="10648499" cy="622199"/>
+          </a:xfrm>
+          <a:prstGeom prst="rect">
+            <a:avLst/>
+          </a:prstGeom>
+          <a:noFill/>
+          <a:ln>
+            <a:noFill/>
+          </a:ln>
+        </p:spPr>
+        <p:txBody>
+          <a:bodyPr lIns="0" tIns="0" rIns="0" bIns="0" anchor="ctr" anchorCtr="0">
+            <a:noAutofit/>
+          </a:bodyPr>
+          <a:lstStyle/>
+          <a:p>
+            <a:pPr marL="0" marR="0" lvl="0" indent="0" algn="ctr" rtl="0">
+              <a:lnSpc>
+                <a:spcPct val="100000"/>
+              </a:lnSpc>
+              <a:spcBef>
+                <a:spcPts val="0"/>
+              </a:spcBef>
+              <a:spcAft>
+                <a:spcPts val="0"/>
+              </a:spcAft>
+              <a:buClr>
+                <a:schemeClr val="lt1"/>
+              </a:buClr>
+              <a:buSzPct val="25000"/>
+              <a:buFont typeface="Cabin"/>
+              <a:buNone/>
+            </a:pPr>
+            <a:r>
+              <a:rPr lang="en-US" sz="3600">
+                <a:solidFill>
+                  <a:schemeClr val="lt1"/>
+                </a:solidFill>
+                <a:latin typeface="Cabin"/>
+                <a:ea typeface="Cabin"/>
+                <a:cs typeface="Cabin"/>
+                <a:sym typeface="Cabin"/>
+              </a:rPr>
+              <a:t>Многократно используемые части кода мы называем “функциями”</a:t>
+            </a:r>
+          </a:p>
+        </p:txBody>
+      </p:sp>
+    </p:spTree>
+    <p:extLst>
+      <p:ext uri="{BB962C8B-B14F-4D97-AF65-F5344CB8AC3E}">
+        <p14:creationId xmlns:p14="http://schemas.microsoft.com/office/powerpoint/2010/main" val="2423173989"/>
+      </p:ext>
+    </p:extLst>
+  </p:cSld>
+  <p:clrMapOvr>
+    <a:masterClrMapping/>
+  </p:clrMapOvr>
+</p:sld>
+</file>
+
+<file path=ppt/slides/slide4.xml><?xml version="1.0" encoding="utf-8"?>
 <p:sld xmlns:a="http://schemas.openxmlformats.org/drawingml/2006/main" xmlns:r="http://schemas.openxmlformats.org/officeDocument/2006/relationships" xmlns:p="http://schemas.openxmlformats.org/presentationml/2006/main">
   <p:cSld>
     <p:bg>
@@ -31981,7 +33359,7 @@
 </p:sld>
 </file>
 
-<file path=ppt/slides/slide4.xml><?xml version="1.0" encoding="utf-8"?>
+<file path=ppt/slides/slide5.xml><?xml version="1.0" encoding="utf-8"?>
 <p:sld xmlns:a="http://schemas.openxmlformats.org/drawingml/2006/main" xmlns:r="http://schemas.openxmlformats.org/officeDocument/2006/relationships" xmlns:p="http://schemas.openxmlformats.org/presentationml/2006/main">
   <p:cSld>
     <p:spTree>
@@ -32531,7 +33909,7 @@
 </p:sld>
 </file>
 
-<file path=ppt/slides/slide5.xml><?xml version="1.0" encoding="utf-8"?>
+<file path=ppt/slides/slide6.xml><?xml version="1.0" encoding="utf-8"?>
 <p:sld xmlns:a="http://schemas.openxmlformats.org/drawingml/2006/main" xmlns:r="http://schemas.openxmlformats.org/officeDocument/2006/relationships" xmlns:p="http://schemas.openxmlformats.org/presentationml/2006/main">
   <p:cSld>
     <p:spTree>
@@ -33016,7 +34394,7 @@
 </p:sld>
 </file>
 
-<file path=ppt/slides/slide6.xml><?xml version="1.0" encoding="utf-8"?>
+<file path=ppt/slides/slide7.xml><?xml version="1.0" encoding="utf-8"?>
 <p:sld xmlns:a="http://schemas.openxmlformats.org/drawingml/2006/main" xmlns:r="http://schemas.openxmlformats.org/officeDocument/2006/relationships" xmlns:p="http://schemas.openxmlformats.org/presentationml/2006/main">
   <p:cSld>
     <p:spTree>
@@ -33920,7 +35298,7 @@
 </p:sld>
 </file>
 
-<file path=ppt/slides/slide7.xml><?xml version="1.0" encoding="utf-8"?>
+<file path=ppt/slides/slide8.xml><?xml version="1.0" encoding="utf-8"?>
 <p:sld xmlns:a="http://schemas.openxmlformats.org/drawingml/2006/main" xmlns:r="http://schemas.openxmlformats.org/officeDocument/2006/relationships" xmlns:p="http://schemas.openxmlformats.org/presentationml/2006/main">
   <p:cSld>
     <p:spTree>
@@ -34898,7 +36276,7 @@
 </p:sld>
 </file>
 
-<file path=ppt/slides/slide8.xml><?xml version="1.0" encoding="utf-8"?>
+<file path=ppt/slides/slide9.xml><?xml version="1.0" encoding="utf-8"?>
 <p:sld xmlns:a="http://schemas.openxmlformats.org/drawingml/2006/main" xmlns:r="http://schemas.openxmlformats.org/officeDocument/2006/relationships" xmlns:p="http://schemas.openxmlformats.org/presentationml/2006/main">
   <p:cSld>
     <p:spTree>
@@ -35971,997 +37349,6 @@
                 <a:sym typeface="Cabin"/>
               </a:rPr>
               <a:t>Этот код написал г-н Гвидо</a:t>
-            </a:r>
-          </a:p>
-        </p:txBody>
-      </p:sp>
-    </p:spTree>
-  </p:cSld>
-  <p:clrMapOvr>
-    <a:masterClrMapping/>
-  </p:clrMapOvr>
-</p:sld>
-</file>
-
-<file path=ppt/slides/slide9.xml><?xml version="1.0" encoding="utf-8"?>
-<p:sld xmlns:a="http://schemas.openxmlformats.org/drawingml/2006/main" xmlns:r="http://schemas.openxmlformats.org/officeDocument/2006/relationships" xmlns:p="http://schemas.openxmlformats.org/presentationml/2006/main">
-  <p:cSld>
-    <p:spTree>
-      <p:nvGrpSpPr>
-        <p:cNvPr id="1" name="Shape 288"/>
-        <p:cNvGrpSpPr/>
-        <p:nvPr/>
-      </p:nvGrpSpPr>
-      <p:grpSpPr>
-        <a:xfrm>
-          <a:off x="0" y="0"/>
-          <a:ext cx="0" cy="0"/>
-          <a:chOff x="0" y="0"/>
-          <a:chExt cx="0" cy="0"/>
-        </a:xfrm>
-      </p:grpSpPr>
-      <p:sp>
-        <p:nvSpPr>
-          <p:cNvPr id="289" name="Shape 289"/>
-          <p:cNvSpPr txBox="1">
-            <a:spLocks noGrp="1"/>
-          </p:cNvSpPr>
-          <p:nvPr>
-            <p:ph type="title"/>
-          </p:nvPr>
-        </p:nvSpPr>
-        <p:spPr>
-          <a:xfrm>
-            <a:off x="1155700" y="469900"/>
-            <a:ext cx="6425100" cy="2298600"/>
-          </a:xfrm>
-          <a:prstGeom prst="rect">
-            <a:avLst/>
-          </a:prstGeom>
-          <a:noFill/>
-          <a:ln>
-            <a:noFill/>
-          </a:ln>
-        </p:spPr>
-        <p:txBody>
-          <a:bodyPr lIns="38100" tIns="38100" rIns="38100" bIns="38100" anchor="ctr" anchorCtr="0">
-            <a:noAutofit/>
-          </a:bodyPr>
-          <a:lstStyle/>
-          <a:p>
-            <a:pPr marL="0" marR="0" lvl="0" indent="0" rtl="0">
-              <a:lnSpc>
-                <a:spcPct val="100000"/>
-              </a:lnSpc>
-              <a:spcBef>
-                <a:spcPts val="0"/>
-              </a:spcBef>
-              <a:spcAft>
-                <a:spcPts val="0"/>
-              </a:spcAft>
-              <a:buClr>
-                <a:srgbClr val="FF00FF"/>
-              </a:buClr>
-              <a:buSzPct val="25000"/>
-              <a:buFont typeface="Cabin"/>
-              <a:buNone/>
-            </a:pPr>
-            <a:r>
-              <a:rPr lang="en-US" sz="5500">
-                <a:solidFill>
-                  <a:srgbClr val="FF00FF"/>
-                </a:solidFill>
-                <a:latin typeface="Cabin"/>
-                <a:ea typeface="Cabin"/>
-                <a:cs typeface="Cabin"/>
-                <a:sym typeface="Cabin"/>
-              </a:rPr>
-              <a:t>Преобразование типа</a:t>
-            </a:r>
-          </a:p>
-        </p:txBody>
-      </p:sp>
-      <p:sp>
-        <p:nvSpPr>
-          <p:cNvPr id="290" name="Shape 290"/>
-          <p:cNvSpPr txBox="1">
-            <a:spLocks noGrp="1"/>
-          </p:cNvSpPr>
-          <p:nvPr>
-            <p:ph type="body" idx="1"/>
-          </p:nvPr>
-        </p:nvSpPr>
-        <p:spPr>
-          <a:xfrm>
-            <a:off x="1155700" y="3136900"/>
-            <a:ext cx="6425100" cy="5702399"/>
-          </a:xfrm>
-          <a:prstGeom prst="rect">
-            <a:avLst/>
-          </a:prstGeom>
-          <a:noFill/>
-          <a:ln>
-            <a:noFill/>
-          </a:ln>
-        </p:spPr>
-        <p:txBody>
-          <a:bodyPr lIns="38100" tIns="38100" rIns="38100" bIns="38100" anchor="ctr" anchorCtr="0">
-            <a:noAutofit/>
-          </a:bodyPr>
-          <a:lstStyle/>
-          <a:p>
-            <a:pPr marL="749300" marR="0" lvl="0" indent="-332994" algn="l" rtl="0">
-              <a:lnSpc>
-                <a:spcPct val="100000"/>
-              </a:lnSpc>
-              <a:spcBef>
-                <a:spcPts val="0"/>
-              </a:spcBef>
-              <a:spcAft>
-                <a:spcPts val="0"/>
-              </a:spcAft>
-              <a:buClr>
-                <a:schemeClr val="lt1"/>
-              </a:buClr>
-              <a:buSzPct val="100000"/>
-              <a:buFont typeface="Cabin"/>
-              <a:buChar char="•"/>
-            </a:pPr>
-            <a:r>
-              <a:rPr lang="en-US" sz="3000">
-                <a:solidFill>
-                  <a:schemeClr val="lt1"/>
-                </a:solidFill>
-                <a:latin typeface="Cabin"/>
-                <a:ea typeface="Cabin"/>
-                <a:cs typeface="Cabin"/>
-                <a:sym typeface="Cabin"/>
-              </a:rPr>
-              <a:t>При использовании целого числа и числа с плавающей точкой в одном выражении, целое число </a:t>
-            </a:r>
-            <a:r>
-              <a:rPr lang="en-US" sz="3000">
-                <a:solidFill>
-                  <a:srgbClr val="FF00FF"/>
-                </a:solidFill>
-                <a:latin typeface="Cabin"/>
-                <a:ea typeface="Cabin"/>
-                <a:cs typeface="Cabin"/>
-                <a:sym typeface="Cabin"/>
-              </a:rPr>
-              <a:t>косвенно</a:t>
-            </a:r>
-            <a:r>
-              <a:rPr lang="en-US" sz="3000">
-                <a:solidFill>
-                  <a:schemeClr val="lt1"/>
-                </a:solidFill>
-                <a:latin typeface="Cabin"/>
-                <a:ea typeface="Cabin"/>
-                <a:cs typeface="Cabin"/>
-                <a:sym typeface="Cabin"/>
-              </a:rPr>
-              <a:t> преобразуется в значение с плавающей точкой</a:t>
-            </a:r>
-          </a:p>
-          <a:p>
-            <a:pPr marL="749300" marR="0" lvl="0" indent="-332994" algn="l" rtl="0">
-              <a:lnSpc>
-                <a:spcPct val="100000"/>
-              </a:lnSpc>
-              <a:spcBef>
-                <a:spcPts val="3500"/>
-              </a:spcBef>
-              <a:spcAft>
-                <a:spcPts val="0"/>
-              </a:spcAft>
-              <a:buClr>
-                <a:schemeClr val="lt1"/>
-              </a:buClr>
-              <a:buSzPct val="100000"/>
-              <a:buFont typeface="Cabin"/>
-              <a:buChar char="•"/>
-            </a:pPr>
-            <a:r>
-              <a:rPr lang="en-US" sz="3000">
-                <a:solidFill>
-                  <a:schemeClr val="lt1"/>
-                </a:solidFill>
-                <a:latin typeface="Cabin"/>
-                <a:ea typeface="Cabin"/>
-                <a:cs typeface="Cabin"/>
-                <a:sym typeface="Cabin"/>
-              </a:rPr>
-              <a:t>Это управляется с помощью встроенных функций, таких как </a:t>
-            </a:r>
-            <a:r>
-              <a:rPr lang="en-US" sz="3000" b="0" i="0" u="none" strike="noStrike" cap="none">
-                <a:solidFill>
-                  <a:schemeClr val="lt1"/>
-                </a:solidFill>
-                <a:latin typeface="Cabin"/>
-                <a:ea typeface="Cabin"/>
-                <a:cs typeface="Cabin"/>
-                <a:sym typeface="Cabin"/>
-              </a:rPr>
-              <a:t>int() </a:t>
-            </a:r>
-            <a:r>
-              <a:rPr lang="en-US" sz="3000">
-                <a:solidFill>
-                  <a:schemeClr val="lt1"/>
-                </a:solidFill>
-                <a:latin typeface="Cabin"/>
-                <a:ea typeface="Cabin"/>
-                <a:cs typeface="Cabin"/>
-                <a:sym typeface="Cabin"/>
-              </a:rPr>
-              <a:t>и</a:t>
-            </a:r>
-            <a:r>
-              <a:rPr lang="en-US" sz="3000" b="0" i="0" u="none" strike="noStrike" cap="none">
-                <a:solidFill>
-                  <a:schemeClr val="lt1"/>
-                </a:solidFill>
-                <a:latin typeface="Cabin"/>
-                <a:ea typeface="Cabin"/>
-                <a:cs typeface="Cabin"/>
-                <a:sym typeface="Cabin"/>
-              </a:rPr>
-              <a:t> float()</a:t>
-            </a:r>
-          </a:p>
-        </p:txBody>
-      </p:sp>
-      <p:sp>
-        <p:nvSpPr>
-          <p:cNvPr id="291" name="Shape 291"/>
-          <p:cNvSpPr txBox="1"/>
-          <p:nvPr/>
-        </p:nvSpPr>
-        <p:spPr>
-          <a:xfrm>
-            <a:off x="7940325" y="1285400"/>
-            <a:ext cx="7874399" cy="6870599"/>
-          </a:xfrm>
-          <a:prstGeom prst="rect">
-            <a:avLst/>
-          </a:prstGeom>
-          <a:noFill/>
-          <a:ln>
-            <a:noFill/>
-          </a:ln>
-        </p:spPr>
-        <p:txBody>
-          <a:bodyPr lIns="0" tIns="0" rIns="0" bIns="0" anchor="ctr" anchorCtr="0">
-            <a:noAutofit/>
-          </a:bodyPr>
-          <a:lstStyle/>
-          <a:p>
-            <a:pPr marL="0" marR="0" lvl="0" indent="0" algn="l" rtl="0">
-              <a:lnSpc>
-                <a:spcPct val="100000"/>
-              </a:lnSpc>
-              <a:spcBef>
-                <a:spcPts val="0"/>
-              </a:spcBef>
-              <a:spcAft>
-                <a:spcPts val="0"/>
-              </a:spcAft>
-              <a:buClr>
-                <a:schemeClr val="lt1"/>
-              </a:buClr>
-              <a:buSzPct val="25000"/>
-              <a:buFont typeface="Cabin"/>
-              <a:buNone/>
-            </a:pPr>
-            <a:r>
-              <a:rPr lang="en-US" sz="3000" b="0" i="0" u="none" strike="noStrike" cap="none">
-                <a:solidFill>
-                  <a:schemeClr val="lt1"/>
-                </a:solidFill>
-                <a:latin typeface="Courier New"/>
-                <a:ea typeface="Courier New"/>
-                <a:cs typeface="Courier New"/>
-                <a:sym typeface="Courier New"/>
-              </a:rPr>
-              <a:t>&gt;&gt;&gt; </a:t>
-            </a:r>
-            <a:r>
-              <a:rPr lang="en-US" sz="3000" b="0" i="0" u="none" strike="noStrike" cap="none">
-                <a:solidFill>
-                  <a:srgbClr val="FFFF00"/>
-                </a:solidFill>
-                <a:latin typeface="Courier New"/>
-                <a:ea typeface="Courier New"/>
-                <a:cs typeface="Courier New"/>
-                <a:sym typeface="Courier New"/>
-              </a:rPr>
-              <a:t>print</a:t>
-            </a:r>
-            <a:r>
-              <a:rPr lang="en-US" sz="3000" b="0" i="0" u="none" strike="noStrike" cap="none">
-                <a:solidFill>
-                  <a:schemeClr val="lt1"/>
-                </a:solidFill>
-                <a:latin typeface="Courier New"/>
-                <a:ea typeface="Courier New"/>
-                <a:cs typeface="Courier New"/>
-                <a:sym typeface="Courier New"/>
-              </a:rPr>
-              <a:t> </a:t>
-            </a:r>
-            <a:r>
-              <a:rPr lang="en-US" sz="3000" b="0" i="0" u="none" strike="noStrike" cap="none">
-                <a:solidFill>
-                  <a:srgbClr val="FF00FF"/>
-                </a:solidFill>
-                <a:latin typeface="Courier New"/>
-                <a:ea typeface="Courier New"/>
-                <a:cs typeface="Courier New"/>
-                <a:sym typeface="Courier New"/>
-              </a:rPr>
-              <a:t>float</a:t>
-            </a:r>
-            <a:r>
-              <a:rPr lang="en-US" sz="3000" b="0" i="0" u="none" strike="noStrike" cap="none">
-                <a:solidFill>
-                  <a:schemeClr val="lt1"/>
-                </a:solidFill>
-                <a:latin typeface="Courier New"/>
-                <a:ea typeface="Courier New"/>
-                <a:cs typeface="Courier New"/>
-                <a:sym typeface="Courier New"/>
-              </a:rPr>
-              <a:t>(99) </a:t>
-            </a:r>
-            <a:r>
-              <a:rPr lang="en-US" sz="3000" b="0" i="0" u="none" strike="noStrike" cap="none">
-                <a:solidFill>
-                  <a:srgbClr val="00FFFF"/>
-                </a:solidFill>
-                <a:latin typeface="Courier New"/>
-                <a:ea typeface="Courier New"/>
-                <a:cs typeface="Courier New"/>
-                <a:sym typeface="Courier New"/>
-              </a:rPr>
-              <a:t>/</a:t>
-            </a:r>
-            <a:r>
-              <a:rPr lang="en-US" sz="3000" b="0" i="0" u="none" strike="noStrike" cap="none">
-                <a:solidFill>
-                  <a:schemeClr val="lt1"/>
-                </a:solidFill>
-                <a:latin typeface="Courier New"/>
-                <a:ea typeface="Courier New"/>
-                <a:cs typeface="Courier New"/>
-                <a:sym typeface="Courier New"/>
-              </a:rPr>
-              <a:t> 100</a:t>
-            </a:r>
-          </a:p>
-          <a:p>
-            <a:pPr marL="0" marR="0" lvl="0" indent="0" algn="l" rtl="0">
-              <a:lnSpc>
-                <a:spcPct val="100000"/>
-              </a:lnSpc>
-              <a:spcBef>
-                <a:spcPts val="0"/>
-              </a:spcBef>
-              <a:spcAft>
-                <a:spcPts val="0"/>
-              </a:spcAft>
-              <a:buClr>
-                <a:schemeClr val="lt1"/>
-              </a:buClr>
-              <a:buSzPct val="25000"/>
-              <a:buFont typeface="Cabin"/>
-              <a:buNone/>
-            </a:pPr>
-            <a:r>
-              <a:rPr lang="en-US" sz="3000" b="0" i="0" u="none" strike="noStrike" cap="none">
-                <a:solidFill>
-                  <a:schemeClr val="lt1"/>
-                </a:solidFill>
-                <a:latin typeface="Courier New"/>
-                <a:ea typeface="Courier New"/>
-                <a:cs typeface="Courier New"/>
-                <a:sym typeface="Courier New"/>
-              </a:rPr>
-              <a:t>0.99</a:t>
-            </a:r>
-          </a:p>
-          <a:p>
-            <a:pPr marL="0" marR="0" lvl="0" indent="0" algn="l" rtl="0">
-              <a:lnSpc>
-                <a:spcPct val="100000"/>
-              </a:lnSpc>
-              <a:spcBef>
-                <a:spcPts val="0"/>
-              </a:spcBef>
-              <a:spcAft>
-                <a:spcPts val="0"/>
-              </a:spcAft>
-              <a:buClr>
-                <a:schemeClr val="lt1"/>
-              </a:buClr>
-              <a:buSzPct val="25000"/>
-              <a:buFont typeface="Cabin"/>
-              <a:buNone/>
-            </a:pPr>
-            <a:r>
-              <a:rPr lang="en-US" sz="3000" b="0" i="0" u="none" strike="noStrike" cap="none">
-                <a:solidFill>
-                  <a:schemeClr val="lt1"/>
-                </a:solidFill>
-                <a:latin typeface="Courier New"/>
-                <a:ea typeface="Courier New"/>
-                <a:cs typeface="Courier New"/>
-                <a:sym typeface="Courier New"/>
-              </a:rPr>
-              <a:t>&gt;&gt;&gt; i = 42</a:t>
-            </a:r>
-          </a:p>
-          <a:p>
-            <a:pPr marL="0" marR="0" lvl="0" indent="0" algn="l" rtl="0">
-              <a:lnSpc>
-                <a:spcPct val="100000"/>
-              </a:lnSpc>
-              <a:spcBef>
-                <a:spcPts val="0"/>
-              </a:spcBef>
-              <a:spcAft>
-                <a:spcPts val="0"/>
-              </a:spcAft>
-              <a:buClr>
-                <a:schemeClr val="lt1"/>
-              </a:buClr>
-              <a:buSzPct val="25000"/>
-              <a:buFont typeface="Cabin"/>
-              <a:buNone/>
-            </a:pPr>
-            <a:r>
-              <a:rPr lang="en-US" sz="3000" b="0" i="0" u="none" strike="noStrike" cap="none">
-                <a:solidFill>
-                  <a:schemeClr val="lt1"/>
-                </a:solidFill>
-                <a:latin typeface="Courier New"/>
-                <a:ea typeface="Courier New"/>
-                <a:cs typeface="Courier New"/>
-                <a:sym typeface="Courier New"/>
-              </a:rPr>
-              <a:t>&gt;&gt;&gt; </a:t>
-            </a:r>
-            <a:r>
-              <a:rPr lang="en-US" sz="3000" b="0" i="0" u="none" strike="noStrike" cap="none">
-                <a:solidFill>
-                  <a:srgbClr val="FF00FF"/>
-                </a:solidFill>
-                <a:latin typeface="Courier New"/>
-                <a:ea typeface="Courier New"/>
-                <a:cs typeface="Courier New"/>
-                <a:sym typeface="Courier New"/>
-              </a:rPr>
-              <a:t>type</a:t>
-            </a:r>
-            <a:r>
-              <a:rPr lang="en-US" sz="3000" b="0" i="0" u="none" strike="noStrike" cap="none">
-                <a:solidFill>
-                  <a:schemeClr val="lt1"/>
-                </a:solidFill>
-                <a:latin typeface="Courier New"/>
-                <a:ea typeface="Courier New"/>
-                <a:cs typeface="Courier New"/>
-                <a:sym typeface="Courier New"/>
-              </a:rPr>
-              <a:t>(i)</a:t>
-            </a:r>
-          </a:p>
-          <a:p>
-            <a:pPr marL="0" marR="0" lvl="0" indent="0" algn="l" rtl="0">
-              <a:lnSpc>
-                <a:spcPct val="100000"/>
-              </a:lnSpc>
-              <a:spcBef>
-                <a:spcPts val="0"/>
-              </a:spcBef>
-              <a:spcAft>
-                <a:spcPts val="0"/>
-              </a:spcAft>
-              <a:buClr>
-                <a:schemeClr val="lt1"/>
-              </a:buClr>
-              <a:buSzPct val="25000"/>
-              <a:buFont typeface="Cabin"/>
-              <a:buNone/>
-            </a:pPr>
-            <a:r>
-              <a:rPr lang="en-US" sz="3000" b="0" i="0" u="none" strike="noStrike" cap="none">
-                <a:solidFill>
-                  <a:schemeClr val="lt1"/>
-                </a:solidFill>
-                <a:latin typeface="Courier New"/>
-                <a:ea typeface="Courier New"/>
-                <a:cs typeface="Courier New"/>
-                <a:sym typeface="Courier New"/>
-              </a:rPr>
-              <a:t>&lt;type 'int'&gt;</a:t>
-            </a:r>
-          </a:p>
-          <a:p>
-            <a:pPr marL="0" marR="0" lvl="0" indent="0" algn="l" rtl="0">
-              <a:lnSpc>
-                <a:spcPct val="100000"/>
-              </a:lnSpc>
-              <a:spcBef>
-                <a:spcPts val="0"/>
-              </a:spcBef>
-              <a:spcAft>
-                <a:spcPts val="0"/>
-              </a:spcAft>
-              <a:buClr>
-                <a:schemeClr val="lt1"/>
-              </a:buClr>
-              <a:buSzPct val="25000"/>
-              <a:buFont typeface="Cabin"/>
-              <a:buNone/>
-            </a:pPr>
-            <a:r>
-              <a:rPr lang="en-US" sz="3000" b="0" i="0" u="none" strike="noStrike" cap="none">
-                <a:solidFill>
-                  <a:schemeClr val="lt1"/>
-                </a:solidFill>
-                <a:latin typeface="Courier New"/>
-                <a:ea typeface="Courier New"/>
-                <a:cs typeface="Courier New"/>
-                <a:sym typeface="Courier New"/>
-              </a:rPr>
-              <a:t>&gt;&gt;&gt; f = </a:t>
-            </a:r>
-            <a:r>
-              <a:rPr lang="en-US" sz="3000" b="0" i="0" u="none" strike="noStrike" cap="none">
-                <a:solidFill>
-                  <a:srgbClr val="FF00FF"/>
-                </a:solidFill>
-                <a:latin typeface="Courier New"/>
-                <a:ea typeface="Courier New"/>
-                <a:cs typeface="Courier New"/>
-                <a:sym typeface="Courier New"/>
-              </a:rPr>
-              <a:t>float</a:t>
-            </a:r>
-            <a:r>
-              <a:rPr lang="en-US" sz="3000" b="0" i="0" u="none" strike="noStrike" cap="none">
-                <a:solidFill>
-                  <a:schemeClr val="lt1"/>
-                </a:solidFill>
-                <a:latin typeface="Courier New"/>
-                <a:ea typeface="Courier New"/>
-                <a:cs typeface="Courier New"/>
-                <a:sym typeface="Courier New"/>
-              </a:rPr>
-              <a:t>(i)</a:t>
-            </a:r>
-          </a:p>
-          <a:p>
-            <a:pPr marL="0" marR="0" lvl="0" indent="0" algn="l" rtl="0">
-              <a:lnSpc>
-                <a:spcPct val="100000"/>
-              </a:lnSpc>
-              <a:spcBef>
-                <a:spcPts val="0"/>
-              </a:spcBef>
-              <a:spcAft>
-                <a:spcPts val="0"/>
-              </a:spcAft>
-              <a:buClr>
-                <a:schemeClr val="lt1"/>
-              </a:buClr>
-              <a:buSzPct val="25000"/>
-              <a:buFont typeface="Cabin"/>
-              <a:buNone/>
-            </a:pPr>
-            <a:r>
-              <a:rPr lang="en-US" sz="3000" b="0" i="0" u="none" strike="noStrike" cap="none">
-                <a:solidFill>
-                  <a:schemeClr val="lt1"/>
-                </a:solidFill>
-                <a:latin typeface="Courier New"/>
-                <a:ea typeface="Courier New"/>
-                <a:cs typeface="Courier New"/>
-                <a:sym typeface="Courier New"/>
-              </a:rPr>
-              <a:t>&gt;&gt;&gt; </a:t>
-            </a:r>
-            <a:r>
-              <a:rPr lang="en-US" sz="3000" b="0" i="0" u="none" strike="noStrike" cap="none">
-                <a:solidFill>
-                  <a:srgbClr val="FFFF00"/>
-                </a:solidFill>
-                <a:latin typeface="Courier New"/>
-                <a:ea typeface="Courier New"/>
-                <a:cs typeface="Courier New"/>
-                <a:sym typeface="Courier New"/>
-              </a:rPr>
-              <a:t>print</a:t>
-            </a:r>
-            <a:r>
-              <a:rPr lang="en-US" sz="3000" b="0" i="0" u="none" strike="noStrike" cap="none">
-                <a:solidFill>
-                  <a:schemeClr val="lt1"/>
-                </a:solidFill>
-                <a:latin typeface="Courier New"/>
-                <a:ea typeface="Courier New"/>
-                <a:cs typeface="Courier New"/>
-                <a:sym typeface="Courier New"/>
-              </a:rPr>
-              <a:t> f</a:t>
-            </a:r>
-          </a:p>
-          <a:p>
-            <a:pPr marL="0" marR="0" lvl="0" indent="0" algn="l" rtl="0">
-              <a:lnSpc>
-                <a:spcPct val="100000"/>
-              </a:lnSpc>
-              <a:spcBef>
-                <a:spcPts val="0"/>
-              </a:spcBef>
-              <a:spcAft>
-                <a:spcPts val="0"/>
-              </a:spcAft>
-              <a:buClr>
-                <a:schemeClr val="lt1"/>
-              </a:buClr>
-              <a:buSzPct val="25000"/>
-              <a:buFont typeface="Cabin"/>
-              <a:buNone/>
-            </a:pPr>
-            <a:r>
-              <a:rPr lang="en-US" sz="3000" b="0" i="0" u="none" strike="noStrike" cap="none">
-                <a:solidFill>
-                  <a:schemeClr val="lt1"/>
-                </a:solidFill>
-                <a:latin typeface="Courier New"/>
-                <a:ea typeface="Courier New"/>
-                <a:cs typeface="Courier New"/>
-                <a:sym typeface="Courier New"/>
-              </a:rPr>
-              <a:t>42.0</a:t>
-            </a:r>
-          </a:p>
-          <a:p>
-            <a:pPr marL="0" marR="0" lvl="0" indent="0" algn="l" rtl="0">
-              <a:lnSpc>
-                <a:spcPct val="100000"/>
-              </a:lnSpc>
-              <a:spcBef>
-                <a:spcPts val="0"/>
-              </a:spcBef>
-              <a:spcAft>
-                <a:spcPts val="0"/>
-              </a:spcAft>
-              <a:buClr>
-                <a:schemeClr val="lt1"/>
-              </a:buClr>
-              <a:buSzPct val="25000"/>
-              <a:buFont typeface="Cabin"/>
-              <a:buNone/>
-            </a:pPr>
-            <a:r>
-              <a:rPr lang="en-US" sz="3000" b="0" i="0" u="none" strike="noStrike" cap="none">
-                <a:solidFill>
-                  <a:schemeClr val="lt1"/>
-                </a:solidFill>
-                <a:latin typeface="Courier New"/>
-                <a:ea typeface="Courier New"/>
-                <a:cs typeface="Courier New"/>
-                <a:sym typeface="Courier New"/>
-              </a:rPr>
-              <a:t>&gt;&gt;&gt; </a:t>
-            </a:r>
-            <a:r>
-              <a:rPr lang="en-US" sz="3000" b="0" i="0" u="none" strike="noStrike" cap="none">
-                <a:solidFill>
-                  <a:srgbClr val="FF00FF"/>
-                </a:solidFill>
-                <a:latin typeface="Courier New"/>
-                <a:ea typeface="Courier New"/>
-                <a:cs typeface="Courier New"/>
-                <a:sym typeface="Courier New"/>
-              </a:rPr>
-              <a:t>type</a:t>
-            </a:r>
-            <a:r>
-              <a:rPr lang="en-US" sz="3000" b="0" i="0" u="none" strike="noStrike" cap="none">
-                <a:solidFill>
-                  <a:schemeClr val="lt1"/>
-                </a:solidFill>
-                <a:latin typeface="Courier New"/>
-                <a:ea typeface="Courier New"/>
-                <a:cs typeface="Courier New"/>
-                <a:sym typeface="Courier New"/>
-              </a:rPr>
-              <a:t>(f)</a:t>
-            </a:r>
-          </a:p>
-          <a:p>
-            <a:pPr marL="0" marR="0" lvl="0" indent="0" algn="l" rtl="0">
-              <a:lnSpc>
-                <a:spcPct val="100000"/>
-              </a:lnSpc>
-              <a:spcBef>
-                <a:spcPts val="0"/>
-              </a:spcBef>
-              <a:spcAft>
-                <a:spcPts val="0"/>
-              </a:spcAft>
-              <a:buClr>
-                <a:schemeClr val="lt1"/>
-              </a:buClr>
-              <a:buSzPct val="25000"/>
-              <a:buFont typeface="Cabin"/>
-              <a:buNone/>
-            </a:pPr>
-            <a:r>
-              <a:rPr lang="en-US" sz="3000" b="0" i="0" u="none" strike="noStrike" cap="none">
-                <a:solidFill>
-                  <a:schemeClr val="lt1"/>
-                </a:solidFill>
-                <a:latin typeface="Courier New"/>
-                <a:ea typeface="Courier New"/>
-                <a:cs typeface="Courier New"/>
-                <a:sym typeface="Courier New"/>
-              </a:rPr>
-              <a:t>&lt;type 'float'&gt;</a:t>
-            </a:r>
-          </a:p>
-          <a:p>
-            <a:pPr marL="0" marR="0" lvl="0" indent="0" algn="l" rtl="0">
-              <a:lnSpc>
-                <a:spcPct val="100000"/>
-              </a:lnSpc>
-              <a:spcBef>
-                <a:spcPts val="0"/>
-              </a:spcBef>
-              <a:spcAft>
-                <a:spcPts val="0"/>
-              </a:spcAft>
-              <a:buClr>
-                <a:schemeClr val="lt1"/>
-              </a:buClr>
-              <a:buSzPct val="25000"/>
-              <a:buFont typeface="Cabin"/>
-              <a:buNone/>
-            </a:pPr>
-            <a:r>
-              <a:rPr lang="en-US" sz="3000" b="0" i="0" u="none" strike="noStrike" cap="none">
-                <a:solidFill>
-                  <a:schemeClr val="lt1"/>
-                </a:solidFill>
-                <a:latin typeface="Courier New"/>
-                <a:ea typeface="Courier New"/>
-                <a:cs typeface="Courier New"/>
-                <a:sym typeface="Courier New"/>
-              </a:rPr>
-              <a:t>&gt;&gt;&gt; </a:t>
-            </a:r>
-            <a:r>
-              <a:rPr lang="en-US" sz="3000" b="0" i="0" u="none" strike="noStrike" cap="none">
-                <a:solidFill>
-                  <a:srgbClr val="FFFF00"/>
-                </a:solidFill>
-                <a:latin typeface="Courier New"/>
-                <a:ea typeface="Courier New"/>
-                <a:cs typeface="Courier New"/>
-                <a:sym typeface="Courier New"/>
-              </a:rPr>
-              <a:t>print</a:t>
-            </a:r>
-            <a:r>
-              <a:rPr lang="en-US" sz="3000" b="0" i="0" u="none" strike="noStrike" cap="none">
-                <a:solidFill>
-                  <a:schemeClr val="lt1"/>
-                </a:solidFill>
-                <a:latin typeface="Courier New"/>
-                <a:ea typeface="Courier New"/>
-                <a:cs typeface="Courier New"/>
-                <a:sym typeface="Courier New"/>
-              </a:rPr>
-              <a:t> 1 </a:t>
-            </a:r>
-            <a:r>
-              <a:rPr lang="en-US" sz="3000" b="0" i="0" u="none" strike="noStrike" cap="none">
-                <a:solidFill>
-                  <a:srgbClr val="00FFFF"/>
-                </a:solidFill>
-                <a:latin typeface="Courier New"/>
-                <a:ea typeface="Courier New"/>
-                <a:cs typeface="Courier New"/>
-                <a:sym typeface="Courier New"/>
-              </a:rPr>
-              <a:t>+</a:t>
-            </a:r>
-            <a:r>
-              <a:rPr lang="en-US" sz="3000" b="0" i="0" u="none" strike="noStrike" cap="none">
-                <a:solidFill>
-                  <a:schemeClr val="lt1"/>
-                </a:solidFill>
-                <a:latin typeface="Courier New"/>
-                <a:ea typeface="Courier New"/>
-                <a:cs typeface="Courier New"/>
-                <a:sym typeface="Courier New"/>
-              </a:rPr>
-              <a:t> 2 </a:t>
-            </a:r>
-            <a:r>
-              <a:rPr lang="en-US" sz="3000" b="0" i="0" u="none" strike="noStrike" cap="none">
-                <a:solidFill>
-                  <a:srgbClr val="00FFFF"/>
-                </a:solidFill>
-                <a:latin typeface="Courier New"/>
-                <a:ea typeface="Courier New"/>
-                <a:cs typeface="Courier New"/>
-                <a:sym typeface="Courier New"/>
-              </a:rPr>
-              <a:t>*</a:t>
-            </a:r>
-            <a:r>
-              <a:rPr lang="en-US" sz="3000" b="0" i="0" u="none" strike="noStrike" cap="none">
-                <a:solidFill>
-                  <a:schemeClr val="lt1"/>
-                </a:solidFill>
-                <a:latin typeface="Courier New"/>
-                <a:ea typeface="Courier New"/>
-                <a:cs typeface="Courier New"/>
-                <a:sym typeface="Courier New"/>
-              </a:rPr>
-              <a:t> </a:t>
-            </a:r>
-            <a:r>
-              <a:rPr lang="en-US" sz="3000" b="0" i="0" u="none" strike="noStrike" cap="none">
-                <a:solidFill>
-                  <a:srgbClr val="FF00FF"/>
-                </a:solidFill>
-                <a:latin typeface="Courier New"/>
-                <a:ea typeface="Courier New"/>
-                <a:cs typeface="Courier New"/>
-                <a:sym typeface="Courier New"/>
-              </a:rPr>
-              <a:t>float</a:t>
-            </a:r>
-            <a:r>
-              <a:rPr lang="en-US" sz="3000" b="0" i="0" u="none" strike="noStrike" cap="none">
-                <a:solidFill>
-                  <a:schemeClr val="lt1"/>
-                </a:solidFill>
-                <a:latin typeface="Courier New"/>
-                <a:ea typeface="Courier New"/>
-                <a:cs typeface="Courier New"/>
-                <a:sym typeface="Courier New"/>
-              </a:rPr>
-              <a:t>(3) </a:t>
-            </a:r>
-            <a:r>
-              <a:rPr lang="en-US" sz="3000" b="0" i="0" u="none" strike="noStrike" cap="none">
-                <a:solidFill>
-                  <a:srgbClr val="00FFFF"/>
-                </a:solidFill>
-                <a:latin typeface="Courier New"/>
-                <a:ea typeface="Courier New"/>
-                <a:cs typeface="Courier New"/>
-                <a:sym typeface="Courier New"/>
-              </a:rPr>
-              <a:t>/</a:t>
-            </a:r>
-            <a:r>
-              <a:rPr lang="en-US" sz="3000">
-                <a:solidFill>
-                  <a:schemeClr val="lt1"/>
-                </a:solidFill>
-                <a:latin typeface="Courier New"/>
-                <a:ea typeface="Courier New"/>
-                <a:cs typeface="Courier New"/>
-                <a:sym typeface="Courier New"/>
-              </a:rPr>
-              <a:t> </a:t>
-            </a:r>
-            <a:r>
-              <a:rPr lang="en-US" sz="3000" b="0" i="0" u="none" strike="noStrike" cap="none">
-                <a:solidFill>
-                  <a:schemeClr val="lt1"/>
-                </a:solidFill>
-                <a:latin typeface="Courier New"/>
-                <a:ea typeface="Courier New"/>
-                <a:cs typeface="Courier New"/>
-                <a:sym typeface="Courier New"/>
-              </a:rPr>
-              <a:t>4 </a:t>
-            </a:r>
-            <a:r>
-              <a:rPr lang="en-US" sz="3000" b="0" i="0" u="none" strike="noStrike" cap="none">
-                <a:solidFill>
-                  <a:srgbClr val="00FFFF"/>
-                </a:solidFill>
-                <a:latin typeface="Courier New"/>
-                <a:ea typeface="Courier New"/>
-                <a:cs typeface="Courier New"/>
-                <a:sym typeface="Courier New"/>
-              </a:rPr>
-              <a:t>-</a:t>
-            </a:r>
-            <a:r>
-              <a:rPr lang="en-US" sz="3000" b="0" i="0" u="none" strike="noStrike" cap="none">
-                <a:solidFill>
-                  <a:schemeClr val="lt1"/>
-                </a:solidFill>
-                <a:latin typeface="Courier New"/>
-                <a:ea typeface="Courier New"/>
-                <a:cs typeface="Courier New"/>
-                <a:sym typeface="Courier New"/>
-              </a:rPr>
-              <a:t> 5</a:t>
-            </a:r>
-          </a:p>
-          <a:p>
-            <a:pPr marL="0" marR="0" lvl="0" indent="0" algn="l" rtl="0">
-              <a:lnSpc>
-                <a:spcPct val="100000"/>
-              </a:lnSpc>
-              <a:spcBef>
-                <a:spcPts val="0"/>
-              </a:spcBef>
-              <a:spcAft>
-                <a:spcPts val="0"/>
-              </a:spcAft>
-              <a:buClr>
-                <a:schemeClr val="lt1"/>
-              </a:buClr>
-              <a:buSzPct val="25000"/>
-              <a:buFont typeface="Cabin"/>
-              <a:buNone/>
-            </a:pPr>
-            <a:r>
-              <a:rPr lang="en-US" sz="3000" b="0" i="0" u="none" strike="noStrike" cap="none">
-                <a:solidFill>
-                  <a:schemeClr val="lt1"/>
-                </a:solidFill>
-                <a:latin typeface="Courier New"/>
-                <a:ea typeface="Courier New"/>
-                <a:cs typeface="Courier New"/>
-                <a:sym typeface="Courier New"/>
-              </a:rPr>
-              <a:t>-2.5</a:t>
-            </a:r>
-          </a:p>
-          <a:p>
-            <a:pPr marL="0" marR="0" lvl="0" indent="0" algn="l" rtl="0">
-              <a:lnSpc>
-                <a:spcPct val="100000"/>
-              </a:lnSpc>
-              <a:spcBef>
-                <a:spcPts val="0"/>
-              </a:spcBef>
-              <a:spcAft>
-                <a:spcPts val="0"/>
-              </a:spcAft>
-              <a:buClr>
-                <a:schemeClr val="lt1"/>
-              </a:buClr>
-              <a:buSzPct val="25000"/>
-              <a:buFont typeface="Cabin"/>
-              <a:buNone/>
-            </a:pPr>
-            <a:r>
-              <a:rPr lang="en-US" sz="3000" b="0" i="0" u="none" strike="noStrike" cap="none">
-                <a:solidFill>
-                  <a:schemeClr val="lt1"/>
-                </a:solidFill>
-                <a:latin typeface="Courier New"/>
-                <a:ea typeface="Courier New"/>
-                <a:cs typeface="Courier New"/>
-                <a:sym typeface="Courier New"/>
-              </a:rPr>
-              <a:t>&gt;&gt;&gt; </a:t>
             </a:r>
           </a:p>
         </p:txBody>
